--- a/slides/06_inheritance.pptx
+++ b/slides/06_inheritance.pptx
@@ -359,104 +359,239 @@
             <a:noAutofit/>
           </a:bodyPr>
           <a:lstStyle>
-            <a:lvl1pPr indent="-298450" lvl="0" marL="457200">
-              <a:spcBef>
-                <a:spcPts val="0"/>
-              </a:spcBef>
-              <a:spcAft>
-                <a:spcPts val="0"/>
-              </a:spcAft>
+            <a:lvl1pPr indent="-298450" lvl="0" marL="457200" marR="0" rtl="0" algn="l">
+              <a:lnSpc>
+                <a:spcPct val="100000"/>
+              </a:lnSpc>
+              <a:spcBef>
+                <a:spcPts val="0"/>
+              </a:spcBef>
+              <a:spcAft>
+                <a:spcPts val="0"/>
+              </a:spcAft>
+              <a:buClr>
+                <a:srgbClr val="000000"/>
+              </a:buClr>
               <a:buSzPts val="1100"/>
+              <a:buFont typeface="Arial"/>
               <a:buChar char="●"/>
-              <a:defRPr sz="1100"/>
+              <a:defRPr b="0" i="0" sz="1100" u="none" cap="none" strike="noStrike">
+                <a:solidFill>
+                  <a:srgbClr val="000000"/>
+                </a:solidFill>
+                <a:latin typeface="Arial"/>
+                <a:ea typeface="Arial"/>
+                <a:cs typeface="Arial"/>
+                <a:sym typeface="Arial"/>
+              </a:defRPr>
             </a:lvl1pPr>
-            <a:lvl2pPr indent="-298450" lvl="1" marL="914400">
-              <a:spcBef>
-                <a:spcPts val="0"/>
-              </a:spcBef>
-              <a:spcAft>
-                <a:spcPts val="0"/>
-              </a:spcAft>
+            <a:lvl2pPr indent="-298450" lvl="1" marL="914400" marR="0" rtl="0" algn="l">
+              <a:lnSpc>
+                <a:spcPct val="100000"/>
+              </a:lnSpc>
+              <a:spcBef>
+                <a:spcPts val="0"/>
+              </a:spcBef>
+              <a:spcAft>
+                <a:spcPts val="0"/>
+              </a:spcAft>
+              <a:buClr>
+                <a:srgbClr val="000000"/>
+              </a:buClr>
               <a:buSzPts val="1100"/>
+              <a:buFont typeface="Arial"/>
               <a:buChar char="○"/>
-              <a:defRPr sz="1100"/>
+              <a:defRPr b="0" i="0" sz="1100" u="none" cap="none" strike="noStrike">
+                <a:solidFill>
+                  <a:srgbClr val="000000"/>
+                </a:solidFill>
+                <a:latin typeface="Arial"/>
+                <a:ea typeface="Arial"/>
+                <a:cs typeface="Arial"/>
+                <a:sym typeface="Arial"/>
+              </a:defRPr>
             </a:lvl2pPr>
-            <a:lvl3pPr indent="-298450" lvl="2" marL="1371600">
-              <a:spcBef>
-                <a:spcPts val="0"/>
-              </a:spcBef>
-              <a:spcAft>
-                <a:spcPts val="0"/>
-              </a:spcAft>
+            <a:lvl3pPr indent="-298450" lvl="2" marL="1371600" marR="0" rtl="0" algn="l">
+              <a:lnSpc>
+                <a:spcPct val="100000"/>
+              </a:lnSpc>
+              <a:spcBef>
+                <a:spcPts val="0"/>
+              </a:spcBef>
+              <a:spcAft>
+                <a:spcPts val="0"/>
+              </a:spcAft>
+              <a:buClr>
+                <a:srgbClr val="000000"/>
+              </a:buClr>
               <a:buSzPts val="1100"/>
+              <a:buFont typeface="Arial"/>
               <a:buChar char="■"/>
-              <a:defRPr sz="1100"/>
+              <a:defRPr b="0" i="0" sz="1100" u="none" cap="none" strike="noStrike">
+                <a:solidFill>
+                  <a:srgbClr val="000000"/>
+                </a:solidFill>
+                <a:latin typeface="Arial"/>
+                <a:ea typeface="Arial"/>
+                <a:cs typeface="Arial"/>
+                <a:sym typeface="Arial"/>
+              </a:defRPr>
             </a:lvl3pPr>
-            <a:lvl4pPr indent="-298450" lvl="3" marL="1828800">
-              <a:spcBef>
-                <a:spcPts val="0"/>
-              </a:spcBef>
-              <a:spcAft>
-                <a:spcPts val="0"/>
-              </a:spcAft>
+            <a:lvl4pPr indent="-298450" lvl="3" marL="1828800" marR="0" rtl="0" algn="l">
+              <a:lnSpc>
+                <a:spcPct val="100000"/>
+              </a:lnSpc>
+              <a:spcBef>
+                <a:spcPts val="0"/>
+              </a:spcBef>
+              <a:spcAft>
+                <a:spcPts val="0"/>
+              </a:spcAft>
+              <a:buClr>
+                <a:srgbClr val="000000"/>
+              </a:buClr>
               <a:buSzPts val="1100"/>
+              <a:buFont typeface="Arial"/>
               <a:buChar char="●"/>
-              <a:defRPr sz="1100"/>
+              <a:defRPr b="0" i="0" sz="1100" u="none" cap="none" strike="noStrike">
+                <a:solidFill>
+                  <a:srgbClr val="000000"/>
+                </a:solidFill>
+                <a:latin typeface="Arial"/>
+                <a:ea typeface="Arial"/>
+                <a:cs typeface="Arial"/>
+                <a:sym typeface="Arial"/>
+              </a:defRPr>
             </a:lvl4pPr>
-            <a:lvl5pPr indent="-298450" lvl="4" marL="2286000">
-              <a:spcBef>
-                <a:spcPts val="0"/>
-              </a:spcBef>
-              <a:spcAft>
-                <a:spcPts val="0"/>
-              </a:spcAft>
+            <a:lvl5pPr indent="-298450" lvl="4" marL="2286000" marR="0" rtl="0" algn="l">
+              <a:lnSpc>
+                <a:spcPct val="100000"/>
+              </a:lnSpc>
+              <a:spcBef>
+                <a:spcPts val="0"/>
+              </a:spcBef>
+              <a:spcAft>
+                <a:spcPts val="0"/>
+              </a:spcAft>
+              <a:buClr>
+                <a:srgbClr val="000000"/>
+              </a:buClr>
               <a:buSzPts val="1100"/>
+              <a:buFont typeface="Arial"/>
               <a:buChar char="○"/>
-              <a:defRPr sz="1100"/>
+              <a:defRPr b="0" i="0" sz="1100" u="none" cap="none" strike="noStrike">
+                <a:solidFill>
+                  <a:srgbClr val="000000"/>
+                </a:solidFill>
+                <a:latin typeface="Arial"/>
+                <a:ea typeface="Arial"/>
+                <a:cs typeface="Arial"/>
+                <a:sym typeface="Arial"/>
+              </a:defRPr>
             </a:lvl5pPr>
-            <a:lvl6pPr indent="-298450" lvl="5" marL="2743200">
-              <a:spcBef>
-                <a:spcPts val="0"/>
-              </a:spcBef>
-              <a:spcAft>
-                <a:spcPts val="0"/>
-              </a:spcAft>
+            <a:lvl6pPr indent="-298450" lvl="5" marL="2743200" marR="0" rtl="0" algn="l">
+              <a:lnSpc>
+                <a:spcPct val="100000"/>
+              </a:lnSpc>
+              <a:spcBef>
+                <a:spcPts val="0"/>
+              </a:spcBef>
+              <a:spcAft>
+                <a:spcPts val="0"/>
+              </a:spcAft>
+              <a:buClr>
+                <a:srgbClr val="000000"/>
+              </a:buClr>
               <a:buSzPts val="1100"/>
+              <a:buFont typeface="Arial"/>
               <a:buChar char="■"/>
-              <a:defRPr sz="1100"/>
+              <a:defRPr b="0" i="0" sz="1100" u="none" cap="none" strike="noStrike">
+                <a:solidFill>
+                  <a:srgbClr val="000000"/>
+                </a:solidFill>
+                <a:latin typeface="Arial"/>
+                <a:ea typeface="Arial"/>
+                <a:cs typeface="Arial"/>
+                <a:sym typeface="Arial"/>
+              </a:defRPr>
             </a:lvl6pPr>
-            <a:lvl7pPr indent="-298450" lvl="6" marL="3200400">
-              <a:spcBef>
-                <a:spcPts val="0"/>
-              </a:spcBef>
-              <a:spcAft>
-                <a:spcPts val="0"/>
-              </a:spcAft>
+            <a:lvl7pPr indent="-298450" lvl="6" marL="3200400" marR="0" rtl="0" algn="l">
+              <a:lnSpc>
+                <a:spcPct val="100000"/>
+              </a:lnSpc>
+              <a:spcBef>
+                <a:spcPts val="0"/>
+              </a:spcBef>
+              <a:spcAft>
+                <a:spcPts val="0"/>
+              </a:spcAft>
+              <a:buClr>
+                <a:srgbClr val="000000"/>
+              </a:buClr>
               <a:buSzPts val="1100"/>
+              <a:buFont typeface="Arial"/>
               <a:buChar char="●"/>
-              <a:defRPr sz="1100"/>
+              <a:defRPr b="0" i="0" sz="1100" u="none" cap="none" strike="noStrike">
+                <a:solidFill>
+                  <a:srgbClr val="000000"/>
+                </a:solidFill>
+                <a:latin typeface="Arial"/>
+                <a:ea typeface="Arial"/>
+                <a:cs typeface="Arial"/>
+                <a:sym typeface="Arial"/>
+              </a:defRPr>
             </a:lvl7pPr>
-            <a:lvl8pPr indent="-298450" lvl="7" marL="3657600">
-              <a:spcBef>
-                <a:spcPts val="0"/>
-              </a:spcBef>
-              <a:spcAft>
-                <a:spcPts val="0"/>
-              </a:spcAft>
+            <a:lvl8pPr indent="-298450" lvl="7" marL="3657600" marR="0" rtl="0" algn="l">
+              <a:lnSpc>
+                <a:spcPct val="100000"/>
+              </a:lnSpc>
+              <a:spcBef>
+                <a:spcPts val="0"/>
+              </a:spcBef>
+              <a:spcAft>
+                <a:spcPts val="0"/>
+              </a:spcAft>
+              <a:buClr>
+                <a:srgbClr val="000000"/>
+              </a:buClr>
               <a:buSzPts val="1100"/>
+              <a:buFont typeface="Arial"/>
               <a:buChar char="○"/>
-              <a:defRPr sz="1100"/>
+              <a:defRPr b="0" i="0" sz="1100" u="none" cap="none" strike="noStrike">
+                <a:solidFill>
+                  <a:srgbClr val="000000"/>
+                </a:solidFill>
+                <a:latin typeface="Arial"/>
+                <a:ea typeface="Arial"/>
+                <a:cs typeface="Arial"/>
+                <a:sym typeface="Arial"/>
+              </a:defRPr>
             </a:lvl8pPr>
-            <a:lvl9pPr indent="-298450" lvl="8" marL="4114800">
-              <a:spcBef>
-                <a:spcPts val="0"/>
-              </a:spcBef>
-              <a:spcAft>
-                <a:spcPts val="0"/>
-              </a:spcAft>
+            <a:lvl9pPr indent="-298450" lvl="8" marL="4114800" marR="0" rtl="0" algn="l">
+              <a:lnSpc>
+                <a:spcPct val="100000"/>
+              </a:lnSpc>
+              <a:spcBef>
+                <a:spcPts val="0"/>
+              </a:spcBef>
+              <a:spcAft>
+                <a:spcPts val="0"/>
+              </a:spcAft>
+              <a:buClr>
+                <a:srgbClr val="000000"/>
+              </a:buClr>
               <a:buSzPts val="1100"/>
+              <a:buFont typeface="Arial"/>
               <a:buChar char="■"/>
-              <a:defRPr sz="1100"/>
+              <a:defRPr b="0" i="0" sz="1100" u="none" cap="none" strike="noStrike">
+                <a:solidFill>
+                  <a:srgbClr val="000000"/>
+                </a:solidFill>
+                <a:latin typeface="Arial"/>
+                <a:ea typeface="Arial"/>
+                <a:cs typeface="Arial"/>
+                <a:sym typeface="Arial"/>
+              </a:defRPr>
             </a:lvl9pPr>
           </a:lstStyle>
           <a:p/>
@@ -716,7 +851,7 @@
       </p:grpSpPr>
       <p:sp>
         <p:nvSpPr>
-          <p:cNvPr id="81" name="Google Shape;81;p:notes"/>
+          <p:cNvPr id="81" name="Google Shape;81;p1:notes"/>
           <p:cNvSpPr/>
           <p:nvPr>
             <p:ph idx="2" type="sldImg"/>
@@ -747,11 +882,21 @@
               </a:path>
             </a:pathLst>
           </a:custGeom>
+          <a:noFill/>
+          <a:ln cap="flat" cmpd="sng" w="9525">
+            <a:solidFill>
+              <a:srgbClr val="000000"/>
+            </a:solidFill>
+            <a:prstDash val="solid"/>
+            <a:round/>
+            <a:headEnd len="sm" w="sm" type="none"/>
+            <a:tailEnd len="sm" w="sm" type="none"/>
+          </a:ln>
         </p:spPr>
       </p:sp>
       <p:sp>
         <p:nvSpPr>
-          <p:cNvPr id="82" name="Google Shape;82;p:notes"/>
+          <p:cNvPr id="82" name="Google Shape;82;p1:notes"/>
           <p:cNvSpPr txBox="1"/>
           <p:nvPr>
             <p:ph idx="1" type="body"/>
@@ -765,6 +910,10 @@
           <a:prstGeom prst="rect">
             <a:avLst/>
           </a:prstGeom>
+          <a:noFill/>
+          <a:ln>
+            <a:noFill/>
+          </a:ln>
         </p:spPr>
         <p:txBody>
           <a:bodyPr anchorCtr="0" anchor="t" bIns="91425" lIns="91425" spcFirstLastPara="1" rIns="91425" wrap="square" tIns="91425">
@@ -773,12 +922,16 @@
           <a:lstStyle/>
           <a:p>
             <a:pPr indent="0" lvl="0" marL="0" rtl="0" algn="l">
-              <a:spcBef>
-                <a:spcPts val="0"/>
-              </a:spcBef>
-              <a:spcAft>
-                <a:spcPts val="0"/>
-              </a:spcAft>
+              <a:lnSpc>
+                <a:spcPct val="100000"/>
+              </a:lnSpc>
+              <a:spcBef>
+                <a:spcPts val="0"/>
+              </a:spcBef>
+              <a:spcAft>
+                <a:spcPts val="0"/>
+              </a:spcAft>
+              <a:buSzPts val="1100"/>
               <a:buNone/>
             </a:pPr>
             <a:r>
@@ -815,7 +968,7 @@
       </p:grpSpPr>
       <p:sp>
         <p:nvSpPr>
-          <p:cNvPr id="148" name="Google Shape;148;gf64bf41017_0_136:notes"/>
+          <p:cNvPr id="148" name="Google Shape;148;p10:notes"/>
           <p:cNvSpPr/>
           <p:nvPr>
             <p:ph idx="2" type="sldImg"/>
@@ -846,11 +999,21 @@
               </a:path>
             </a:pathLst>
           </a:custGeom>
+          <a:noFill/>
+          <a:ln cap="flat" cmpd="sng" w="9525">
+            <a:solidFill>
+              <a:srgbClr val="000000"/>
+            </a:solidFill>
+            <a:prstDash val="solid"/>
+            <a:round/>
+            <a:headEnd len="sm" w="sm" type="none"/>
+            <a:tailEnd len="sm" w="sm" type="none"/>
+          </a:ln>
         </p:spPr>
       </p:sp>
       <p:sp>
         <p:nvSpPr>
-          <p:cNvPr id="149" name="Google Shape;149;gf64bf41017_0_136:notes"/>
+          <p:cNvPr id="149" name="Google Shape;149;p10:notes"/>
           <p:cNvSpPr txBox="1"/>
           <p:nvPr>
             <p:ph idx="1" type="body"/>
@@ -864,6 +1027,10 @@
           <a:prstGeom prst="rect">
             <a:avLst/>
           </a:prstGeom>
+          <a:noFill/>
+          <a:ln>
+            <a:noFill/>
+          </a:ln>
         </p:spPr>
         <p:txBody>
           <a:bodyPr anchorCtr="0" anchor="t" bIns="91425" lIns="91425" spcFirstLastPara="1" rIns="91425" wrap="square" tIns="91425">
@@ -872,12 +1039,16 @@
           <a:lstStyle/>
           <a:p>
             <a:pPr indent="0" lvl="0" marL="0" rtl="0" algn="l">
-              <a:spcBef>
-                <a:spcPts val="0"/>
-              </a:spcBef>
-              <a:spcAft>
-                <a:spcPts val="0"/>
-              </a:spcAft>
+              <a:lnSpc>
+                <a:spcPct val="100000"/>
+              </a:lnSpc>
+              <a:spcBef>
+                <a:spcPts val="0"/>
+              </a:spcBef>
+              <a:spcAft>
+                <a:spcPts val="0"/>
+              </a:spcAft>
+              <a:buSzPts val="1100"/>
               <a:buNone/>
             </a:pPr>
             <a:r>
@@ -914,7 +1085,7 @@
       </p:grpSpPr>
       <p:sp>
         <p:nvSpPr>
-          <p:cNvPr id="156" name="Google Shape;156;gf64bf41017_0_144:notes"/>
+          <p:cNvPr id="156" name="Google Shape;156;p11:notes"/>
           <p:cNvSpPr/>
           <p:nvPr>
             <p:ph idx="2" type="sldImg"/>
@@ -945,11 +1116,21 @@
               </a:path>
             </a:pathLst>
           </a:custGeom>
+          <a:noFill/>
+          <a:ln cap="flat" cmpd="sng" w="9525">
+            <a:solidFill>
+              <a:srgbClr val="000000"/>
+            </a:solidFill>
+            <a:prstDash val="solid"/>
+            <a:round/>
+            <a:headEnd len="sm" w="sm" type="none"/>
+            <a:tailEnd len="sm" w="sm" type="none"/>
+          </a:ln>
         </p:spPr>
       </p:sp>
       <p:sp>
         <p:nvSpPr>
-          <p:cNvPr id="157" name="Google Shape;157;gf64bf41017_0_144:notes"/>
+          <p:cNvPr id="157" name="Google Shape;157;p11:notes"/>
           <p:cNvSpPr txBox="1"/>
           <p:nvPr>
             <p:ph idx="1" type="body"/>
@@ -963,6 +1144,10 @@
           <a:prstGeom prst="rect">
             <a:avLst/>
           </a:prstGeom>
+          <a:noFill/>
+          <a:ln>
+            <a:noFill/>
+          </a:ln>
         </p:spPr>
         <p:txBody>
           <a:bodyPr anchorCtr="0" anchor="t" bIns="91425" lIns="91425" spcFirstLastPara="1" rIns="91425" wrap="square" tIns="91425">
@@ -971,12 +1156,16 @@
           <a:lstStyle/>
           <a:p>
             <a:pPr indent="0" lvl="0" marL="0" rtl="0" algn="l">
-              <a:spcBef>
-                <a:spcPts val="0"/>
-              </a:spcBef>
-              <a:spcAft>
-                <a:spcPts val="0"/>
-              </a:spcAft>
+              <a:lnSpc>
+                <a:spcPct val="100000"/>
+              </a:lnSpc>
+              <a:spcBef>
+                <a:spcPts val="0"/>
+              </a:spcBef>
+              <a:spcAft>
+                <a:spcPts val="0"/>
+              </a:spcAft>
+              <a:buSzPts val="1100"/>
               <a:buNone/>
             </a:pPr>
             <a:r>
@@ -1013,7 +1202,7 @@
       </p:grpSpPr>
       <p:sp>
         <p:nvSpPr>
-          <p:cNvPr id="162" name="Google Shape;162;gf64bf41017_0_149:notes"/>
+          <p:cNvPr id="162" name="Google Shape;162;p12:notes"/>
           <p:cNvSpPr/>
           <p:nvPr>
             <p:ph idx="2" type="sldImg"/>
@@ -1044,11 +1233,21 @@
               </a:path>
             </a:pathLst>
           </a:custGeom>
+          <a:noFill/>
+          <a:ln cap="flat" cmpd="sng" w="9525">
+            <a:solidFill>
+              <a:srgbClr val="000000"/>
+            </a:solidFill>
+            <a:prstDash val="solid"/>
+            <a:round/>
+            <a:headEnd len="sm" w="sm" type="none"/>
+            <a:tailEnd len="sm" w="sm" type="none"/>
+          </a:ln>
         </p:spPr>
       </p:sp>
       <p:sp>
         <p:nvSpPr>
-          <p:cNvPr id="163" name="Google Shape;163;gf64bf41017_0_149:notes"/>
+          <p:cNvPr id="163" name="Google Shape;163;p12:notes"/>
           <p:cNvSpPr txBox="1"/>
           <p:nvPr>
             <p:ph idx="1" type="body"/>
@@ -1062,6 +1261,10 @@
           <a:prstGeom prst="rect">
             <a:avLst/>
           </a:prstGeom>
+          <a:noFill/>
+          <a:ln>
+            <a:noFill/>
+          </a:ln>
         </p:spPr>
         <p:txBody>
           <a:bodyPr anchorCtr="0" anchor="t" bIns="91425" lIns="91425" spcFirstLastPara="1" rIns="91425" wrap="square" tIns="91425">
@@ -1070,12 +1273,16 @@
           <a:lstStyle/>
           <a:p>
             <a:pPr indent="0" lvl="0" marL="0" rtl="0" algn="l">
-              <a:spcBef>
-                <a:spcPts val="0"/>
-              </a:spcBef>
-              <a:spcAft>
-                <a:spcPts val="0"/>
-              </a:spcAft>
+              <a:lnSpc>
+                <a:spcPct val="100000"/>
+              </a:lnSpc>
+              <a:spcBef>
+                <a:spcPts val="0"/>
+              </a:spcBef>
+              <a:spcAft>
+                <a:spcPts val="0"/>
+              </a:spcAft>
+              <a:buSzPts val="1100"/>
               <a:buNone/>
             </a:pPr>
             <a:r>
@@ -1112,7 +1319,7 @@
       </p:grpSpPr>
       <p:sp>
         <p:nvSpPr>
-          <p:cNvPr id="87" name="Google Shape;87;gf64bf41017_0_75:notes"/>
+          <p:cNvPr id="87" name="Google Shape;87;p2:notes"/>
           <p:cNvSpPr/>
           <p:nvPr>
             <p:ph idx="2" type="sldImg"/>
@@ -1143,11 +1350,21 @@
               </a:path>
             </a:pathLst>
           </a:custGeom>
+          <a:noFill/>
+          <a:ln cap="flat" cmpd="sng" w="9525">
+            <a:solidFill>
+              <a:srgbClr val="000000"/>
+            </a:solidFill>
+            <a:prstDash val="solid"/>
+            <a:round/>
+            <a:headEnd len="sm" w="sm" type="none"/>
+            <a:tailEnd len="sm" w="sm" type="none"/>
+          </a:ln>
         </p:spPr>
       </p:sp>
       <p:sp>
         <p:nvSpPr>
-          <p:cNvPr id="88" name="Google Shape;88;gf64bf41017_0_75:notes"/>
+          <p:cNvPr id="88" name="Google Shape;88;p2:notes"/>
           <p:cNvSpPr txBox="1"/>
           <p:nvPr>
             <p:ph idx="1" type="body"/>
@@ -1161,6 +1378,10 @@
           <a:prstGeom prst="rect">
             <a:avLst/>
           </a:prstGeom>
+          <a:noFill/>
+          <a:ln>
+            <a:noFill/>
+          </a:ln>
         </p:spPr>
         <p:txBody>
           <a:bodyPr anchorCtr="0" anchor="t" bIns="91425" lIns="91425" spcFirstLastPara="1" rIns="91425" wrap="square" tIns="91425">
@@ -1169,12 +1390,16 @@
           <a:lstStyle/>
           <a:p>
             <a:pPr indent="0" lvl="0" marL="0" rtl="0" algn="l">
-              <a:spcBef>
-                <a:spcPts val="0"/>
-              </a:spcBef>
-              <a:spcAft>
-                <a:spcPts val="0"/>
-              </a:spcAft>
+              <a:lnSpc>
+                <a:spcPct val="100000"/>
+              </a:lnSpc>
+              <a:spcBef>
+                <a:spcPts val="0"/>
+              </a:spcBef>
+              <a:spcAft>
+                <a:spcPts val="0"/>
+              </a:spcAft>
+              <a:buSzPts val="1100"/>
               <a:buNone/>
             </a:pPr>
             <a:r>
@@ -1211,7 +1436,7 @@
       </p:grpSpPr>
       <p:sp>
         <p:nvSpPr>
-          <p:cNvPr id="93" name="Google Shape;93;gf64bf41017_0_81:notes"/>
+          <p:cNvPr id="93" name="Google Shape;93;p3:notes"/>
           <p:cNvSpPr/>
           <p:nvPr>
             <p:ph idx="2" type="sldImg"/>
@@ -1242,11 +1467,21 @@
               </a:path>
             </a:pathLst>
           </a:custGeom>
+          <a:noFill/>
+          <a:ln cap="flat" cmpd="sng" w="9525">
+            <a:solidFill>
+              <a:srgbClr val="000000"/>
+            </a:solidFill>
+            <a:prstDash val="solid"/>
+            <a:round/>
+            <a:headEnd len="sm" w="sm" type="none"/>
+            <a:tailEnd len="sm" w="sm" type="none"/>
+          </a:ln>
         </p:spPr>
       </p:sp>
       <p:sp>
         <p:nvSpPr>
-          <p:cNvPr id="94" name="Google Shape;94;gf64bf41017_0_81:notes"/>
+          <p:cNvPr id="94" name="Google Shape;94;p3:notes"/>
           <p:cNvSpPr txBox="1"/>
           <p:nvPr>
             <p:ph idx="1" type="body"/>
@@ -1260,6 +1495,10 @@
           <a:prstGeom prst="rect">
             <a:avLst/>
           </a:prstGeom>
+          <a:noFill/>
+          <a:ln>
+            <a:noFill/>
+          </a:ln>
         </p:spPr>
         <p:txBody>
           <a:bodyPr anchorCtr="0" anchor="t" bIns="91425" lIns="91425" spcFirstLastPara="1" rIns="91425" wrap="square" tIns="91425">
@@ -1268,12 +1507,16 @@
           <a:lstStyle/>
           <a:p>
             <a:pPr indent="0" lvl="0" marL="0" rtl="0" algn="l">
-              <a:spcBef>
-                <a:spcPts val="0"/>
-              </a:spcBef>
-              <a:spcAft>
-                <a:spcPts val="0"/>
-              </a:spcAft>
+              <a:lnSpc>
+                <a:spcPct val="100000"/>
+              </a:lnSpc>
+              <a:spcBef>
+                <a:spcPts val="0"/>
+              </a:spcBef>
+              <a:spcAft>
+                <a:spcPts val="0"/>
+              </a:spcAft>
+              <a:buSzPts val="1100"/>
               <a:buNone/>
             </a:pPr>
             <a:r>
@@ -1310,7 +1553,7 @@
       </p:grpSpPr>
       <p:sp>
         <p:nvSpPr>
-          <p:cNvPr id="100" name="Google Shape;100;gf64bf41017_0_87:notes"/>
+          <p:cNvPr id="100" name="Google Shape;100;p4:notes"/>
           <p:cNvSpPr/>
           <p:nvPr>
             <p:ph idx="2" type="sldImg"/>
@@ -1341,11 +1584,21 @@
               </a:path>
             </a:pathLst>
           </a:custGeom>
+          <a:noFill/>
+          <a:ln cap="flat" cmpd="sng" w="9525">
+            <a:solidFill>
+              <a:srgbClr val="000000"/>
+            </a:solidFill>
+            <a:prstDash val="solid"/>
+            <a:round/>
+            <a:headEnd len="sm" w="sm" type="none"/>
+            <a:tailEnd len="sm" w="sm" type="none"/>
+          </a:ln>
         </p:spPr>
       </p:sp>
       <p:sp>
         <p:nvSpPr>
-          <p:cNvPr id="101" name="Google Shape;101;gf64bf41017_0_87:notes"/>
+          <p:cNvPr id="101" name="Google Shape;101;p4:notes"/>
           <p:cNvSpPr txBox="1"/>
           <p:nvPr>
             <p:ph idx="1" type="body"/>
@@ -1359,6 +1612,10 @@
           <a:prstGeom prst="rect">
             <a:avLst/>
           </a:prstGeom>
+          <a:noFill/>
+          <a:ln>
+            <a:noFill/>
+          </a:ln>
         </p:spPr>
         <p:txBody>
           <a:bodyPr anchorCtr="0" anchor="t" bIns="91425" lIns="91425" spcFirstLastPara="1" rIns="91425" wrap="square" tIns="91425">
@@ -1367,12 +1624,16 @@
           <a:lstStyle/>
           <a:p>
             <a:pPr indent="0" lvl="0" marL="0" rtl="0" algn="l">
-              <a:spcBef>
-                <a:spcPts val="0"/>
-              </a:spcBef>
-              <a:spcAft>
-                <a:spcPts val="0"/>
-              </a:spcAft>
+              <a:lnSpc>
+                <a:spcPct val="100000"/>
+              </a:lnSpc>
+              <a:spcBef>
+                <a:spcPts val="0"/>
+              </a:spcBef>
+              <a:spcAft>
+                <a:spcPts val="0"/>
+              </a:spcAft>
+              <a:buSzPts val="1100"/>
               <a:buNone/>
             </a:pPr>
             <a:r>
@@ -1409,7 +1670,7 @@
       </p:grpSpPr>
       <p:sp>
         <p:nvSpPr>
-          <p:cNvPr id="107" name="Google Shape;107;gf64bf41017_0_95:notes"/>
+          <p:cNvPr id="107" name="Google Shape;107;p5:notes"/>
           <p:cNvSpPr/>
           <p:nvPr>
             <p:ph idx="2" type="sldImg"/>
@@ -1440,11 +1701,21 @@
               </a:path>
             </a:pathLst>
           </a:custGeom>
+          <a:noFill/>
+          <a:ln cap="flat" cmpd="sng" w="9525">
+            <a:solidFill>
+              <a:srgbClr val="000000"/>
+            </a:solidFill>
+            <a:prstDash val="solid"/>
+            <a:round/>
+            <a:headEnd len="sm" w="sm" type="none"/>
+            <a:tailEnd len="sm" w="sm" type="none"/>
+          </a:ln>
         </p:spPr>
       </p:sp>
       <p:sp>
         <p:nvSpPr>
-          <p:cNvPr id="108" name="Google Shape;108;gf64bf41017_0_95:notes"/>
+          <p:cNvPr id="108" name="Google Shape;108;p5:notes"/>
           <p:cNvSpPr txBox="1"/>
           <p:nvPr>
             <p:ph idx="1" type="body"/>
@@ -1458,6 +1729,10 @@
           <a:prstGeom prst="rect">
             <a:avLst/>
           </a:prstGeom>
+          <a:noFill/>
+          <a:ln>
+            <a:noFill/>
+          </a:ln>
         </p:spPr>
         <p:txBody>
           <a:bodyPr anchorCtr="0" anchor="t" bIns="91425" lIns="91425" spcFirstLastPara="1" rIns="91425" wrap="square" tIns="91425">
@@ -1466,12 +1741,16 @@
           <a:lstStyle/>
           <a:p>
             <a:pPr indent="0" lvl="0" marL="0" rtl="0" algn="l">
-              <a:spcBef>
-                <a:spcPts val="0"/>
-              </a:spcBef>
-              <a:spcAft>
-                <a:spcPts val="0"/>
-              </a:spcAft>
+              <a:lnSpc>
+                <a:spcPct val="100000"/>
+              </a:lnSpc>
+              <a:spcBef>
+                <a:spcPts val="0"/>
+              </a:spcBef>
+              <a:spcAft>
+                <a:spcPts val="0"/>
+              </a:spcAft>
+              <a:buSzPts val="1100"/>
               <a:buNone/>
             </a:pPr>
             <a:r>
@@ -1508,7 +1787,7 @@
       </p:grpSpPr>
       <p:sp>
         <p:nvSpPr>
-          <p:cNvPr id="113" name="Google Shape;113;gf64bf41017_0_103:notes"/>
+          <p:cNvPr id="113" name="Google Shape;113;p6:notes"/>
           <p:cNvSpPr/>
           <p:nvPr>
             <p:ph idx="2" type="sldImg"/>
@@ -1539,11 +1818,21 @@
               </a:path>
             </a:pathLst>
           </a:custGeom>
+          <a:noFill/>
+          <a:ln cap="flat" cmpd="sng" w="9525">
+            <a:solidFill>
+              <a:srgbClr val="000000"/>
+            </a:solidFill>
+            <a:prstDash val="solid"/>
+            <a:round/>
+            <a:headEnd len="sm" w="sm" type="none"/>
+            <a:tailEnd len="sm" w="sm" type="none"/>
+          </a:ln>
         </p:spPr>
       </p:sp>
       <p:sp>
         <p:nvSpPr>
-          <p:cNvPr id="114" name="Google Shape;114;gf64bf41017_0_103:notes"/>
+          <p:cNvPr id="114" name="Google Shape;114;p6:notes"/>
           <p:cNvSpPr txBox="1"/>
           <p:nvPr>
             <p:ph idx="1" type="body"/>
@@ -1557,6 +1846,10 @@
           <a:prstGeom prst="rect">
             <a:avLst/>
           </a:prstGeom>
+          <a:noFill/>
+          <a:ln>
+            <a:noFill/>
+          </a:ln>
         </p:spPr>
         <p:txBody>
           <a:bodyPr anchorCtr="0" anchor="t" bIns="91425" lIns="91425" spcFirstLastPara="1" rIns="91425" wrap="square" tIns="91425">
@@ -1565,12 +1858,16 @@
           <a:lstStyle/>
           <a:p>
             <a:pPr indent="0" lvl="0" marL="0" rtl="0" algn="l">
-              <a:spcBef>
-                <a:spcPts val="0"/>
-              </a:spcBef>
-              <a:spcAft>
-                <a:spcPts val="0"/>
-              </a:spcAft>
+              <a:lnSpc>
+                <a:spcPct val="100000"/>
+              </a:lnSpc>
+              <a:spcBef>
+                <a:spcPts val="0"/>
+              </a:spcBef>
+              <a:spcAft>
+                <a:spcPts val="0"/>
+              </a:spcAft>
+              <a:buSzPts val="1100"/>
               <a:buNone/>
             </a:pPr>
             <a:r>
@@ -1607,7 +1904,7 @@
       </p:grpSpPr>
       <p:sp>
         <p:nvSpPr>
-          <p:cNvPr id="123" name="Google Shape;123;gf64bf41017_0_114:notes"/>
+          <p:cNvPr id="123" name="Google Shape;123;p7:notes"/>
           <p:cNvSpPr/>
           <p:nvPr>
             <p:ph idx="2" type="sldImg"/>
@@ -1638,11 +1935,21 @@
               </a:path>
             </a:pathLst>
           </a:custGeom>
+          <a:noFill/>
+          <a:ln cap="flat" cmpd="sng" w="9525">
+            <a:solidFill>
+              <a:srgbClr val="000000"/>
+            </a:solidFill>
+            <a:prstDash val="solid"/>
+            <a:round/>
+            <a:headEnd len="sm" w="sm" type="none"/>
+            <a:tailEnd len="sm" w="sm" type="none"/>
+          </a:ln>
         </p:spPr>
       </p:sp>
       <p:sp>
         <p:nvSpPr>
-          <p:cNvPr id="124" name="Google Shape;124;gf64bf41017_0_114:notes"/>
+          <p:cNvPr id="124" name="Google Shape;124;p7:notes"/>
           <p:cNvSpPr txBox="1"/>
           <p:nvPr>
             <p:ph idx="1" type="body"/>
@@ -1656,6 +1963,10 @@
           <a:prstGeom prst="rect">
             <a:avLst/>
           </a:prstGeom>
+          <a:noFill/>
+          <a:ln>
+            <a:noFill/>
+          </a:ln>
         </p:spPr>
         <p:txBody>
           <a:bodyPr anchorCtr="0" anchor="t" bIns="91425" lIns="91425" spcFirstLastPara="1" rIns="91425" wrap="square" tIns="91425">
@@ -1664,12 +1975,16 @@
           <a:lstStyle/>
           <a:p>
             <a:pPr indent="0" lvl="0" marL="0" rtl="0" algn="l">
-              <a:spcBef>
-                <a:spcPts val="0"/>
-              </a:spcBef>
-              <a:spcAft>
-                <a:spcPts val="0"/>
-              </a:spcAft>
+              <a:lnSpc>
+                <a:spcPct val="100000"/>
+              </a:lnSpc>
+              <a:spcBef>
+                <a:spcPts val="0"/>
+              </a:spcBef>
+              <a:spcAft>
+                <a:spcPts val="0"/>
+              </a:spcAft>
+              <a:buSzPts val="1100"/>
               <a:buNone/>
             </a:pPr>
             <a:r>
@@ -1706,7 +2021,7 @@
       </p:grpSpPr>
       <p:sp>
         <p:nvSpPr>
-          <p:cNvPr id="132" name="Google Shape;132;gf64bf41017_0_125:notes"/>
+          <p:cNvPr id="132" name="Google Shape;132;p8:notes"/>
           <p:cNvSpPr/>
           <p:nvPr>
             <p:ph idx="2" type="sldImg"/>
@@ -1737,11 +2052,21 @@
               </a:path>
             </a:pathLst>
           </a:custGeom>
+          <a:noFill/>
+          <a:ln cap="flat" cmpd="sng" w="9525">
+            <a:solidFill>
+              <a:srgbClr val="000000"/>
+            </a:solidFill>
+            <a:prstDash val="solid"/>
+            <a:round/>
+            <a:headEnd len="sm" w="sm" type="none"/>
+            <a:tailEnd len="sm" w="sm" type="none"/>
+          </a:ln>
         </p:spPr>
       </p:sp>
       <p:sp>
         <p:nvSpPr>
-          <p:cNvPr id="133" name="Google Shape;133;gf64bf41017_0_125:notes"/>
+          <p:cNvPr id="133" name="Google Shape;133;p8:notes"/>
           <p:cNvSpPr txBox="1"/>
           <p:nvPr>
             <p:ph idx="1" type="body"/>
@@ -1755,6 +2080,10 @@
           <a:prstGeom prst="rect">
             <a:avLst/>
           </a:prstGeom>
+          <a:noFill/>
+          <a:ln>
+            <a:noFill/>
+          </a:ln>
         </p:spPr>
         <p:txBody>
           <a:bodyPr anchorCtr="0" anchor="t" bIns="91425" lIns="91425" spcFirstLastPara="1" rIns="91425" wrap="square" tIns="91425">
@@ -1763,12 +2092,16 @@
           <a:lstStyle/>
           <a:p>
             <a:pPr indent="0" lvl="0" marL="0" rtl="0" algn="l">
-              <a:spcBef>
-                <a:spcPts val="0"/>
-              </a:spcBef>
-              <a:spcAft>
-                <a:spcPts val="0"/>
-              </a:spcAft>
+              <a:lnSpc>
+                <a:spcPct val="100000"/>
+              </a:lnSpc>
+              <a:spcBef>
+                <a:spcPts val="0"/>
+              </a:spcBef>
+              <a:spcAft>
+                <a:spcPts val="0"/>
+              </a:spcAft>
+              <a:buSzPts val="1100"/>
               <a:buNone/>
             </a:pPr>
             <a:r>
@@ -1805,7 +2138,7 @@
       </p:grpSpPr>
       <p:sp>
         <p:nvSpPr>
-          <p:cNvPr id="141" name="Google Shape;141;gf64bf41017_0_159:notes"/>
+          <p:cNvPr id="141" name="Google Shape;141;p9:notes"/>
           <p:cNvSpPr/>
           <p:nvPr>
             <p:ph idx="2" type="sldImg"/>
@@ -1836,11 +2169,21 @@
               </a:path>
             </a:pathLst>
           </a:custGeom>
+          <a:noFill/>
+          <a:ln cap="flat" cmpd="sng" w="9525">
+            <a:solidFill>
+              <a:srgbClr val="000000"/>
+            </a:solidFill>
+            <a:prstDash val="solid"/>
+            <a:round/>
+            <a:headEnd len="sm" w="sm" type="none"/>
+            <a:tailEnd len="sm" w="sm" type="none"/>
+          </a:ln>
         </p:spPr>
       </p:sp>
       <p:sp>
         <p:nvSpPr>
-          <p:cNvPr id="142" name="Google Shape;142;gf64bf41017_0_159:notes"/>
+          <p:cNvPr id="142" name="Google Shape;142;p9:notes"/>
           <p:cNvSpPr txBox="1"/>
           <p:nvPr>
             <p:ph idx="1" type="body"/>
@@ -1854,6 +2197,10 @@
           <a:prstGeom prst="rect">
             <a:avLst/>
           </a:prstGeom>
+          <a:noFill/>
+          <a:ln>
+            <a:noFill/>
+          </a:ln>
         </p:spPr>
         <p:txBody>
           <a:bodyPr anchorCtr="0" anchor="t" bIns="91425" lIns="91425" spcFirstLastPara="1" rIns="91425" wrap="square" tIns="91425">
@@ -1862,12 +2209,16 @@
           <a:lstStyle/>
           <a:p>
             <a:pPr indent="0" lvl="0" marL="0" rtl="0" algn="l">
-              <a:spcBef>
-                <a:spcPts val="0"/>
-              </a:spcBef>
-              <a:spcAft>
-                <a:spcPts val="0"/>
-              </a:spcAft>
+              <a:lnSpc>
+                <a:spcPct val="100000"/>
+              </a:lnSpc>
+              <a:spcBef>
+                <a:spcPts val="0"/>
+              </a:spcBef>
+              <a:spcAft>
+                <a:spcPts val="0"/>
+              </a:spcAft>
+              <a:buSzPts val="1100"/>
               <a:buNone/>
             </a:pPr>
             <a:r>
@@ -4831,8 +5182,8 @@
 </file>
 
 <file path=ppt/slideLayouts/slideLayout2.xml><?xml version="1.0" encoding="utf-8"?>
-<p:sldLayout xmlns:a="http://schemas.openxmlformats.org/drawingml/2006/main" xmlns:r="http://schemas.openxmlformats.org/officeDocument/2006/relationships" xmlns:mc="http://schemas.openxmlformats.org/markup-compatibility/2006" xmlns:mv="urn:schemas-microsoft-com:mac:vml" xmlns:p="http://schemas.openxmlformats.org/presentationml/2006/main" xmlns:c="http://schemas.openxmlformats.org/drawingml/2006/chart" xmlns:dgm="http://schemas.openxmlformats.org/drawingml/2006/diagram" xmlns:o="urn:schemas-microsoft-com:office:office" xmlns:v="urn:schemas-microsoft-com:vml" xmlns:pvml="urn:schemas-microsoft-com:office:powerpoint" xmlns:com="http://schemas.openxmlformats.org/drawingml/2006/compatibility" xmlns:p14="http://schemas.microsoft.com/office/powerpoint/2010/main" xmlns:p15="http://schemas.microsoft.com/office/powerpoint/2012/main" xmlns:ahyp="http://schemas.microsoft.com/office/drawing/2018/hyperlinkcolor" matchingName="1_Titel und Inhalt">
-  <p:cSld name="1_Titel und Inhalt">
+<p:sldLayout xmlns:a="http://schemas.openxmlformats.org/drawingml/2006/main" xmlns:r="http://schemas.openxmlformats.org/officeDocument/2006/relationships" xmlns:mc="http://schemas.openxmlformats.org/markup-compatibility/2006" xmlns:mv="urn:schemas-microsoft-com:mac:vml" xmlns:p="http://schemas.openxmlformats.org/presentationml/2006/main" xmlns:c="http://schemas.openxmlformats.org/drawingml/2006/chart" xmlns:dgm="http://schemas.openxmlformats.org/drawingml/2006/diagram" xmlns:o="urn:schemas-microsoft-com:office:office" xmlns:v="urn:schemas-microsoft-com:vml" xmlns:pvml="urn:schemas-microsoft-com:office:powerpoint" xmlns:com="http://schemas.openxmlformats.org/drawingml/2006/compatibility" xmlns:p14="http://schemas.microsoft.com/office/powerpoint/2010/main" xmlns:p15="http://schemas.microsoft.com/office/powerpoint/2012/main" xmlns:ahyp="http://schemas.microsoft.com/office/drawing/2018/hyperlinkcolor" matchingName="1_Titel und Diagramm">
+  <p:cSld name="1_Titel und Diagramm">
     <p:spTree>
       <p:nvGrpSpPr>
         <p:cNvPr id="20" name="Shape 20"/>
@@ -5065,6 +5416,510 @@
       <p:sp>
         <p:nvSpPr>
           <p:cNvPr id="23" name="Google Shape;23;p3"/>
+          <p:cNvSpPr/>
+          <p:nvPr>
+            <p:ph idx="2" type="chart"/>
+          </p:nvPr>
+        </p:nvSpPr>
+        <p:spPr>
+          <a:xfrm>
+            <a:off x="431800" y="782241"/>
+            <a:ext cx="8375700" cy="3579000"/>
+          </a:xfrm>
+          <a:prstGeom prst="rect">
+            <a:avLst/>
+          </a:prstGeom>
+          <a:noFill/>
+          <a:ln>
+            <a:noFill/>
+          </a:ln>
+        </p:spPr>
+        <p:txBody>
+          <a:bodyPr anchorCtr="0" anchor="t" bIns="0" lIns="0" spcFirstLastPara="1" rIns="0" wrap="square" tIns="0">
+            <a:noAutofit/>
+          </a:bodyPr>
+          <a:lstStyle>
+            <a:lvl1pPr lvl="0" marR="0" rtl="0" algn="l">
+              <a:lnSpc>
+                <a:spcPct val="100000"/>
+              </a:lnSpc>
+              <a:spcBef>
+                <a:spcPts val="320"/>
+              </a:spcBef>
+              <a:spcAft>
+                <a:spcPts val="0"/>
+              </a:spcAft>
+              <a:buClr>
+                <a:srgbClr val="000000"/>
+              </a:buClr>
+              <a:buSzPts val="1400"/>
+              <a:buFont typeface="Arial"/>
+              <a:buNone/>
+              <a:defRPr b="0" i="0" sz="1600" u="none" cap="none" strike="noStrike">
+                <a:solidFill>
+                  <a:schemeClr val="dk1"/>
+                </a:solidFill>
+                <a:latin typeface="Arial"/>
+                <a:ea typeface="Arial"/>
+                <a:cs typeface="Arial"/>
+                <a:sym typeface="Arial"/>
+              </a:defRPr>
+            </a:lvl1pPr>
+            <a:lvl2pPr lvl="1" marR="0" rtl="0" algn="l">
+              <a:lnSpc>
+                <a:spcPct val="100000"/>
+              </a:lnSpc>
+              <a:spcBef>
+                <a:spcPts val="320"/>
+              </a:spcBef>
+              <a:spcAft>
+                <a:spcPts val="0"/>
+              </a:spcAft>
+              <a:buClr>
+                <a:schemeClr val="dk1"/>
+              </a:buClr>
+              <a:buSzPts val="1600"/>
+              <a:buFont typeface="Noto Sans Symbols"/>
+              <a:buChar char="▪"/>
+              <a:defRPr b="0" i="0" sz="1600" u="none" cap="none" strike="noStrike">
+                <a:solidFill>
+                  <a:schemeClr val="dk1"/>
+                </a:solidFill>
+                <a:latin typeface="Arial"/>
+                <a:ea typeface="Arial"/>
+                <a:cs typeface="Arial"/>
+                <a:sym typeface="Arial"/>
+              </a:defRPr>
+            </a:lvl2pPr>
+            <a:lvl3pPr lvl="2" marR="0" rtl="0" algn="l">
+              <a:lnSpc>
+                <a:spcPct val="100000"/>
+              </a:lnSpc>
+              <a:spcBef>
+                <a:spcPts val="320"/>
+              </a:spcBef>
+              <a:spcAft>
+                <a:spcPts val="0"/>
+              </a:spcAft>
+              <a:buClr>
+                <a:schemeClr val="dk1"/>
+              </a:buClr>
+              <a:buSzPts val="1600"/>
+              <a:buFont typeface="Noto Sans Symbols"/>
+              <a:buChar char="▪"/>
+              <a:defRPr b="0" i="0" sz="1600" u="none" cap="none" strike="noStrike">
+                <a:solidFill>
+                  <a:schemeClr val="dk1"/>
+                </a:solidFill>
+                <a:latin typeface="Arial"/>
+                <a:ea typeface="Arial"/>
+                <a:cs typeface="Arial"/>
+                <a:sym typeface="Arial"/>
+              </a:defRPr>
+            </a:lvl3pPr>
+            <a:lvl4pPr lvl="3" marR="0" rtl="0" algn="l">
+              <a:lnSpc>
+                <a:spcPct val="100000"/>
+              </a:lnSpc>
+              <a:spcBef>
+                <a:spcPts val="320"/>
+              </a:spcBef>
+              <a:spcAft>
+                <a:spcPts val="0"/>
+              </a:spcAft>
+              <a:buClr>
+                <a:schemeClr val="dk1"/>
+              </a:buClr>
+              <a:buSzPts val="1600"/>
+              <a:buFont typeface="Noto Sans Symbols"/>
+              <a:buChar char="▪"/>
+              <a:defRPr b="0" i="0" sz="1600" u="none" cap="none" strike="noStrike">
+                <a:solidFill>
+                  <a:schemeClr val="dk1"/>
+                </a:solidFill>
+                <a:latin typeface="Arial"/>
+                <a:ea typeface="Arial"/>
+                <a:cs typeface="Arial"/>
+                <a:sym typeface="Arial"/>
+              </a:defRPr>
+            </a:lvl4pPr>
+            <a:lvl5pPr lvl="4" marR="0" rtl="0" algn="l">
+              <a:lnSpc>
+                <a:spcPct val="100000"/>
+              </a:lnSpc>
+              <a:spcBef>
+                <a:spcPts val="320"/>
+              </a:spcBef>
+              <a:spcAft>
+                <a:spcPts val="0"/>
+              </a:spcAft>
+              <a:buClr>
+                <a:schemeClr val="dk1"/>
+              </a:buClr>
+              <a:buSzPts val="1600"/>
+              <a:buFont typeface="Noto Sans Symbols"/>
+              <a:buChar char="▪"/>
+              <a:defRPr b="0" i="0" sz="1600" u="none" cap="none" strike="noStrike">
+                <a:solidFill>
+                  <a:schemeClr val="dk1"/>
+                </a:solidFill>
+                <a:latin typeface="Arial"/>
+                <a:ea typeface="Arial"/>
+                <a:cs typeface="Arial"/>
+                <a:sym typeface="Arial"/>
+              </a:defRPr>
+            </a:lvl5pPr>
+            <a:lvl6pPr lvl="5" marR="0" rtl="0" algn="l">
+              <a:lnSpc>
+                <a:spcPct val="100000"/>
+              </a:lnSpc>
+              <a:spcBef>
+                <a:spcPts val="320"/>
+              </a:spcBef>
+              <a:spcAft>
+                <a:spcPts val="0"/>
+              </a:spcAft>
+              <a:buClr>
+                <a:schemeClr val="dk1"/>
+              </a:buClr>
+              <a:buSzPts val="1600"/>
+              <a:buFont typeface="Noto Sans Symbols"/>
+              <a:buChar char="▪"/>
+              <a:defRPr b="0" i="0" sz="1600" u="none" cap="none" strike="noStrike">
+                <a:solidFill>
+                  <a:schemeClr val="dk1"/>
+                </a:solidFill>
+                <a:latin typeface="Arial"/>
+                <a:ea typeface="Arial"/>
+                <a:cs typeface="Arial"/>
+                <a:sym typeface="Arial"/>
+              </a:defRPr>
+            </a:lvl6pPr>
+            <a:lvl7pPr lvl="6" marR="0" rtl="0" algn="l">
+              <a:lnSpc>
+                <a:spcPct val="100000"/>
+              </a:lnSpc>
+              <a:spcBef>
+                <a:spcPts val="320"/>
+              </a:spcBef>
+              <a:spcAft>
+                <a:spcPts val="0"/>
+              </a:spcAft>
+              <a:buClr>
+                <a:schemeClr val="dk1"/>
+              </a:buClr>
+              <a:buSzPts val="1600"/>
+              <a:buFont typeface="Noto Sans Symbols"/>
+              <a:buChar char="▪"/>
+              <a:defRPr b="0" i="0" sz="1600" u="none" cap="none" strike="noStrike">
+                <a:solidFill>
+                  <a:schemeClr val="dk1"/>
+                </a:solidFill>
+                <a:latin typeface="Arial"/>
+                <a:ea typeface="Arial"/>
+                <a:cs typeface="Arial"/>
+                <a:sym typeface="Arial"/>
+              </a:defRPr>
+            </a:lvl7pPr>
+            <a:lvl8pPr lvl="7" marR="0" rtl="0" algn="l">
+              <a:lnSpc>
+                <a:spcPct val="100000"/>
+              </a:lnSpc>
+              <a:spcBef>
+                <a:spcPts val="320"/>
+              </a:spcBef>
+              <a:spcAft>
+                <a:spcPts val="0"/>
+              </a:spcAft>
+              <a:buClr>
+                <a:schemeClr val="dk1"/>
+              </a:buClr>
+              <a:buSzPts val="1600"/>
+              <a:buFont typeface="Noto Sans Symbols"/>
+              <a:buChar char="▪"/>
+              <a:defRPr b="0" i="0" sz="1600" u="none" cap="none" strike="noStrike">
+                <a:solidFill>
+                  <a:schemeClr val="dk1"/>
+                </a:solidFill>
+                <a:latin typeface="Arial"/>
+                <a:ea typeface="Arial"/>
+                <a:cs typeface="Arial"/>
+                <a:sym typeface="Arial"/>
+              </a:defRPr>
+            </a:lvl8pPr>
+            <a:lvl9pPr lvl="8" marR="0" rtl="0" algn="l">
+              <a:lnSpc>
+                <a:spcPct val="100000"/>
+              </a:lnSpc>
+              <a:spcBef>
+                <a:spcPts val="320"/>
+              </a:spcBef>
+              <a:spcAft>
+                <a:spcPts val="0"/>
+              </a:spcAft>
+              <a:buClr>
+                <a:schemeClr val="dk1"/>
+              </a:buClr>
+              <a:buSzPts val="1600"/>
+              <a:buFont typeface="Noto Sans Symbols"/>
+              <a:buChar char="▪"/>
+              <a:defRPr b="0" i="0" sz="1600" u="none" cap="none" strike="noStrike">
+                <a:solidFill>
+                  <a:schemeClr val="dk1"/>
+                </a:solidFill>
+                <a:latin typeface="Arial"/>
+                <a:ea typeface="Arial"/>
+                <a:cs typeface="Arial"/>
+                <a:sym typeface="Arial"/>
+              </a:defRPr>
+            </a:lvl9pPr>
+          </a:lstStyle>
+          <a:p/>
+        </p:txBody>
+      </p:sp>
+    </p:spTree>
+  </p:cSld>
+  <p:clrMapOvr>
+    <a:masterClrMapping/>
+  </p:clrMapOvr>
+</p:sldLayout>
+</file>
+
+<file path=ppt/slideLayouts/slideLayout3.xml><?xml version="1.0" encoding="utf-8"?>
+<p:sldLayout xmlns:a="http://schemas.openxmlformats.org/drawingml/2006/main" xmlns:r="http://schemas.openxmlformats.org/officeDocument/2006/relationships" xmlns:mc="http://schemas.openxmlformats.org/markup-compatibility/2006" xmlns:mv="urn:schemas-microsoft-com:mac:vml" xmlns:p="http://schemas.openxmlformats.org/presentationml/2006/main" xmlns:c="http://schemas.openxmlformats.org/drawingml/2006/chart" xmlns:dgm="http://schemas.openxmlformats.org/drawingml/2006/diagram" xmlns:o="urn:schemas-microsoft-com:office:office" xmlns:v="urn:schemas-microsoft-com:vml" xmlns:pvml="urn:schemas-microsoft-com:office:powerpoint" xmlns:com="http://schemas.openxmlformats.org/drawingml/2006/compatibility" xmlns:p14="http://schemas.microsoft.com/office/powerpoint/2010/main" xmlns:p15="http://schemas.microsoft.com/office/powerpoint/2012/main" xmlns:ahyp="http://schemas.microsoft.com/office/drawing/2018/hyperlinkcolor" matchingName="1_Titel und Inhalt">
+  <p:cSld name="1_Titel und Inhalt">
+    <p:spTree>
+      <p:nvGrpSpPr>
+        <p:cNvPr id="24" name="Shape 24"/>
+        <p:cNvGrpSpPr/>
+        <p:nvPr/>
+      </p:nvGrpSpPr>
+      <p:grpSpPr>
+        <a:xfrm>
+          <a:off x="0" y="0"/>
+          <a:ext cx="0" cy="0"/>
+          <a:chOff x="0" y="0"/>
+          <a:chExt cx="0" cy="0"/>
+        </a:xfrm>
+      </p:grpSpPr>
+      <p:sp>
+        <p:nvSpPr>
+          <p:cNvPr id="25" name="Google Shape;25;p4"/>
+          <p:cNvSpPr/>
+          <p:nvPr/>
+        </p:nvSpPr>
+        <p:spPr>
+          <a:xfrm>
+            <a:off x="0" y="0"/>
+            <a:ext cx="9144000" cy="647700"/>
+          </a:xfrm>
+          <a:prstGeom prst="rect">
+            <a:avLst/>
+          </a:prstGeom>
+          <a:solidFill>
+            <a:srgbClr val="DDDDDD"/>
+          </a:solidFill>
+          <a:ln>
+            <a:noFill/>
+          </a:ln>
+        </p:spPr>
+        <p:txBody>
+          <a:bodyPr anchorCtr="0" anchor="ctr" bIns="45700" lIns="91425" spcFirstLastPara="1" rIns="91425" wrap="square" tIns="45700">
+            <a:noAutofit/>
+          </a:bodyPr>
+          <a:lstStyle/>
+          <a:p>
+            <a:pPr indent="0" lvl="0" marL="0" marR="0" rtl="0" algn="ctr">
+              <a:lnSpc>
+                <a:spcPct val="100000"/>
+              </a:lnSpc>
+              <a:spcBef>
+                <a:spcPts val="0"/>
+              </a:spcBef>
+              <a:spcAft>
+                <a:spcPts val="0"/>
+              </a:spcAft>
+              <a:buClr>
+                <a:srgbClr val="000000"/>
+              </a:buClr>
+              <a:buSzPts val="1800"/>
+              <a:buFont typeface="Arial"/>
+              <a:buNone/>
+            </a:pPr>
+            <a:r>
+              <a:t/>
+            </a:r>
+            <a:endParaRPr b="0" i="0" sz="1800" u="none" cap="none" strike="noStrike">
+              <a:solidFill>
+                <a:schemeClr val="accent2"/>
+              </a:solidFill>
+              <a:latin typeface="Arial"/>
+              <a:ea typeface="Arial"/>
+              <a:cs typeface="Arial"/>
+              <a:sym typeface="Arial"/>
+            </a:endParaRPr>
+          </a:p>
+        </p:txBody>
+      </p:sp>
+      <p:sp>
+        <p:nvSpPr>
+          <p:cNvPr id="26" name="Google Shape;26;p4"/>
+          <p:cNvSpPr txBox="1"/>
+          <p:nvPr>
+            <p:ph type="title"/>
+          </p:nvPr>
+        </p:nvSpPr>
+        <p:spPr>
+          <a:xfrm>
+            <a:off x="431800" y="83344"/>
+            <a:ext cx="8375700" cy="531000"/>
+          </a:xfrm>
+          <a:prstGeom prst="rect">
+            <a:avLst/>
+          </a:prstGeom>
+          <a:noFill/>
+          <a:ln>
+            <a:noFill/>
+          </a:ln>
+        </p:spPr>
+        <p:txBody>
+          <a:bodyPr anchorCtr="0" anchor="b" bIns="0" lIns="0" spcFirstLastPara="1" rIns="0" wrap="square" tIns="0">
+            <a:noAutofit/>
+          </a:bodyPr>
+          <a:lstStyle>
+            <a:lvl1pPr lvl="0" algn="l">
+              <a:lnSpc>
+                <a:spcPct val="100000"/>
+              </a:lnSpc>
+              <a:spcBef>
+                <a:spcPts val="0"/>
+              </a:spcBef>
+              <a:spcAft>
+                <a:spcPts val="0"/>
+              </a:spcAft>
+              <a:buSzPts val="1400"/>
+              <a:buNone/>
+              <a:defRPr/>
+            </a:lvl1pPr>
+            <a:lvl2pPr lvl="1" algn="l">
+              <a:lnSpc>
+                <a:spcPct val="100000"/>
+              </a:lnSpc>
+              <a:spcBef>
+                <a:spcPts val="0"/>
+              </a:spcBef>
+              <a:spcAft>
+                <a:spcPts val="0"/>
+              </a:spcAft>
+              <a:buSzPts val="1400"/>
+              <a:buNone/>
+              <a:defRPr/>
+            </a:lvl2pPr>
+            <a:lvl3pPr lvl="2" algn="l">
+              <a:lnSpc>
+                <a:spcPct val="100000"/>
+              </a:lnSpc>
+              <a:spcBef>
+                <a:spcPts val="0"/>
+              </a:spcBef>
+              <a:spcAft>
+                <a:spcPts val="0"/>
+              </a:spcAft>
+              <a:buSzPts val="1400"/>
+              <a:buNone/>
+              <a:defRPr/>
+            </a:lvl3pPr>
+            <a:lvl4pPr lvl="3" algn="l">
+              <a:lnSpc>
+                <a:spcPct val="100000"/>
+              </a:lnSpc>
+              <a:spcBef>
+                <a:spcPts val="0"/>
+              </a:spcBef>
+              <a:spcAft>
+                <a:spcPts val="0"/>
+              </a:spcAft>
+              <a:buSzPts val="1400"/>
+              <a:buNone/>
+              <a:defRPr/>
+            </a:lvl4pPr>
+            <a:lvl5pPr lvl="4" algn="l">
+              <a:lnSpc>
+                <a:spcPct val="100000"/>
+              </a:lnSpc>
+              <a:spcBef>
+                <a:spcPts val="0"/>
+              </a:spcBef>
+              <a:spcAft>
+                <a:spcPts val="0"/>
+              </a:spcAft>
+              <a:buSzPts val="1400"/>
+              <a:buNone/>
+              <a:defRPr/>
+            </a:lvl5pPr>
+            <a:lvl6pPr lvl="5" algn="l">
+              <a:lnSpc>
+                <a:spcPct val="100000"/>
+              </a:lnSpc>
+              <a:spcBef>
+                <a:spcPts val="0"/>
+              </a:spcBef>
+              <a:spcAft>
+                <a:spcPts val="0"/>
+              </a:spcAft>
+              <a:buSzPts val="1400"/>
+              <a:buNone/>
+              <a:defRPr/>
+            </a:lvl6pPr>
+            <a:lvl7pPr lvl="6" algn="l">
+              <a:lnSpc>
+                <a:spcPct val="100000"/>
+              </a:lnSpc>
+              <a:spcBef>
+                <a:spcPts val="0"/>
+              </a:spcBef>
+              <a:spcAft>
+                <a:spcPts val="0"/>
+              </a:spcAft>
+              <a:buSzPts val="1400"/>
+              <a:buNone/>
+              <a:defRPr/>
+            </a:lvl7pPr>
+            <a:lvl8pPr lvl="7" algn="l">
+              <a:lnSpc>
+                <a:spcPct val="100000"/>
+              </a:lnSpc>
+              <a:spcBef>
+                <a:spcPts val="0"/>
+              </a:spcBef>
+              <a:spcAft>
+                <a:spcPts val="0"/>
+              </a:spcAft>
+              <a:buSzPts val="1400"/>
+              <a:buNone/>
+              <a:defRPr/>
+            </a:lvl8pPr>
+            <a:lvl9pPr lvl="8" algn="l">
+              <a:lnSpc>
+                <a:spcPct val="100000"/>
+              </a:lnSpc>
+              <a:spcBef>
+                <a:spcPts val="0"/>
+              </a:spcBef>
+              <a:spcAft>
+                <a:spcPts val="0"/>
+              </a:spcAft>
+              <a:buSzPts val="1400"/>
+              <a:buNone/>
+              <a:defRPr/>
+            </a:lvl9pPr>
+          </a:lstStyle>
+          <a:p/>
+        </p:txBody>
+      </p:sp>
+      <p:sp>
+        <p:nvSpPr>
+          <p:cNvPr id="27" name="Google Shape;27;p4"/>
           <p:cNvSpPr txBox="1"/>
           <p:nvPr>
             <p:ph idx="1" type="body"/>
@@ -5238,12 +6093,12 @@
 </p:sldLayout>
 </file>
 
-<file path=ppt/slideLayouts/slideLayout3.xml><?xml version="1.0" encoding="utf-8"?>
+<file path=ppt/slideLayouts/slideLayout4.xml><?xml version="1.0" encoding="utf-8"?>
 <p:sldLayout xmlns:a="http://schemas.openxmlformats.org/drawingml/2006/main" xmlns:r="http://schemas.openxmlformats.org/officeDocument/2006/relationships" xmlns:mc="http://schemas.openxmlformats.org/markup-compatibility/2006" xmlns:mv="urn:schemas-microsoft-com:mac:vml" xmlns:p="http://schemas.openxmlformats.org/presentationml/2006/main" xmlns:c="http://schemas.openxmlformats.org/drawingml/2006/chart" xmlns:dgm="http://schemas.openxmlformats.org/drawingml/2006/diagram" xmlns:o="urn:schemas-microsoft-com:office:office" xmlns:v="urn:schemas-microsoft-com:vml" xmlns:pvml="urn:schemas-microsoft-com:office:powerpoint" xmlns:com="http://schemas.openxmlformats.org/drawingml/2006/compatibility" xmlns:p14="http://schemas.microsoft.com/office/powerpoint/2010/main" xmlns:p15="http://schemas.microsoft.com/office/powerpoint/2012/main" xmlns:ahyp="http://schemas.microsoft.com/office/drawing/2018/hyperlinkcolor" matchingName="Titel und Inhalt">
   <p:cSld name="Titel und Inhalt">
     <p:spTree>
       <p:nvGrpSpPr>
-        <p:cNvPr id="24" name="Shape 24"/>
+        <p:cNvPr id="28" name="Shape 28"/>
         <p:cNvGrpSpPr/>
         <p:nvPr/>
       </p:nvGrpSpPr>
@@ -5257,7 +6112,7 @@
       </p:grpSpPr>
       <p:sp>
         <p:nvSpPr>
-          <p:cNvPr id="25" name="Google Shape;25;p4"/>
+          <p:cNvPr id="29" name="Google Shape;29;p5"/>
           <p:cNvSpPr txBox="1"/>
           <p:nvPr>
             <p:ph type="title"/>
@@ -5413,7 +6268,7 @@
       </p:sp>
       <p:sp>
         <p:nvSpPr>
-          <p:cNvPr id="26" name="Google Shape;26;p4"/>
+          <p:cNvPr id="30" name="Google Shape;30;p5"/>
           <p:cNvSpPr txBox="1"/>
           <p:nvPr>
             <p:ph idx="1" type="body"/>
@@ -5587,526 +6442,9 @@
 </p:sldLayout>
 </file>
 
-<file path=ppt/slideLayouts/slideLayout4.xml><?xml version="1.0" encoding="utf-8"?>
+<file path=ppt/slideLayouts/slideLayout5.xml><?xml version="1.0" encoding="utf-8"?>
 <p:sldLayout xmlns:a="http://schemas.openxmlformats.org/drawingml/2006/main" xmlns:r="http://schemas.openxmlformats.org/officeDocument/2006/relationships" xmlns:mc="http://schemas.openxmlformats.org/markup-compatibility/2006" xmlns:mv="urn:schemas-microsoft-com:mac:vml" xmlns:p="http://schemas.openxmlformats.org/presentationml/2006/main" xmlns:c="http://schemas.openxmlformats.org/drawingml/2006/chart" xmlns:dgm="http://schemas.openxmlformats.org/drawingml/2006/diagram" xmlns:o="urn:schemas-microsoft-com:office:office" xmlns:v="urn:schemas-microsoft-com:vml" xmlns:pvml="urn:schemas-microsoft-com:office:powerpoint" xmlns:com="http://schemas.openxmlformats.org/drawingml/2006/compatibility" xmlns:p14="http://schemas.microsoft.com/office/powerpoint/2010/main" xmlns:p15="http://schemas.microsoft.com/office/powerpoint/2012/main" xmlns:ahyp="http://schemas.microsoft.com/office/drawing/2018/hyperlinkcolor" matchingName="2_Titel und Inhalt">
   <p:cSld name="2_Titel und Inhalt">
-    <p:spTree>
-      <p:nvGrpSpPr>
-        <p:cNvPr id="27" name="Shape 27"/>
-        <p:cNvGrpSpPr/>
-        <p:nvPr/>
-      </p:nvGrpSpPr>
-      <p:grpSpPr>
-        <a:xfrm>
-          <a:off x="0" y="0"/>
-          <a:ext cx="0" cy="0"/>
-          <a:chOff x="0" y="0"/>
-          <a:chExt cx="0" cy="0"/>
-        </a:xfrm>
-      </p:grpSpPr>
-      <p:sp>
-        <p:nvSpPr>
-          <p:cNvPr id="28" name="Google Shape;28;p5"/>
-          <p:cNvSpPr txBox="1"/>
-          <p:nvPr>
-            <p:ph type="title"/>
-          </p:nvPr>
-        </p:nvSpPr>
-        <p:spPr>
-          <a:xfrm>
-            <a:off x="431800" y="83344"/>
-            <a:ext cx="8375700" cy="531000"/>
-          </a:xfrm>
-          <a:prstGeom prst="rect">
-            <a:avLst/>
-          </a:prstGeom>
-          <a:noFill/>
-          <a:ln>
-            <a:noFill/>
-          </a:ln>
-        </p:spPr>
-        <p:txBody>
-          <a:bodyPr anchorCtr="0" anchor="b" bIns="0" lIns="0" spcFirstLastPara="1" rIns="0" wrap="square" tIns="0">
-            <a:noAutofit/>
-          </a:bodyPr>
-          <a:lstStyle>
-            <a:lvl1pPr lvl="0" algn="l">
-              <a:lnSpc>
-                <a:spcPct val="100000"/>
-              </a:lnSpc>
-              <a:spcBef>
-                <a:spcPts val="0"/>
-              </a:spcBef>
-              <a:spcAft>
-                <a:spcPts val="0"/>
-              </a:spcAft>
-              <a:buSzPts val="1400"/>
-              <a:buNone/>
-              <a:defRPr/>
-            </a:lvl1pPr>
-            <a:lvl2pPr lvl="1" algn="l">
-              <a:lnSpc>
-                <a:spcPct val="100000"/>
-              </a:lnSpc>
-              <a:spcBef>
-                <a:spcPts val="0"/>
-              </a:spcBef>
-              <a:spcAft>
-                <a:spcPts val="0"/>
-              </a:spcAft>
-              <a:buSzPts val="1400"/>
-              <a:buNone/>
-              <a:defRPr/>
-            </a:lvl2pPr>
-            <a:lvl3pPr lvl="2" algn="l">
-              <a:lnSpc>
-                <a:spcPct val="100000"/>
-              </a:lnSpc>
-              <a:spcBef>
-                <a:spcPts val="0"/>
-              </a:spcBef>
-              <a:spcAft>
-                <a:spcPts val="0"/>
-              </a:spcAft>
-              <a:buSzPts val="1400"/>
-              <a:buNone/>
-              <a:defRPr/>
-            </a:lvl3pPr>
-            <a:lvl4pPr lvl="3" algn="l">
-              <a:lnSpc>
-                <a:spcPct val="100000"/>
-              </a:lnSpc>
-              <a:spcBef>
-                <a:spcPts val="0"/>
-              </a:spcBef>
-              <a:spcAft>
-                <a:spcPts val="0"/>
-              </a:spcAft>
-              <a:buSzPts val="1400"/>
-              <a:buNone/>
-              <a:defRPr/>
-            </a:lvl4pPr>
-            <a:lvl5pPr lvl="4" algn="l">
-              <a:lnSpc>
-                <a:spcPct val="100000"/>
-              </a:lnSpc>
-              <a:spcBef>
-                <a:spcPts val="0"/>
-              </a:spcBef>
-              <a:spcAft>
-                <a:spcPts val="0"/>
-              </a:spcAft>
-              <a:buSzPts val="1400"/>
-              <a:buNone/>
-              <a:defRPr/>
-            </a:lvl5pPr>
-            <a:lvl6pPr lvl="5" algn="l">
-              <a:lnSpc>
-                <a:spcPct val="100000"/>
-              </a:lnSpc>
-              <a:spcBef>
-                <a:spcPts val="0"/>
-              </a:spcBef>
-              <a:spcAft>
-                <a:spcPts val="0"/>
-              </a:spcAft>
-              <a:buSzPts val="1400"/>
-              <a:buNone/>
-              <a:defRPr/>
-            </a:lvl6pPr>
-            <a:lvl7pPr lvl="6" algn="l">
-              <a:lnSpc>
-                <a:spcPct val="100000"/>
-              </a:lnSpc>
-              <a:spcBef>
-                <a:spcPts val="0"/>
-              </a:spcBef>
-              <a:spcAft>
-                <a:spcPts val="0"/>
-              </a:spcAft>
-              <a:buSzPts val="1400"/>
-              <a:buNone/>
-              <a:defRPr/>
-            </a:lvl7pPr>
-            <a:lvl8pPr lvl="7" algn="l">
-              <a:lnSpc>
-                <a:spcPct val="100000"/>
-              </a:lnSpc>
-              <a:spcBef>
-                <a:spcPts val="0"/>
-              </a:spcBef>
-              <a:spcAft>
-                <a:spcPts val="0"/>
-              </a:spcAft>
-              <a:buSzPts val="1400"/>
-              <a:buNone/>
-              <a:defRPr/>
-            </a:lvl8pPr>
-            <a:lvl9pPr lvl="8" algn="l">
-              <a:lnSpc>
-                <a:spcPct val="100000"/>
-              </a:lnSpc>
-              <a:spcBef>
-                <a:spcPts val="0"/>
-              </a:spcBef>
-              <a:spcAft>
-                <a:spcPts val="0"/>
-              </a:spcAft>
-              <a:buSzPts val="1400"/>
-              <a:buNone/>
-              <a:defRPr/>
-            </a:lvl9pPr>
-          </a:lstStyle>
-          <a:p/>
-        </p:txBody>
-      </p:sp>
-      <p:sp>
-        <p:nvSpPr>
-          <p:cNvPr id="29" name="Google Shape;29;p5"/>
-          <p:cNvSpPr txBox="1"/>
-          <p:nvPr>
-            <p:ph idx="1" type="body"/>
-          </p:nvPr>
-        </p:nvSpPr>
-        <p:spPr>
-          <a:xfrm>
-            <a:off x="431800" y="945000"/>
-            <a:ext cx="3600000" cy="3375000"/>
-          </a:xfrm>
-          <a:prstGeom prst="rect">
-            <a:avLst/>
-          </a:prstGeom>
-          <a:noFill/>
-          <a:ln>
-            <a:noFill/>
-          </a:ln>
-        </p:spPr>
-        <p:txBody>
-          <a:bodyPr anchorCtr="0" anchor="t" bIns="0" lIns="0" spcFirstLastPara="1" rIns="0" wrap="square" tIns="0">
-            <a:noAutofit/>
-          </a:bodyPr>
-          <a:lstStyle>
-            <a:lvl1pPr indent="-228600" lvl="0" marL="457200" algn="l">
-              <a:lnSpc>
-                <a:spcPct val="100000"/>
-              </a:lnSpc>
-              <a:spcBef>
-                <a:spcPts val="360"/>
-              </a:spcBef>
-              <a:spcAft>
-                <a:spcPts val="0"/>
-              </a:spcAft>
-              <a:buSzPts val="1400"/>
-              <a:buNone/>
-              <a:defRPr/>
-            </a:lvl1pPr>
-            <a:lvl2pPr indent="-342900" lvl="1" marL="914400" algn="l">
-              <a:lnSpc>
-                <a:spcPct val="100000"/>
-              </a:lnSpc>
-              <a:spcBef>
-                <a:spcPts val="360"/>
-              </a:spcBef>
-              <a:spcAft>
-                <a:spcPts val="0"/>
-              </a:spcAft>
-              <a:buSzPts val="1800"/>
-              <a:buChar char="▪"/>
-              <a:defRPr/>
-            </a:lvl2pPr>
-            <a:lvl3pPr indent="-342900" lvl="2" marL="1371600" algn="l">
-              <a:lnSpc>
-                <a:spcPct val="100000"/>
-              </a:lnSpc>
-              <a:spcBef>
-                <a:spcPts val="360"/>
-              </a:spcBef>
-              <a:spcAft>
-                <a:spcPts val="0"/>
-              </a:spcAft>
-              <a:buSzPts val="1800"/>
-              <a:buChar char="▪"/>
-              <a:defRPr/>
-            </a:lvl3pPr>
-            <a:lvl4pPr indent="-342900" lvl="3" marL="1828800" algn="l">
-              <a:lnSpc>
-                <a:spcPct val="100000"/>
-              </a:lnSpc>
-              <a:spcBef>
-                <a:spcPts val="360"/>
-              </a:spcBef>
-              <a:spcAft>
-                <a:spcPts val="0"/>
-              </a:spcAft>
-              <a:buSzPts val="1800"/>
-              <a:buChar char="▪"/>
-              <a:defRPr/>
-            </a:lvl4pPr>
-            <a:lvl5pPr indent="-342900" lvl="4" marL="2286000" algn="l">
-              <a:lnSpc>
-                <a:spcPct val="100000"/>
-              </a:lnSpc>
-              <a:spcBef>
-                <a:spcPts val="360"/>
-              </a:spcBef>
-              <a:spcAft>
-                <a:spcPts val="0"/>
-              </a:spcAft>
-              <a:buSzPts val="1800"/>
-              <a:buChar char="▪"/>
-              <a:defRPr/>
-            </a:lvl5pPr>
-            <a:lvl6pPr indent="-342900" lvl="5" marL="2743200" algn="l">
-              <a:lnSpc>
-                <a:spcPct val="100000"/>
-              </a:lnSpc>
-              <a:spcBef>
-                <a:spcPts val="360"/>
-              </a:spcBef>
-              <a:spcAft>
-                <a:spcPts val="0"/>
-              </a:spcAft>
-              <a:buClr>
-                <a:schemeClr val="dk1"/>
-              </a:buClr>
-              <a:buSzPts val="1800"/>
-              <a:buChar char="▪"/>
-              <a:defRPr/>
-            </a:lvl6pPr>
-            <a:lvl7pPr indent="-342900" lvl="6" marL="3200400" algn="l">
-              <a:lnSpc>
-                <a:spcPct val="100000"/>
-              </a:lnSpc>
-              <a:spcBef>
-                <a:spcPts val="360"/>
-              </a:spcBef>
-              <a:spcAft>
-                <a:spcPts val="0"/>
-              </a:spcAft>
-              <a:buClr>
-                <a:schemeClr val="dk1"/>
-              </a:buClr>
-              <a:buSzPts val="1800"/>
-              <a:buChar char="▪"/>
-              <a:defRPr/>
-            </a:lvl7pPr>
-            <a:lvl8pPr indent="-342900" lvl="7" marL="3657600" algn="l">
-              <a:lnSpc>
-                <a:spcPct val="100000"/>
-              </a:lnSpc>
-              <a:spcBef>
-                <a:spcPts val="360"/>
-              </a:spcBef>
-              <a:spcAft>
-                <a:spcPts val="0"/>
-              </a:spcAft>
-              <a:buClr>
-                <a:schemeClr val="dk1"/>
-              </a:buClr>
-              <a:buSzPts val="1800"/>
-              <a:buChar char="▪"/>
-              <a:defRPr/>
-            </a:lvl8pPr>
-            <a:lvl9pPr indent="-342900" lvl="8" marL="4114800" algn="l">
-              <a:lnSpc>
-                <a:spcPct val="100000"/>
-              </a:lnSpc>
-              <a:spcBef>
-                <a:spcPts val="360"/>
-              </a:spcBef>
-              <a:spcAft>
-                <a:spcPts val="0"/>
-              </a:spcAft>
-              <a:buClr>
-                <a:schemeClr val="dk1"/>
-              </a:buClr>
-              <a:buSzPts val="1800"/>
-              <a:buChar char="▪"/>
-              <a:defRPr/>
-            </a:lvl9pPr>
-          </a:lstStyle>
-          <a:p/>
-        </p:txBody>
-      </p:sp>
-      <p:sp>
-        <p:nvSpPr>
-          <p:cNvPr id="30" name="Google Shape;30;p5"/>
-          <p:cNvSpPr txBox="1"/>
-          <p:nvPr>
-            <p:ph idx="2" type="body"/>
-          </p:nvPr>
-        </p:nvSpPr>
-        <p:spPr>
-          <a:xfrm>
-            <a:off x="4860000" y="945000"/>
-            <a:ext cx="3600000" cy="3375000"/>
-          </a:xfrm>
-          <a:prstGeom prst="rect">
-            <a:avLst/>
-          </a:prstGeom>
-          <a:noFill/>
-          <a:ln>
-            <a:noFill/>
-          </a:ln>
-        </p:spPr>
-        <p:txBody>
-          <a:bodyPr anchorCtr="0" anchor="t" bIns="0" lIns="0" spcFirstLastPara="1" rIns="0" wrap="square" tIns="0">
-            <a:noAutofit/>
-          </a:bodyPr>
-          <a:lstStyle>
-            <a:lvl1pPr indent="-228600" lvl="0" marL="457200" algn="l">
-              <a:lnSpc>
-                <a:spcPct val="100000"/>
-              </a:lnSpc>
-              <a:spcBef>
-                <a:spcPts val="360"/>
-              </a:spcBef>
-              <a:spcAft>
-                <a:spcPts val="0"/>
-              </a:spcAft>
-              <a:buSzPts val="1400"/>
-              <a:buNone/>
-              <a:defRPr/>
-            </a:lvl1pPr>
-            <a:lvl2pPr indent="-342900" lvl="1" marL="914400" algn="l">
-              <a:lnSpc>
-                <a:spcPct val="100000"/>
-              </a:lnSpc>
-              <a:spcBef>
-                <a:spcPts val="360"/>
-              </a:spcBef>
-              <a:spcAft>
-                <a:spcPts val="0"/>
-              </a:spcAft>
-              <a:buSzPts val="1800"/>
-              <a:buChar char="▪"/>
-              <a:defRPr/>
-            </a:lvl2pPr>
-            <a:lvl3pPr indent="-342900" lvl="2" marL="1371600" algn="l">
-              <a:lnSpc>
-                <a:spcPct val="100000"/>
-              </a:lnSpc>
-              <a:spcBef>
-                <a:spcPts val="360"/>
-              </a:spcBef>
-              <a:spcAft>
-                <a:spcPts val="0"/>
-              </a:spcAft>
-              <a:buSzPts val="1800"/>
-              <a:buChar char="▪"/>
-              <a:defRPr/>
-            </a:lvl3pPr>
-            <a:lvl4pPr indent="-342900" lvl="3" marL="1828800" algn="l">
-              <a:lnSpc>
-                <a:spcPct val="100000"/>
-              </a:lnSpc>
-              <a:spcBef>
-                <a:spcPts val="360"/>
-              </a:spcBef>
-              <a:spcAft>
-                <a:spcPts val="0"/>
-              </a:spcAft>
-              <a:buSzPts val="1800"/>
-              <a:buChar char="▪"/>
-              <a:defRPr/>
-            </a:lvl4pPr>
-            <a:lvl5pPr indent="-342900" lvl="4" marL="2286000" algn="l">
-              <a:lnSpc>
-                <a:spcPct val="100000"/>
-              </a:lnSpc>
-              <a:spcBef>
-                <a:spcPts val="360"/>
-              </a:spcBef>
-              <a:spcAft>
-                <a:spcPts val="0"/>
-              </a:spcAft>
-              <a:buSzPts val="1800"/>
-              <a:buChar char="▪"/>
-              <a:defRPr/>
-            </a:lvl5pPr>
-            <a:lvl6pPr indent="-342900" lvl="5" marL="2743200" algn="l">
-              <a:lnSpc>
-                <a:spcPct val="100000"/>
-              </a:lnSpc>
-              <a:spcBef>
-                <a:spcPts val="360"/>
-              </a:spcBef>
-              <a:spcAft>
-                <a:spcPts val="0"/>
-              </a:spcAft>
-              <a:buClr>
-                <a:schemeClr val="dk1"/>
-              </a:buClr>
-              <a:buSzPts val="1800"/>
-              <a:buChar char="▪"/>
-              <a:defRPr/>
-            </a:lvl6pPr>
-            <a:lvl7pPr indent="-342900" lvl="6" marL="3200400" algn="l">
-              <a:lnSpc>
-                <a:spcPct val="100000"/>
-              </a:lnSpc>
-              <a:spcBef>
-                <a:spcPts val="360"/>
-              </a:spcBef>
-              <a:spcAft>
-                <a:spcPts val="0"/>
-              </a:spcAft>
-              <a:buClr>
-                <a:schemeClr val="dk1"/>
-              </a:buClr>
-              <a:buSzPts val="1800"/>
-              <a:buChar char="▪"/>
-              <a:defRPr/>
-            </a:lvl7pPr>
-            <a:lvl8pPr indent="-342900" lvl="7" marL="3657600" algn="l">
-              <a:lnSpc>
-                <a:spcPct val="100000"/>
-              </a:lnSpc>
-              <a:spcBef>
-                <a:spcPts val="360"/>
-              </a:spcBef>
-              <a:spcAft>
-                <a:spcPts val="0"/>
-              </a:spcAft>
-              <a:buClr>
-                <a:schemeClr val="dk1"/>
-              </a:buClr>
-              <a:buSzPts val="1800"/>
-              <a:buChar char="▪"/>
-              <a:defRPr/>
-            </a:lvl8pPr>
-            <a:lvl9pPr indent="-342900" lvl="8" marL="4114800" algn="l">
-              <a:lnSpc>
-                <a:spcPct val="100000"/>
-              </a:lnSpc>
-              <a:spcBef>
-                <a:spcPts val="360"/>
-              </a:spcBef>
-              <a:spcAft>
-                <a:spcPts val="0"/>
-              </a:spcAft>
-              <a:buClr>
-                <a:schemeClr val="dk1"/>
-              </a:buClr>
-              <a:buSzPts val="1800"/>
-              <a:buChar char="▪"/>
-              <a:defRPr/>
-            </a:lvl9pPr>
-          </a:lstStyle>
-          <a:p/>
-        </p:txBody>
-      </p:sp>
-    </p:spTree>
-  </p:cSld>
-  <p:clrMapOvr>
-    <a:masterClrMapping/>
-  </p:clrMapOvr>
-</p:sldLayout>
-</file>
-
-<file path=ppt/slideLayouts/slideLayout5.xml><?xml version="1.0" encoding="utf-8"?>
-<p:sldLayout xmlns:a="http://schemas.openxmlformats.org/drawingml/2006/main" xmlns:r="http://schemas.openxmlformats.org/officeDocument/2006/relationships" xmlns:mc="http://schemas.openxmlformats.org/markup-compatibility/2006" xmlns:mv="urn:schemas-microsoft-com:mac:vml" xmlns:p="http://schemas.openxmlformats.org/presentationml/2006/main" xmlns:c="http://schemas.openxmlformats.org/drawingml/2006/chart" xmlns:dgm="http://schemas.openxmlformats.org/drawingml/2006/diagram" xmlns:o="urn:schemas-microsoft-com:office:office" xmlns:v="urn:schemas-microsoft-com:vml" xmlns:pvml="urn:schemas-microsoft-com:office:powerpoint" xmlns:com="http://schemas.openxmlformats.org/drawingml/2006/compatibility" xmlns:p14="http://schemas.microsoft.com/office/powerpoint/2010/main" xmlns:p15="http://schemas.microsoft.com/office/powerpoint/2012/main" xmlns:ahyp="http://schemas.microsoft.com/office/drawing/2018/hyperlinkcolor" matchingName="Titel und Diagramm" type="chart">
-  <p:cSld name="CHART">
     <p:spTree>
       <p:nvGrpSpPr>
         <p:cNvPr id="31" name="Shape 31"/>
@@ -6280,6 +6618,523 @@
       <p:sp>
         <p:nvSpPr>
           <p:cNvPr id="33" name="Google Shape;33;p6"/>
+          <p:cNvSpPr txBox="1"/>
+          <p:nvPr>
+            <p:ph idx="1" type="body"/>
+          </p:nvPr>
+        </p:nvSpPr>
+        <p:spPr>
+          <a:xfrm>
+            <a:off x="431800" y="945000"/>
+            <a:ext cx="3600000" cy="3375000"/>
+          </a:xfrm>
+          <a:prstGeom prst="rect">
+            <a:avLst/>
+          </a:prstGeom>
+          <a:noFill/>
+          <a:ln>
+            <a:noFill/>
+          </a:ln>
+        </p:spPr>
+        <p:txBody>
+          <a:bodyPr anchorCtr="0" anchor="t" bIns="0" lIns="0" spcFirstLastPara="1" rIns="0" wrap="square" tIns="0">
+            <a:noAutofit/>
+          </a:bodyPr>
+          <a:lstStyle>
+            <a:lvl1pPr indent="-228600" lvl="0" marL="457200" algn="l">
+              <a:lnSpc>
+                <a:spcPct val="100000"/>
+              </a:lnSpc>
+              <a:spcBef>
+                <a:spcPts val="360"/>
+              </a:spcBef>
+              <a:spcAft>
+                <a:spcPts val="0"/>
+              </a:spcAft>
+              <a:buSzPts val="1400"/>
+              <a:buNone/>
+              <a:defRPr/>
+            </a:lvl1pPr>
+            <a:lvl2pPr indent="-342900" lvl="1" marL="914400" algn="l">
+              <a:lnSpc>
+                <a:spcPct val="100000"/>
+              </a:lnSpc>
+              <a:spcBef>
+                <a:spcPts val="360"/>
+              </a:spcBef>
+              <a:spcAft>
+                <a:spcPts val="0"/>
+              </a:spcAft>
+              <a:buSzPts val="1800"/>
+              <a:buChar char="▪"/>
+              <a:defRPr/>
+            </a:lvl2pPr>
+            <a:lvl3pPr indent="-342900" lvl="2" marL="1371600" algn="l">
+              <a:lnSpc>
+                <a:spcPct val="100000"/>
+              </a:lnSpc>
+              <a:spcBef>
+                <a:spcPts val="360"/>
+              </a:spcBef>
+              <a:spcAft>
+                <a:spcPts val="0"/>
+              </a:spcAft>
+              <a:buSzPts val="1800"/>
+              <a:buChar char="▪"/>
+              <a:defRPr/>
+            </a:lvl3pPr>
+            <a:lvl4pPr indent="-342900" lvl="3" marL="1828800" algn="l">
+              <a:lnSpc>
+                <a:spcPct val="100000"/>
+              </a:lnSpc>
+              <a:spcBef>
+                <a:spcPts val="360"/>
+              </a:spcBef>
+              <a:spcAft>
+                <a:spcPts val="0"/>
+              </a:spcAft>
+              <a:buSzPts val="1800"/>
+              <a:buChar char="▪"/>
+              <a:defRPr/>
+            </a:lvl4pPr>
+            <a:lvl5pPr indent="-342900" lvl="4" marL="2286000" algn="l">
+              <a:lnSpc>
+                <a:spcPct val="100000"/>
+              </a:lnSpc>
+              <a:spcBef>
+                <a:spcPts val="360"/>
+              </a:spcBef>
+              <a:spcAft>
+                <a:spcPts val="0"/>
+              </a:spcAft>
+              <a:buSzPts val="1800"/>
+              <a:buChar char="▪"/>
+              <a:defRPr/>
+            </a:lvl5pPr>
+            <a:lvl6pPr indent="-342900" lvl="5" marL="2743200" algn="l">
+              <a:lnSpc>
+                <a:spcPct val="100000"/>
+              </a:lnSpc>
+              <a:spcBef>
+                <a:spcPts val="360"/>
+              </a:spcBef>
+              <a:spcAft>
+                <a:spcPts val="0"/>
+              </a:spcAft>
+              <a:buClr>
+                <a:schemeClr val="dk1"/>
+              </a:buClr>
+              <a:buSzPts val="1800"/>
+              <a:buChar char="▪"/>
+              <a:defRPr/>
+            </a:lvl6pPr>
+            <a:lvl7pPr indent="-342900" lvl="6" marL="3200400" algn="l">
+              <a:lnSpc>
+                <a:spcPct val="100000"/>
+              </a:lnSpc>
+              <a:spcBef>
+                <a:spcPts val="360"/>
+              </a:spcBef>
+              <a:spcAft>
+                <a:spcPts val="0"/>
+              </a:spcAft>
+              <a:buClr>
+                <a:schemeClr val="dk1"/>
+              </a:buClr>
+              <a:buSzPts val="1800"/>
+              <a:buChar char="▪"/>
+              <a:defRPr/>
+            </a:lvl7pPr>
+            <a:lvl8pPr indent="-342900" lvl="7" marL="3657600" algn="l">
+              <a:lnSpc>
+                <a:spcPct val="100000"/>
+              </a:lnSpc>
+              <a:spcBef>
+                <a:spcPts val="360"/>
+              </a:spcBef>
+              <a:spcAft>
+                <a:spcPts val="0"/>
+              </a:spcAft>
+              <a:buClr>
+                <a:schemeClr val="dk1"/>
+              </a:buClr>
+              <a:buSzPts val="1800"/>
+              <a:buChar char="▪"/>
+              <a:defRPr/>
+            </a:lvl8pPr>
+            <a:lvl9pPr indent="-342900" lvl="8" marL="4114800" algn="l">
+              <a:lnSpc>
+                <a:spcPct val="100000"/>
+              </a:lnSpc>
+              <a:spcBef>
+                <a:spcPts val="360"/>
+              </a:spcBef>
+              <a:spcAft>
+                <a:spcPts val="0"/>
+              </a:spcAft>
+              <a:buClr>
+                <a:schemeClr val="dk1"/>
+              </a:buClr>
+              <a:buSzPts val="1800"/>
+              <a:buChar char="▪"/>
+              <a:defRPr/>
+            </a:lvl9pPr>
+          </a:lstStyle>
+          <a:p/>
+        </p:txBody>
+      </p:sp>
+      <p:sp>
+        <p:nvSpPr>
+          <p:cNvPr id="34" name="Google Shape;34;p6"/>
+          <p:cNvSpPr txBox="1"/>
+          <p:nvPr>
+            <p:ph idx="2" type="body"/>
+          </p:nvPr>
+        </p:nvSpPr>
+        <p:spPr>
+          <a:xfrm>
+            <a:off x="4860000" y="945000"/>
+            <a:ext cx="3600000" cy="3375000"/>
+          </a:xfrm>
+          <a:prstGeom prst="rect">
+            <a:avLst/>
+          </a:prstGeom>
+          <a:noFill/>
+          <a:ln>
+            <a:noFill/>
+          </a:ln>
+        </p:spPr>
+        <p:txBody>
+          <a:bodyPr anchorCtr="0" anchor="t" bIns="0" lIns="0" spcFirstLastPara="1" rIns="0" wrap="square" tIns="0">
+            <a:noAutofit/>
+          </a:bodyPr>
+          <a:lstStyle>
+            <a:lvl1pPr indent="-228600" lvl="0" marL="457200" algn="l">
+              <a:lnSpc>
+                <a:spcPct val="100000"/>
+              </a:lnSpc>
+              <a:spcBef>
+                <a:spcPts val="360"/>
+              </a:spcBef>
+              <a:spcAft>
+                <a:spcPts val="0"/>
+              </a:spcAft>
+              <a:buSzPts val="1400"/>
+              <a:buNone/>
+              <a:defRPr/>
+            </a:lvl1pPr>
+            <a:lvl2pPr indent="-342900" lvl="1" marL="914400" algn="l">
+              <a:lnSpc>
+                <a:spcPct val="100000"/>
+              </a:lnSpc>
+              <a:spcBef>
+                <a:spcPts val="360"/>
+              </a:spcBef>
+              <a:spcAft>
+                <a:spcPts val="0"/>
+              </a:spcAft>
+              <a:buSzPts val="1800"/>
+              <a:buChar char="▪"/>
+              <a:defRPr/>
+            </a:lvl2pPr>
+            <a:lvl3pPr indent="-342900" lvl="2" marL="1371600" algn="l">
+              <a:lnSpc>
+                <a:spcPct val="100000"/>
+              </a:lnSpc>
+              <a:spcBef>
+                <a:spcPts val="360"/>
+              </a:spcBef>
+              <a:spcAft>
+                <a:spcPts val="0"/>
+              </a:spcAft>
+              <a:buSzPts val="1800"/>
+              <a:buChar char="▪"/>
+              <a:defRPr/>
+            </a:lvl3pPr>
+            <a:lvl4pPr indent="-342900" lvl="3" marL="1828800" algn="l">
+              <a:lnSpc>
+                <a:spcPct val="100000"/>
+              </a:lnSpc>
+              <a:spcBef>
+                <a:spcPts val="360"/>
+              </a:spcBef>
+              <a:spcAft>
+                <a:spcPts val="0"/>
+              </a:spcAft>
+              <a:buSzPts val="1800"/>
+              <a:buChar char="▪"/>
+              <a:defRPr/>
+            </a:lvl4pPr>
+            <a:lvl5pPr indent="-342900" lvl="4" marL="2286000" algn="l">
+              <a:lnSpc>
+                <a:spcPct val="100000"/>
+              </a:lnSpc>
+              <a:spcBef>
+                <a:spcPts val="360"/>
+              </a:spcBef>
+              <a:spcAft>
+                <a:spcPts val="0"/>
+              </a:spcAft>
+              <a:buSzPts val="1800"/>
+              <a:buChar char="▪"/>
+              <a:defRPr/>
+            </a:lvl5pPr>
+            <a:lvl6pPr indent="-342900" lvl="5" marL="2743200" algn="l">
+              <a:lnSpc>
+                <a:spcPct val="100000"/>
+              </a:lnSpc>
+              <a:spcBef>
+                <a:spcPts val="360"/>
+              </a:spcBef>
+              <a:spcAft>
+                <a:spcPts val="0"/>
+              </a:spcAft>
+              <a:buClr>
+                <a:schemeClr val="dk1"/>
+              </a:buClr>
+              <a:buSzPts val="1800"/>
+              <a:buChar char="▪"/>
+              <a:defRPr/>
+            </a:lvl6pPr>
+            <a:lvl7pPr indent="-342900" lvl="6" marL="3200400" algn="l">
+              <a:lnSpc>
+                <a:spcPct val="100000"/>
+              </a:lnSpc>
+              <a:spcBef>
+                <a:spcPts val="360"/>
+              </a:spcBef>
+              <a:spcAft>
+                <a:spcPts val="0"/>
+              </a:spcAft>
+              <a:buClr>
+                <a:schemeClr val="dk1"/>
+              </a:buClr>
+              <a:buSzPts val="1800"/>
+              <a:buChar char="▪"/>
+              <a:defRPr/>
+            </a:lvl7pPr>
+            <a:lvl8pPr indent="-342900" lvl="7" marL="3657600" algn="l">
+              <a:lnSpc>
+                <a:spcPct val="100000"/>
+              </a:lnSpc>
+              <a:spcBef>
+                <a:spcPts val="360"/>
+              </a:spcBef>
+              <a:spcAft>
+                <a:spcPts val="0"/>
+              </a:spcAft>
+              <a:buClr>
+                <a:schemeClr val="dk1"/>
+              </a:buClr>
+              <a:buSzPts val="1800"/>
+              <a:buChar char="▪"/>
+              <a:defRPr/>
+            </a:lvl8pPr>
+            <a:lvl9pPr indent="-342900" lvl="8" marL="4114800" algn="l">
+              <a:lnSpc>
+                <a:spcPct val="100000"/>
+              </a:lnSpc>
+              <a:spcBef>
+                <a:spcPts val="360"/>
+              </a:spcBef>
+              <a:spcAft>
+                <a:spcPts val="0"/>
+              </a:spcAft>
+              <a:buClr>
+                <a:schemeClr val="dk1"/>
+              </a:buClr>
+              <a:buSzPts val="1800"/>
+              <a:buChar char="▪"/>
+              <a:defRPr/>
+            </a:lvl9pPr>
+          </a:lstStyle>
+          <a:p/>
+        </p:txBody>
+      </p:sp>
+    </p:spTree>
+  </p:cSld>
+  <p:clrMapOvr>
+    <a:masterClrMapping/>
+  </p:clrMapOvr>
+</p:sldLayout>
+</file>
+
+<file path=ppt/slideLayouts/slideLayout6.xml><?xml version="1.0" encoding="utf-8"?>
+<p:sldLayout xmlns:a="http://schemas.openxmlformats.org/drawingml/2006/main" xmlns:r="http://schemas.openxmlformats.org/officeDocument/2006/relationships" xmlns:mc="http://schemas.openxmlformats.org/markup-compatibility/2006" xmlns:mv="urn:schemas-microsoft-com:mac:vml" xmlns:p="http://schemas.openxmlformats.org/presentationml/2006/main" xmlns:c="http://schemas.openxmlformats.org/drawingml/2006/chart" xmlns:dgm="http://schemas.openxmlformats.org/drawingml/2006/diagram" xmlns:o="urn:schemas-microsoft-com:office:office" xmlns:v="urn:schemas-microsoft-com:vml" xmlns:pvml="urn:schemas-microsoft-com:office:powerpoint" xmlns:com="http://schemas.openxmlformats.org/drawingml/2006/compatibility" xmlns:p14="http://schemas.microsoft.com/office/powerpoint/2010/main" xmlns:p15="http://schemas.microsoft.com/office/powerpoint/2012/main" xmlns:ahyp="http://schemas.microsoft.com/office/drawing/2018/hyperlinkcolor" matchingName="Titel und Diagramm" type="chart">
+  <p:cSld name="CHART">
+    <p:spTree>
+      <p:nvGrpSpPr>
+        <p:cNvPr id="35" name="Shape 35"/>
+        <p:cNvGrpSpPr/>
+        <p:nvPr/>
+      </p:nvGrpSpPr>
+      <p:grpSpPr>
+        <a:xfrm>
+          <a:off x="0" y="0"/>
+          <a:ext cx="0" cy="0"/>
+          <a:chOff x="0" y="0"/>
+          <a:chExt cx="0" cy="0"/>
+        </a:xfrm>
+      </p:grpSpPr>
+      <p:sp>
+        <p:nvSpPr>
+          <p:cNvPr id="36" name="Google Shape;36;p7"/>
+          <p:cNvSpPr txBox="1"/>
+          <p:nvPr>
+            <p:ph type="title"/>
+          </p:nvPr>
+        </p:nvSpPr>
+        <p:spPr>
+          <a:xfrm>
+            <a:off x="431800" y="83344"/>
+            <a:ext cx="8375700" cy="531000"/>
+          </a:xfrm>
+          <a:prstGeom prst="rect">
+            <a:avLst/>
+          </a:prstGeom>
+          <a:noFill/>
+          <a:ln>
+            <a:noFill/>
+          </a:ln>
+        </p:spPr>
+        <p:txBody>
+          <a:bodyPr anchorCtr="0" anchor="b" bIns="0" lIns="0" spcFirstLastPara="1" rIns="0" wrap="square" tIns="0">
+            <a:noAutofit/>
+          </a:bodyPr>
+          <a:lstStyle>
+            <a:lvl1pPr lvl="0" algn="l">
+              <a:lnSpc>
+                <a:spcPct val="100000"/>
+              </a:lnSpc>
+              <a:spcBef>
+                <a:spcPts val="0"/>
+              </a:spcBef>
+              <a:spcAft>
+                <a:spcPts val="0"/>
+              </a:spcAft>
+              <a:buSzPts val="1400"/>
+              <a:buNone/>
+              <a:defRPr/>
+            </a:lvl1pPr>
+            <a:lvl2pPr lvl="1" algn="l">
+              <a:lnSpc>
+                <a:spcPct val="100000"/>
+              </a:lnSpc>
+              <a:spcBef>
+                <a:spcPts val="0"/>
+              </a:spcBef>
+              <a:spcAft>
+                <a:spcPts val="0"/>
+              </a:spcAft>
+              <a:buSzPts val="1400"/>
+              <a:buNone/>
+              <a:defRPr/>
+            </a:lvl2pPr>
+            <a:lvl3pPr lvl="2" algn="l">
+              <a:lnSpc>
+                <a:spcPct val="100000"/>
+              </a:lnSpc>
+              <a:spcBef>
+                <a:spcPts val="0"/>
+              </a:spcBef>
+              <a:spcAft>
+                <a:spcPts val="0"/>
+              </a:spcAft>
+              <a:buSzPts val="1400"/>
+              <a:buNone/>
+              <a:defRPr/>
+            </a:lvl3pPr>
+            <a:lvl4pPr lvl="3" algn="l">
+              <a:lnSpc>
+                <a:spcPct val="100000"/>
+              </a:lnSpc>
+              <a:spcBef>
+                <a:spcPts val="0"/>
+              </a:spcBef>
+              <a:spcAft>
+                <a:spcPts val="0"/>
+              </a:spcAft>
+              <a:buSzPts val="1400"/>
+              <a:buNone/>
+              <a:defRPr/>
+            </a:lvl4pPr>
+            <a:lvl5pPr lvl="4" algn="l">
+              <a:lnSpc>
+                <a:spcPct val="100000"/>
+              </a:lnSpc>
+              <a:spcBef>
+                <a:spcPts val="0"/>
+              </a:spcBef>
+              <a:spcAft>
+                <a:spcPts val="0"/>
+              </a:spcAft>
+              <a:buSzPts val="1400"/>
+              <a:buNone/>
+              <a:defRPr/>
+            </a:lvl5pPr>
+            <a:lvl6pPr lvl="5" algn="l">
+              <a:lnSpc>
+                <a:spcPct val="100000"/>
+              </a:lnSpc>
+              <a:spcBef>
+                <a:spcPts val="0"/>
+              </a:spcBef>
+              <a:spcAft>
+                <a:spcPts val="0"/>
+              </a:spcAft>
+              <a:buSzPts val="1400"/>
+              <a:buNone/>
+              <a:defRPr/>
+            </a:lvl6pPr>
+            <a:lvl7pPr lvl="6" algn="l">
+              <a:lnSpc>
+                <a:spcPct val="100000"/>
+              </a:lnSpc>
+              <a:spcBef>
+                <a:spcPts val="0"/>
+              </a:spcBef>
+              <a:spcAft>
+                <a:spcPts val="0"/>
+              </a:spcAft>
+              <a:buSzPts val="1400"/>
+              <a:buNone/>
+              <a:defRPr/>
+            </a:lvl7pPr>
+            <a:lvl8pPr lvl="7" algn="l">
+              <a:lnSpc>
+                <a:spcPct val="100000"/>
+              </a:lnSpc>
+              <a:spcBef>
+                <a:spcPts val="0"/>
+              </a:spcBef>
+              <a:spcAft>
+                <a:spcPts val="0"/>
+              </a:spcAft>
+              <a:buSzPts val="1400"/>
+              <a:buNone/>
+              <a:defRPr/>
+            </a:lvl8pPr>
+            <a:lvl9pPr lvl="8" algn="l">
+              <a:lnSpc>
+                <a:spcPct val="100000"/>
+              </a:lnSpc>
+              <a:spcBef>
+                <a:spcPts val="0"/>
+              </a:spcBef>
+              <a:spcAft>
+                <a:spcPts val="0"/>
+              </a:spcAft>
+              <a:buSzPts val="1400"/>
+              <a:buNone/>
+              <a:defRPr/>
+            </a:lvl9pPr>
+          </a:lstStyle>
+          <a:p/>
+        </p:txBody>
+      </p:sp>
+      <p:sp>
+        <p:nvSpPr>
+          <p:cNvPr id="37" name="Google Shape;37;p7"/>
           <p:cNvSpPr/>
           <p:nvPr>
             <p:ph idx="2" type="chart"/>
@@ -6549,12 +7404,12 @@
 </p:sldLayout>
 </file>
 
-<file path=ppt/slideLayouts/slideLayout6.xml><?xml version="1.0" encoding="utf-8"?>
+<file path=ppt/slideLayouts/slideLayout7.xml><?xml version="1.0" encoding="utf-8"?>
 <p:sldLayout xmlns:a="http://schemas.openxmlformats.org/drawingml/2006/main" xmlns:r="http://schemas.openxmlformats.org/officeDocument/2006/relationships" xmlns:mc="http://schemas.openxmlformats.org/markup-compatibility/2006" xmlns:mv="urn:schemas-microsoft-com:mac:vml" xmlns:p="http://schemas.openxmlformats.org/presentationml/2006/main" xmlns:c="http://schemas.openxmlformats.org/drawingml/2006/chart" xmlns:dgm="http://schemas.openxmlformats.org/drawingml/2006/diagram" xmlns:o="urn:schemas-microsoft-com:office:office" xmlns:v="urn:schemas-microsoft-com:vml" xmlns:pvml="urn:schemas-microsoft-com:office:powerpoint" xmlns:com="http://schemas.openxmlformats.org/drawingml/2006/compatibility" xmlns:p14="http://schemas.microsoft.com/office/powerpoint/2010/main" xmlns:p15="http://schemas.microsoft.com/office/powerpoint/2012/main" xmlns:ahyp="http://schemas.microsoft.com/office/drawing/2018/hyperlinkcolor" matchingName="Nur Titel" type="titleOnly">
   <p:cSld name="TITLE_ONLY">
     <p:spTree>
       <p:nvGrpSpPr>
-        <p:cNvPr id="34" name="Shape 34"/>
+        <p:cNvPr id="38" name="Shape 38"/>
         <p:cNvGrpSpPr/>
         <p:nvPr/>
       </p:nvGrpSpPr>
@@ -6568,7 +7423,7 @@
       </p:grpSpPr>
       <p:sp>
         <p:nvSpPr>
-          <p:cNvPr id="35" name="Google Shape;35;p7"/>
+          <p:cNvPr id="39" name="Google Shape;39;p8"/>
           <p:cNvSpPr txBox="1"/>
           <p:nvPr>
             <p:ph type="title"/>
@@ -6730,12 +7585,12 @@
 </p:sldLayout>
 </file>
 
-<file path=ppt/slideLayouts/slideLayout7.xml><?xml version="1.0" encoding="utf-8"?>
+<file path=ppt/slideLayouts/slideLayout8.xml><?xml version="1.0" encoding="utf-8"?>
 <p:sldLayout xmlns:a="http://schemas.openxmlformats.org/drawingml/2006/main" xmlns:r="http://schemas.openxmlformats.org/officeDocument/2006/relationships" xmlns:mc="http://schemas.openxmlformats.org/markup-compatibility/2006" xmlns:mv="urn:schemas-microsoft-com:mac:vml" xmlns:p="http://schemas.openxmlformats.org/presentationml/2006/main" xmlns:c="http://schemas.openxmlformats.org/drawingml/2006/chart" xmlns:dgm="http://schemas.openxmlformats.org/drawingml/2006/diagram" xmlns:o="urn:schemas-microsoft-com:office:office" xmlns:v="urn:schemas-microsoft-com:vml" xmlns:pvml="urn:schemas-microsoft-com:office:powerpoint" xmlns:com="http://schemas.openxmlformats.org/drawingml/2006/compatibility" xmlns:p14="http://schemas.microsoft.com/office/powerpoint/2010/main" xmlns:p15="http://schemas.microsoft.com/office/powerpoint/2012/main" xmlns:ahyp="http://schemas.microsoft.com/office/drawing/2018/hyperlinkcolor" matchingName="3_Titel und Inhalt">
   <p:cSld name="3_Titel und Inhalt">
     <p:spTree>
       <p:nvGrpSpPr>
-        <p:cNvPr id="36" name="Shape 36"/>
+        <p:cNvPr id="40" name="Shape 40"/>
         <p:cNvGrpSpPr/>
         <p:nvPr/>
       </p:nvGrpSpPr>
@@ -6749,7 +7604,7 @@
       </p:grpSpPr>
       <p:sp>
         <p:nvSpPr>
-          <p:cNvPr id="37" name="Google Shape;37;p8"/>
+          <p:cNvPr id="41" name="Google Shape;41;p9"/>
           <p:cNvSpPr/>
           <p:nvPr/>
         </p:nvSpPr>
@@ -6808,7 +7663,7 @@
       </p:sp>
       <p:sp>
         <p:nvSpPr>
-          <p:cNvPr id="38" name="Google Shape;38;p8"/>
+          <p:cNvPr id="42" name="Google Shape;42;p9"/>
           <p:cNvSpPr txBox="1"/>
           <p:nvPr>
             <p:ph type="title"/>
@@ -6964,7 +7819,7 @@
       </p:sp>
       <p:sp>
         <p:nvSpPr>
-          <p:cNvPr id="39" name="Google Shape;39;p8"/>
+          <p:cNvPr id="43" name="Google Shape;43;p9"/>
           <p:cNvSpPr txBox="1"/>
           <p:nvPr>
             <p:ph idx="1" type="body"/>
@@ -7132,7 +7987,7 @@
       </p:sp>
       <p:sp>
         <p:nvSpPr>
-          <p:cNvPr id="40" name="Google Shape;40;p8"/>
+          <p:cNvPr id="44" name="Google Shape;44;p9"/>
           <p:cNvSpPr txBox="1"/>
           <p:nvPr>
             <p:ph idx="2" type="body"/>
@@ -7293,510 +8148,6 @@
               <a:buSzPts val="1800"/>
               <a:buChar char="▪"/>
               <a:defRPr/>
-            </a:lvl9pPr>
-          </a:lstStyle>
-          <a:p/>
-        </p:txBody>
-      </p:sp>
-    </p:spTree>
-  </p:cSld>
-  <p:clrMapOvr>
-    <a:masterClrMapping/>
-  </p:clrMapOvr>
-</p:sldLayout>
-</file>
-
-<file path=ppt/slideLayouts/slideLayout8.xml><?xml version="1.0" encoding="utf-8"?>
-<p:sldLayout xmlns:a="http://schemas.openxmlformats.org/drawingml/2006/main" xmlns:r="http://schemas.openxmlformats.org/officeDocument/2006/relationships" xmlns:mc="http://schemas.openxmlformats.org/markup-compatibility/2006" xmlns:mv="urn:schemas-microsoft-com:mac:vml" xmlns:p="http://schemas.openxmlformats.org/presentationml/2006/main" xmlns:c="http://schemas.openxmlformats.org/drawingml/2006/chart" xmlns:dgm="http://schemas.openxmlformats.org/drawingml/2006/diagram" xmlns:o="urn:schemas-microsoft-com:office:office" xmlns:v="urn:schemas-microsoft-com:vml" xmlns:pvml="urn:schemas-microsoft-com:office:powerpoint" xmlns:com="http://schemas.openxmlformats.org/drawingml/2006/compatibility" xmlns:p14="http://schemas.microsoft.com/office/powerpoint/2010/main" xmlns:p15="http://schemas.microsoft.com/office/powerpoint/2012/main" xmlns:ahyp="http://schemas.microsoft.com/office/drawing/2018/hyperlinkcolor" matchingName="1_Titel und Diagramm">
-  <p:cSld name="1_Titel und Diagramm">
-    <p:spTree>
-      <p:nvGrpSpPr>
-        <p:cNvPr id="41" name="Shape 41"/>
-        <p:cNvGrpSpPr/>
-        <p:nvPr/>
-      </p:nvGrpSpPr>
-      <p:grpSpPr>
-        <a:xfrm>
-          <a:off x="0" y="0"/>
-          <a:ext cx="0" cy="0"/>
-          <a:chOff x="0" y="0"/>
-          <a:chExt cx="0" cy="0"/>
-        </a:xfrm>
-      </p:grpSpPr>
-      <p:sp>
-        <p:nvSpPr>
-          <p:cNvPr id="42" name="Google Shape;42;p9"/>
-          <p:cNvSpPr/>
-          <p:nvPr/>
-        </p:nvSpPr>
-        <p:spPr>
-          <a:xfrm>
-            <a:off x="0" y="0"/>
-            <a:ext cx="9144000" cy="647700"/>
-          </a:xfrm>
-          <a:prstGeom prst="rect">
-            <a:avLst/>
-          </a:prstGeom>
-          <a:solidFill>
-            <a:srgbClr val="DDDDDD"/>
-          </a:solidFill>
-          <a:ln>
-            <a:noFill/>
-          </a:ln>
-        </p:spPr>
-        <p:txBody>
-          <a:bodyPr anchorCtr="0" anchor="ctr" bIns="45700" lIns="91425" spcFirstLastPara="1" rIns="91425" wrap="square" tIns="45700">
-            <a:noAutofit/>
-          </a:bodyPr>
-          <a:lstStyle/>
-          <a:p>
-            <a:pPr indent="0" lvl="0" marL="0" marR="0" rtl="0" algn="ctr">
-              <a:lnSpc>
-                <a:spcPct val="100000"/>
-              </a:lnSpc>
-              <a:spcBef>
-                <a:spcPts val="0"/>
-              </a:spcBef>
-              <a:spcAft>
-                <a:spcPts val="0"/>
-              </a:spcAft>
-              <a:buClr>
-                <a:srgbClr val="000000"/>
-              </a:buClr>
-              <a:buSzPts val="1800"/>
-              <a:buFont typeface="Arial"/>
-              <a:buNone/>
-            </a:pPr>
-            <a:r>
-              <a:t/>
-            </a:r>
-            <a:endParaRPr b="0" i="0" sz="1800" u="none" cap="none" strike="noStrike">
-              <a:solidFill>
-                <a:schemeClr val="accent2"/>
-              </a:solidFill>
-              <a:latin typeface="Arial"/>
-              <a:ea typeface="Arial"/>
-              <a:cs typeface="Arial"/>
-              <a:sym typeface="Arial"/>
-            </a:endParaRPr>
-          </a:p>
-        </p:txBody>
-      </p:sp>
-      <p:sp>
-        <p:nvSpPr>
-          <p:cNvPr id="43" name="Google Shape;43;p9"/>
-          <p:cNvSpPr txBox="1"/>
-          <p:nvPr>
-            <p:ph type="title"/>
-          </p:nvPr>
-        </p:nvSpPr>
-        <p:spPr>
-          <a:xfrm>
-            <a:off x="431800" y="83344"/>
-            <a:ext cx="8375700" cy="531000"/>
-          </a:xfrm>
-          <a:prstGeom prst="rect">
-            <a:avLst/>
-          </a:prstGeom>
-          <a:noFill/>
-          <a:ln>
-            <a:noFill/>
-          </a:ln>
-        </p:spPr>
-        <p:txBody>
-          <a:bodyPr anchorCtr="0" anchor="b" bIns="0" lIns="0" spcFirstLastPara="1" rIns="0" wrap="square" tIns="0">
-            <a:noAutofit/>
-          </a:bodyPr>
-          <a:lstStyle>
-            <a:lvl1pPr lvl="0" algn="l">
-              <a:lnSpc>
-                <a:spcPct val="100000"/>
-              </a:lnSpc>
-              <a:spcBef>
-                <a:spcPts val="0"/>
-              </a:spcBef>
-              <a:spcAft>
-                <a:spcPts val="0"/>
-              </a:spcAft>
-              <a:buSzPts val="1400"/>
-              <a:buNone/>
-              <a:defRPr/>
-            </a:lvl1pPr>
-            <a:lvl2pPr lvl="1" algn="l">
-              <a:lnSpc>
-                <a:spcPct val="100000"/>
-              </a:lnSpc>
-              <a:spcBef>
-                <a:spcPts val="0"/>
-              </a:spcBef>
-              <a:spcAft>
-                <a:spcPts val="0"/>
-              </a:spcAft>
-              <a:buSzPts val="1400"/>
-              <a:buNone/>
-              <a:defRPr/>
-            </a:lvl2pPr>
-            <a:lvl3pPr lvl="2" algn="l">
-              <a:lnSpc>
-                <a:spcPct val="100000"/>
-              </a:lnSpc>
-              <a:spcBef>
-                <a:spcPts val="0"/>
-              </a:spcBef>
-              <a:spcAft>
-                <a:spcPts val="0"/>
-              </a:spcAft>
-              <a:buSzPts val="1400"/>
-              <a:buNone/>
-              <a:defRPr/>
-            </a:lvl3pPr>
-            <a:lvl4pPr lvl="3" algn="l">
-              <a:lnSpc>
-                <a:spcPct val="100000"/>
-              </a:lnSpc>
-              <a:spcBef>
-                <a:spcPts val="0"/>
-              </a:spcBef>
-              <a:spcAft>
-                <a:spcPts val="0"/>
-              </a:spcAft>
-              <a:buSzPts val="1400"/>
-              <a:buNone/>
-              <a:defRPr/>
-            </a:lvl4pPr>
-            <a:lvl5pPr lvl="4" algn="l">
-              <a:lnSpc>
-                <a:spcPct val="100000"/>
-              </a:lnSpc>
-              <a:spcBef>
-                <a:spcPts val="0"/>
-              </a:spcBef>
-              <a:spcAft>
-                <a:spcPts val="0"/>
-              </a:spcAft>
-              <a:buSzPts val="1400"/>
-              <a:buNone/>
-              <a:defRPr/>
-            </a:lvl5pPr>
-            <a:lvl6pPr lvl="5" algn="l">
-              <a:lnSpc>
-                <a:spcPct val="100000"/>
-              </a:lnSpc>
-              <a:spcBef>
-                <a:spcPts val="0"/>
-              </a:spcBef>
-              <a:spcAft>
-                <a:spcPts val="0"/>
-              </a:spcAft>
-              <a:buSzPts val="1400"/>
-              <a:buNone/>
-              <a:defRPr/>
-            </a:lvl6pPr>
-            <a:lvl7pPr lvl="6" algn="l">
-              <a:lnSpc>
-                <a:spcPct val="100000"/>
-              </a:lnSpc>
-              <a:spcBef>
-                <a:spcPts val="0"/>
-              </a:spcBef>
-              <a:spcAft>
-                <a:spcPts val="0"/>
-              </a:spcAft>
-              <a:buSzPts val="1400"/>
-              <a:buNone/>
-              <a:defRPr/>
-            </a:lvl7pPr>
-            <a:lvl8pPr lvl="7" algn="l">
-              <a:lnSpc>
-                <a:spcPct val="100000"/>
-              </a:lnSpc>
-              <a:spcBef>
-                <a:spcPts val="0"/>
-              </a:spcBef>
-              <a:spcAft>
-                <a:spcPts val="0"/>
-              </a:spcAft>
-              <a:buSzPts val="1400"/>
-              <a:buNone/>
-              <a:defRPr/>
-            </a:lvl8pPr>
-            <a:lvl9pPr lvl="8" algn="l">
-              <a:lnSpc>
-                <a:spcPct val="100000"/>
-              </a:lnSpc>
-              <a:spcBef>
-                <a:spcPts val="0"/>
-              </a:spcBef>
-              <a:spcAft>
-                <a:spcPts val="0"/>
-              </a:spcAft>
-              <a:buSzPts val="1400"/>
-              <a:buNone/>
-              <a:defRPr/>
-            </a:lvl9pPr>
-          </a:lstStyle>
-          <a:p/>
-        </p:txBody>
-      </p:sp>
-      <p:sp>
-        <p:nvSpPr>
-          <p:cNvPr id="44" name="Google Shape;44;p9"/>
-          <p:cNvSpPr/>
-          <p:nvPr>
-            <p:ph idx="2" type="chart"/>
-          </p:nvPr>
-        </p:nvSpPr>
-        <p:spPr>
-          <a:xfrm>
-            <a:off x="431800" y="782241"/>
-            <a:ext cx="8375700" cy="3579000"/>
-          </a:xfrm>
-          <a:prstGeom prst="rect">
-            <a:avLst/>
-          </a:prstGeom>
-          <a:noFill/>
-          <a:ln>
-            <a:noFill/>
-          </a:ln>
-        </p:spPr>
-        <p:txBody>
-          <a:bodyPr anchorCtr="0" anchor="t" bIns="0" lIns="0" spcFirstLastPara="1" rIns="0" wrap="square" tIns="0">
-            <a:noAutofit/>
-          </a:bodyPr>
-          <a:lstStyle>
-            <a:lvl1pPr lvl="0" marR="0" rtl="0" algn="l">
-              <a:lnSpc>
-                <a:spcPct val="100000"/>
-              </a:lnSpc>
-              <a:spcBef>
-                <a:spcPts val="320"/>
-              </a:spcBef>
-              <a:spcAft>
-                <a:spcPts val="0"/>
-              </a:spcAft>
-              <a:buClr>
-                <a:srgbClr val="000000"/>
-              </a:buClr>
-              <a:buSzPts val="1400"/>
-              <a:buFont typeface="Arial"/>
-              <a:buNone/>
-              <a:defRPr b="0" i="0" sz="1600" u="none" cap="none" strike="noStrike">
-                <a:solidFill>
-                  <a:schemeClr val="dk1"/>
-                </a:solidFill>
-                <a:latin typeface="Arial"/>
-                <a:ea typeface="Arial"/>
-                <a:cs typeface="Arial"/>
-                <a:sym typeface="Arial"/>
-              </a:defRPr>
-            </a:lvl1pPr>
-            <a:lvl2pPr lvl="1" marR="0" rtl="0" algn="l">
-              <a:lnSpc>
-                <a:spcPct val="100000"/>
-              </a:lnSpc>
-              <a:spcBef>
-                <a:spcPts val="320"/>
-              </a:spcBef>
-              <a:spcAft>
-                <a:spcPts val="0"/>
-              </a:spcAft>
-              <a:buClr>
-                <a:schemeClr val="dk1"/>
-              </a:buClr>
-              <a:buSzPts val="1600"/>
-              <a:buFont typeface="Noto Sans Symbols"/>
-              <a:buChar char="▪"/>
-              <a:defRPr b="0" i="0" sz="1600" u="none" cap="none" strike="noStrike">
-                <a:solidFill>
-                  <a:schemeClr val="dk1"/>
-                </a:solidFill>
-                <a:latin typeface="Arial"/>
-                <a:ea typeface="Arial"/>
-                <a:cs typeface="Arial"/>
-                <a:sym typeface="Arial"/>
-              </a:defRPr>
-            </a:lvl2pPr>
-            <a:lvl3pPr lvl="2" marR="0" rtl="0" algn="l">
-              <a:lnSpc>
-                <a:spcPct val="100000"/>
-              </a:lnSpc>
-              <a:spcBef>
-                <a:spcPts val="320"/>
-              </a:spcBef>
-              <a:spcAft>
-                <a:spcPts val="0"/>
-              </a:spcAft>
-              <a:buClr>
-                <a:schemeClr val="dk1"/>
-              </a:buClr>
-              <a:buSzPts val="1600"/>
-              <a:buFont typeface="Noto Sans Symbols"/>
-              <a:buChar char="▪"/>
-              <a:defRPr b="0" i="0" sz="1600" u="none" cap="none" strike="noStrike">
-                <a:solidFill>
-                  <a:schemeClr val="dk1"/>
-                </a:solidFill>
-                <a:latin typeface="Arial"/>
-                <a:ea typeface="Arial"/>
-                <a:cs typeface="Arial"/>
-                <a:sym typeface="Arial"/>
-              </a:defRPr>
-            </a:lvl3pPr>
-            <a:lvl4pPr lvl="3" marR="0" rtl="0" algn="l">
-              <a:lnSpc>
-                <a:spcPct val="100000"/>
-              </a:lnSpc>
-              <a:spcBef>
-                <a:spcPts val="320"/>
-              </a:spcBef>
-              <a:spcAft>
-                <a:spcPts val="0"/>
-              </a:spcAft>
-              <a:buClr>
-                <a:schemeClr val="dk1"/>
-              </a:buClr>
-              <a:buSzPts val="1600"/>
-              <a:buFont typeface="Noto Sans Symbols"/>
-              <a:buChar char="▪"/>
-              <a:defRPr b="0" i="0" sz="1600" u="none" cap="none" strike="noStrike">
-                <a:solidFill>
-                  <a:schemeClr val="dk1"/>
-                </a:solidFill>
-                <a:latin typeface="Arial"/>
-                <a:ea typeface="Arial"/>
-                <a:cs typeface="Arial"/>
-                <a:sym typeface="Arial"/>
-              </a:defRPr>
-            </a:lvl4pPr>
-            <a:lvl5pPr lvl="4" marR="0" rtl="0" algn="l">
-              <a:lnSpc>
-                <a:spcPct val="100000"/>
-              </a:lnSpc>
-              <a:spcBef>
-                <a:spcPts val="320"/>
-              </a:spcBef>
-              <a:spcAft>
-                <a:spcPts val="0"/>
-              </a:spcAft>
-              <a:buClr>
-                <a:schemeClr val="dk1"/>
-              </a:buClr>
-              <a:buSzPts val="1600"/>
-              <a:buFont typeface="Noto Sans Symbols"/>
-              <a:buChar char="▪"/>
-              <a:defRPr b="0" i="0" sz="1600" u="none" cap="none" strike="noStrike">
-                <a:solidFill>
-                  <a:schemeClr val="dk1"/>
-                </a:solidFill>
-                <a:latin typeface="Arial"/>
-                <a:ea typeface="Arial"/>
-                <a:cs typeface="Arial"/>
-                <a:sym typeface="Arial"/>
-              </a:defRPr>
-            </a:lvl5pPr>
-            <a:lvl6pPr lvl="5" marR="0" rtl="0" algn="l">
-              <a:lnSpc>
-                <a:spcPct val="100000"/>
-              </a:lnSpc>
-              <a:spcBef>
-                <a:spcPts val="320"/>
-              </a:spcBef>
-              <a:spcAft>
-                <a:spcPts val="0"/>
-              </a:spcAft>
-              <a:buClr>
-                <a:schemeClr val="dk1"/>
-              </a:buClr>
-              <a:buSzPts val="1600"/>
-              <a:buFont typeface="Noto Sans Symbols"/>
-              <a:buChar char="▪"/>
-              <a:defRPr b="0" i="0" sz="1600" u="none" cap="none" strike="noStrike">
-                <a:solidFill>
-                  <a:schemeClr val="dk1"/>
-                </a:solidFill>
-                <a:latin typeface="Arial"/>
-                <a:ea typeface="Arial"/>
-                <a:cs typeface="Arial"/>
-                <a:sym typeface="Arial"/>
-              </a:defRPr>
-            </a:lvl6pPr>
-            <a:lvl7pPr lvl="6" marR="0" rtl="0" algn="l">
-              <a:lnSpc>
-                <a:spcPct val="100000"/>
-              </a:lnSpc>
-              <a:spcBef>
-                <a:spcPts val="320"/>
-              </a:spcBef>
-              <a:spcAft>
-                <a:spcPts val="0"/>
-              </a:spcAft>
-              <a:buClr>
-                <a:schemeClr val="dk1"/>
-              </a:buClr>
-              <a:buSzPts val="1600"/>
-              <a:buFont typeface="Noto Sans Symbols"/>
-              <a:buChar char="▪"/>
-              <a:defRPr b="0" i="0" sz="1600" u="none" cap="none" strike="noStrike">
-                <a:solidFill>
-                  <a:schemeClr val="dk1"/>
-                </a:solidFill>
-                <a:latin typeface="Arial"/>
-                <a:ea typeface="Arial"/>
-                <a:cs typeface="Arial"/>
-                <a:sym typeface="Arial"/>
-              </a:defRPr>
-            </a:lvl7pPr>
-            <a:lvl8pPr lvl="7" marR="0" rtl="0" algn="l">
-              <a:lnSpc>
-                <a:spcPct val="100000"/>
-              </a:lnSpc>
-              <a:spcBef>
-                <a:spcPts val="320"/>
-              </a:spcBef>
-              <a:spcAft>
-                <a:spcPts val="0"/>
-              </a:spcAft>
-              <a:buClr>
-                <a:schemeClr val="dk1"/>
-              </a:buClr>
-              <a:buSzPts val="1600"/>
-              <a:buFont typeface="Noto Sans Symbols"/>
-              <a:buChar char="▪"/>
-              <a:defRPr b="0" i="0" sz="1600" u="none" cap="none" strike="noStrike">
-                <a:solidFill>
-                  <a:schemeClr val="dk1"/>
-                </a:solidFill>
-                <a:latin typeface="Arial"/>
-                <a:ea typeface="Arial"/>
-                <a:cs typeface="Arial"/>
-                <a:sym typeface="Arial"/>
-              </a:defRPr>
-            </a:lvl8pPr>
-            <a:lvl9pPr lvl="8" marR="0" rtl="0" algn="l">
-              <a:lnSpc>
-                <a:spcPct val="100000"/>
-              </a:lnSpc>
-              <a:spcBef>
-                <a:spcPts val="320"/>
-              </a:spcBef>
-              <a:spcAft>
-                <a:spcPts val="0"/>
-              </a:spcAft>
-              <a:buClr>
-                <a:schemeClr val="dk1"/>
-              </a:buClr>
-              <a:buSzPts val="1600"/>
-              <a:buFont typeface="Noto Sans Symbols"/>
-              <a:buChar char="▪"/>
-              <a:defRPr b="0" i="0" sz="1600" u="none" cap="none" strike="noStrike">
-                <a:solidFill>
-                  <a:schemeClr val="dk1"/>
-                </a:solidFill>
-                <a:latin typeface="Arial"/>
-                <a:ea typeface="Arial"/>
-                <a:cs typeface="Arial"/>
-                <a:sym typeface="Arial"/>
-              </a:defRPr>
             </a:lvl9pPr>
           </a:lstStyle>
           <a:p/>
@@ -9708,6 +10059,10 @@
           <a:prstGeom prst="rect">
             <a:avLst/>
           </a:prstGeom>
+          <a:noFill/>
+          <a:ln>
+            <a:noFill/>
+          </a:ln>
         </p:spPr>
         <p:txBody>
           <a:bodyPr anchorCtr="0" anchor="b" bIns="0" lIns="0" spcFirstLastPara="1" rIns="0" wrap="square" tIns="0">
@@ -9716,12 +10071,16 @@
           <a:lstStyle/>
           <a:p>
             <a:pPr indent="0" lvl="0" marL="0" rtl="0" algn="l">
-              <a:spcBef>
-                <a:spcPts val="0"/>
-              </a:spcBef>
-              <a:spcAft>
-                <a:spcPts val="0"/>
-              </a:spcAft>
+              <a:lnSpc>
+                <a:spcPct val="100000"/>
+              </a:lnSpc>
+              <a:spcBef>
+                <a:spcPts val="0"/>
+              </a:spcBef>
+              <a:spcAft>
+                <a:spcPts val="0"/>
+              </a:spcAft>
+              <a:buSzPts val="1400"/>
               <a:buNone/>
             </a:pPr>
             <a:r>
@@ -9748,6 +10107,10 @@
           <a:prstGeom prst="rect">
             <a:avLst/>
           </a:prstGeom>
+          <a:noFill/>
+          <a:ln>
+            <a:noFill/>
+          </a:ln>
         </p:spPr>
         <p:txBody>
           <a:bodyPr anchorCtr="0" anchor="t" bIns="0" lIns="0" spcFirstLastPara="1" rIns="0" wrap="square" tIns="0">
@@ -9756,12 +10119,16 @@
           <a:lstStyle/>
           <a:p>
             <a:pPr indent="0" lvl="0" marL="0" rtl="0" algn="l">
+              <a:lnSpc>
+                <a:spcPct val="100000"/>
+              </a:lnSpc>
               <a:spcBef>
                 <a:spcPts val="320"/>
               </a:spcBef>
               <a:spcAft>
                 <a:spcPts val="0"/>
               </a:spcAft>
+              <a:buSzPts val="1600"/>
               <a:buNone/>
             </a:pPr>
             <a:r>
@@ -9813,6 +10180,10 @@
           <a:prstGeom prst="rect">
             <a:avLst/>
           </a:prstGeom>
+          <a:noFill/>
+          <a:ln>
+            <a:noFill/>
+          </a:ln>
         </p:spPr>
         <p:txBody>
           <a:bodyPr anchorCtr="0" anchor="b" bIns="0" lIns="0" spcFirstLastPara="1" rIns="0" wrap="square" tIns="0">
@@ -9821,12 +10192,16 @@
           <a:lstStyle/>
           <a:p>
             <a:pPr indent="0" lvl="0" marL="0" rtl="0" algn="l">
-              <a:spcBef>
-                <a:spcPts val="0"/>
-              </a:spcBef>
-              <a:spcAft>
-                <a:spcPts val="0"/>
-              </a:spcAft>
+              <a:lnSpc>
+                <a:spcPct val="100000"/>
+              </a:lnSpc>
+              <a:spcBef>
+                <a:spcPts val="0"/>
+              </a:spcBef>
+              <a:spcAft>
+                <a:spcPts val="0"/>
+              </a:spcAft>
+              <a:buSzPts val="1400"/>
               <a:buNone/>
             </a:pPr>
             <a:r>
@@ -9853,6 +10228,10 @@
           <a:prstGeom prst="rect">
             <a:avLst/>
           </a:prstGeom>
+          <a:noFill/>
+          <a:ln>
+            <a:noFill/>
+          </a:ln>
         </p:spPr>
         <p:txBody>
           <a:bodyPr anchorCtr="0" anchor="t" bIns="0" lIns="0" spcFirstLastPara="1" rIns="0" wrap="square" tIns="0">
@@ -9860,97 +10239,239 @@
           </a:bodyPr>
           <a:lstStyle/>
           <a:p>
-            <a:pPr indent="0" lvl="0" marL="0" rtl="0" algn="l">
+            <a:pPr indent="0" lvl="0" marL="0" marR="0" rtl="0" algn="l">
+              <a:lnSpc>
+                <a:spcPct val="100000"/>
+              </a:lnSpc>
               <a:spcBef>
                 <a:spcPts val="320"/>
               </a:spcBef>
               <a:spcAft>
                 <a:spcPts val="0"/>
               </a:spcAft>
+              <a:buClr>
+                <a:srgbClr val="000000"/>
+              </a:buClr>
+              <a:buSzPts val="1400"/>
+              <a:buFont typeface="Arial"/>
               <a:buNone/>
             </a:pPr>
             <a:r>
-              <a:rPr lang="de"/>
+              <a:rPr b="0" i="0" lang="de" sz="1600" u="none" cap="none" strike="noStrike">
+                <a:solidFill>
+                  <a:schemeClr val="dk1"/>
+                </a:solidFill>
+                <a:latin typeface="Arial"/>
+                <a:ea typeface="Arial"/>
+                <a:cs typeface="Arial"/>
+                <a:sym typeface="Arial"/>
+              </a:rPr>
               <a:t>Das Schlüsselwort hat zwei zentrale Anwendungsfälle:</a:t>
             </a:r>
-            <a:endParaRPr/>
+            <a:endParaRPr b="0" i="0" sz="1600" u="none" cap="none" strike="noStrike">
+              <a:solidFill>
+                <a:schemeClr val="dk1"/>
+              </a:solidFill>
+              <a:latin typeface="Arial"/>
+              <a:ea typeface="Arial"/>
+              <a:cs typeface="Arial"/>
+              <a:sym typeface="Arial"/>
+            </a:endParaRPr>
           </a:p>
           <a:p>
-            <a:pPr indent="-317500" lvl="0" marL="457200" rtl="0" algn="l">
+            <a:pPr indent="-317500" lvl="0" marL="457200" marR="0" rtl="0" algn="l">
+              <a:lnSpc>
+                <a:spcPct val="100000"/>
+              </a:lnSpc>
               <a:spcBef>
                 <a:spcPts val="320"/>
               </a:spcBef>
               <a:spcAft>
                 <a:spcPts val="0"/>
               </a:spcAft>
-              <a:buSzPts val="1400"/>
+              <a:buClr>
+                <a:srgbClr val="000000"/>
+              </a:buClr>
+              <a:buSzPts val="1400"/>
+              <a:buFont typeface="Arial"/>
               <a:buChar char="●"/>
             </a:pPr>
             <a:r>
-              <a:rPr lang="de"/>
+              <a:rPr b="0" i="0" lang="de" sz="1600" u="none" cap="none" strike="noStrike">
+                <a:solidFill>
+                  <a:schemeClr val="dk1"/>
+                </a:solidFill>
+                <a:latin typeface="Arial"/>
+                <a:ea typeface="Arial"/>
+                <a:cs typeface="Arial"/>
+                <a:sym typeface="Arial"/>
+              </a:rPr>
               <a:t>Es ist eine Referenz auf das Vererbende Objekt, von dem das aktuelle Objekt erbt.</a:t>
             </a:r>
             <a:br>
-              <a:rPr lang="de"/>
+              <a:rPr b="0" i="0" lang="de" sz="1600" u="none" cap="none" strike="noStrike">
+                <a:solidFill>
+                  <a:schemeClr val="dk1"/>
+                </a:solidFill>
+                <a:latin typeface="Arial"/>
+                <a:ea typeface="Arial"/>
+                <a:cs typeface="Arial"/>
+                <a:sym typeface="Arial"/>
+              </a:rPr>
             </a:br>
             <a:br>
-              <a:rPr lang="de"/>
+              <a:rPr b="0" i="0" lang="de" sz="1600" u="none" cap="none" strike="noStrike">
+                <a:solidFill>
+                  <a:schemeClr val="dk1"/>
+                </a:solidFill>
+                <a:latin typeface="Arial"/>
+                <a:ea typeface="Arial"/>
+                <a:cs typeface="Arial"/>
+                <a:sym typeface="Arial"/>
+              </a:rPr>
             </a:br>
             <a:br>
-              <a:rPr lang="de"/>
+              <a:rPr b="0" i="0" lang="de" sz="1600" u="none" cap="none" strike="noStrike">
+                <a:solidFill>
+                  <a:schemeClr val="dk1"/>
+                </a:solidFill>
+                <a:latin typeface="Arial"/>
+                <a:ea typeface="Arial"/>
+                <a:cs typeface="Arial"/>
+                <a:sym typeface="Arial"/>
+              </a:rPr>
             </a:br>
             <a:br>
-              <a:rPr lang="de"/>
+              <a:rPr b="0" i="0" lang="de" sz="1600" u="none" cap="none" strike="noStrike">
+                <a:solidFill>
+                  <a:schemeClr val="dk1"/>
+                </a:solidFill>
+                <a:latin typeface="Arial"/>
+                <a:ea typeface="Arial"/>
+                <a:cs typeface="Arial"/>
+                <a:sym typeface="Arial"/>
+              </a:rPr>
             </a:br>
-            <a:endParaRPr/>
+            <a:endParaRPr b="0" i="0" sz="1600" u="none" cap="none" strike="noStrike">
+              <a:solidFill>
+                <a:schemeClr val="dk1"/>
+              </a:solidFill>
+              <a:latin typeface="Arial"/>
+              <a:ea typeface="Arial"/>
+              <a:cs typeface="Arial"/>
+              <a:sym typeface="Arial"/>
+            </a:endParaRPr>
           </a:p>
           <a:p>
-            <a:pPr indent="-317500" lvl="0" marL="457200" rtl="0" algn="l">
-              <a:spcBef>
-                <a:spcPts val="0"/>
-              </a:spcBef>
-              <a:spcAft>
-                <a:spcPts val="0"/>
-              </a:spcAft>
-              <a:buSzPts val="1400"/>
+            <a:pPr indent="-317500" lvl="0" marL="457200" marR="0" rtl="0" algn="l">
+              <a:lnSpc>
+                <a:spcPct val="100000"/>
+              </a:lnSpc>
+              <a:spcBef>
+                <a:spcPts val="0"/>
+              </a:spcBef>
+              <a:spcAft>
+                <a:spcPts val="0"/>
+              </a:spcAft>
+              <a:buClr>
+                <a:srgbClr val="000000"/>
+              </a:buClr>
+              <a:buSzPts val="1400"/>
+              <a:buFont typeface="Arial"/>
               <a:buChar char="●"/>
             </a:pPr>
             <a:r>
-              <a:rPr lang="de"/>
+              <a:rPr b="0" i="0" lang="de" sz="1600" u="none" cap="none" strike="noStrike">
+                <a:solidFill>
+                  <a:schemeClr val="dk1"/>
+                </a:solidFill>
+                <a:latin typeface="Arial"/>
+                <a:ea typeface="Arial"/>
+                <a:cs typeface="Arial"/>
+                <a:sym typeface="Arial"/>
+              </a:rPr>
               <a:t>Man kann (und muss ggf.) mit diesem Schlüsselwort den Konstruktor der Superklasse aufrufen, um dort ein Objekt mit den passenden Attributen zu erstellen. Dort wird dann der entsprechende Konstruktor ausgeführt. Und das erstellte Objekt in dem Schlüsselwort “super” referenziert (s.o.).</a:t>
             </a:r>
-            <a:endParaRPr/>
+            <a:endParaRPr b="0" i="0" sz="1600" u="none" cap="none" strike="noStrike">
+              <a:solidFill>
+                <a:schemeClr val="dk1"/>
+              </a:solidFill>
+              <a:latin typeface="Arial"/>
+              <a:ea typeface="Arial"/>
+              <a:cs typeface="Arial"/>
+              <a:sym typeface="Arial"/>
+            </a:endParaRPr>
           </a:p>
           <a:p>
-            <a:pPr indent="0" lvl="0" marL="457200" rtl="0" algn="l">
+            <a:pPr indent="0" lvl="0" marL="457200" marR="0" rtl="0" algn="l">
+              <a:lnSpc>
+                <a:spcPct val="100000"/>
+              </a:lnSpc>
               <a:spcBef>
                 <a:spcPts val="320"/>
               </a:spcBef>
               <a:spcAft>
                 <a:spcPts val="0"/>
               </a:spcAft>
+              <a:buClr>
+                <a:srgbClr val="000000"/>
+              </a:buClr>
+              <a:buSzPts val="1400"/>
+              <a:buFont typeface="Arial"/>
               <a:buNone/>
             </a:pPr>
             <a:r>
               <a:t/>
             </a:r>
-            <a:endParaRPr/>
+            <a:endParaRPr b="0" i="0" sz="1600" u="none" cap="none" strike="noStrike">
+              <a:solidFill>
+                <a:schemeClr val="dk1"/>
+              </a:solidFill>
+              <a:latin typeface="Arial"/>
+              <a:ea typeface="Arial"/>
+              <a:cs typeface="Arial"/>
+              <a:sym typeface="Arial"/>
+            </a:endParaRPr>
           </a:p>
           <a:p>
-            <a:pPr indent="0" lvl="0" marL="457200" rtl="0" algn="l">
+            <a:pPr indent="0" lvl="0" marL="457200" marR="0" rtl="0" algn="l">
+              <a:lnSpc>
+                <a:spcPct val="100000"/>
+              </a:lnSpc>
               <a:spcBef>
                 <a:spcPts val="320"/>
               </a:spcBef>
               <a:spcAft>
                 <a:spcPts val="0"/>
               </a:spcAft>
+              <a:buClr>
+                <a:srgbClr val="000000"/>
+              </a:buClr>
+              <a:buSzPts val="1400"/>
+              <a:buFont typeface="Arial"/>
               <a:buNone/>
             </a:pPr>
             <a:r>
-              <a:rPr lang="de"/>
+              <a:rPr b="0" i="0" lang="de" sz="1600" u="none" cap="none" strike="noStrike">
+                <a:solidFill>
+                  <a:schemeClr val="dk1"/>
+                </a:solidFill>
+                <a:latin typeface="Arial"/>
+                <a:ea typeface="Arial"/>
+                <a:cs typeface="Arial"/>
+                <a:sym typeface="Arial"/>
+              </a:rPr>
               <a:t>	</a:t>
             </a:r>
-            <a:endParaRPr/>
+            <a:endParaRPr b="0" i="0" sz="1600" u="none" cap="none" strike="noStrike">
+              <a:solidFill>
+                <a:schemeClr val="dk1"/>
+              </a:solidFill>
+              <a:latin typeface="Arial"/>
+              <a:ea typeface="Arial"/>
+              <a:cs typeface="Arial"/>
+              <a:sym typeface="Arial"/>
+            </a:endParaRPr>
           </a:p>
         </p:txBody>
       </p:sp>
@@ -9960,13 +10481,12 @@
           <p:cNvPicPr preferRelativeResize="0"/>
           <p:nvPr/>
         </p:nvPicPr>
-        <p:blipFill>
+        <p:blipFill rotWithShape="1">
           <a:blip r:embed="rId3">
             <a:alphaModFix/>
           </a:blip>
-          <a:stretch>
-            <a:fillRect/>
-          </a:stretch>
+          <a:srcRect b="0" l="0" r="0" t="0"/>
+          <a:stretch/>
         </p:blipFill>
         <p:spPr>
           <a:xfrm>
@@ -9988,13 +10508,12 @@
           <p:cNvPicPr preferRelativeResize="0"/>
           <p:nvPr/>
         </p:nvPicPr>
-        <p:blipFill>
+        <p:blipFill rotWithShape="1">
           <a:blip r:embed="rId4">
             <a:alphaModFix/>
           </a:blip>
-          <a:stretch>
-            <a:fillRect/>
-          </a:stretch>
+          <a:srcRect b="0" l="0" r="0" t="0"/>
+          <a:stretch/>
         </p:blipFill>
         <p:spPr>
           <a:xfrm>
@@ -10051,6 +10570,10 @@
           <a:prstGeom prst="rect">
             <a:avLst/>
           </a:prstGeom>
+          <a:noFill/>
+          <a:ln>
+            <a:noFill/>
+          </a:ln>
         </p:spPr>
         <p:txBody>
           <a:bodyPr anchorCtr="0" anchor="b" bIns="0" lIns="0" spcFirstLastPara="1" rIns="0" wrap="square" tIns="0">
@@ -10059,12 +10582,16 @@
           <a:lstStyle/>
           <a:p>
             <a:pPr indent="0" lvl="0" marL="0" rtl="0" algn="l">
-              <a:spcBef>
-                <a:spcPts val="0"/>
-              </a:spcBef>
-              <a:spcAft>
-                <a:spcPts val="0"/>
-              </a:spcAft>
+              <a:lnSpc>
+                <a:spcPct val="100000"/>
+              </a:lnSpc>
+              <a:spcBef>
+                <a:spcPts val="0"/>
+              </a:spcBef>
+              <a:spcAft>
+                <a:spcPts val="0"/>
+              </a:spcAft>
+              <a:buSzPts val="1400"/>
               <a:buNone/>
             </a:pPr>
             <a:r>
@@ -10091,6 +10618,10 @@
           <a:prstGeom prst="rect">
             <a:avLst/>
           </a:prstGeom>
+          <a:noFill/>
+          <a:ln>
+            <a:noFill/>
+          </a:ln>
         </p:spPr>
         <p:txBody>
           <a:bodyPr anchorCtr="0" anchor="t" bIns="0" lIns="0" spcFirstLastPara="1" rIns="0" wrap="square" tIns="0">
@@ -10098,7 +10629,10 @@
           </a:bodyPr>
           <a:lstStyle/>
           <a:p>
-            <a:pPr indent="0" lvl="0" marL="0" rtl="0" algn="ctr">
+            <a:pPr indent="0" lvl="0" marL="0" marR="0" rtl="0" algn="ctr">
+              <a:lnSpc>
+                <a:spcPct val="100000"/>
+              </a:lnSpc>
               <a:spcBef>
                 <a:spcPts val="320"/>
               </a:spcBef>
@@ -10115,10 +10649,21 @@
             <a:r>
               <a:t/>
             </a:r>
-            <a:endParaRPr/>
+            <a:endParaRPr b="0" i="0" sz="1600" u="none" cap="none" strike="noStrike">
+              <a:solidFill>
+                <a:schemeClr val="dk1"/>
+              </a:solidFill>
+              <a:latin typeface="Arial"/>
+              <a:ea typeface="Arial"/>
+              <a:cs typeface="Arial"/>
+              <a:sym typeface="Arial"/>
+            </a:endParaRPr>
           </a:p>
           <a:p>
-            <a:pPr indent="0" lvl="0" marL="0" rtl="0" algn="ctr">
+            <a:pPr indent="0" lvl="0" marL="0" marR="0" rtl="0" algn="ctr">
+              <a:lnSpc>
+                <a:spcPct val="100000"/>
+              </a:lnSpc>
               <a:spcBef>
                 <a:spcPts val="320"/>
               </a:spcBef>
@@ -10135,10 +10680,21 @@
             <a:r>
               <a:t/>
             </a:r>
-            <a:endParaRPr/>
+            <a:endParaRPr b="0" i="0" sz="1600" u="none" cap="none" strike="noStrike">
+              <a:solidFill>
+                <a:schemeClr val="dk1"/>
+              </a:solidFill>
+              <a:latin typeface="Arial"/>
+              <a:ea typeface="Arial"/>
+              <a:cs typeface="Arial"/>
+              <a:sym typeface="Arial"/>
+            </a:endParaRPr>
           </a:p>
           <a:p>
-            <a:pPr indent="0" lvl="0" marL="0" rtl="0" algn="ctr">
+            <a:pPr indent="0" lvl="0" marL="0" marR="0" rtl="0" algn="ctr">
+              <a:lnSpc>
+                <a:spcPct val="100000"/>
+              </a:lnSpc>
               <a:spcBef>
                 <a:spcPts val="320"/>
               </a:spcBef>
@@ -10155,10 +10711,21 @@
             <a:r>
               <a:t/>
             </a:r>
-            <a:endParaRPr/>
+            <a:endParaRPr b="0" i="0" sz="1600" u="none" cap="none" strike="noStrike">
+              <a:solidFill>
+                <a:schemeClr val="dk1"/>
+              </a:solidFill>
+              <a:latin typeface="Arial"/>
+              <a:ea typeface="Arial"/>
+              <a:cs typeface="Arial"/>
+              <a:sym typeface="Arial"/>
+            </a:endParaRPr>
           </a:p>
           <a:p>
-            <a:pPr indent="0" lvl="0" marL="0" rtl="0" algn="ctr">
+            <a:pPr indent="0" lvl="0" marL="0" marR="0" rtl="0" algn="ctr">
+              <a:lnSpc>
+                <a:spcPct val="100000"/>
+              </a:lnSpc>
               <a:spcBef>
                 <a:spcPts val="320"/>
               </a:spcBef>
@@ -10175,10 +10742,21 @@
             <a:r>
               <a:t/>
             </a:r>
-            <a:endParaRPr/>
+            <a:endParaRPr b="0" i="0" sz="1600" u="none" cap="none" strike="noStrike">
+              <a:solidFill>
+                <a:schemeClr val="dk1"/>
+              </a:solidFill>
+              <a:latin typeface="Arial"/>
+              <a:ea typeface="Arial"/>
+              <a:cs typeface="Arial"/>
+              <a:sym typeface="Arial"/>
+            </a:endParaRPr>
           </a:p>
           <a:p>
-            <a:pPr indent="0" lvl="0" marL="0" rtl="0" algn="ctr">
+            <a:pPr indent="0" lvl="0" marL="0" marR="0" rtl="0" algn="ctr">
+              <a:lnSpc>
+                <a:spcPct val="100000"/>
+              </a:lnSpc>
               <a:spcBef>
                 <a:spcPts val="320"/>
               </a:spcBef>
@@ -10195,10 +10773,21 @@
             <a:r>
               <a:t/>
             </a:r>
-            <a:endParaRPr/>
+            <a:endParaRPr b="0" i="0" sz="1600" u="none" cap="none" strike="noStrike">
+              <a:solidFill>
+                <a:schemeClr val="dk1"/>
+              </a:solidFill>
+              <a:latin typeface="Arial"/>
+              <a:ea typeface="Arial"/>
+              <a:cs typeface="Arial"/>
+              <a:sym typeface="Arial"/>
+            </a:endParaRPr>
           </a:p>
           <a:p>
-            <a:pPr indent="0" lvl="0" marL="0" rtl="0" algn="ctr">
+            <a:pPr indent="0" lvl="0" marL="0" marR="0" rtl="0" algn="ctr">
+              <a:lnSpc>
+                <a:spcPct val="100000"/>
+              </a:lnSpc>
               <a:spcBef>
                 <a:spcPts val="320"/>
               </a:spcBef>
@@ -10215,10 +10804,21 @@
             <a:r>
               <a:t/>
             </a:r>
-            <a:endParaRPr/>
+            <a:endParaRPr b="0" i="0" sz="1600" u="none" cap="none" strike="noStrike">
+              <a:solidFill>
+                <a:schemeClr val="dk1"/>
+              </a:solidFill>
+              <a:latin typeface="Arial"/>
+              <a:ea typeface="Arial"/>
+              <a:cs typeface="Arial"/>
+              <a:sym typeface="Arial"/>
+            </a:endParaRPr>
           </a:p>
           <a:p>
-            <a:pPr indent="0" lvl="0" marL="0" rtl="0" algn="ctr">
+            <a:pPr indent="0" lvl="0" marL="0" marR="0" rtl="0" algn="ctr">
+              <a:lnSpc>
+                <a:spcPct val="100000"/>
+              </a:lnSpc>
               <a:spcBef>
                 <a:spcPts val="320"/>
               </a:spcBef>
@@ -10233,10 +10833,26 @@
               <a:buNone/>
             </a:pPr>
             <a:r>
-              <a:rPr lang="de" sz="3600"/>
+              <a:rPr b="0" i="0" lang="de" sz="3600" u="none" cap="none" strike="noStrike">
+                <a:solidFill>
+                  <a:schemeClr val="dk1"/>
+                </a:solidFill>
+                <a:latin typeface="Arial"/>
+                <a:ea typeface="Arial"/>
+                <a:cs typeface="Arial"/>
+                <a:sym typeface="Arial"/>
+              </a:rPr>
               <a:t>Fragen</a:t>
             </a:r>
-            <a:endParaRPr/>
+            <a:endParaRPr b="0" i="0" sz="1600" u="none" cap="none" strike="noStrike">
+              <a:solidFill>
+                <a:schemeClr val="dk1"/>
+              </a:solidFill>
+              <a:latin typeface="Arial"/>
+              <a:ea typeface="Arial"/>
+              <a:cs typeface="Arial"/>
+              <a:sym typeface="Arial"/>
+            </a:endParaRPr>
           </a:p>
         </p:txBody>
       </p:sp>
@@ -10281,6 +10897,10 @@
           <a:prstGeom prst="rect">
             <a:avLst/>
           </a:prstGeom>
+          <a:noFill/>
+          <a:ln>
+            <a:noFill/>
+          </a:ln>
         </p:spPr>
         <p:txBody>
           <a:bodyPr anchorCtr="0" anchor="b" bIns="0" lIns="0" spcFirstLastPara="1" rIns="0" wrap="square" tIns="0">
@@ -10289,12 +10909,16 @@
           <a:lstStyle/>
           <a:p>
             <a:pPr indent="0" lvl="0" marL="0" rtl="0" algn="l">
-              <a:spcBef>
-                <a:spcPts val="0"/>
-              </a:spcBef>
-              <a:spcAft>
-                <a:spcPts val="0"/>
-              </a:spcAft>
+              <a:lnSpc>
+                <a:spcPct val="100000"/>
+              </a:lnSpc>
+              <a:spcBef>
+                <a:spcPts val="0"/>
+              </a:spcBef>
+              <a:spcAft>
+                <a:spcPts val="0"/>
+              </a:spcAft>
+              <a:buSzPts val="1400"/>
               <a:buNone/>
             </a:pPr>
             <a:r>
@@ -10321,6 +10945,10 @@
           <a:prstGeom prst="rect">
             <a:avLst/>
           </a:prstGeom>
+          <a:noFill/>
+          <a:ln>
+            <a:noFill/>
+          </a:ln>
         </p:spPr>
         <p:txBody>
           <a:bodyPr anchorCtr="0" anchor="t" bIns="0" lIns="0" spcFirstLastPara="1" rIns="0" wrap="square" tIns="0">
@@ -10328,7 +10956,7 @@
           </a:bodyPr>
           <a:lstStyle/>
           <a:p>
-            <a:pPr indent="0" lvl="0" marL="0" rtl="0" algn="l">
+            <a:pPr indent="0" lvl="0" marL="0" marR="0" rtl="0" algn="l">
               <a:lnSpc>
                 <a:spcPct val="115000"/>
               </a:lnSpc>
@@ -10338,16 +10966,37 @@
               <a:spcAft>
                 <a:spcPts val="0"/>
               </a:spcAft>
+              <a:buClr>
+                <a:srgbClr val="000000"/>
+              </a:buClr>
+              <a:buSzPts val="1400"/>
+              <a:buFont typeface="Arial"/>
               <a:buNone/>
             </a:pPr>
             <a:r>
-              <a:rPr lang="de" sz="900"/>
+              <a:rPr b="0" i="0" lang="de" sz="900" u="none" cap="none" strike="noStrike">
+                <a:solidFill>
+                  <a:schemeClr val="dk1"/>
+                </a:solidFill>
+                <a:latin typeface="Arial"/>
+                <a:ea typeface="Arial"/>
+                <a:cs typeface="Arial"/>
+                <a:sym typeface="Arial"/>
+              </a:rPr>
               <a:t>In dieser Aufgabe soll ein kleiner Zoo programmiert werden. Dazu werden folgende Klassen benötigt:</a:t>
             </a:r>
-            <a:endParaRPr sz="900"/>
+            <a:endParaRPr b="0" i="0" sz="900" u="none" cap="none" strike="noStrike">
+              <a:solidFill>
+                <a:schemeClr val="dk1"/>
+              </a:solidFill>
+              <a:latin typeface="Arial"/>
+              <a:ea typeface="Arial"/>
+              <a:cs typeface="Arial"/>
+              <a:sym typeface="Arial"/>
+            </a:endParaRPr>
           </a:p>
           <a:p>
-            <a:pPr indent="-285750" lvl="0" marL="457200" rtl="0" algn="l">
+            <a:pPr indent="-285750" lvl="0" marL="457200" marR="0" rtl="0" algn="l">
               <a:lnSpc>
                 <a:spcPct val="115000"/>
               </a:lnSpc>
@@ -10357,21 +11006,49 @@
               <a:spcAft>
                 <a:spcPts val="0"/>
               </a:spcAft>
+              <a:buClr>
+                <a:srgbClr val="000000"/>
+              </a:buClr>
               <a:buSzPts val="900"/>
+              <a:buFont typeface="Arial"/>
               <a:buChar char="●"/>
             </a:pPr>
             <a:r>
-              <a:rPr b="1" lang="de" sz="900"/>
+              <a:rPr b="1" i="0" lang="de" sz="900" u="none" cap="none" strike="noStrike">
+                <a:solidFill>
+                  <a:schemeClr val="dk1"/>
+                </a:solidFill>
+                <a:latin typeface="Arial"/>
+                <a:ea typeface="Arial"/>
+                <a:cs typeface="Arial"/>
+                <a:sym typeface="Arial"/>
+              </a:rPr>
               <a:t>Animal</a:t>
             </a:r>
             <a:r>
-              <a:rPr lang="de" sz="900"/>
+              <a:rPr b="0" i="0" lang="de" sz="900" u="none" cap="none" strike="noStrike">
+                <a:solidFill>
+                  <a:schemeClr val="dk1"/>
+                </a:solidFill>
+                <a:latin typeface="Arial"/>
+                <a:ea typeface="Arial"/>
+                <a:cs typeface="Arial"/>
+                <a:sym typeface="Arial"/>
+              </a:rPr>
               <a:t>. Diese Klasse ist die Elternklasse aller Tiere (alle Tiere erben von dieser Klasse). </a:t>
             </a:r>
-            <a:endParaRPr sz="900"/>
+            <a:endParaRPr b="0" i="0" sz="900" u="none" cap="none" strike="noStrike">
+              <a:solidFill>
+                <a:schemeClr val="dk1"/>
+              </a:solidFill>
+              <a:latin typeface="Arial"/>
+              <a:ea typeface="Arial"/>
+              <a:cs typeface="Arial"/>
+              <a:sym typeface="Arial"/>
+            </a:endParaRPr>
           </a:p>
           <a:p>
-            <a:pPr indent="-285750" lvl="1" marL="914400" rtl="0" algn="l">
+            <a:pPr indent="-285750" lvl="1" marL="914400" marR="0" rtl="0" algn="l">
               <a:lnSpc>
                 <a:spcPct val="115000"/>
               </a:lnSpc>
@@ -10381,17 +11058,37 @@
               <a:spcAft>
                 <a:spcPts val="0"/>
               </a:spcAft>
+              <a:buClr>
+                <a:schemeClr val="dk1"/>
+              </a:buClr>
               <a:buSzPts val="900"/>
+              <a:buFont typeface="Noto Sans Symbols"/>
               <a:buChar char="○"/>
             </a:pPr>
             <a:r>
-              <a:rPr lang="de" sz="900"/>
+              <a:rPr b="0" i="0" lang="de" sz="900" u="none" cap="none" strike="noStrike">
+                <a:solidFill>
+                  <a:schemeClr val="dk1"/>
+                </a:solidFill>
+                <a:latin typeface="Arial"/>
+                <a:ea typeface="Arial"/>
+                <a:cs typeface="Arial"/>
+                <a:sym typeface="Arial"/>
+              </a:rPr>
               <a:t>Sie soll die folgenden Attribute haben haben:</a:t>
             </a:r>
-            <a:endParaRPr sz="900"/>
+            <a:endParaRPr b="0" i="0" sz="900" u="none" cap="none" strike="noStrike">
+              <a:solidFill>
+                <a:schemeClr val="dk1"/>
+              </a:solidFill>
+              <a:latin typeface="Arial"/>
+              <a:ea typeface="Arial"/>
+              <a:cs typeface="Arial"/>
+              <a:sym typeface="Arial"/>
+            </a:endParaRPr>
           </a:p>
           <a:p>
-            <a:pPr indent="-285750" lvl="2" marL="1371600" rtl="0" algn="l">
+            <a:pPr indent="-285750" lvl="2" marL="1371600" marR="0" rtl="0" algn="l">
               <a:lnSpc>
                 <a:spcPct val="115000"/>
               </a:lnSpc>
@@ -10401,17 +11098,37 @@
               <a:spcAft>
                 <a:spcPts val="0"/>
               </a:spcAft>
+              <a:buClr>
+                <a:schemeClr val="dk1"/>
+              </a:buClr>
               <a:buSzPts val="900"/>
+              <a:buFont typeface="Noto Sans Symbols"/>
               <a:buChar char="■"/>
             </a:pPr>
             <a:r>
-              <a:rPr lang="de" sz="900"/>
+              <a:rPr b="0" i="0" lang="de" sz="900" u="none" cap="none" strike="noStrike">
+                <a:solidFill>
+                  <a:schemeClr val="dk1"/>
+                </a:solidFill>
+                <a:latin typeface="Arial"/>
+                <a:ea typeface="Arial"/>
+                <a:cs typeface="Arial"/>
+                <a:sym typeface="Arial"/>
+              </a:rPr>
               <a:t>einen Namen</a:t>
             </a:r>
-            <a:endParaRPr sz="900"/>
+            <a:endParaRPr b="0" i="0" sz="900" u="none" cap="none" strike="noStrike">
+              <a:solidFill>
+                <a:schemeClr val="dk1"/>
+              </a:solidFill>
+              <a:latin typeface="Arial"/>
+              <a:ea typeface="Arial"/>
+              <a:cs typeface="Arial"/>
+              <a:sym typeface="Arial"/>
+            </a:endParaRPr>
           </a:p>
           <a:p>
-            <a:pPr indent="-285750" lvl="2" marL="1371600" rtl="0" algn="l">
+            <a:pPr indent="-285750" lvl="2" marL="1371600" marR="0" rtl="0" algn="l">
               <a:lnSpc>
                 <a:spcPct val="115000"/>
               </a:lnSpc>
@@ -10421,17 +11138,37 @@
               <a:spcAft>
                 <a:spcPts val="0"/>
               </a:spcAft>
+              <a:buClr>
+                <a:schemeClr val="dk1"/>
+              </a:buClr>
               <a:buSzPts val="900"/>
+              <a:buFont typeface="Noto Sans Symbols"/>
               <a:buChar char="■"/>
             </a:pPr>
             <a:r>
-              <a:rPr lang="de" sz="900"/>
+              <a:rPr b="0" i="0" lang="de" sz="900" u="none" cap="none" strike="noStrike">
+                <a:solidFill>
+                  <a:schemeClr val="dk1"/>
+                </a:solidFill>
+                <a:latin typeface="Arial"/>
+                <a:ea typeface="Arial"/>
+                <a:cs typeface="Arial"/>
+                <a:sym typeface="Arial"/>
+              </a:rPr>
               <a:t>ein Alter</a:t>
             </a:r>
-            <a:endParaRPr sz="900"/>
+            <a:endParaRPr b="0" i="0" sz="900" u="none" cap="none" strike="noStrike">
+              <a:solidFill>
+                <a:schemeClr val="dk1"/>
+              </a:solidFill>
+              <a:latin typeface="Arial"/>
+              <a:ea typeface="Arial"/>
+              <a:cs typeface="Arial"/>
+              <a:sym typeface="Arial"/>
+            </a:endParaRPr>
           </a:p>
           <a:p>
-            <a:pPr indent="-285750" lvl="2" marL="1371600" rtl="0" algn="l">
+            <a:pPr indent="-285750" lvl="2" marL="1371600" marR="0" rtl="0" algn="l">
               <a:lnSpc>
                 <a:spcPct val="115000"/>
               </a:lnSpc>
@@ -10441,17 +11178,37 @@
               <a:spcAft>
                 <a:spcPts val="0"/>
               </a:spcAft>
+              <a:buClr>
+                <a:schemeClr val="dk1"/>
+              </a:buClr>
               <a:buSzPts val="900"/>
+              <a:buFont typeface="Noto Sans Symbols"/>
               <a:buChar char="■"/>
             </a:pPr>
             <a:r>
-              <a:rPr lang="de" sz="900"/>
+              <a:rPr b="0" i="0" lang="de" sz="900" u="none" cap="none" strike="noStrike">
+                <a:solidFill>
+                  <a:schemeClr val="dk1"/>
+                </a:solidFill>
+                <a:latin typeface="Arial"/>
+                <a:ea typeface="Arial"/>
+                <a:cs typeface="Arial"/>
+                <a:sym typeface="Arial"/>
+              </a:rPr>
               <a:t>eine statische Variable, die die Anzahl der erstellten Tiere speichert (hier muss auch der Konstruktor angepasst werden)</a:t>
             </a:r>
-            <a:endParaRPr sz="900"/>
+            <a:endParaRPr b="0" i="0" sz="900" u="none" cap="none" strike="noStrike">
+              <a:solidFill>
+                <a:schemeClr val="dk1"/>
+              </a:solidFill>
+              <a:latin typeface="Arial"/>
+              <a:ea typeface="Arial"/>
+              <a:cs typeface="Arial"/>
+              <a:sym typeface="Arial"/>
+            </a:endParaRPr>
           </a:p>
           <a:p>
-            <a:pPr indent="-285750" lvl="1" marL="914400" rtl="0" algn="l">
+            <a:pPr indent="-285750" lvl="1" marL="914400" marR="0" rtl="0" algn="l">
               <a:lnSpc>
                 <a:spcPct val="115000"/>
               </a:lnSpc>
@@ -10461,17 +11218,37 @@
               <a:spcAft>
                 <a:spcPts val="0"/>
               </a:spcAft>
+              <a:buClr>
+                <a:schemeClr val="dk1"/>
+              </a:buClr>
               <a:buSzPts val="900"/>
+              <a:buFont typeface="Noto Sans Symbols"/>
               <a:buChar char="○"/>
             </a:pPr>
             <a:r>
-              <a:rPr lang="de" sz="900"/>
+              <a:rPr b="0" i="0" lang="de" sz="900" u="none" cap="none" strike="noStrike">
+                <a:solidFill>
+                  <a:schemeClr val="dk1"/>
+                </a:solidFill>
+                <a:latin typeface="Arial"/>
+                <a:ea typeface="Arial"/>
+                <a:cs typeface="Arial"/>
+                <a:sym typeface="Arial"/>
+              </a:rPr>
               <a:t>Außerdem sollten folgende Funktionen / Methoden vorhanden sein:</a:t>
             </a:r>
-            <a:endParaRPr sz="900"/>
+            <a:endParaRPr b="0" i="0" sz="900" u="none" cap="none" strike="noStrike">
+              <a:solidFill>
+                <a:schemeClr val="dk1"/>
+              </a:solidFill>
+              <a:latin typeface="Arial"/>
+              <a:ea typeface="Arial"/>
+              <a:cs typeface="Arial"/>
+              <a:sym typeface="Arial"/>
+            </a:endParaRPr>
           </a:p>
           <a:p>
-            <a:pPr indent="-285750" lvl="2" marL="1371600" rtl="0" algn="l">
+            <a:pPr indent="-285750" lvl="2" marL="1371600" marR="0" rtl="0" algn="l">
               <a:lnSpc>
                 <a:spcPct val="115000"/>
               </a:lnSpc>
@@ -10481,17 +11258,37 @@
               <a:spcAft>
                 <a:spcPts val="0"/>
               </a:spcAft>
+              <a:buClr>
+                <a:schemeClr val="dk1"/>
+              </a:buClr>
               <a:buSzPts val="900"/>
+              <a:buFont typeface="Noto Sans Symbols"/>
               <a:buChar char="■"/>
             </a:pPr>
             <a:r>
-              <a:rPr lang="de" sz="900"/>
+              <a:rPr b="0" i="0" lang="de" sz="900" u="none" cap="none" strike="noStrike">
+                <a:solidFill>
+                  <a:schemeClr val="dk1"/>
+                </a:solidFill>
+                <a:latin typeface="Arial"/>
+                <a:ea typeface="Arial"/>
+                <a:cs typeface="Arial"/>
+                <a:sym typeface="Arial"/>
+              </a:rPr>
               <a:t>eine Methode, die den Namen und das Alter des Tieres in der Konsole ausgibt</a:t>
             </a:r>
-            <a:endParaRPr sz="900"/>
+            <a:endParaRPr b="0" i="0" sz="900" u="none" cap="none" strike="noStrike">
+              <a:solidFill>
+                <a:schemeClr val="dk1"/>
+              </a:solidFill>
+              <a:latin typeface="Arial"/>
+              <a:ea typeface="Arial"/>
+              <a:cs typeface="Arial"/>
+              <a:sym typeface="Arial"/>
+            </a:endParaRPr>
           </a:p>
           <a:p>
-            <a:pPr indent="-285750" lvl="2" marL="1371600" rtl="0" algn="l">
+            <a:pPr indent="-285750" lvl="2" marL="1371600" marR="0" rtl="0" algn="l">
               <a:lnSpc>
                 <a:spcPct val="115000"/>
               </a:lnSpc>
@@ -10501,17 +11298,37 @@
               <a:spcAft>
                 <a:spcPts val="0"/>
               </a:spcAft>
+              <a:buClr>
+                <a:schemeClr val="dk1"/>
+              </a:buClr>
               <a:buSzPts val="900"/>
+              <a:buFont typeface="Noto Sans Symbols"/>
               <a:buChar char="■"/>
             </a:pPr>
             <a:r>
-              <a:rPr lang="de" sz="900"/>
+              <a:rPr b="0" i="0" lang="de" sz="900" u="none" cap="none" strike="noStrike">
+                <a:solidFill>
+                  <a:schemeClr val="dk1"/>
+                </a:solidFill>
+                <a:latin typeface="Arial"/>
+                <a:ea typeface="Arial"/>
+                <a:cs typeface="Arial"/>
+                <a:sym typeface="Arial"/>
+              </a:rPr>
               <a:t>eine Methode, die den String “Generic Animal Noise” in der Konsole ausgibt (soll später überschrieben werden)</a:t>
             </a:r>
-            <a:endParaRPr sz="900"/>
+            <a:endParaRPr b="0" i="0" sz="900" u="none" cap="none" strike="noStrike">
+              <a:solidFill>
+                <a:schemeClr val="dk1"/>
+              </a:solidFill>
+              <a:latin typeface="Arial"/>
+              <a:ea typeface="Arial"/>
+              <a:cs typeface="Arial"/>
+              <a:sym typeface="Arial"/>
+            </a:endParaRPr>
           </a:p>
           <a:p>
-            <a:pPr indent="-285750" lvl="2" marL="1371600" rtl="0" algn="l">
+            <a:pPr indent="-285750" lvl="2" marL="1371600" marR="0" rtl="0" algn="l">
               <a:lnSpc>
                 <a:spcPct val="115000"/>
               </a:lnSpc>
@@ -10521,17 +11338,37 @@
               <a:spcAft>
                 <a:spcPts val="0"/>
               </a:spcAft>
+              <a:buClr>
+                <a:schemeClr val="dk1"/>
+              </a:buClr>
               <a:buSzPts val="900"/>
+              <a:buFont typeface="Noto Sans Symbols"/>
               <a:buChar char="■"/>
             </a:pPr>
             <a:r>
-              <a:rPr lang="de" sz="900"/>
+              <a:rPr b="0" i="0" lang="de" sz="900" u="none" cap="none" strike="noStrike">
+                <a:solidFill>
+                  <a:schemeClr val="dk1"/>
+                </a:solidFill>
+                <a:latin typeface="Arial"/>
+                <a:ea typeface="Arial"/>
+                <a:cs typeface="Arial"/>
+                <a:sym typeface="Arial"/>
+              </a:rPr>
               <a:t>eine Funktion, die die Anzahl der erstellten Tiere als Rückgabewert hat</a:t>
             </a:r>
-            <a:endParaRPr sz="900"/>
+            <a:endParaRPr b="0" i="0" sz="900" u="none" cap="none" strike="noStrike">
+              <a:solidFill>
+                <a:schemeClr val="dk1"/>
+              </a:solidFill>
+              <a:latin typeface="Arial"/>
+              <a:ea typeface="Arial"/>
+              <a:cs typeface="Arial"/>
+              <a:sym typeface="Arial"/>
+            </a:endParaRPr>
           </a:p>
           <a:p>
-            <a:pPr indent="-285750" lvl="0" marL="457200" rtl="0" algn="l">
+            <a:pPr indent="-285750" lvl="0" marL="457200" marR="0" rtl="0" algn="l">
               <a:lnSpc>
                 <a:spcPct val="115000"/>
               </a:lnSpc>
@@ -10541,21 +11378,49 @@
               <a:spcAft>
                 <a:spcPts val="0"/>
               </a:spcAft>
+              <a:buClr>
+                <a:srgbClr val="000000"/>
+              </a:buClr>
               <a:buSzPts val="900"/>
+              <a:buFont typeface="Arial"/>
               <a:buChar char="●"/>
             </a:pPr>
             <a:r>
-              <a:rPr b="1" lang="de" sz="900"/>
+              <a:rPr b="1" i="0" lang="de" sz="900" u="none" cap="none" strike="noStrike">
+                <a:solidFill>
+                  <a:schemeClr val="dk1"/>
+                </a:solidFill>
+                <a:latin typeface="Arial"/>
+                <a:ea typeface="Arial"/>
+                <a:cs typeface="Arial"/>
+                <a:sym typeface="Arial"/>
+              </a:rPr>
               <a:t>Tiger</a:t>
             </a:r>
             <a:r>
-              <a:rPr lang="de" sz="900"/>
+              <a:rPr b="0" i="0" lang="de" sz="900" u="none" cap="none" strike="noStrike">
+                <a:solidFill>
+                  <a:schemeClr val="dk1"/>
+                </a:solidFill>
+                <a:latin typeface="Arial"/>
+                <a:ea typeface="Arial"/>
+                <a:cs typeface="Arial"/>
+                <a:sym typeface="Arial"/>
+              </a:rPr>
               <a:t>. Diese Klasse erbt von Animal und hat keine eigenen Attribute. Neben dem Konstruktor hat es also lediglich eine Methode, die die gleichnamige Geräusch-Methode der Elternklasse überschreibt und ein Tiger-Geräusch ausgibt.</a:t>
             </a:r>
-            <a:endParaRPr sz="900"/>
+            <a:endParaRPr b="0" i="0" sz="900" u="none" cap="none" strike="noStrike">
+              <a:solidFill>
+                <a:schemeClr val="dk1"/>
+              </a:solidFill>
+              <a:latin typeface="Arial"/>
+              <a:ea typeface="Arial"/>
+              <a:cs typeface="Arial"/>
+              <a:sym typeface="Arial"/>
+            </a:endParaRPr>
           </a:p>
           <a:p>
-            <a:pPr indent="-285750" lvl="0" marL="457200" rtl="0" algn="l">
+            <a:pPr indent="-285750" lvl="0" marL="457200" marR="0" rtl="0" algn="l">
               <a:lnSpc>
                 <a:spcPct val="115000"/>
               </a:lnSpc>
@@ -10565,21 +11430,49 @@
               <a:spcAft>
                 <a:spcPts val="0"/>
               </a:spcAft>
+              <a:buClr>
+                <a:srgbClr val="000000"/>
+              </a:buClr>
               <a:buSzPts val="900"/>
+              <a:buFont typeface="Arial"/>
               <a:buChar char="●"/>
             </a:pPr>
             <a:r>
-              <a:rPr b="1" lang="de" sz="900"/>
+              <a:rPr b="1" i="0" lang="de" sz="900" u="none" cap="none" strike="noStrike">
+                <a:solidFill>
+                  <a:schemeClr val="dk1"/>
+                </a:solidFill>
+                <a:latin typeface="Arial"/>
+                <a:ea typeface="Arial"/>
+                <a:cs typeface="Arial"/>
+                <a:sym typeface="Arial"/>
+              </a:rPr>
               <a:t>Elephant</a:t>
             </a:r>
             <a:r>
-              <a:rPr lang="de" sz="900"/>
+              <a:rPr b="0" i="0" lang="de" sz="900" u="none" cap="none" strike="noStrike">
+                <a:solidFill>
+                  <a:schemeClr val="dk1"/>
+                </a:solidFill>
+                <a:latin typeface="Arial"/>
+                <a:ea typeface="Arial"/>
+                <a:cs typeface="Arial"/>
+                <a:sym typeface="Arial"/>
+              </a:rPr>
               <a:t>. Diese Klasse erbt von Animal und hat ein Attribut, das den Kontinenten des Elefanten speichert (wird im Konstruktor übergeben und gesetzt). Elephant überschreibt, genau wie Tiger, die Methode zum Ausgeben des Tiergeräusches, zusätzlich aber noch die Methode zum Ausgeben von Namen und Alter. Hier soll zusätzlich der Kontinent des Elefanten ausgegeben werden. Verwendet hierbei zur Ausgabe von Namen und Alter die Methode der Animal-Klasse.</a:t>
             </a:r>
-            <a:endParaRPr sz="900"/>
+            <a:endParaRPr b="0" i="0" sz="900" u="none" cap="none" strike="noStrike">
+              <a:solidFill>
+                <a:schemeClr val="dk1"/>
+              </a:solidFill>
+              <a:latin typeface="Arial"/>
+              <a:ea typeface="Arial"/>
+              <a:cs typeface="Arial"/>
+              <a:sym typeface="Arial"/>
+            </a:endParaRPr>
           </a:p>
           <a:p>
-            <a:pPr indent="-285750" lvl="0" marL="457200" rtl="0" algn="l">
+            <a:pPr indent="-285750" lvl="0" marL="457200" marR="0" rtl="0" algn="l">
               <a:lnSpc>
                 <a:spcPct val="115000"/>
               </a:lnSpc>
@@ -10589,33 +11482,77 @@
               <a:spcAft>
                 <a:spcPts val="0"/>
               </a:spcAft>
+              <a:buClr>
+                <a:srgbClr val="000000"/>
+              </a:buClr>
               <a:buSzPts val="900"/>
+              <a:buFont typeface="Arial"/>
               <a:buChar char="●"/>
             </a:pPr>
             <a:r>
-              <a:rPr b="1" lang="de" sz="900"/>
+              <a:rPr b="1" i="0" lang="de" sz="900" u="none" cap="none" strike="noStrike">
+                <a:solidFill>
+                  <a:schemeClr val="dk1"/>
+                </a:solidFill>
+                <a:latin typeface="Arial"/>
+                <a:ea typeface="Arial"/>
+                <a:cs typeface="Arial"/>
+                <a:sym typeface="Arial"/>
+              </a:rPr>
               <a:t>Main</a:t>
             </a:r>
             <a:r>
-              <a:rPr lang="de" sz="900"/>
+              <a:rPr b="0" i="0" lang="de" sz="900" u="none" cap="none" strike="noStrike">
+                <a:solidFill>
+                  <a:schemeClr val="dk1"/>
+                </a:solidFill>
+                <a:latin typeface="Arial"/>
+                <a:ea typeface="Arial"/>
+                <a:cs typeface="Arial"/>
+                <a:sym typeface="Arial"/>
+              </a:rPr>
               <a:t>. Hier soll ein Objekt jeder Klasse (Animal, Tiger, Elephant) erstellt werden und sowohl die Methode zur Ausgabe von Namen und Alter als auch die Methode zur Ausgabe der Geräusche auf jedem dieser Objekte aufgerufen werden. Am Ende soll einmal die Funktion zum ermitteln der Anzahl der Tiere aufgerufen werden und das Ergebnis auf der Kommandozeile ausgegeben werden.</a:t>
             </a:r>
-            <a:endParaRPr sz="900"/>
+            <a:endParaRPr b="0" i="0" sz="900" u="none" cap="none" strike="noStrike">
+              <a:solidFill>
+                <a:schemeClr val="dk1"/>
+              </a:solidFill>
+              <a:latin typeface="Arial"/>
+              <a:ea typeface="Arial"/>
+              <a:cs typeface="Arial"/>
+              <a:sym typeface="Arial"/>
+            </a:endParaRPr>
           </a:p>
           <a:p>
-            <a:pPr indent="0" lvl="0" marL="0" rtl="0" algn="l">
+            <a:pPr indent="0" lvl="0" marL="0" marR="0" rtl="0" algn="l">
+              <a:lnSpc>
+                <a:spcPct val="100000"/>
+              </a:lnSpc>
               <a:spcBef>
                 <a:spcPts val="1200"/>
               </a:spcBef>
               <a:spcAft>
                 <a:spcPts val="0"/>
               </a:spcAft>
+              <a:buClr>
+                <a:srgbClr val="000000"/>
+              </a:buClr>
+              <a:buSzPts val="1400"/>
+              <a:buFont typeface="Arial"/>
               <a:buNone/>
             </a:pPr>
             <a:r>
               <a:t/>
             </a:r>
-            <a:endParaRPr sz="900"/>
+            <a:endParaRPr b="0" i="0" sz="900" u="none" cap="none" strike="noStrike">
+              <a:solidFill>
+                <a:schemeClr val="dk1"/>
+              </a:solidFill>
+              <a:latin typeface="Arial"/>
+              <a:ea typeface="Arial"/>
+              <a:cs typeface="Arial"/>
+              <a:sym typeface="Arial"/>
+            </a:endParaRPr>
           </a:p>
         </p:txBody>
       </p:sp>
@@ -10660,6 +11597,10 @@
           <a:prstGeom prst="rect">
             <a:avLst/>
           </a:prstGeom>
+          <a:noFill/>
+          <a:ln>
+            <a:noFill/>
+          </a:ln>
         </p:spPr>
         <p:txBody>
           <a:bodyPr anchorCtr="0" anchor="b" bIns="0" lIns="0" spcFirstLastPara="1" rIns="0" wrap="square" tIns="0">
@@ -10668,12 +11609,16 @@
           <a:lstStyle/>
           <a:p>
             <a:pPr indent="0" lvl="0" marL="0" rtl="0" algn="l">
-              <a:spcBef>
-                <a:spcPts val="0"/>
-              </a:spcBef>
-              <a:spcAft>
-                <a:spcPts val="0"/>
-              </a:spcAft>
+              <a:lnSpc>
+                <a:spcPct val="100000"/>
+              </a:lnSpc>
+              <a:spcBef>
+                <a:spcPts val="0"/>
+              </a:spcBef>
+              <a:spcAft>
+                <a:spcPts val="0"/>
+              </a:spcAft>
+              <a:buSzPts val="1400"/>
               <a:buNone/>
             </a:pPr>
             <a:r>
@@ -10700,6 +11645,10 @@
           <a:prstGeom prst="rect">
             <a:avLst/>
           </a:prstGeom>
+          <a:noFill/>
+          <a:ln>
+            <a:noFill/>
+          </a:ln>
         </p:spPr>
         <p:txBody>
           <a:bodyPr anchorCtr="0" anchor="t" bIns="0" lIns="0" spcFirstLastPara="1" rIns="0" wrap="square" tIns="0">
@@ -10707,89 +11656,204 @@
           </a:bodyPr>
           <a:lstStyle/>
           <a:p>
-            <a:pPr indent="-330200" lvl="0" marL="457200" rtl="0" algn="l">
+            <a:pPr indent="-330200" lvl="0" marL="457200" marR="0" rtl="0" algn="l">
+              <a:lnSpc>
+                <a:spcPct val="100000"/>
+              </a:lnSpc>
               <a:spcBef>
                 <a:spcPts val="320"/>
               </a:spcBef>
               <a:spcAft>
                 <a:spcPts val="0"/>
               </a:spcAft>
+              <a:buClr>
+                <a:srgbClr val="000000"/>
+              </a:buClr>
               <a:buSzPts val="1600"/>
+              <a:buFont typeface="Arial"/>
               <a:buAutoNum type="arabicPeriod"/>
             </a:pPr>
             <a:r>
-              <a:rPr lang="de"/>
+              <a:rPr b="0" i="0" lang="de" sz="1600" u="none" cap="none" strike="noStrike">
+                <a:solidFill>
+                  <a:schemeClr val="dk1"/>
+                </a:solidFill>
+                <a:latin typeface="Arial"/>
+                <a:ea typeface="Arial"/>
+                <a:cs typeface="Arial"/>
+                <a:sym typeface="Arial"/>
+              </a:rPr>
               <a:t>Vererbung</a:t>
             </a:r>
-            <a:endParaRPr/>
+            <a:endParaRPr b="0" i="0" sz="1600" u="none" cap="none" strike="noStrike">
+              <a:solidFill>
+                <a:schemeClr val="dk1"/>
+              </a:solidFill>
+              <a:latin typeface="Arial"/>
+              <a:ea typeface="Arial"/>
+              <a:cs typeface="Arial"/>
+              <a:sym typeface="Arial"/>
+            </a:endParaRPr>
           </a:p>
           <a:p>
-            <a:pPr indent="-330200" lvl="1" marL="914400" rtl="0" algn="l">
-              <a:spcBef>
-                <a:spcPts val="0"/>
-              </a:spcBef>
-              <a:spcAft>
-                <a:spcPts val="0"/>
-              </a:spcAft>
+            <a:pPr indent="-330200" lvl="1" marL="914400" marR="0" rtl="0" algn="l">
+              <a:lnSpc>
+                <a:spcPct val="100000"/>
+              </a:lnSpc>
+              <a:spcBef>
+                <a:spcPts val="0"/>
+              </a:spcBef>
+              <a:spcAft>
+                <a:spcPts val="0"/>
+              </a:spcAft>
+              <a:buClr>
+                <a:schemeClr val="dk1"/>
+              </a:buClr>
               <a:buSzPts val="1600"/>
+              <a:buFont typeface="Noto Sans Symbols"/>
               <a:buAutoNum type="arabicPeriod"/>
             </a:pPr>
             <a:r>
-              <a:rPr lang="de"/>
+              <a:rPr b="0" i="0" lang="de" sz="1600" u="none" cap="none" strike="noStrike">
+                <a:solidFill>
+                  <a:schemeClr val="dk1"/>
+                </a:solidFill>
+                <a:latin typeface="Arial"/>
+                <a:ea typeface="Arial"/>
+                <a:cs typeface="Arial"/>
+                <a:sym typeface="Arial"/>
+              </a:rPr>
               <a:t>Grundlagen von Vererbung</a:t>
             </a:r>
-            <a:endParaRPr/>
+            <a:endParaRPr b="0" i="0" sz="1600" u="none" cap="none" strike="noStrike">
+              <a:solidFill>
+                <a:schemeClr val="dk1"/>
+              </a:solidFill>
+              <a:latin typeface="Arial"/>
+              <a:ea typeface="Arial"/>
+              <a:cs typeface="Arial"/>
+              <a:sym typeface="Arial"/>
+            </a:endParaRPr>
           </a:p>
           <a:p>
-            <a:pPr indent="-330200" lvl="1" marL="914400" rtl="0" algn="l">
-              <a:spcBef>
-                <a:spcPts val="0"/>
-              </a:spcBef>
-              <a:spcAft>
-                <a:spcPts val="0"/>
-              </a:spcAft>
+            <a:pPr indent="-330200" lvl="1" marL="914400" marR="0" rtl="0" algn="l">
+              <a:lnSpc>
+                <a:spcPct val="100000"/>
+              </a:lnSpc>
+              <a:spcBef>
+                <a:spcPts val="0"/>
+              </a:spcBef>
+              <a:spcAft>
+                <a:spcPts val="0"/>
+              </a:spcAft>
+              <a:buClr>
+                <a:schemeClr val="dk1"/>
+              </a:buClr>
               <a:buSzPts val="1600"/>
+              <a:buFont typeface="Noto Sans Symbols"/>
               <a:buAutoNum type="arabicPeriod"/>
             </a:pPr>
             <a:r>
-              <a:rPr lang="de"/>
+              <a:rPr b="0" i="0" lang="de" sz="1600" u="none" cap="none" strike="noStrike">
+                <a:solidFill>
+                  <a:schemeClr val="dk1"/>
+                </a:solidFill>
+                <a:latin typeface="Arial"/>
+                <a:ea typeface="Arial"/>
+                <a:cs typeface="Arial"/>
+                <a:sym typeface="Arial"/>
+              </a:rPr>
               <a:t>Exkurs: Java-API</a:t>
             </a:r>
-            <a:endParaRPr/>
+            <a:endParaRPr b="0" i="0" sz="1600" u="none" cap="none" strike="noStrike">
+              <a:solidFill>
+                <a:schemeClr val="dk1"/>
+              </a:solidFill>
+              <a:latin typeface="Arial"/>
+              <a:ea typeface="Arial"/>
+              <a:cs typeface="Arial"/>
+              <a:sym typeface="Arial"/>
+            </a:endParaRPr>
           </a:p>
           <a:p>
-            <a:pPr indent="-330200" lvl="1" marL="914400" rtl="0" algn="l">
-              <a:spcBef>
-                <a:spcPts val="0"/>
-              </a:spcBef>
-              <a:spcAft>
-                <a:spcPts val="0"/>
-              </a:spcAft>
+            <a:pPr indent="-330200" lvl="1" marL="914400" marR="0" rtl="0" algn="l">
+              <a:lnSpc>
+                <a:spcPct val="100000"/>
+              </a:lnSpc>
+              <a:spcBef>
+                <a:spcPts val="0"/>
+              </a:spcBef>
+              <a:spcAft>
+                <a:spcPts val="0"/>
+              </a:spcAft>
+              <a:buClr>
+                <a:schemeClr val="dk1"/>
+              </a:buClr>
               <a:buSzPts val="1600"/>
+              <a:buFont typeface="Noto Sans Symbols"/>
               <a:buAutoNum type="arabicPeriod"/>
             </a:pPr>
             <a:r>
-              <a:rPr lang="de"/>
+              <a:rPr b="0" i="0" lang="de" sz="1600" u="none" cap="none" strike="noStrike">
+                <a:solidFill>
+                  <a:schemeClr val="dk1"/>
+                </a:solidFill>
+                <a:latin typeface="Arial"/>
+                <a:ea typeface="Arial"/>
+                <a:cs typeface="Arial"/>
+                <a:sym typeface="Arial"/>
+              </a:rPr>
               <a:t>Umsetzung von Vererbung</a:t>
             </a:r>
-            <a:endParaRPr/>
+            <a:endParaRPr b="0" i="0" sz="1600" u="none" cap="none" strike="noStrike">
+              <a:solidFill>
+                <a:schemeClr val="dk1"/>
+              </a:solidFill>
+              <a:latin typeface="Arial"/>
+              <a:ea typeface="Arial"/>
+              <a:cs typeface="Arial"/>
+              <a:sym typeface="Arial"/>
+            </a:endParaRPr>
           </a:p>
           <a:p>
-            <a:pPr indent="-330200" lvl="1" marL="914400" rtl="0" algn="l">
-              <a:spcBef>
-                <a:spcPts val="0"/>
-              </a:spcBef>
-              <a:spcAft>
-                <a:spcPts val="0"/>
-              </a:spcAft>
+            <a:pPr indent="-330200" lvl="1" marL="914400" marR="0" rtl="0" algn="l">
+              <a:lnSpc>
+                <a:spcPct val="100000"/>
+              </a:lnSpc>
+              <a:spcBef>
+                <a:spcPts val="0"/>
+              </a:spcBef>
+              <a:spcAft>
+                <a:spcPts val="0"/>
+              </a:spcAft>
+              <a:buClr>
+                <a:schemeClr val="dk1"/>
+              </a:buClr>
               <a:buSzPts val="1600"/>
+              <a:buFont typeface="Noto Sans Symbols"/>
               <a:buAutoNum type="arabicPeriod"/>
             </a:pPr>
             <a:r>
-              <a:rPr lang="de"/>
+              <a:rPr b="0" i="0" lang="de" sz="1600" u="none" cap="none" strike="noStrike">
+                <a:solidFill>
+                  <a:schemeClr val="dk1"/>
+                </a:solidFill>
+                <a:latin typeface="Arial"/>
+                <a:ea typeface="Arial"/>
+                <a:cs typeface="Arial"/>
+                <a:sym typeface="Arial"/>
+              </a:rPr>
               <a:t>Das Schlüsselwort “super”</a:t>
             </a:r>
-            <a:endParaRPr/>
+            <a:endParaRPr b="0" i="0" sz="1600" u="none" cap="none" strike="noStrike">
+              <a:solidFill>
+                <a:schemeClr val="dk1"/>
+              </a:solidFill>
+              <a:latin typeface="Arial"/>
+              <a:ea typeface="Arial"/>
+              <a:cs typeface="Arial"/>
+              <a:sym typeface="Arial"/>
+            </a:endParaRPr>
           </a:p>
         </p:txBody>
       </p:sp>
@@ -10834,6 +11898,10 @@
           <a:prstGeom prst="rect">
             <a:avLst/>
           </a:prstGeom>
+          <a:noFill/>
+          <a:ln>
+            <a:noFill/>
+          </a:ln>
         </p:spPr>
         <p:txBody>
           <a:bodyPr anchorCtr="0" anchor="b" bIns="0" lIns="0" spcFirstLastPara="1" rIns="0" wrap="square" tIns="0">
@@ -10842,12 +11910,16 @@
           <a:lstStyle/>
           <a:p>
             <a:pPr indent="0" lvl="0" marL="0" rtl="0" algn="l">
-              <a:spcBef>
-                <a:spcPts val="0"/>
-              </a:spcBef>
-              <a:spcAft>
-                <a:spcPts val="0"/>
-              </a:spcAft>
+              <a:lnSpc>
+                <a:spcPct val="100000"/>
+              </a:lnSpc>
+              <a:spcBef>
+                <a:spcPts val="0"/>
+              </a:spcBef>
+              <a:spcAft>
+                <a:spcPts val="0"/>
+              </a:spcAft>
+              <a:buSzPts val="1400"/>
               <a:buNone/>
             </a:pPr>
             <a:r>
@@ -10874,6 +11946,10 @@
           <a:prstGeom prst="rect">
             <a:avLst/>
           </a:prstGeom>
+          <a:noFill/>
+          <a:ln>
+            <a:noFill/>
+          </a:ln>
         </p:spPr>
         <p:txBody>
           <a:bodyPr anchorCtr="0" anchor="t" bIns="0" lIns="0" spcFirstLastPara="1" rIns="0" wrap="square" tIns="0">
@@ -10881,92 +11957,212 @@
           </a:bodyPr>
           <a:lstStyle/>
           <a:p>
-            <a:pPr indent="-317500" lvl="0" marL="457200" rtl="0" algn="l">
+            <a:pPr indent="-317500" lvl="0" marL="457200" marR="0" rtl="0" algn="l">
+              <a:lnSpc>
+                <a:spcPct val="100000"/>
+              </a:lnSpc>
               <a:spcBef>
                 <a:spcPts val="320"/>
               </a:spcBef>
               <a:spcAft>
                 <a:spcPts val="0"/>
               </a:spcAft>
-              <a:buSzPts val="1400"/>
+              <a:buClr>
+                <a:srgbClr val="000000"/>
+              </a:buClr>
+              <a:buSzPts val="1400"/>
+              <a:buFont typeface="Arial"/>
               <a:buChar char="●"/>
             </a:pPr>
             <a:r>
-              <a:rPr lang="de"/>
+              <a:rPr b="0" i="0" lang="de" sz="1600" u="none" cap="none" strike="noStrike">
+                <a:solidFill>
+                  <a:schemeClr val="dk1"/>
+                </a:solidFill>
+                <a:latin typeface="Arial"/>
+                <a:ea typeface="Arial"/>
+                <a:cs typeface="Arial"/>
+                <a:sym typeface="Arial"/>
+              </a:rPr>
               <a:t>Klassen können in Java von anderen Klassen erben. Dadurch wird eine “ist ein”-Beziehung hergestellt. </a:t>
             </a:r>
-            <a:endParaRPr/>
+            <a:endParaRPr b="0" i="0" sz="1600" u="none" cap="none" strike="noStrike">
+              <a:solidFill>
+                <a:schemeClr val="dk1"/>
+              </a:solidFill>
+              <a:latin typeface="Arial"/>
+              <a:ea typeface="Arial"/>
+              <a:cs typeface="Arial"/>
+              <a:sym typeface="Arial"/>
+            </a:endParaRPr>
           </a:p>
           <a:p>
-            <a:pPr indent="-317500" lvl="0" marL="457200" rtl="0" algn="l">
-              <a:spcBef>
-                <a:spcPts val="0"/>
-              </a:spcBef>
-              <a:spcAft>
-                <a:spcPts val="0"/>
-              </a:spcAft>
-              <a:buSzPts val="1400"/>
+            <a:pPr indent="-317500" lvl="0" marL="457200" marR="0" rtl="0" algn="l">
+              <a:lnSpc>
+                <a:spcPct val="100000"/>
+              </a:lnSpc>
+              <a:spcBef>
+                <a:spcPts val="0"/>
+              </a:spcBef>
+              <a:spcAft>
+                <a:spcPts val="0"/>
+              </a:spcAft>
+              <a:buClr>
+                <a:srgbClr val="000000"/>
+              </a:buClr>
+              <a:buSzPts val="1400"/>
+              <a:buFont typeface="Arial"/>
               <a:buChar char="●"/>
             </a:pPr>
             <a:r>
-              <a:rPr lang="de"/>
+              <a:rPr b="0" i="0" lang="de" sz="1600" u="none" cap="none" strike="noStrike">
+                <a:solidFill>
+                  <a:schemeClr val="dk1"/>
+                </a:solidFill>
+                <a:latin typeface="Arial"/>
+                <a:ea typeface="Arial"/>
+                <a:cs typeface="Arial"/>
+                <a:sym typeface="Arial"/>
+              </a:rPr>
               <a:t>Dabei kann die Vererbung beliebig viele Stufen haben. </a:t>
             </a:r>
-            <a:endParaRPr/>
+            <a:endParaRPr b="0" i="0" sz="1600" u="none" cap="none" strike="noStrike">
+              <a:solidFill>
+                <a:schemeClr val="dk1"/>
+              </a:solidFill>
+              <a:latin typeface="Arial"/>
+              <a:ea typeface="Arial"/>
+              <a:cs typeface="Arial"/>
+              <a:sym typeface="Arial"/>
+            </a:endParaRPr>
           </a:p>
           <a:p>
-            <a:pPr indent="-317500" lvl="0" marL="457200" rtl="0" algn="l">
-              <a:spcBef>
-                <a:spcPts val="0"/>
-              </a:spcBef>
-              <a:spcAft>
-                <a:spcPts val="0"/>
-              </a:spcAft>
-              <a:buSzPts val="1400"/>
+            <a:pPr indent="-317500" lvl="0" marL="457200" marR="0" rtl="0" algn="l">
+              <a:lnSpc>
+                <a:spcPct val="100000"/>
+              </a:lnSpc>
+              <a:spcBef>
+                <a:spcPts val="0"/>
+              </a:spcBef>
+              <a:spcAft>
+                <a:spcPts val="0"/>
+              </a:spcAft>
+              <a:buClr>
+                <a:srgbClr val="000000"/>
+              </a:buClr>
+              <a:buSzPts val="1400"/>
+              <a:buFont typeface="Arial"/>
               <a:buChar char="●"/>
             </a:pPr>
             <a:r>
-              <a:rPr lang="de"/>
+              <a:rPr b="0" i="0" lang="de" sz="1600" u="none" cap="none" strike="noStrike">
+                <a:solidFill>
+                  <a:schemeClr val="dk1"/>
+                </a:solidFill>
+                <a:latin typeface="Arial"/>
+                <a:ea typeface="Arial"/>
+                <a:cs typeface="Arial"/>
+                <a:sym typeface="Arial"/>
+              </a:rPr>
               <a:t>Erbt eine Klasse von einer anderen, dann sind alle Instanzen der erbenden Klasse auch Instanzen der vererbenden Klasse. Was das für Konsequenzen hat sehen wir gleich noch.</a:t>
             </a:r>
-            <a:endParaRPr/>
+            <a:endParaRPr b="0" i="0" sz="1600" u="none" cap="none" strike="noStrike">
+              <a:solidFill>
+                <a:schemeClr val="dk1"/>
+              </a:solidFill>
+              <a:latin typeface="Arial"/>
+              <a:ea typeface="Arial"/>
+              <a:cs typeface="Arial"/>
+              <a:sym typeface="Arial"/>
+            </a:endParaRPr>
           </a:p>
           <a:p>
-            <a:pPr indent="-317500" lvl="0" marL="457200" rtl="0" algn="l">
-              <a:spcBef>
-                <a:spcPts val="0"/>
-              </a:spcBef>
-              <a:spcAft>
-                <a:spcPts val="0"/>
-              </a:spcAft>
-              <a:buSzPts val="1400"/>
+            <a:pPr indent="-317500" lvl="0" marL="457200" marR="0" rtl="0" algn="l">
+              <a:lnSpc>
+                <a:spcPct val="100000"/>
+              </a:lnSpc>
+              <a:spcBef>
+                <a:spcPts val="0"/>
+              </a:spcBef>
+              <a:spcAft>
+                <a:spcPts val="0"/>
+              </a:spcAft>
+              <a:buClr>
+                <a:srgbClr val="000000"/>
+              </a:buClr>
+              <a:buSzPts val="1400"/>
+              <a:buFont typeface="Arial"/>
               <a:buChar char="●"/>
             </a:pPr>
             <a:r>
-              <a:rPr lang="de"/>
+              <a:rPr b="0" i="0" lang="de" sz="1600" u="none" cap="none" strike="noStrike">
+                <a:solidFill>
+                  <a:schemeClr val="dk1"/>
+                </a:solidFill>
+                <a:latin typeface="Arial"/>
+                <a:ea typeface="Arial"/>
+                <a:cs typeface="Arial"/>
+                <a:sym typeface="Arial"/>
+              </a:rPr>
               <a:t>In Java </a:t>
             </a:r>
             <a:r>
-              <a:rPr b="1" lang="de"/>
+              <a:rPr b="1" i="0" lang="de" sz="1600" u="none" cap="none" strike="noStrike">
+                <a:solidFill>
+                  <a:schemeClr val="dk1"/>
+                </a:solidFill>
+                <a:latin typeface="Arial"/>
+                <a:ea typeface="Arial"/>
+                <a:cs typeface="Arial"/>
+                <a:sym typeface="Arial"/>
+              </a:rPr>
               <a:t>erbt jede Klasse von genau einer anderen Klasse </a:t>
             </a:r>
             <a:r>
-              <a:rPr lang="de"/>
+              <a:rPr b="0" i="0" lang="de" sz="1600" u="none" cap="none" strike="noStrike">
+                <a:solidFill>
+                  <a:schemeClr val="dk1"/>
+                </a:solidFill>
+                <a:latin typeface="Arial"/>
+                <a:ea typeface="Arial"/>
+                <a:cs typeface="Arial"/>
+                <a:sym typeface="Arial"/>
+              </a:rPr>
               <a:t>(keine Mehrfacherbung)</a:t>
             </a:r>
             <a:r>
-              <a:rPr b="1" lang="de"/>
+              <a:rPr b="1" i="0" lang="de" sz="1600" u="none" cap="none" strike="noStrike">
+                <a:solidFill>
+                  <a:schemeClr val="dk1"/>
+                </a:solidFill>
+                <a:latin typeface="Arial"/>
+                <a:ea typeface="Arial"/>
+                <a:cs typeface="Arial"/>
+                <a:sym typeface="Arial"/>
+              </a:rPr>
               <a:t>, </a:t>
             </a:r>
             <a:r>
-              <a:rPr lang="de"/>
-              <a:t>entweder explizit, oder von “Object” </a:t>
+              <a:rPr b="0" i="0" lang="de" sz="1600" u="none" cap="none" strike="noStrike">
+                <a:solidFill>
+                  <a:schemeClr val="dk1"/>
+                </a:solidFill>
+                <a:latin typeface="Arial"/>
+                <a:ea typeface="Arial"/>
+                <a:cs typeface="Arial"/>
+                <a:sym typeface="Arial"/>
+              </a:rPr>
+              <a:t>entweder explizit, oder von “Object” , kann aber an beliebig viele andere Klassen vererben.</a:t>
             </a:r>
-            <a:r>
-              <a:rPr lang="de"/>
-              <a:t>, kann aber an beliebig viele andere Klassen vererben.</a:t>
-            </a:r>
-            <a:endParaRPr/>
+            <a:endParaRPr b="0" i="0" sz="1600" u="none" cap="none" strike="noStrike">
+              <a:solidFill>
+                <a:schemeClr val="dk1"/>
+              </a:solidFill>
+              <a:latin typeface="Arial"/>
+              <a:ea typeface="Arial"/>
+              <a:cs typeface="Arial"/>
+              <a:sym typeface="Arial"/>
+            </a:endParaRPr>
           </a:p>
         </p:txBody>
       </p:sp>
@@ -10976,13 +12172,12 @@
           <p:cNvPicPr preferRelativeResize="0"/>
           <p:nvPr/>
         </p:nvPicPr>
-        <p:blipFill>
+        <p:blipFill rotWithShape="1">
           <a:blip r:embed="rId3">
             <a:alphaModFix/>
           </a:blip>
-          <a:stretch>
-            <a:fillRect/>
-          </a:stretch>
+          <a:srcRect b="0" l="0" r="0" t="0"/>
+          <a:stretch/>
         </p:blipFill>
         <p:spPr>
           <a:xfrm>
@@ -11039,6 +12234,10 @@
           <a:prstGeom prst="rect">
             <a:avLst/>
           </a:prstGeom>
+          <a:noFill/>
+          <a:ln>
+            <a:noFill/>
+          </a:ln>
         </p:spPr>
         <p:txBody>
           <a:bodyPr anchorCtr="0" anchor="b" bIns="0" lIns="0" spcFirstLastPara="1" rIns="0" wrap="square" tIns="0">
@@ -11047,21 +12246,21 @@
           <a:lstStyle/>
           <a:p>
             <a:pPr indent="0" lvl="0" marL="0" rtl="0" algn="l">
-              <a:spcBef>
-                <a:spcPts val="0"/>
-              </a:spcBef>
-              <a:spcAft>
-                <a:spcPts val="0"/>
-              </a:spcAft>
+              <a:lnSpc>
+                <a:spcPct val="100000"/>
+              </a:lnSpc>
+              <a:spcBef>
+                <a:spcPts val="0"/>
+              </a:spcBef>
+              <a:spcAft>
+                <a:spcPts val="0"/>
+              </a:spcAft>
+              <a:buSzPts val="1400"/>
               <a:buNone/>
             </a:pPr>
             <a:r>
               <a:rPr lang="de"/>
-              <a:t>1.1. Grundlagen von </a:t>
-            </a:r>
-            <a:r>
-              <a:rPr lang="de"/>
-              <a:t>Vererbung</a:t>
+              <a:t>1.1. Grundlagen von Vererbung</a:t>
             </a:r>
             <a:endParaRPr/>
           </a:p>
@@ -11083,6 +12282,10 @@
           <a:prstGeom prst="rect">
             <a:avLst/>
           </a:prstGeom>
+          <a:noFill/>
+          <a:ln>
+            <a:noFill/>
+          </a:ln>
         </p:spPr>
         <p:txBody>
           <a:bodyPr anchorCtr="0" anchor="t" bIns="0" lIns="0" spcFirstLastPara="1" rIns="0" wrap="square" tIns="0">
@@ -11090,155 +12293,323 @@
           </a:bodyPr>
           <a:lstStyle/>
           <a:p>
-            <a:pPr indent="0" lvl="0" marL="0" rtl="0" algn="l">
+            <a:pPr indent="0" lvl="0" marL="0" marR="0" rtl="0" algn="l">
+              <a:lnSpc>
+                <a:spcPct val="100000"/>
+              </a:lnSpc>
               <a:spcBef>
                 <a:spcPts val="320"/>
               </a:spcBef>
               <a:spcAft>
                 <a:spcPts val="0"/>
               </a:spcAft>
+              <a:buClr>
+                <a:srgbClr val="000000"/>
+              </a:buClr>
+              <a:buSzPts val="1400"/>
+              <a:buFont typeface="Arial"/>
               <a:buNone/>
             </a:pPr>
             <a:r>
-              <a:rPr lang="de"/>
+              <a:rPr b="0" i="0" lang="de" sz="1600" u="none" cap="none" strike="noStrike">
+                <a:solidFill>
+                  <a:schemeClr val="dk1"/>
+                </a:solidFill>
+                <a:latin typeface="Arial"/>
+                <a:ea typeface="Arial"/>
+                <a:cs typeface="Arial"/>
+                <a:sym typeface="Arial"/>
+              </a:rPr>
               <a:t>In Java erbt jede Klasse direkt oder indirekt von der Klasse “Object”. Jede Klasse, die nicht von einer anderen Klasse erbt, erbt direkt von “Object”. Java-Klassen sind somit streng hierarchisch geordnet.</a:t>
             </a:r>
-            <a:endParaRPr/>
+            <a:endParaRPr b="0" i="0" sz="1600" u="none" cap="none" strike="noStrike">
+              <a:solidFill>
+                <a:schemeClr val="dk1"/>
+              </a:solidFill>
+              <a:latin typeface="Arial"/>
+              <a:ea typeface="Arial"/>
+              <a:cs typeface="Arial"/>
+              <a:sym typeface="Arial"/>
+            </a:endParaRPr>
           </a:p>
           <a:p>
-            <a:pPr indent="0" lvl="0" marL="0" rtl="0" algn="l">
+            <a:pPr indent="0" lvl="0" marL="0" marR="0" rtl="0" algn="l">
+              <a:lnSpc>
+                <a:spcPct val="100000"/>
+              </a:lnSpc>
               <a:spcBef>
                 <a:spcPts val="320"/>
               </a:spcBef>
               <a:spcAft>
                 <a:spcPts val="0"/>
               </a:spcAft>
+              <a:buClr>
+                <a:srgbClr val="000000"/>
+              </a:buClr>
+              <a:buSzPts val="1400"/>
+              <a:buFont typeface="Arial"/>
               <a:buNone/>
             </a:pPr>
             <a:r>
               <a:t/>
             </a:r>
-            <a:endParaRPr/>
+            <a:endParaRPr b="0" i="0" sz="1600" u="none" cap="none" strike="noStrike">
+              <a:solidFill>
+                <a:schemeClr val="dk1"/>
+              </a:solidFill>
+              <a:latin typeface="Arial"/>
+              <a:ea typeface="Arial"/>
+              <a:cs typeface="Arial"/>
+              <a:sym typeface="Arial"/>
+            </a:endParaRPr>
           </a:p>
           <a:p>
-            <a:pPr indent="0" lvl="0" marL="0" rtl="0" algn="l">
+            <a:pPr indent="0" lvl="0" marL="0" marR="0" rtl="0" algn="l">
+              <a:lnSpc>
+                <a:spcPct val="100000"/>
+              </a:lnSpc>
               <a:spcBef>
                 <a:spcPts val="320"/>
               </a:spcBef>
               <a:spcAft>
                 <a:spcPts val="0"/>
               </a:spcAft>
+              <a:buClr>
+                <a:srgbClr val="000000"/>
+              </a:buClr>
+              <a:buSzPts val="1400"/>
+              <a:buFont typeface="Arial"/>
               <a:buNone/>
             </a:pPr>
             <a:r>
               <a:t/>
             </a:r>
-            <a:endParaRPr/>
+            <a:endParaRPr b="0" i="0" sz="1600" u="none" cap="none" strike="noStrike">
+              <a:solidFill>
+                <a:schemeClr val="dk1"/>
+              </a:solidFill>
+              <a:latin typeface="Arial"/>
+              <a:ea typeface="Arial"/>
+              <a:cs typeface="Arial"/>
+              <a:sym typeface="Arial"/>
+            </a:endParaRPr>
           </a:p>
           <a:p>
-            <a:pPr indent="0" lvl="0" marL="0" rtl="0" algn="l">
+            <a:pPr indent="0" lvl="0" marL="0" marR="0" rtl="0" algn="l">
+              <a:lnSpc>
+                <a:spcPct val="100000"/>
+              </a:lnSpc>
               <a:spcBef>
                 <a:spcPts val="320"/>
               </a:spcBef>
               <a:spcAft>
                 <a:spcPts val="0"/>
               </a:spcAft>
+              <a:buClr>
+                <a:srgbClr val="000000"/>
+              </a:buClr>
+              <a:buSzPts val="1400"/>
+              <a:buFont typeface="Arial"/>
               <a:buNone/>
             </a:pPr>
             <a:r>
               <a:t/>
             </a:r>
-            <a:endParaRPr/>
+            <a:endParaRPr b="0" i="0" sz="1600" u="none" cap="none" strike="noStrike">
+              <a:solidFill>
+                <a:schemeClr val="dk1"/>
+              </a:solidFill>
+              <a:latin typeface="Arial"/>
+              <a:ea typeface="Arial"/>
+              <a:cs typeface="Arial"/>
+              <a:sym typeface="Arial"/>
+            </a:endParaRPr>
           </a:p>
           <a:p>
-            <a:pPr indent="0" lvl="0" marL="0" rtl="0" algn="l">
+            <a:pPr indent="0" lvl="0" marL="0" marR="0" rtl="0" algn="l">
+              <a:lnSpc>
+                <a:spcPct val="100000"/>
+              </a:lnSpc>
               <a:spcBef>
                 <a:spcPts val="320"/>
               </a:spcBef>
               <a:spcAft>
                 <a:spcPts val="0"/>
               </a:spcAft>
+              <a:buClr>
+                <a:srgbClr val="000000"/>
+              </a:buClr>
+              <a:buSzPts val="1400"/>
+              <a:buFont typeface="Arial"/>
               <a:buNone/>
             </a:pPr>
             <a:r>
               <a:t/>
             </a:r>
-            <a:endParaRPr/>
+            <a:endParaRPr b="0" i="0" sz="1600" u="none" cap="none" strike="noStrike">
+              <a:solidFill>
+                <a:schemeClr val="dk1"/>
+              </a:solidFill>
+              <a:latin typeface="Arial"/>
+              <a:ea typeface="Arial"/>
+              <a:cs typeface="Arial"/>
+              <a:sym typeface="Arial"/>
+            </a:endParaRPr>
           </a:p>
           <a:p>
-            <a:pPr indent="0" lvl="0" marL="0" rtl="0" algn="l">
+            <a:pPr indent="0" lvl="0" marL="0" marR="0" rtl="0" algn="l">
+              <a:lnSpc>
+                <a:spcPct val="100000"/>
+              </a:lnSpc>
               <a:spcBef>
                 <a:spcPts val="320"/>
               </a:spcBef>
               <a:spcAft>
                 <a:spcPts val="0"/>
               </a:spcAft>
+              <a:buClr>
+                <a:srgbClr val="000000"/>
+              </a:buClr>
+              <a:buSzPts val="1400"/>
+              <a:buFont typeface="Arial"/>
               <a:buNone/>
             </a:pPr>
             <a:r>
               <a:t/>
             </a:r>
-            <a:endParaRPr/>
+            <a:endParaRPr b="0" i="0" sz="1600" u="none" cap="none" strike="noStrike">
+              <a:solidFill>
+                <a:schemeClr val="dk1"/>
+              </a:solidFill>
+              <a:latin typeface="Arial"/>
+              <a:ea typeface="Arial"/>
+              <a:cs typeface="Arial"/>
+              <a:sym typeface="Arial"/>
+            </a:endParaRPr>
           </a:p>
           <a:p>
-            <a:pPr indent="0" lvl="0" marL="0" rtl="0" algn="l">
+            <a:pPr indent="0" lvl="0" marL="0" marR="0" rtl="0" algn="l">
+              <a:lnSpc>
+                <a:spcPct val="100000"/>
+              </a:lnSpc>
               <a:spcBef>
                 <a:spcPts val="320"/>
               </a:spcBef>
               <a:spcAft>
                 <a:spcPts val="0"/>
               </a:spcAft>
+              <a:buClr>
+                <a:srgbClr val="000000"/>
+              </a:buClr>
+              <a:buSzPts val="1400"/>
+              <a:buFont typeface="Arial"/>
               <a:buNone/>
             </a:pPr>
             <a:r>
               <a:t/>
             </a:r>
-            <a:endParaRPr/>
+            <a:endParaRPr b="0" i="0" sz="1600" u="none" cap="none" strike="noStrike">
+              <a:solidFill>
+                <a:schemeClr val="dk1"/>
+              </a:solidFill>
+              <a:latin typeface="Arial"/>
+              <a:ea typeface="Arial"/>
+              <a:cs typeface="Arial"/>
+              <a:sym typeface="Arial"/>
+            </a:endParaRPr>
           </a:p>
           <a:p>
-            <a:pPr indent="0" lvl="0" marL="0" rtl="0" algn="l">
+            <a:pPr indent="0" lvl="0" marL="0" marR="0" rtl="0" algn="l">
+              <a:lnSpc>
+                <a:spcPct val="100000"/>
+              </a:lnSpc>
               <a:spcBef>
                 <a:spcPts val="320"/>
               </a:spcBef>
               <a:spcAft>
                 <a:spcPts val="0"/>
               </a:spcAft>
+              <a:buClr>
+                <a:srgbClr val="000000"/>
+              </a:buClr>
+              <a:buSzPts val="1400"/>
+              <a:buFont typeface="Arial"/>
               <a:buNone/>
             </a:pPr>
             <a:r>
               <a:t/>
             </a:r>
-            <a:endParaRPr/>
+            <a:endParaRPr b="0" i="0" sz="1600" u="none" cap="none" strike="noStrike">
+              <a:solidFill>
+                <a:schemeClr val="dk1"/>
+              </a:solidFill>
+              <a:latin typeface="Arial"/>
+              <a:ea typeface="Arial"/>
+              <a:cs typeface="Arial"/>
+              <a:sym typeface="Arial"/>
+            </a:endParaRPr>
           </a:p>
           <a:p>
-            <a:pPr indent="0" lvl="0" marL="0" rtl="0" algn="l">
+            <a:pPr indent="0" lvl="0" marL="0" marR="0" rtl="0" algn="l">
+              <a:lnSpc>
+                <a:spcPct val="100000"/>
+              </a:lnSpc>
               <a:spcBef>
                 <a:spcPts val="320"/>
               </a:spcBef>
               <a:spcAft>
                 <a:spcPts val="0"/>
               </a:spcAft>
+              <a:buClr>
+                <a:srgbClr val="000000"/>
+              </a:buClr>
+              <a:buSzPts val="1400"/>
+              <a:buFont typeface="Arial"/>
               <a:buNone/>
             </a:pPr>
             <a:r>
               <a:t/>
             </a:r>
-            <a:endParaRPr/>
+            <a:endParaRPr b="0" i="0" sz="1600" u="none" cap="none" strike="noStrike">
+              <a:solidFill>
+                <a:schemeClr val="dk1"/>
+              </a:solidFill>
+              <a:latin typeface="Arial"/>
+              <a:ea typeface="Arial"/>
+              <a:cs typeface="Arial"/>
+              <a:sym typeface="Arial"/>
+            </a:endParaRPr>
           </a:p>
           <a:p>
-            <a:pPr indent="0" lvl="0" marL="0" rtl="0" algn="l">
+            <a:pPr indent="0" lvl="0" marL="0" marR="0" rtl="0" algn="l">
+              <a:lnSpc>
+                <a:spcPct val="100000"/>
+              </a:lnSpc>
               <a:spcBef>
                 <a:spcPts val="320"/>
               </a:spcBef>
               <a:spcAft>
                 <a:spcPts val="0"/>
               </a:spcAft>
+              <a:buClr>
+                <a:srgbClr val="000000"/>
+              </a:buClr>
+              <a:buSzPts val="1400"/>
+              <a:buFont typeface="Arial"/>
               <a:buNone/>
             </a:pPr>
             <a:r>
               <a:t/>
             </a:r>
-            <a:endParaRPr/>
+            <a:endParaRPr b="0" i="0" sz="1600" u="none" cap="none" strike="noStrike">
+              <a:solidFill>
+                <a:schemeClr val="dk1"/>
+              </a:solidFill>
+              <a:latin typeface="Arial"/>
+              <a:ea typeface="Arial"/>
+              <a:cs typeface="Arial"/>
+              <a:sym typeface="Arial"/>
+            </a:endParaRPr>
           </a:p>
         </p:txBody>
       </p:sp>
@@ -11248,13 +12619,12 @@
           <p:cNvPicPr preferRelativeResize="0"/>
           <p:nvPr/>
         </p:nvPicPr>
-        <p:blipFill>
+        <p:blipFill rotWithShape="1">
           <a:blip r:embed="rId3">
             <a:alphaModFix/>
           </a:blip>
-          <a:stretch>
-            <a:fillRect/>
-          </a:stretch>
+          <a:srcRect b="0" l="0" r="0" t="0"/>
+          <a:stretch/>
         </p:blipFill>
         <p:spPr>
           <a:xfrm>
@@ -11311,6 +12681,10 @@
           <a:prstGeom prst="rect">
             <a:avLst/>
           </a:prstGeom>
+          <a:noFill/>
+          <a:ln>
+            <a:noFill/>
+          </a:ln>
         </p:spPr>
         <p:txBody>
           <a:bodyPr anchorCtr="0" anchor="b" bIns="0" lIns="0" spcFirstLastPara="1" rIns="0" wrap="square" tIns="0">
@@ -11319,12 +12693,16 @@
           <a:lstStyle/>
           <a:p>
             <a:pPr indent="0" lvl="0" marL="0" rtl="0" algn="l">
-              <a:spcBef>
-                <a:spcPts val="0"/>
-              </a:spcBef>
-              <a:spcAft>
-                <a:spcPts val="0"/>
-              </a:spcAft>
+              <a:lnSpc>
+                <a:spcPct val="100000"/>
+              </a:lnSpc>
+              <a:spcBef>
+                <a:spcPts val="0"/>
+              </a:spcBef>
+              <a:spcAft>
+                <a:spcPts val="0"/>
+              </a:spcAft>
+              <a:buSzPts val="1400"/>
               <a:buNone/>
             </a:pPr>
             <a:r>
@@ -11351,6 +12729,10 @@
           <a:prstGeom prst="rect">
             <a:avLst/>
           </a:prstGeom>
+          <a:noFill/>
+          <a:ln>
+            <a:noFill/>
+          </a:ln>
         </p:spPr>
         <p:txBody>
           <a:bodyPr anchorCtr="0" anchor="t" bIns="0" lIns="0" spcFirstLastPara="1" rIns="0" wrap="square" tIns="0">
@@ -11358,130 +12740,294 @@
           </a:bodyPr>
           <a:lstStyle/>
           <a:p>
-            <a:pPr indent="0" lvl="0" marL="0" rtl="0" algn="l">
+            <a:pPr indent="0" lvl="0" marL="0" marR="0" rtl="0" algn="l">
+              <a:lnSpc>
+                <a:spcPct val="100000"/>
+              </a:lnSpc>
               <a:spcBef>
                 <a:spcPts val="320"/>
               </a:spcBef>
               <a:spcAft>
                 <a:spcPts val="0"/>
               </a:spcAft>
+              <a:buClr>
+                <a:srgbClr val="000000"/>
+              </a:buClr>
+              <a:buSzPts val="1400"/>
+              <a:buFont typeface="Arial"/>
               <a:buNone/>
             </a:pPr>
             <a:r>
-              <a:rPr lang="de"/>
+              <a:rPr b="0" i="0" lang="de" sz="1600" u="none" cap="none" strike="noStrike">
+                <a:solidFill>
+                  <a:schemeClr val="dk1"/>
+                </a:solidFill>
+                <a:latin typeface="Arial"/>
+                <a:ea typeface="Arial"/>
+                <a:cs typeface="Arial"/>
+                <a:sym typeface="Arial"/>
+              </a:rPr>
               <a:t>Die mitgelieferte Java-Bibliothek ist sehr umfassend. Du hast Klassen wie Scanner, Math, Random o.Ä. vielleicht schon gesehen oder genutzt.</a:t>
             </a:r>
-            <a:endParaRPr/>
+            <a:endParaRPr b="0" i="0" sz="1600" u="none" cap="none" strike="noStrike">
+              <a:solidFill>
+                <a:schemeClr val="dk1"/>
+              </a:solidFill>
+              <a:latin typeface="Arial"/>
+              <a:ea typeface="Arial"/>
+              <a:cs typeface="Arial"/>
+              <a:sym typeface="Arial"/>
+            </a:endParaRPr>
           </a:p>
           <a:p>
-            <a:pPr indent="0" lvl="0" marL="0" rtl="0" algn="l">
+            <a:pPr indent="0" lvl="0" marL="0" marR="0" rtl="0" algn="l">
+              <a:lnSpc>
+                <a:spcPct val="100000"/>
+              </a:lnSpc>
               <a:spcBef>
                 <a:spcPts val="320"/>
               </a:spcBef>
               <a:spcAft>
                 <a:spcPts val="0"/>
               </a:spcAft>
+              <a:buClr>
+                <a:srgbClr val="000000"/>
+              </a:buClr>
+              <a:buSzPts val="1400"/>
+              <a:buFont typeface="Arial"/>
               <a:buNone/>
             </a:pPr>
             <a:r>
               <a:t/>
             </a:r>
-            <a:endParaRPr/>
+            <a:endParaRPr b="0" i="0" sz="1600" u="none" cap="none" strike="noStrike">
+              <a:solidFill>
+                <a:schemeClr val="dk1"/>
+              </a:solidFill>
+              <a:latin typeface="Arial"/>
+              <a:ea typeface="Arial"/>
+              <a:cs typeface="Arial"/>
+              <a:sym typeface="Arial"/>
+            </a:endParaRPr>
           </a:p>
           <a:p>
-            <a:pPr indent="0" lvl="0" marL="0" rtl="0" algn="l">
+            <a:pPr indent="0" lvl="0" marL="0" marR="0" rtl="0" algn="l">
+              <a:lnSpc>
+                <a:spcPct val="100000"/>
+              </a:lnSpc>
               <a:spcBef>
                 <a:spcPts val="320"/>
               </a:spcBef>
               <a:spcAft>
                 <a:spcPts val="0"/>
               </a:spcAft>
+              <a:buClr>
+                <a:srgbClr val="000000"/>
+              </a:buClr>
+              <a:buSzPts val="1400"/>
+              <a:buFont typeface="Arial"/>
               <a:buNone/>
             </a:pPr>
             <a:r>
-              <a:rPr lang="de"/>
+              <a:rPr b="0" i="0" lang="de" sz="1600" u="none" cap="none" strike="noStrike">
+                <a:solidFill>
+                  <a:schemeClr val="dk1"/>
+                </a:solidFill>
+                <a:latin typeface="Arial"/>
+                <a:ea typeface="Arial"/>
+                <a:cs typeface="Arial"/>
+                <a:sym typeface="Arial"/>
+              </a:rPr>
               <a:t>Eine sehr empfehlenswerte Aktivität: </a:t>
             </a:r>
             <a:r>
-              <a:rPr b="1" lang="de"/>
+              <a:rPr b="1" i="0" lang="de" sz="1600" u="none" cap="none" strike="noStrike">
+                <a:solidFill>
+                  <a:schemeClr val="dk1"/>
+                </a:solidFill>
+                <a:latin typeface="Arial"/>
+                <a:ea typeface="Arial"/>
+                <a:cs typeface="Arial"/>
+                <a:sym typeface="Arial"/>
+              </a:rPr>
               <a:t>Einfach mal schauen, was Java alles schon kann</a:t>
             </a:r>
             <a:r>
-              <a:rPr lang="de"/>
+              <a:rPr b="0" i="0" lang="de" sz="1600" u="none" cap="none" strike="noStrike">
+                <a:solidFill>
+                  <a:schemeClr val="dk1"/>
+                </a:solidFill>
+                <a:latin typeface="Arial"/>
+                <a:ea typeface="Arial"/>
+                <a:cs typeface="Arial"/>
+                <a:sym typeface="Arial"/>
+              </a:rPr>
               <a:t>.</a:t>
             </a:r>
-            <a:endParaRPr/>
+            <a:endParaRPr b="0" i="0" sz="1600" u="none" cap="none" strike="noStrike">
+              <a:solidFill>
+                <a:schemeClr val="dk1"/>
+              </a:solidFill>
+              <a:latin typeface="Arial"/>
+              <a:ea typeface="Arial"/>
+              <a:cs typeface="Arial"/>
+              <a:sym typeface="Arial"/>
+            </a:endParaRPr>
           </a:p>
           <a:p>
-            <a:pPr indent="0" lvl="0" marL="0" rtl="0" algn="l">
+            <a:pPr indent="0" lvl="0" marL="0" marR="0" rtl="0" algn="l">
+              <a:lnSpc>
+                <a:spcPct val="100000"/>
+              </a:lnSpc>
               <a:spcBef>
                 <a:spcPts val="320"/>
               </a:spcBef>
               <a:spcAft>
                 <a:spcPts val="0"/>
               </a:spcAft>
+              <a:buClr>
+                <a:srgbClr val="000000"/>
+              </a:buClr>
+              <a:buSzPts val="1400"/>
+              <a:buFont typeface="Arial"/>
               <a:buNone/>
             </a:pPr>
             <a:r>
               <a:t/>
             </a:r>
-            <a:endParaRPr/>
+            <a:endParaRPr b="0" i="0" sz="1600" u="none" cap="none" strike="noStrike">
+              <a:solidFill>
+                <a:schemeClr val="dk1"/>
+              </a:solidFill>
+              <a:latin typeface="Arial"/>
+              <a:ea typeface="Arial"/>
+              <a:cs typeface="Arial"/>
+              <a:sym typeface="Arial"/>
+            </a:endParaRPr>
           </a:p>
           <a:p>
-            <a:pPr indent="0" lvl="0" marL="0" rtl="0" algn="l">
+            <a:pPr indent="0" lvl="0" marL="0" marR="0" rtl="0" algn="l">
+              <a:lnSpc>
+                <a:spcPct val="100000"/>
+              </a:lnSpc>
               <a:spcBef>
                 <a:spcPts val="320"/>
               </a:spcBef>
               <a:spcAft>
                 <a:spcPts val="0"/>
               </a:spcAft>
+              <a:buClr>
+                <a:srgbClr val="000000"/>
+              </a:buClr>
+              <a:buSzPts val="1400"/>
+              <a:buFont typeface="Arial"/>
               <a:buNone/>
             </a:pPr>
             <a:r>
-              <a:rPr lang="de"/>
+              <a:rPr b="0" i="0" lang="de" sz="1600" u="none" cap="none" strike="noStrike">
+                <a:solidFill>
+                  <a:schemeClr val="dk1"/>
+                </a:solidFill>
+                <a:latin typeface="Arial"/>
+                <a:ea typeface="Arial"/>
+                <a:cs typeface="Arial"/>
+                <a:sym typeface="Arial"/>
+              </a:rPr>
               <a:t>String-Klasse: </a:t>
             </a:r>
             <a:r>
-              <a:rPr lang="de" u="sng">
+              <a:rPr b="0" i="0" lang="de" sz="1600" u="sng" cap="none" strike="noStrike">
                 <a:solidFill>
                   <a:schemeClr val="hlink"/>
                 </a:solidFill>
+                <a:latin typeface="Arial"/>
+                <a:ea typeface="Arial"/>
+                <a:cs typeface="Arial"/>
+                <a:sym typeface="Arial"/>
                 <a:hlinkClick r:id="rId3"/>
               </a:rPr>
               <a:t>https://docs.oracle.com/javase/8/docs/api/java/lang/String.html</a:t>
             </a:r>
-            <a:endParaRPr/>
+            <a:endParaRPr b="0" i="0" sz="1600" u="none" cap="none" strike="noStrike">
+              <a:solidFill>
+                <a:schemeClr val="dk1"/>
+              </a:solidFill>
+              <a:latin typeface="Arial"/>
+              <a:ea typeface="Arial"/>
+              <a:cs typeface="Arial"/>
+              <a:sym typeface="Arial"/>
+            </a:endParaRPr>
           </a:p>
           <a:p>
-            <a:pPr indent="0" lvl="0" marL="0" rtl="0" algn="l">
+            <a:pPr indent="0" lvl="0" marL="0" marR="0" rtl="0" algn="l">
+              <a:lnSpc>
+                <a:spcPct val="100000"/>
+              </a:lnSpc>
               <a:spcBef>
                 <a:spcPts val="320"/>
               </a:spcBef>
               <a:spcAft>
                 <a:spcPts val="0"/>
               </a:spcAft>
+              <a:buClr>
+                <a:srgbClr val="000000"/>
+              </a:buClr>
+              <a:buSzPts val="1400"/>
+              <a:buFont typeface="Arial"/>
               <a:buNone/>
             </a:pPr>
             <a:r>
               <a:t/>
             </a:r>
-            <a:endParaRPr/>
+            <a:endParaRPr b="0" i="0" sz="1600" u="none" cap="none" strike="noStrike">
+              <a:solidFill>
+                <a:schemeClr val="dk1"/>
+              </a:solidFill>
+              <a:latin typeface="Arial"/>
+              <a:ea typeface="Arial"/>
+              <a:cs typeface="Arial"/>
+              <a:sym typeface="Arial"/>
+            </a:endParaRPr>
           </a:p>
           <a:p>
-            <a:pPr indent="0" lvl="0" marL="0" rtl="0" algn="l">
+            <a:pPr indent="0" lvl="0" marL="0" marR="0" rtl="0" algn="l">
+              <a:lnSpc>
+                <a:spcPct val="100000"/>
+              </a:lnSpc>
               <a:spcBef>
                 <a:spcPts val="320"/>
               </a:spcBef>
               <a:spcAft>
                 <a:spcPts val="0"/>
               </a:spcAft>
+              <a:buClr>
+                <a:srgbClr val="000000"/>
+              </a:buClr>
+              <a:buSzPts val="1400"/>
+              <a:buFont typeface="Arial"/>
               <a:buNone/>
             </a:pPr>
             <a:r>
-              <a:rPr lang="de"/>
+              <a:rPr b="0" i="0" lang="de" sz="1600" u="none" cap="none" strike="noStrike">
+                <a:solidFill>
+                  <a:schemeClr val="dk1"/>
+                </a:solidFill>
+                <a:latin typeface="Arial"/>
+                <a:ea typeface="Arial"/>
+                <a:cs typeface="Arial"/>
+                <a:sym typeface="Arial"/>
+              </a:rPr>
               <a:t>Du interessierst dich für andere Klassen oder Interfaces? Such in der Suchmaschine deiner Wahl nach “Java ArrayList” oder “Java Math” (Oder eben der Klasse deiner Wahl) und schau einfach mal, was es alle schon gibt.</a:t>
             </a:r>
-            <a:endParaRPr/>
+            <a:endParaRPr b="0" i="0" sz="1600" u="none" cap="none" strike="noStrike">
+              <a:solidFill>
+                <a:schemeClr val="dk1"/>
+              </a:solidFill>
+              <a:latin typeface="Arial"/>
+              <a:ea typeface="Arial"/>
+              <a:cs typeface="Arial"/>
+              <a:sym typeface="Arial"/>
+            </a:endParaRPr>
           </a:p>
         </p:txBody>
       </p:sp>
@@ -11526,6 +13072,10 @@
           <a:prstGeom prst="rect">
             <a:avLst/>
           </a:prstGeom>
+          <a:noFill/>
+          <a:ln>
+            <a:noFill/>
+          </a:ln>
         </p:spPr>
         <p:txBody>
           <a:bodyPr anchorCtr="0" anchor="b" bIns="0" lIns="0" spcFirstLastPara="1" rIns="0" wrap="square" tIns="0">
@@ -11534,12 +13084,16 @@
           <a:lstStyle/>
           <a:p>
             <a:pPr indent="0" lvl="0" marL="0" rtl="0" algn="l">
-              <a:spcBef>
-                <a:spcPts val="0"/>
-              </a:spcBef>
-              <a:spcAft>
-                <a:spcPts val="0"/>
-              </a:spcAft>
+              <a:lnSpc>
+                <a:spcPct val="100000"/>
+              </a:lnSpc>
+              <a:spcBef>
+                <a:spcPts val="0"/>
+              </a:spcBef>
+              <a:spcAft>
+                <a:spcPts val="0"/>
+              </a:spcAft>
+              <a:buSzPts val="1400"/>
               <a:buNone/>
             </a:pPr>
             <a:r>
@@ -11566,6 +13120,10 @@
           <a:prstGeom prst="rect">
             <a:avLst/>
           </a:prstGeom>
+          <a:noFill/>
+          <a:ln>
+            <a:noFill/>
+          </a:ln>
         </p:spPr>
         <p:txBody>
           <a:bodyPr anchorCtr="0" anchor="t" bIns="0" lIns="0" spcFirstLastPara="1" rIns="0" wrap="square" tIns="0">
@@ -11573,7 +13131,10 @@
           </a:bodyPr>
           <a:lstStyle/>
           <a:p>
-            <a:pPr indent="0" lvl="0" marL="0" rtl="0" algn="l">
+            <a:pPr indent="0" lvl="0" marL="0" marR="0" rtl="0" algn="l">
+              <a:lnSpc>
+                <a:spcPct val="100000"/>
+              </a:lnSpc>
               <a:spcBef>
                 <a:spcPts val="320"/>
               </a:spcBef>
@@ -11588,91 +13149,199 @@
               <a:buNone/>
             </a:pPr>
             <a:r>
-              <a:rPr lang="de"/>
-              <a:t>Wir vereinfachen unser Modell etwas</a:t>
+              <a:rPr b="0" i="0" lang="de" sz="1600" u="none" cap="none" strike="noStrike">
+                <a:solidFill>
+                  <a:schemeClr val="dk1"/>
+                </a:solidFill>
+                <a:latin typeface="Arial"/>
+                <a:ea typeface="Arial"/>
+                <a:cs typeface="Arial"/>
+                <a:sym typeface="Arial"/>
+              </a:rPr>
+              <a:t>Wir vereinfachen unser Modell etwas: Unsere Welt ist ein euklidisches Koordinatensystem, in dem sich die Fahrzeuge bewegen</a:t>
             </a:r>
-            <a:r>
-              <a:rPr lang="de"/>
-              <a:t>: Unsere Welt ist ein euklidisches Koordinatensystem, in dem sich die Fahrzeuge bewegen</a:t>
-            </a:r>
-            <a:endParaRPr/>
+            <a:endParaRPr b="0" i="0" sz="1600" u="none" cap="none" strike="noStrike">
+              <a:solidFill>
+                <a:schemeClr val="dk1"/>
+              </a:solidFill>
+              <a:latin typeface="Arial"/>
+              <a:ea typeface="Arial"/>
+              <a:cs typeface="Arial"/>
+              <a:sym typeface="Arial"/>
+            </a:endParaRPr>
           </a:p>
           <a:p>
-            <a:pPr indent="0" lvl="0" marL="0" rtl="0" algn="l">
+            <a:pPr indent="0" lvl="0" marL="0" marR="0" rtl="0" algn="l">
+              <a:lnSpc>
+                <a:spcPct val="100000"/>
+              </a:lnSpc>
               <a:spcBef>
                 <a:spcPts val="320"/>
               </a:spcBef>
               <a:spcAft>
                 <a:spcPts val="0"/>
               </a:spcAft>
+              <a:buClr>
+                <a:srgbClr val="000000"/>
+              </a:buClr>
+              <a:buSzPts val="1400"/>
+              <a:buFont typeface="Arial"/>
               <a:buNone/>
             </a:pPr>
             <a:r>
-              <a:rPr lang="de"/>
+              <a:rPr b="0" i="0" lang="de" sz="1600" u="none" cap="none" strike="noStrike">
+                <a:solidFill>
+                  <a:schemeClr val="dk1"/>
+                </a:solidFill>
+                <a:latin typeface="Arial"/>
+                <a:ea typeface="Arial"/>
+                <a:cs typeface="Arial"/>
+                <a:sym typeface="Arial"/>
+              </a:rPr>
               <a:t>Wir beschränken uns außerdem auf eine Auto und Flugzeug, die beide direkt von einer Fahrzeug-Klasse erben. </a:t>
             </a:r>
-            <a:endParaRPr/>
+            <a:endParaRPr b="0" i="0" sz="1600" u="none" cap="none" strike="noStrike">
+              <a:solidFill>
+                <a:schemeClr val="dk1"/>
+              </a:solidFill>
+              <a:latin typeface="Arial"/>
+              <a:ea typeface="Arial"/>
+              <a:cs typeface="Arial"/>
+              <a:sym typeface="Arial"/>
+            </a:endParaRPr>
           </a:p>
           <a:p>
-            <a:pPr indent="0" lvl="0" marL="0" rtl="0" algn="l">
+            <a:pPr indent="0" lvl="0" marL="0" marR="0" rtl="0" algn="l">
+              <a:lnSpc>
+                <a:spcPct val="100000"/>
+              </a:lnSpc>
               <a:spcBef>
                 <a:spcPts val="320"/>
               </a:spcBef>
               <a:spcAft>
                 <a:spcPts val="0"/>
               </a:spcAft>
+              <a:buClr>
+                <a:srgbClr val="000000"/>
+              </a:buClr>
+              <a:buSzPts val="1400"/>
+              <a:buFont typeface="Arial"/>
               <a:buNone/>
             </a:pPr>
             <a:r>
               <a:t/>
             </a:r>
-            <a:endParaRPr/>
+            <a:endParaRPr b="0" i="0" sz="1600" u="none" cap="none" strike="noStrike">
+              <a:solidFill>
+                <a:schemeClr val="dk1"/>
+              </a:solidFill>
+              <a:latin typeface="Arial"/>
+              <a:ea typeface="Arial"/>
+              <a:cs typeface="Arial"/>
+              <a:sym typeface="Arial"/>
+            </a:endParaRPr>
           </a:p>
           <a:p>
-            <a:pPr indent="0" lvl="0" marL="0" rtl="0" algn="l">
+            <a:pPr indent="0" lvl="0" marL="0" marR="0" rtl="0" algn="l">
+              <a:lnSpc>
+                <a:spcPct val="100000"/>
+              </a:lnSpc>
               <a:spcBef>
                 <a:spcPts val="320"/>
               </a:spcBef>
               <a:spcAft>
                 <a:spcPts val="0"/>
               </a:spcAft>
+              <a:buClr>
+                <a:srgbClr val="000000"/>
+              </a:buClr>
+              <a:buSzPts val="1400"/>
+              <a:buFont typeface="Arial"/>
               <a:buNone/>
             </a:pPr>
             <a:r>
               <a:t/>
             </a:r>
-            <a:endParaRPr/>
+            <a:endParaRPr b="0" i="0" sz="1600" u="none" cap="none" strike="noStrike">
+              <a:solidFill>
+                <a:schemeClr val="dk1"/>
+              </a:solidFill>
+              <a:latin typeface="Arial"/>
+              <a:ea typeface="Arial"/>
+              <a:cs typeface="Arial"/>
+              <a:sym typeface="Arial"/>
+            </a:endParaRPr>
           </a:p>
           <a:p>
-            <a:pPr indent="0" lvl="0" marL="0" rtl="0" algn="l">
+            <a:pPr indent="0" lvl="0" marL="0" marR="0" rtl="0" algn="l">
+              <a:lnSpc>
+                <a:spcPct val="100000"/>
+              </a:lnSpc>
               <a:spcBef>
                 <a:spcPts val="320"/>
               </a:spcBef>
               <a:spcAft>
                 <a:spcPts val="0"/>
               </a:spcAft>
+              <a:buClr>
+                <a:srgbClr val="000000"/>
+              </a:buClr>
+              <a:buSzPts val="1400"/>
+              <a:buFont typeface="Arial"/>
               <a:buNone/>
             </a:pPr>
             <a:r>
               <a:t/>
             </a:r>
-            <a:endParaRPr/>
+            <a:endParaRPr b="0" i="0" sz="1600" u="none" cap="none" strike="noStrike">
+              <a:solidFill>
+                <a:schemeClr val="dk1"/>
+              </a:solidFill>
+              <a:latin typeface="Arial"/>
+              <a:ea typeface="Arial"/>
+              <a:cs typeface="Arial"/>
+              <a:sym typeface="Arial"/>
+            </a:endParaRPr>
           </a:p>
           <a:p>
-            <a:pPr indent="0" lvl="0" marL="0" rtl="0" algn="l">
+            <a:pPr indent="0" lvl="0" marL="0" marR="0" rtl="0" algn="l">
+              <a:lnSpc>
+                <a:spcPct val="100000"/>
+              </a:lnSpc>
               <a:spcBef>
                 <a:spcPts val="320"/>
               </a:spcBef>
               <a:spcAft>
                 <a:spcPts val="0"/>
               </a:spcAft>
+              <a:buClr>
+                <a:srgbClr val="000000"/>
+              </a:buClr>
+              <a:buSzPts val="1400"/>
+              <a:buFont typeface="Arial"/>
               <a:buNone/>
             </a:pPr>
             <a:r>
-              <a:rPr lang="de"/>
+              <a:rPr b="0" i="0" lang="de" sz="1600" u="none" cap="none" strike="noStrike">
+                <a:solidFill>
+                  <a:schemeClr val="dk1"/>
+                </a:solidFill>
+                <a:latin typeface="Arial"/>
+                <a:ea typeface="Arial"/>
+                <a:cs typeface="Arial"/>
+                <a:sym typeface="Arial"/>
+              </a:rPr>
               <a:t>Das Schlüsselwort für Vererbung in java ist “extends”.</a:t>
             </a:r>
-            <a:endParaRPr/>
+            <a:endParaRPr b="0" i="0" sz="1600" u="none" cap="none" strike="noStrike">
+              <a:solidFill>
+                <a:schemeClr val="dk1"/>
+              </a:solidFill>
+              <a:latin typeface="Arial"/>
+              <a:ea typeface="Arial"/>
+              <a:cs typeface="Arial"/>
+              <a:sym typeface="Arial"/>
+            </a:endParaRPr>
           </a:p>
         </p:txBody>
       </p:sp>
@@ -11682,13 +13351,12 @@
           <p:cNvPicPr preferRelativeResize="0"/>
           <p:nvPr/>
         </p:nvPicPr>
-        <p:blipFill>
+        <p:blipFill rotWithShape="1">
           <a:blip r:embed="rId3">
             <a:alphaModFix/>
           </a:blip>
-          <a:stretch>
-            <a:fillRect/>
-          </a:stretch>
+          <a:srcRect b="0" l="0" r="0" t="0"/>
+          <a:stretch/>
         </p:blipFill>
         <p:spPr>
           <a:xfrm>
@@ -11710,13 +13378,12 @@
           <p:cNvPicPr preferRelativeResize="0"/>
           <p:nvPr/>
         </p:nvPicPr>
-        <p:blipFill>
+        <p:blipFill rotWithShape="1">
           <a:blip r:embed="rId4">
             <a:alphaModFix/>
           </a:blip>
-          <a:stretch>
-            <a:fillRect/>
-          </a:stretch>
+          <a:srcRect b="0" l="0" r="0" t="0"/>
+          <a:stretch/>
         </p:blipFill>
         <p:spPr>
           <a:xfrm>
@@ -11738,13 +13405,12 @@
           <p:cNvPicPr preferRelativeResize="0"/>
           <p:nvPr/>
         </p:nvPicPr>
-        <p:blipFill>
+        <p:blipFill rotWithShape="1">
           <a:blip r:embed="rId5">
             <a:alphaModFix/>
           </a:blip>
-          <a:stretch>
-            <a:fillRect/>
-          </a:stretch>
+          <a:srcRect b="0" l="0" r="0" t="0"/>
+          <a:stretch/>
         </p:blipFill>
         <p:spPr>
           <a:xfrm>
@@ -11766,13 +13432,12 @@
           <p:cNvPicPr preferRelativeResize="0"/>
           <p:nvPr/>
         </p:nvPicPr>
-        <p:blipFill>
+        <p:blipFill rotWithShape="1">
           <a:blip r:embed="rId6">
             <a:alphaModFix/>
           </a:blip>
-          <a:stretch>
-            <a:fillRect/>
-          </a:stretch>
+          <a:srcRect b="0" l="0" r="0" t="0"/>
+          <a:stretch/>
         </p:blipFill>
         <p:spPr>
           <a:xfrm>
@@ -11829,6 +13494,10 @@
           <a:prstGeom prst="rect">
             <a:avLst/>
           </a:prstGeom>
+          <a:noFill/>
+          <a:ln>
+            <a:noFill/>
+          </a:ln>
         </p:spPr>
         <p:txBody>
           <a:bodyPr anchorCtr="0" anchor="b" bIns="0" lIns="0" spcFirstLastPara="1" rIns="0" wrap="square" tIns="0">
@@ -11837,12 +13506,16 @@
           <a:lstStyle/>
           <a:p>
             <a:pPr indent="0" lvl="0" marL="0" rtl="0" algn="l">
-              <a:spcBef>
-                <a:spcPts val="0"/>
-              </a:spcBef>
-              <a:spcAft>
-                <a:spcPts val="0"/>
-              </a:spcAft>
+              <a:lnSpc>
+                <a:spcPct val="100000"/>
+              </a:lnSpc>
+              <a:spcBef>
+                <a:spcPts val="0"/>
+              </a:spcBef>
+              <a:spcAft>
+                <a:spcPts val="0"/>
+              </a:spcAft>
+              <a:buSzPts val="1400"/>
               <a:buNone/>
             </a:pPr>
             <a:r>
@@ -11869,6 +13542,10 @@
           <a:prstGeom prst="rect">
             <a:avLst/>
           </a:prstGeom>
+          <a:noFill/>
+          <a:ln>
+            <a:noFill/>
+          </a:ln>
         </p:spPr>
         <p:txBody>
           <a:bodyPr anchorCtr="0" anchor="t" bIns="0" lIns="0" spcFirstLastPara="1" rIns="0" wrap="square" tIns="0">
@@ -11876,36 +13553,84 @@
           </a:bodyPr>
           <a:lstStyle/>
           <a:p>
-            <a:pPr indent="0" lvl="0" marL="0" rtl="0" algn="l">
+            <a:pPr indent="0" lvl="0" marL="0" marR="0" rtl="0" algn="l">
+              <a:lnSpc>
+                <a:spcPct val="100000"/>
+              </a:lnSpc>
               <a:spcBef>
                 <a:spcPts val="320"/>
               </a:spcBef>
               <a:spcAft>
                 <a:spcPts val="0"/>
               </a:spcAft>
+              <a:buClr>
+                <a:srgbClr val="000000"/>
+              </a:buClr>
+              <a:buSzPts val="1400"/>
+              <a:buFont typeface="Arial"/>
               <a:buNone/>
             </a:pPr>
             <a:r>
-              <a:rPr lang="de"/>
+              <a:rPr b="0" i="0" lang="de" sz="1600" u="none" cap="none" strike="noStrike">
+                <a:solidFill>
+                  <a:schemeClr val="dk1"/>
+                </a:solidFill>
+                <a:latin typeface="Arial"/>
+                <a:ea typeface="Arial"/>
+                <a:cs typeface="Arial"/>
+                <a:sym typeface="Arial"/>
+              </a:rPr>
               <a:t>Nun kann jede Instanz der Klassen “Car” und “Plane” auch auf Methoden und Attribute der Klasse “Vehicle” zugreifen. </a:t>
             </a:r>
-            <a:endParaRPr/>
+            <a:endParaRPr b="0" i="0" sz="1600" u="none" cap="none" strike="noStrike">
+              <a:solidFill>
+                <a:schemeClr val="dk1"/>
+              </a:solidFill>
+              <a:latin typeface="Arial"/>
+              <a:ea typeface="Arial"/>
+              <a:cs typeface="Arial"/>
+              <a:sym typeface="Arial"/>
+            </a:endParaRPr>
           </a:p>
           <a:p>
-            <a:pPr indent="0" lvl="0" marL="0" rtl="0" algn="l">
+            <a:pPr indent="0" lvl="0" marL="0" marR="0" rtl="0" algn="l">
+              <a:lnSpc>
+                <a:spcPct val="100000"/>
+              </a:lnSpc>
               <a:spcBef>
                 <a:spcPts val="320"/>
               </a:spcBef>
               <a:spcAft>
                 <a:spcPts val="0"/>
               </a:spcAft>
+              <a:buClr>
+                <a:srgbClr val="000000"/>
+              </a:buClr>
+              <a:buSzPts val="1400"/>
+              <a:buFont typeface="Arial"/>
               <a:buNone/>
             </a:pPr>
             <a:r>
-              <a:rPr lang="de"/>
+              <a:rPr b="0" i="0" lang="de" sz="1600" u="none" cap="none" strike="noStrike">
+                <a:solidFill>
+                  <a:schemeClr val="dk1"/>
+                </a:solidFill>
+                <a:latin typeface="Arial"/>
+                <a:ea typeface="Arial"/>
+                <a:cs typeface="Arial"/>
+                <a:sym typeface="Arial"/>
+              </a:rPr>
               <a:t>Attribute und Methoden, die auf alle Fahrzeuge zutreffen, werden in der Superklasse “Vehicle” gehalten, “Car”- oder “Plane”-spezifische Attribute und Methoden werden in der jeweiligen Subklasse definiert.</a:t>
             </a:r>
-            <a:endParaRPr/>
+            <a:endParaRPr b="0" i="0" sz="1600" u="none" cap="none" strike="noStrike">
+              <a:solidFill>
+                <a:schemeClr val="dk1"/>
+              </a:solidFill>
+              <a:latin typeface="Arial"/>
+              <a:ea typeface="Arial"/>
+              <a:cs typeface="Arial"/>
+              <a:sym typeface="Arial"/>
+            </a:endParaRPr>
           </a:p>
         </p:txBody>
       </p:sp>
@@ -11915,13 +13640,12 @@
           <p:cNvPicPr preferRelativeResize="0"/>
           <p:nvPr/>
         </p:nvPicPr>
-        <p:blipFill>
+        <p:blipFill rotWithShape="1">
           <a:blip r:embed="rId3">
             <a:alphaModFix/>
           </a:blip>
-          <a:stretch>
-            <a:fillRect/>
-          </a:stretch>
+          <a:srcRect b="0" l="0" r="0" t="0"/>
+          <a:stretch/>
         </p:blipFill>
         <p:spPr>
           <a:xfrm>
@@ -11943,13 +13667,12 @@
           <p:cNvPicPr preferRelativeResize="0"/>
           <p:nvPr/>
         </p:nvPicPr>
-        <p:blipFill>
+        <p:blipFill rotWithShape="1">
           <a:blip r:embed="rId4">
             <a:alphaModFix/>
           </a:blip>
-          <a:stretch>
-            <a:fillRect/>
-          </a:stretch>
+          <a:srcRect b="0" l="0" r="0" t="0"/>
+          <a:stretch/>
         </p:blipFill>
         <p:spPr>
           <a:xfrm>
@@ -11971,13 +13694,12 @@
           <p:cNvPicPr preferRelativeResize="0"/>
           <p:nvPr/>
         </p:nvPicPr>
-        <p:blipFill>
+        <p:blipFill rotWithShape="1">
           <a:blip r:embed="rId5">
             <a:alphaModFix/>
           </a:blip>
-          <a:stretch>
-            <a:fillRect/>
-          </a:stretch>
+          <a:srcRect b="0" l="0" r="0" t="0"/>
+          <a:stretch/>
         </p:blipFill>
         <p:spPr>
           <a:xfrm>
@@ -12034,6 +13756,10 @@
           <a:prstGeom prst="rect">
             <a:avLst/>
           </a:prstGeom>
+          <a:noFill/>
+          <a:ln>
+            <a:noFill/>
+          </a:ln>
         </p:spPr>
         <p:txBody>
           <a:bodyPr anchorCtr="0" anchor="b" bIns="0" lIns="0" spcFirstLastPara="1" rIns="0" wrap="square" tIns="0">
@@ -12042,12 +13768,16 @@
           <a:lstStyle/>
           <a:p>
             <a:pPr indent="0" lvl="0" marL="0" rtl="0" algn="l">
-              <a:spcBef>
-                <a:spcPts val="0"/>
-              </a:spcBef>
-              <a:spcAft>
-                <a:spcPts val="0"/>
-              </a:spcAft>
+              <a:lnSpc>
+                <a:spcPct val="100000"/>
+              </a:lnSpc>
+              <a:spcBef>
+                <a:spcPts val="0"/>
+              </a:spcBef>
+              <a:spcAft>
+                <a:spcPts val="0"/>
+              </a:spcAft>
+              <a:buSzPts val="1400"/>
               <a:buNone/>
             </a:pPr>
             <a:r>
@@ -12074,6 +13804,10 @@
           <a:prstGeom prst="rect">
             <a:avLst/>
           </a:prstGeom>
+          <a:noFill/>
+          <a:ln>
+            <a:noFill/>
+          </a:ln>
         </p:spPr>
         <p:txBody>
           <a:bodyPr anchorCtr="0" anchor="t" bIns="0" lIns="0" spcFirstLastPara="1" rIns="0" wrap="square" tIns="0">
@@ -12081,141 +13815,301 @@
           </a:bodyPr>
           <a:lstStyle/>
           <a:p>
-            <a:pPr indent="0" lvl="0" marL="0" rtl="0" algn="l">
+            <a:pPr indent="0" lvl="0" marL="0" marR="0" rtl="0" algn="l">
+              <a:lnSpc>
+                <a:spcPct val="100000"/>
+              </a:lnSpc>
               <a:spcBef>
                 <a:spcPts val="320"/>
               </a:spcBef>
               <a:spcAft>
                 <a:spcPts val="0"/>
               </a:spcAft>
+              <a:buClr>
+                <a:srgbClr val="000000"/>
+              </a:buClr>
+              <a:buSzPts val="1400"/>
+              <a:buFont typeface="Arial"/>
               <a:buNone/>
             </a:pPr>
             <a:r>
-              <a:rPr lang="de"/>
+              <a:rPr b="0" i="0" lang="de" sz="1600" u="none" cap="none" strike="noStrike">
+                <a:solidFill>
+                  <a:schemeClr val="dk1"/>
+                </a:solidFill>
+                <a:latin typeface="Arial"/>
+                <a:ea typeface="Arial"/>
+                <a:cs typeface="Arial"/>
+                <a:sym typeface="Arial"/>
+              </a:rPr>
               <a:t>Mit Methoden funktioniert das analog:</a:t>
             </a:r>
-            <a:endParaRPr/>
+            <a:endParaRPr b="0" i="0" sz="1600" u="none" cap="none" strike="noStrike">
+              <a:solidFill>
+                <a:schemeClr val="dk1"/>
+              </a:solidFill>
+              <a:latin typeface="Arial"/>
+              <a:ea typeface="Arial"/>
+              <a:cs typeface="Arial"/>
+              <a:sym typeface="Arial"/>
+            </a:endParaRPr>
           </a:p>
           <a:p>
-            <a:pPr indent="0" lvl="0" marL="0" rtl="0" algn="l">
+            <a:pPr indent="0" lvl="0" marL="0" marR="0" rtl="0" algn="l">
+              <a:lnSpc>
+                <a:spcPct val="100000"/>
+              </a:lnSpc>
               <a:spcBef>
                 <a:spcPts val="320"/>
               </a:spcBef>
               <a:spcAft>
                 <a:spcPts val="0"/>
               </a:spcAft>
+              <a:buClr>
+                <a:srgbClr val="000000"/>
+              </a:buClr>
+              <a:buSzPts val="1400"/>
+              <a:buFont typeface="Arial"/>
               <a:buNone/>
             </a:pPr>
             <a:r>
               <a:t/>
             </a:r>
-            <a:endParaRPr/>
+            <a:endParaRPr b="0" i="0" sz="1600" u="none" cap="none" strike="noStrike">
+              <a:solidFill>
+                <a:schemeClr val="dk1"/>
+              </a:solidFill>
+              <a:latin typeface="Arial"/>
+              <a:ea typeface="Arial"/>
+              <a:cs typeface="Arial"/>
+              <a:sym typeface="Arial"/>
+            </a:endParaRPr>
           </a:p>
           <a:p>
-            <a:pPr indent="0" lvl="0" marL="0" rtl="0" algn="l">
+            <a:pPr indent="0" lvl="0" marL="0" marR="0" rtl="0" algn="l">
+              <a:lnSpc>
+                <a:spcPct val="100000"/>
+              </a:lnSpc>
               <a:spcBef>
                 <a:spcPts val="320"/>
               </a:spcBef>
               <a:spcAft>
                 <a:spcPts val="0"/>
               </a:spcAft>
+              <a:buClr>
+                <a:srgbClr val="000000"/>
+              </a:buClr>
+              <a:buSzPts val="1400"/>
+              <a:buFont typeface="Arial"/>
               <a:buNone/>
             </a:pPr>
             <a:r>
               <a:t/>
             </a:r>
-            <a:endParaRPr/>
+            <a:endParaRPr b="0" i="0" sz="1600" u="none" cap="none" strike="noStrike">
+              <a:solidFill>
+                <a:schemeClr val="dk1"/>
+              </a:solidFill>
+              <a:latin typeface="Arial"/>
+              <a:ea typeface="Arial"/>
+              <a:cs typeface="Arial"/>
+              <a:sym typeface="Arial"/>
+            </a:endParaRPr>
           </a:p>
           <a:p>
-            <a:pPr indent="0" lvl="0" marL="0" rtl="0" algn="l">
+            <a:pPr indent="0" lvl="0" marL="0" marR="0" rtl="0" algn="l">
+              <a:lnSpc>
+                <a:spcPct val="100000"/>
+              </a:lnSpc>
               <a:spcBef>
                 <a:spcPts val="320"/>
               </a:spcBef>
               <a:spcAft>
                 <a:spcPts val="0"/>
               </a:spcAft>
+              <a:buClr>
+                <a:srgbClr val="000000"/>
+              </a:buClr>
+              <a:buSzPts val="1400"/>
+              <a:buFont typeface="Arial"/>
               <a:buNone/>
             </a:pPr>
             <a:r>
               <a:t/>
             </a:r>
-            <a:endParaRPr/>
+            <a:endParaRPr b="0" i="0" sz="1600" u="none" cap="none" strike="noStrike">
+              <a:solidFill>
+                <a:schemeClr val="dk1"/>
+              </a:solidFill>
+              <a:latin typeface="Arial"/>
+              <a:ea typeface="Arial"/>
+              <a:cs typeface="Arial"/>
+              <a:sym typeface="Arial"/>
+            </a:endParaRPr>
           </a:p>
           <a:p>
-            <a:pPr indent="0" lvl="0" marL="0" rtl="0" algn="l">
+            <a:pPr indent="0" lvl="0" marL="0" marR="0" rtl="0" algn="l">
+              <a:lnSpc>
+                <a:spcPct val="100000"/>
+              </a:lnSpc>
               <a:spcBef>
                 <a:spcPts val="320"/>
               </a:spcBef>
               <a:spcAft>
                 <a:spcPts val="0"/>
               </a:spcAft>
+              <a:buClr>
+                <a:srgbClr val="000000"/>
+              </a:buClr>
+              <a:buSzPts val="1400"/>
+              <a:buFont typeface="Arial"/>
               <a:buNone/>
             </a:pPr>
             <a:r>
               <a:t/>
             </a:r>
-            <a:endParaRPr/>
+            <a:endParaRPr b="0" i="0" sz="1600" u="none" cap="none" strike="noStrike">
+              <a:solidFill>
+                <a:schemeClr val="dk1"/>
+              </a:solidFill>
+              <a:latin typeface="Arial"/>
+              <a:ea typeface="Arial"/>
+              <a:cs typeface="Arial"/>
+              <a:sym typeface="Arial"/>
+            </a:endParaRPr>
           </a:p>
           <a:p>
-            <a:pPr indent="0" lvl="0" marL="0" rtl="0" algn="l">
+            <a:pPr indent="0" lvl="0" marL="0" marR="0" rtl="0" algn="l">
+              <a:lnSpc>
+                <a:spcPct val="100000"/>
+              </a:lnSpc>
               <a:spcBef>
                 <a:spcPts val="320"/>
               </a:spcBef>
               <a:spcAft>
                 <a:spcPts val="0"/>
               </a:spcAft>
+              <a:buClr>
+                <a:srgbClr val="000000"/>
+              </a:buClr>
+              <a:buSzPts val="1400"/>
+              <a:buFont typeface="Arial"/>
               <a:buNone/>
             </a:pPr>
             <a:r>
               <a:t/>
             </a:r>
-            <a:endParaRPr/>
+            <a:endParaRPr b="0" i="0" sz="1600" u="none" cap="none" strike="noStrike">
+              <a:solidFill>
+                <a:schemeClr val="dk1"/>
+              </a:solidFill>
+              <a:latin typeface="Arial"/>
+              <a:ea typeface="Arial"/>
+              <a:cs typeface="Arial"/>
+              <a:sym typeface="Arial"/>
+            </a:endParaRPr>
           </a:p>
           <a:p>
-            <a:pPr indent="0" lvl="0" marL="0" rtl="0" algn="l">
+            <a:pPr indent="0" lvl="0" marL="0" marR="0" rtl="0" algn="l">
+              <a:lnSpc>
+                <a:spcPct val="100000"/>
+              </a:lnSpc>
               <a:spcBef>
                 <a:spcPts val="320"/>
               </a:spcBef>
               <a:spcAft>
                 <a:spcPts val="0"/>
               </a:spcAft>
+              <a:buClr>
+                <a:srgbClr val="000000"/>
+              </a:buClr>
+              <a:buSzPts val="1400"/>
+              <a:buFont typeface="Arial"/>
               <a:buNone/>
             </a:pPr>
             <a:r>
               <a:t/>
             </a:r>
-            <a:endParaRPr/>
+            <a:endParaRPr b="0" i="0" sz="1600" u="none" cap="none" strike="noStrike">
+              <a:solidFill>
+                <a:schemeClr val="dk1"/>
+              </a:solidFill>
+              <a:latin typeface="Arial"/>
+              <a:ea typeface="Arial"/>
+              <a:cs typeface="Arial"/>
+              <a:sym typeface="Arial"/>
+            </a:endParaRPr>
           </a:p>
           <a:p>
-            <a:pPr indent="0" lvl="0" marL="0" rtl="0" algn="l">
+            <a:pPr indent="0" lvl="0" marL="0" marR="0" rtl="0" algn="l">
+              <a:lnSpc>
+                <a:spcPct val="100000"/>
+              </a:lnSpc>
               <a:spcBef>
                 <a:spcPts val="320"/>
               </a:spcBef>
               <a:spcAft>
                 <a:spcPts val="0"/>
               </a:spcAft>
+              <a:buClr>
+                <a:srgbClr val="000000"/>
+              </a:buClr>
+              <a:buSzPts val="1400"/>
+              <a:buFont typeface="Arial"/>
               <a:buNone/>
             </a:pPr>
             <a:r>
               <a:t/>
             </a:r>
-            <a:endParaRPr/>
+            <a:endParaRPr b="0" i="0" sz="1600" u="none" cap="none" strike="noStrike">
+              <a:solidFill>
+                <a:schemeClr val="dk1"/>
+              </a:solidFill>
+              <a:latin typeface="Arial"/>
+              <a:ea typeface="Arial"/>
+              <a:cs typeface="Arial"/>
+              <a:sym typeface="Arial"/>
+            </a:endParaRPr>
           </a:p>
           <a:p>
-            <a:pPr indent="0" lvl="0" marL="0" rtl="0" algn="l">
+            <a:pPr indent="0" lvl="0" marL="0" marR="0" rtl="0" algn="l">
+              <a:lnSpc>
+                <a:spcPct val="100000"/>
+              </a:lnSpc>
               <a:spcBef>
                 <a:spcPts val="320"/>
               </a:spcBef>
               <a:spcAft>
                 <a:spcPts val="0"/>
               </a:spcAft>
+              <a:buClr>
+                <a:srgbClr val="000000"/>
+              </a:buClr>
+              <a:buSzPts val="1400"/>
+              <a:buFont typeface="Arial"/>
               <a:buNone/>
             </a:pPr>
             <a:r>
-              <a:rPr lang="de"/>
+              <a:rPr b="0" i="0" lang="de" sz="1600" u="none" cap="none" strike="noStrike">
+                <a:solidFill>
+                  <a:schemeClr val="dk1"/>
+                </a:solidFill>
+                <a:latin typeface="Arial"/>
+                <a:ea typeface="Arial"/>
+                <a:cs typeface="Arial"/>
+                <a:sym typeface="Arial"/>
+              </a:rPr>
               <a:t>Die Subklassen können auch die Methoden und Attribute der Superklasse nutzen:</a:t>
             </a:r>
-            <a:endParaRPr/>
+            <a:endParaRPr b="0" i="0" sz="1600" u="none" cap="none" strike="noStrike">
+              <a:solidFill>
+                <a:schemeClr val="dk1"/>
+              </a:solidFill>
+              <a:latin typeface="Arial"/>
+              <a:ea typeface="Arial"/>
+              <a:cs typeface="Arial"/>
+              <a:sym typeface="Arial"/>
+            </a:endParaRPr>
           </a:p>
         </p:txBody>
       </p:sp>
@@ -12225,13 +14119,12 @@
           <p:cNvPicPr preferRelativeResize="0"/>
           <p:nvPr/>
         </p:nvPicPr>
-        <p:blipFill>
+        <p:blipFill rotWithShape="1">
           <a:blip r:embed="rId3">
             <a:alphaModFix/>
           </a:blip>
-          <a:stretch>
-            <a:fillRect/>
-          </a:stretch>
+          <a:srcRect b="0" l="0" r="0" t="0"/>
+          <a:stretch/>
         </p:blipFill>
         <p:spPr>
           <a:xfrm>
@@ -12253,13 +14146,12 @@
           <p:cNvPicPr preferRelativeResize="0"/>
           <p:nvPr/>
         </p:nvPicPr>
-        <p:blipFill>
+        <p:blipFill rotWithShape="1">
           <a:blip r:embed="rId4">
             <a:alphaModFix/>
           </a:blip>
-          <a:stretch>
-            <a:fillRect/>
-          </a:stretch>
+          <a:srcRect b="0" l="0" r="0" t="0"/>
+          <a:stretch/>
         </p:blipFill>
         <p:spPr>
           <a:xfrm>
@@ -12281,13 +14173,12 @@
           <p:cNvPicPr preferRelativeResize="0"/>
           <p:nvPr/>
         </p:nvPicPr>
-        <p:blipFill>
+        <p:blipFill rotWithShape="1">
           <a:blip r:embed="rId5">
             <a:alphaModFix/>
           </a:blip>
-          <a:stretch>
-            <a:fillRect/>
-          </a:stretch>
+          <a:srcRect b="0" l="0" r="0" t="0"/>
+          <a:stretch/>
         </p:blipFill>
         <p:spPr>
           <a:xfrm>
@@ -12344,6 +14235,10 @@
           <a:prstGeom prst="rect">
             <a:avLst/>
           </a:prstGeom>
+          <a:noFill/>
+          <a:ln>
+            <a:noFill/>
+          </a:ln>
         </p:spPr>
         <p:txBody>
           <a:bodyPr anchorCtr="0" anchor="b" bIns="0" lIns="0" spcFirstLastPara="1" rIns="0" wrap="square" tIns="0">
@@ -12352,12 +14247,16 @@
           <a:lstStyle/>
           <a:p>
             <a:pPr indent="0" lvl="0" marL="0" rtl="0" algn="l">
-              <a:spcBef>
-                <a:spcPts val="0"/>
-              </a:spcBef>
-              <a:spcAft>
-                <a:spcPts val="0"/>
-              </a:spcAft>
+              <a:lnSpc>
+                <a:spcPct val="100000"/>
+              </a:lnSpc>
+              <a:spcBef>
+                <a:spcPts val="0"/>
+              </a:spcBef>
+              <a:spcAft>
+                <a:spcPts val="0"/>
+              </a:spcAft>
+              <a:buSzPts val="1400"/>
               <a:buNone/>
             </a:pPr>
             <a:r>
@@ -12384,6 +14283,10 @@
           <a:prstGeom prst="rect">
             <a:avLst/>
           </a:prstGeom>
+          <a:noFill/>
+          <a:ln>
+            <a:noFill/>
+          </a:ln>
         </p:spPr>
         <p:txBody>
           <a:bodyPr anchorCtr="0" anchor="t" bIns="0" lIns="0" spcFirstLastPara="1" rIns="0" wrap="square" tIns="0">
@@ -12391,35 +14294,75 @@
           </a:bodyPr>
           <a:lstStyle/>
           <a:p>
-            <a:pPr indent="0" lvl="0" marL="0" rtl="0" algn="l">
+            <a:pPr indent="0" lvl="0" marL="0" marR="0" rtl="0" algn="l">
+              <a:lnSpc>
+                <a:spcPct val="100000"/>
+              </a:lnSpc>
               <a:spcBef>
                 <a:spcPts val="320"/>
               </a:spcBef>
               <a:spcAft>
                 <a:spcPts val="0"/>
               </a:spcAft>
+              <a:buClr>
+                <a:srgbClr val="000000"/>
+              </a:buClr>
+              <a:buSzPts val="1400"/>
+              <a:buFont typeface="Arial"/>
               <a:buNone/>
             </a:pPr>
             <a:r>
-              <a:rPr lang="de"/>
+              <a:rPr b="0" i="0" lang="de" sz="1600" u="none" cap="none" strike="noStrike">
+                <a:solidFill>
+                  <a:schemeClr val="dk1"/>
+                </a:solidFill>
+                <a:latin typeface="Arial"/>
+                <a:ea typeface="Arial"/>
+                <a:cs typeface="Arial"/>
+                <a:sym typeface="Arial"/>
+              </a:rPr>
               <a:t>Außerdem können Subklassen die Methoden von Superklassen überschreiben, wenn die Methode der Superklasse auf den Anwendungsfall nicht zutrifft. Da man bei der Distanz zu einem Flugzeug noch die Höhe berücksichtigen muss, könnte man hier für das Flugzeug eine andere distanceTo-Funktion verwenden:</a:t>
             </a:r>
-            <a:endParaRPr/>
+            <a:endParaRPr b="0" i="0" sz="1600" u="none" cap="none" strike="noStrike">
+              <a:solidFill>
+                <a:schemeClr val="dk1"/>
+              </a:solidFill>
+              <a:latin typeface="Arial"/>
+              <a:ea typeface="Arial"/>
+              <a:cs typeface="Arial"/>
+              <a:sym typeface="Arial"/>
+            </a:endParaRPr>
           </a:p>
           <a:p>
-            <a:pPr indent="0" lvl="0" marL="0" rtl="0" algn="l">
+            <a:pPr indent="0" lvl="0" marL="0" marR="0" rtl="0" algn="l">
+              <a:lnSpc>
+                <a:spcPct val="100000"/>
+              </a:lnSpc>
               <a:spcBef>
                 <a:spcPts val="320"/>
               </a:spcBef>
               <a:spcAft>
                 <a:spcPts val="0"/>
               </a:spcAft>
+              <a:buClr>
+                <a:srgbClr val="000000"/>
+              </a:buClr>
+              <a:buSzPts val="1400"/>
+              <a:buFont typeface="Arial"/>
               <a:buNone/>
             </a:pPr>
             <a:r>
               <a:t/>
             </a:r>
-            <a:endParaRPr/>
+            <a:endParaRPr b="0" i="0" sz="1600" u="none" cap="none" strike="noStrike">
+              <a:solidFill>
+                <a:schemeClr val="dk1"/>
+              </a:solidFill>
+              <a:latin typeface="Arial"/>
+              <a:ea typeface="Arial"/>
+              <a:cs typeface="Arial"/>
+              <a:sym typeface="Arial"/>
+            </a:endParaRPr>
           </a:p>
         </p:txBody>
       </p:sp>
@@ -12429,13 +14372,12 @@
           <p:cNvPicPr preferRelativeResize="0"/>
           <p:nvPr/>
         </p:nvPicPr>
-        <p:blipFill>
+        <p:blipFill rotWithShape="1">
           <a:blip r:embed="rId3">
             <a:alphaModFix/>
           </a:blip>
-          <a:stretch>
-            <a:fillRect/>
-          </a:stretch>
+          <a:srcRect b="0" l="0" r="0" t="0"/>
+          <a:stretch/>
         </p:blipFill>
         <p:spPr>
           <a:xfrm>
@@ -12460,6 +14402,285 @@
 </file>
 
 <file path=ppt/theme/theme1.xml><?xml version="1.0" encoding="utf-8"?>
+<a:theme xmlns:a="http://schemas.openxmlformats.org/drawingml/2006/main" xmlns:r="http://schemas.openxmlformats.org/officeDocument/2006/relationships" name="TUBraunschweig_PPT2007_Folienpool_pptx">
+  <a:themeElements>
+    <a:clrScheme name="TU Braunschweig">
+      <a:dk1>
+        <a:srgbClr val="000000"/>
+      </a:dk1>
+      <a:lt1>
+        <a:srgbClr val="FFFFFF"/>
+      </a:lt1>
+      <a:dk2>
+        <a:srgbClr val="000000"/>
+      </a:dk2>
+      <a:lt2>
+        <a:srgbClr val="DDDDDD"/>
+      </a:lt2>
+      <a:accent1>
+        <a:srgbClr val="BE1E3C"/>
+      </a:accent1>
+      <a:accent2>
+        <a:srgbClr val="4DA6CB"/>
+      </a:accent2>
+      <a:accent3>
+        <a:srgbClr val="ADBF4D"/>
+      </a:accent3>
+      <a:accent4>
+        <a:srgbClr val="FA6E00"/>
+      </a:accent4>
+      <a:accent5>
+        <a:srgbClr val="407E97"/>
+      </a:accent5>
+      <a:accent6>
+        <a:srgbClr val="984098"/>
+      </a:accent6>
+      <a:hlink>
+        <a:srgbClr val="BE1E3C"/>
+      </a:hlink>
+      <a:folHlink>
+        <a:srgbClr val="760054"/>
+      </a:folHlink>
+    </a:clrScheme>
+    <a:fontScheme name="Office">
+      <a:majorFont>
+        <a:latin typeface="Arial"/>
+        <a:ea typeface=""/>
+        <a:cs typeface=""/>
+        <a:font script="Jpan" typeface="ＭＳ Ｐゴシック"/>
+        <a:font script="Hang" typeface="맑은 고딕"/>
+        <a:font script="Hans" typeface="宋体"/>
+        <a:font script="Hant" typeface="新細明體"/>
+        <a:font script="Arab" typeface="Times New Roman"/>
+        <a:font script="Hebr" typeface="Times New Roman"/>
+        <a:font script="Thai" typeface="Angsana New"/>
+        <a:font script="Ethi" typeface="Nyala"/>
+        <a:font script="Beng" typeface="Vrinda"/>
+        <a:font script="Gujr" typeface="Shruti"/>
+        <a:font script="Khmr" typeface="MoolBoran"/>
+        <a:font script="Knda" typeface="Tunga"/>
+        <a:font script="Guru" typeface="Raavi"/>
+        <a:font script="Cans" typeface="Euphemia"/>
+        <a:font script="Cher" typeface="Plantagenet Cherokee"/>
+        <a:font script="Yiii" typeface="Microsoft Yi Baiti"/>
+        <a:font script="Tibt" typeface="Microsoft Himalaya"/>
+        <a:font script="Thaa" typeface="MV Boli"/>
+        <a:font script="Deva" typeface="Mangal"/>
+        <a:font script="Telu" typeface="Gautami"/>
+        <a:font script="Taml" typeface="Latha"/>
+        <a:font script="Syrc" typeface="Estrangelo Edessa"/>
+        <a:font script="Orya" typeface="Kalinga"/>
+        <a:font script="Mlym" typeface="Kartika"/>
+        <a:font script="Laoo" typeface="DokChampa"/>
+        <a:font script="Sinh" typeface="Iskoola Pota"/>
+        <a:font script="Mong" typeface="Mongolian Baiti"/>
+        <a:font script="Viet" typeface="Times New Roman"/>
+        <a:font script="Uigh" typeface="Microsoft Uighur"/>
+        <a:font script="Geor" typeface="Sylfaen"/>
+      </a:majorFont>
+      <a:minorFont>
+        <a:latin typeface="Arial"/>
+        <a:ea typeface=""/>
+        <a:cs typeface=""/>
+        <a:font script="Jpan" typeface="ＭＳ Ｐゴシック"/>
+        <a:font script="Hang" typeface="맑은 고딕"/>
+        <a:font script="Hans" typeface="宋体"/>
+        <a:font script="Hant" typeface="新細明體"/>
+        <a:font script="Arab" typeface="Arial"/>
+        <a:font script="Hebr" typeface="Arial"/>
+        <a:font script="Thai" typeface="Cordia New"/>
+        <a:font script="Ethi" typeface="Nyala"/>
+        <a:font script="Beng" typeface="Vrinda"/>
+        <a:font script="Gujr" typeface="Shruti"/>
+        <a:font script="Khmr" typeface="DaunPenh"/>
+        <a:font script="Knda" typeface="Tunga"/>
+        <a:font script="Guru" typeface="Raavi"/>
+        <a:font script="Cans" typeface="Euphemia"/>
+        <a:font script="Cher" typeface="Plantagenet Cherokee"/>
+        <a:font script="Yiii" typeface="Microsoft Yi Baiti"/>
+        <a:font script="Tibt" typeface="Microsoft Himalaya"/>
+        <a:font script="Thaa" typeface="MV Boli"/>
+        <a:font script="Deva" typeface="Mangal"/>
+        <a:font script="Telu" typeface="Gautami"/>
+        <a:font script="Taml" typeface="Latha"/>
+        <a:font script="Syrc" typeface="Estrangelo Edessa"/>
+        <a:font script="Orya" typeface="Kalinga"/>
+        <a:font script="Mlym" typeface="Kartika"/>
+        <a:font script="Laoo" typeface="DokChampa"/>
+        <a:font script="Sinh" typeface="Iskoola Pota"/>
+        <a:font script="Mong" typeface="Mongolian Baiti"/>
+        <a:font script="Viet" typeface="Arial"/>
+        <a:font script="Uigh" typeface="Microsoft Uighur"/>
+        <a:font script="Geor" typeface="Sylfaen"/>
+      </a:minorFont>
+    </a:fontScheme>
+    <a:fmtScheme name="Office">
+      <a:fillStyleLst>
+        <a:solidFill>
+          <a:schemeClr val="phClr"/>
+        </a:solidFill>
+        <a:gradFill rotWithShape="1">
+          <a:gsLst>
+            <a:gs pos="0">
+              <a:schemeClr val="phClr">
+                <a:tint val="50000"/>
+                <a:satMod val="300000"/>
+              </a:schemeClr>
+            </a:gs>
+            <a:gs pos="35000">
+              <a:schemeClr val="phClr">
+                <a:tint val="37000"/>
+                <a:satMod val="300000"/>
+              </a:schemeClr>
+            </a:gs>
+            <a:gs pos="100000">
+              <a:schemeClr val="phClr">
+                <a:tint val="15000"/>
+                <a:satMod val="350000"/>
+              </a:schemeClr>
+            </a:gs>
+          </a:gsLst>
+          <a:lin ang="16200000" scaled="1"/>
+        </a:gradFill>
+        <a:gradFill rotWithShape="1">
+          <a:gsLst>
+            <a:gs pos="0">
+              <a:schemeClr val="phClr">
+                <a:tint val="100000"/>
+                <a:shade val="100000"/>
+                <a:satMod val="130000"/>
+              </a:schemeClr>
+            </a:gs>
+            <a:gs pos="100000">
+              <a:schemeClr val="phClr">
+                <a:tint val="50000"/>
+                <a:shade val="100000"/>
+                <a:satMod val="350000"/>
+              </a:schemeClr>
+            </a:gs>
+          </a:gsLst>
+          <a:lin ang="16200000" scaled="0"/>
+        </a:gradFill>
+      </a:fillStyleLst>
+      <a:lnStyleLst>
+        <a:ln w="9525" cap="flat" cmpd="sng" algn="ctr">
+          <a:solidFill>
+            <a:schemeClr val="phClr">
+              <a:shade val="95000"/>
+              <a:satMod val="105000"/>
+            </a:schemeClr>
+          </a:solidFill>
+          <a:prstDash val="solid"/>
+        </a:ln>
+        <a:ln w="25400" cap="flat" cmpd="sng" algn="ctr">
+          <a:solidFill>
+            <a:schemeClr val="phClr"/>
+          </a:solidFill>
+          <a:prstDash val="solid"/>
+        </a:ln>
+        <a:ln w="38100" cap="flat" cmpd="sng" algn="ctr">
+          <a:solidFill>
+            <a:schemeClr val="phClr"/>
+          </a:solidFill>
+          <a:prstDash val="solid"/>
+        </a:ln>
+      </a:lnStyleLst>
+      <a:effectStyleLst>
+        <a:effectStyle>
+          <a:effectLst>
+            <a:outerShdw blurRad="40000" dist="20000" dir="5400000" rotWithShape="0">
+              <a:srgbClr val="000000">
+                <a:alpha val="38000"/>
+              </a:srgbClr>
+            </a:outerShdw>
+          </a:effectLst>
+        </a:effectStyle>
+        <a:effectStyle>
+          <a:effectLst>
+            <a:outerShdw blurRad="40000" dist="23000" dir="5400000" rotWithShape="0">
+              <a:srgbClr val="000000">
+                <a:alpha val="35000"/>
+              </a:srgbClr>
+            </a:outerShdw>
+          </a:effectLst>
+        </a:effectStyle>
+        <a:effectStyle>
+          <a:effectLst>
+            <a:outerShdw blurRad="40000" dist="23000" dir="5400000" rotWithShape="0">
+              <a:srgbClr val="000000">
+                <a:alpha val="35000"/>
+              </a:srgbClr>
+            </a:outerShdw>
+          </a:effectLst>
+          <a:scene3d>
+            <a:camera prst="orthographicFront">
+              <a:rot lat="0" lon="0" rev="0"/>
+            </a:camera>
+            <a:lightRig rig="threePt" dir="t">
+              <a:rot lat="0" lon="0" rev="1200000"/>
+            </a:lightRig>
+          </a:scene3d>
+          <a:sp3d>
+            <a:bevelT w="63500" h="25400"/>
+          </a:sp3d>
+        </a:effectStyle>
+      </a:effectStyleLst>
+      <a:bgFillStyleLst>
+        <a:solidFill>
+          <a:schemeClr val="phClr"/>
+        </a:solidFill>
+        <a:gradFill rotWithShape="1">
+          <a:gsLst>
+            <a:gs pos="0">
+              <a:schemeClr val="phClr">
+                <a:tint val="40000"/>
+                <a:satMod val="350000"/>
+              </a:schemeClr>
+            </a:gs>
+            <a:gs pos="40000">
+              <a:schemeClr val="phClr">
+                <a:tint val="45000"/>
+                <a:shade val="99000"/>
+                <a:satMod val="350000"/>
+              </a:schemeClr>
+            </a:gs>
+            <a:gs pos="100000">
+              <a:schemeClr val="phClr">
+                <a:shade val="20000"/>
+                <a:satMod val="255000"/>
+              </a:schemeClr>
+            </a:gs>
+          </a:gsLst>
+          <a:path path="circle">
+            <a:fillToRect l="50000" t="-80000" r="50000" b="180000"/>
+          </a:path>
+        </a:gradFill>
+        <a:gradFill rotWithShape="1">
+          <a:gsLst>
+            <a:gs pos="0">
+              <a:schemeClr val="phClr">
+                <a:tint val="80000"/>
+                <a:satMod val="300000"/>
+              </a:schemeClr>
+            </a:gs>
+            <a:gs pos="100000">
+              <a:schemeClr val="phClr">
+                <a:shade val="30000"/>
+                <a:satMod val="200000"/>
+              </a:schemeClr>
+            </a:gs>
+          </a:gsLst>
+          <a:path path="circle">
+            <a:fillToRect l="50000" t="50000" r="50000" b="50000"/>
+          </a:path>
+        </a:gradFill>
+      </a:bgFillStyleLst>
+    </a:fmtScheme>
+  </a:themeElements>
+</a:theme>
+</file>
+
+<file path=ppt/theme/theme2.xml><?xml version="1.0" encoding="utf-8"?>
 <a:theme xmlns:a="http://schemas.openxmlformats.org/drawingml/2006/main" xmlns:r="http://schemas.openxmlformats.org/officeDocument/2006/relationships">
   <a:themeElements>
     <a:clrScheme name="Default">
@@ -12736,283 +14957,4 @@
     </a:fmtScheme>
   </a:themeElements>
 </a:theme>
-</file>
-
-<file path=ppt/theme/theme2.xml><?xml version="1.0" encoding="utf-8"?>
-<a:theme xmlns:a="http://schemas.openxmlformats.org/drawingml/2006/main" xmlns:r="http://schemas.openxmlformats.org/officeDocument/2006/relationships" name="TUBraunschweig_PPT2007_Folienpool_pptx">
-  <a:themeElements>
-    <a:clrScheme name="TU Braunschweig">
-      <a:dk1>
-        <a:srgbClr val="000000"/>
-      </a:dk1>
-      <a:lt1>
-        <a:srgbClr val="FFFFFF"/>
-      </a:lt1>
-      <a:dk2>
-        <a:srgbClr val="000000"/>
-      </a:dk2>
-      <a:lt2>
-        <a:srgbClr val="DDDDDD"/>
-      </a:lt2>
-      <a:accent1>
-        <a:srgbClr val="BE1E3C"/>
-      </a:accent1>
-      <a:accent2>
-        <a:srgbClr val="4DA6CB"/>
-      </a:accent2>
-      <a:accent3>
-        <a:srgbClr val="ADBF4D"/>
-      </a:accent3>
-      <a:accent4>
-        <a:srgbClr val="FA6E00"/>
-      </a:accent4>
-      <a:accent5>
-        <a:srgbClr val="407E97"/>
-      </a:accent5>
-      <a:accent6>
-        <a:srgbClr val="984098"/>
-      </a:accent6>
-      <a:hlink>
-        <a:srgbClr val="BE1E3C"/>
-      </a:hlink>
-      <a:folHlink>
-        <a:srgbClr val="760054"/>
-      </a:folHlink>
-    </a:clrScheme>
-    <a:fontScheme name="Office">
-      <a:majorFont>
-        <a:latin typeface="Arial"/>
-        <a:ea typeface=""/>
-        <a:cs typeface=""/>
-        <a:font script="Jpan" typeface="ＭＳ Ｐゴシック"/>
-        <a:font script="Hang" typeface="맑은 고딕"/>
-        <a:font script="Hans" typeface="宋体"/>
-        <a:font script="Hant" typeface="新細明體"/>
-        <a:font script="Arab" typeface="Times New Roman"/>
-        <a:font script="Hebr" typeface="Times New Roman"/>
-        <a:font script="Thai" typeface="Angsana New"/>
-        <a:font script="Ethi" typeface="Nyala"/>
-        <a:font script="Beng" typeface="Vrinda"/>
-        <a:font script="Gujr" typeface="Shruti"/>
-        <a:font script="Khmr" typeface="MoolBoran"/>
-        <a:font script="Knda" typeface="Tunga"/>
-        <a:font script="Guru" typeface="Raavi"/>
-        <a:font script="Cans" typeface="Euphemia"/>
-        <a:font script="Cher" typeface="Plantagenet Cherokee"/>
-        <a:font script="Yiii" typeface="Microsoft Yi Baiti"/>
-        <a:font script="Tibt" typeface="Microsoft Himalaya"/>
-        <a:font script="Thaa" typeface="MV Boli"/>
-        <a:font script="Deva" typeface="Mangal"/>
-        <a:font script="Telu" typeface="Gautami"/>
-        <a:font script="Taml" typeface="Latha"/>
-        <a:font script="Syrc" typeface="Estrangelo Edessa"/>
-        <a:font script="Orya" typeface="Kalinga"/>
-        <a:font script="Mlym" typeface="Kartika"/>
-        <a:font script="Laoo" typeface="DokChampa"/>
-        <a:font script="Sinh" typeface="Iskoola Pota"/>
-        <a:font script="Mong" typeface="Mongolian Baiti"/>
-        <a:font script="Viet" typeface="Times New Roman"/>
-        <a:font script="Uigh" typeface="Microsoft Uighur"/>
-        <a:font script="Geor" typeface="Sylfaen"/>
-      </a:majorFont>
-      <a:minorFont>
-        <a:latin typeface="Arial"/>
-        <a:ea typeface=""/>
-        <a:cs typeface=""/>
-        <a:font script="Jpan" typeface="ＭＳ Ｐゴシック"/>
-        <a:font script="Hang" typeface="맑은 고딕"/>
-        <a:font script="Hans" typeface="宋体"/>
-        <a:font script="Hant" typeface="新細明體"/>
-        <a:font script="Arab" typeface="Arial"/>
-        <a:font script="Hebr" typeface="Arial"/>
-        <a:font script="Thai" typeface="Cordia New"/>
-        <a:font script="Ethi" typeface="Nyala"/>
-        <a:font script="Beng" typeface="Vrinda"/>
-        <a:font script="Gujr" typeface="Shruti"/>
-        <a:font script="Khmr" typeface="DaunPenh"/>
-        <a:font script="Knda" typeface="Tunga"/>
-        <a:font script="Guru" typeface="Raavi"/>
-        <a:font script="Cans" typeface="Euphemia"/>
-        <a:font script="Cher" typeface="Plantagenet Cherokee"/>
-        <a:font script="Yiii" typeface="Microsoft Yi Baiti"/>
-        <a:font script="Tibt" typeface="Microsoft Himalaya"/>
-        <a:font script="Thaa" typeface="MV Boli"/>
-        <a:font script="Deva" typeface="Mangal"/>
-        <a:font script="Telu" typeface="Gautami"/>
-        <a:font script="Taml" typeface="Latha"/>
-        <a:font script="Syrc" typeface="Estrangelo Edessa"/>
-        <a:font script="Orya" typeface="Kalinga"/>
-        <a:font script="Mlym" typeface="Kartika"/>
-        <a:font script="Laoo" typeface="DokChampa"/>
-        <a:font script="Sinh" typeface="Iskoola Pota"/>
-        <a:font script="Mong" typeface="Mongolian Baiti"/>
-        <a:font script="Viet" typeface="Arial"/>
-        <a:font script="Uigh" typeface="Microsoft Uighur"/>
-        <a:font script="Geor" typeface="Sylfaen"/>
-      </a:minorFont>
-    </a:fontScheme>
-    <a:fmtScheme name="Office">
-      <a:fillStyleLst>
-        <a:solidFill>
-          <a:schemeClr val="phClr"/>
-        </a:solidFill>
-        <a:gradFill rotWithShape="1">
-          <a:gsLst>
-            <a:gs pos="0">
-              <a:schemeClr val="phClr">
-                <a:tint val="50000"/>
-                <a:satMod val="300000"/>
-              </a:schemeClr>
-            </a:gs>
-            <a:gs pos="35000">
-              <a:schemeClr val="phClr">
-                <a:tint val="37000"/>
-                <a:satMod val="300000"/>
-              </a:schemeClr>
-            </a:gs>
-            <a:gs pos="100000">
-              <a:schemeClr val="phClr">
-                <a:tint val="15000"/>
-                <a:satMod val="350000"/>
-              </a:schemeClr>
-            </a:gs>
-          </a:gsLst>
-          <a:lin ang="16200000" scaled="1"/>
-        </a:gradFill>
-        <a:gradFill rotWithShape="1">
-          <a:gsLst>
-            <a:gs pos="0">
-              <a:schemeClr val="phClr">
-                <a:tint val="100000"/>
-                <a:shade val="100000"/>
-                <a:satMod val="130000"/>
-              </a:schemeClr>
-            </a:gs>
-            <a:gs pos="100000">
-              <a:schemeClr val="phClr">
-                <a:tint val="50000"/>
-                <a:shade val="100000"/>
-                <a:satMod val="350000"/>
-              </a:schemeClr>
-            </a:gs>
-          </a:gsLst>
-          <a:lin ang="16200000" scaled="0"/>
-        </a:gradFill>
-      </a:fillStyleLst>
-      <a:lnStyleLst>
-        <a:ln w="9525" cap="flat" cmpd="sng" algn="ctr">
-          <a:solidFill>
-            <a:schemeClr val="phClr">
-              <a:shade val="95000"/>
-              <a:satMod val="105000"/>
-            </a:schemeClr>
-          </a:solidFill>
-          <a:prstDash val="solid"/>
-        </a:ln>
-        <a:ln w="25400" cap="flat" cmpd="sng" algn="ctr">
-          <a:solidFill>
-            <a:schemeClr val="phClr"/>
-          </a:solidFill>
-          <a:prstDash val="solid"/>
-        </a:ln>
-        <a:ln w="38100" cap="flat" cmpd="sng" algn="ctr">
-          <a:solidFill>
-            <a:schemeClr val="phClr"/>
-          </a:solidFill>
-          <a:prstDash val="solid"/>
-        </a:ln>
-      </a:lnStyleLst>
-      <a:effectStyleLst>
-        <a:effectStyle>
-          <a:effectLst>
-            <a:outerShdw blurRad="40000" dist="20000" dir="5400000" rotWithShape="0">
-              <a:srgbClr val="000000">
-                <a:alpha val="38000"/>
-              </a:srgbClr>
-            </a:outerShdw>
-          </a:effectLst>
-        </a:effectStyle>
-        <a:effectStyle>
-          <a:effectLst>
-            <a:outerShdw blurRad="40000" dist="23000" dir="5400000" rotWithShape="0">
-              <a:srgbClr val="000000">
-                <a:alpha val="35000"/>
-              </a:srgbClr>
-            </a:outerShdw>
-          </a:effectLst>
-        </a:effectStyle>
-        <a:effectStyle>
-          <a:effectLst>
-            <a:outerShdw blurRad="40000" dist="23000" dir="5400000" rotWithShape="0">
-              <a:srgbClr val="000000">
-                <a:alpha val="35000"/>
-              </a:srgbClr>
-            </a:outerShdw>
-          </a:effectLst>
-          <a:scene3d>
-            <a:camera prst="orthographicFront">
-              <a:rot lat="0" lon="0" rev="0"/>
-            </a:camera>
-            <a:lightRig rig="threePt" dir="t">
-              <a:rot lat="0" lon="0" rev="1200000"/>
-            </a:lightRig>
-          </a:scene3d>
-          <a:sp3d>
-            <a:bevelT w="63500" h="25400"/>
-          </a:sp3d>
-        </a:effectStyle>
-      </a:effectStyleLst>
-      <a:bgFillStyleLst>
-        <a:solidFill>
-          <a:schemeClr val="phClr"/>
-        </a:solidFill>
-        <a:gradFill rotWithShape="1">
-          <a:gsLst>
-            <a:gs pos="0">
-              <a:schemeClr val="phClr">
-                <a:tint val="40000"/>
-                <a:satMod val="350000"/>
-              </a:schemeClr>
-            </a:gs>
-            <a:gs pos="40000">
-              <a:schemeClr val="phClr">
-                <a:tint val="45000"/>
-                <a:shade val="99000"/>
-                <a:satMod val="350000"/>
-              </a:schemeClr>
-            </a:gs>
-            <a:gs pos="100000">
-              <a:schemeClr val="phClr">
-                <a:shade val="20000"/>
-                <a:satMod val="255000"/>
-              </a:schemeClr>
-            </a:gs>
-          </a:gsLst>
-          <a:path path="circle">
-            <a:fillToRect l="50000" t="-80000" r="50000" b="180000"/>
-          </a:path>
-        </a:gradFill>
-        <a:gradFill rotWithShape="1">
-          <a:gsLst>
-            <a:gs pos="0">
-              <a:schemeClr val="phClr">
-                <a:tint val="80000"/>
-                <a:satMod val="300000"/>
-              </a:schemeClr>
-            </a:gs>
-            <a:gs pos="100000">
-              <a:schemeClr val="phClr">
-                <a:shade val="30000"/>
-                <a:satMod val="200000"/>
-              </a:schemeClr>
-            </a:gs>
-          </a:gsLst>
-          <a:path path="circle">
-            <a:fillToRect l="50000" t="50000" r="50000" b="50000"/>
-          </a:path>
-        </a:gradFill>
-      </a:bgFillStyleLst>
-    </a:fmtScheme>
-  </a:themeElements>
-</a:theme>
 </file>
--- a/slides/06_inheritance.pptx
+++ b/slides/06_inheritance.pptx
@@ -10133,7 +10133,7 @@
             </a:pPr>
             <a:r>
               <a:rPr lang="de"/>
-              <a:t>05 - Vererbung</a:t>
+              <a:t>06 - Vererbung</a:t>
             </a:r>
             <a:endParaRPr/>
           </a:p>

--- a/slides/06_inheritance.pptx
+++ b/slides/06_inheritance.pptx
@@ -13017,7 +13017,7 @@
                 <a:cs typeface="Arial"/>
                 <a:sym typeface="Arial"/>
               </a:rPr>
-              <a:t>Du interessierst dich für andere Klassen oder Interfaces? Such in der Suchmaschine deiner Wahl nach “Java ArrayList” oder “Java Math” (Oder eben der Klasse deiner Wahl) und schau einfach mal, was es alle schon gibt.</a:t>
+              <a:t>Du interessierst dich für andere Klassen oder Interfaces? Such in der Suchmaschine deiner Wahl nach “Java ArrayList” oder “Java Math” (Oder eben der Klasse deiner Wahl) und schau einfach mal, was es alles schon gibt.</a:t>
             </a:r>
             <a:endParaRPr b="0" i="0" sz="1600" u="none" cap="none" strike="noStrike">
               <a:solidFill>
@@ -14402,6 +14402,285 @@
 </file>
 
 <file path=ppt/theme/theme1.xml><?xml version="1.0" encoding="utf-8"?>
+<a:theme xmlns:a="http://schemas.openxmlformats.org/drawingml/2006/main" xmlns:r="http://schemas.openxmlformats.org/officeDocument/2006/relationships">
+  <a:themeElements>
+    <a:clrScheme name="Default">
+      <a:dk1>
+        <a:srgbClr val="000000"/>
+      </a:dk1>
+      <a:lt1>
+        <a:srgbClr val="FFFFFF"/>
+      </a:lt1>
+      <a:dk2>
+        <a:srgbClr val="158158"/>
+      </a:dk2>
+      <a:lt2>
+        <a:srgbClr val="F3F3F3"/>
+      </a:lt2>
+      <a:accent1>
+        <a:srgbClr val="058DC7"/>
+      </a:accent1>
+      <a:accent2>
+        <a:srgbClr val="50B432"/>
+      </a:accent2>
+      <a:accent3>
+        <a:srgbClr val="ED561B"/>
+      </a:accent3>
+      <a:accent4>
+        <a:srgbClr val="EDEF00"/>
+      </a:accent4>
+      <a:accent5>
+        <a:srgbClr val="24CBE5"/>
+      </a:accent5>
+      <a:accent6>
+        <a:srgbClr val="64E572"/>
+      </a:accent6>
+      <a:hlink>
+        <a:srgbClr val="2200CC"/>
+      </a:hlink>
+      <a:folHlink>
+        <a:srgbClr val="551A8B"/>
+      </a:folHlink>
+    </a:clrScheme>
+    <a:fontScheme name="Office">
+      <a:majorFont>
+        <a:latin typeface="Arial"/>
+        <a:ea typeface=""/>
+        <a:cs typeface=""/>
+        <a:font script="Jpan" typeface="ＭＳ Ｐゴシック"/>
+        <a:font script="Hang" typeface="맑은 고딕"/>
+        <a:font script="Hans" typeface="宋体"/>
+        <a:font script="Hant" typeface="新細明體"/>
+        <a:font script="Arab" typeface="Times New Roman"/>
+        <a:font script="Hebr" typeface="Times New Roman"/>
+        <a:font script="Thai" typeface="Angsana New"/>
+        <a:font script="Ethi" typeface="Nyala"/>
+        <a:font script="Beng" typeface="Vrinda"/>
+        <a:font script="Gujr" typeface="Shruti"/>
+        <a:font script="Khmr" typeface="MoolBoran"/>
+        <a:font script="Knda" typeface="Tunga"/>
+        <a:font script="Guru" typeface="Raavi"/>
+        <a:font script="Cans" typeface="Euphemia"/>
+        <a:font script="Cher" typeface="Plantagenet Cherokee"/>
+        <a:font script="Yiii" typeface="Microsoft Yi Baiti"/>
+        <a:font script="Tibt" typeface="Microsoft Himalaya"/>
+        <a:font script="Thaa" typeface="MV Boli"/>
+        <a:font script="Deva" typeface="Mangal"/>
+        <a:font script="Telu" typeface="Gautami"/>
+        <a:font script="Taml" typeface="Latha"/>
+        <a:font script="Syrc" typeface="Estrangelo Edessa"/>
+        <a:font script="Orya" typeface="Kalinga"/>
+        <a:font script="Mlym" typeface="Kartika"/>
+        <a:font script="Laoo" typeface="DokChampa"/>
+        <a:font script="Sinh" typeface="Iskoola Pota"/>
+        <a:font script="Mong" typeface="Mongolian Baiti"/>
+        <a:font script="Viet" typeface="Times New Roman"/>
+        <a:font script="Uigh" typeface="Microsoft Uighur"/>
+        <a:font script="Geor" typeface="Sylfaen"/>
+      </a:majorFont>
+      <a:minorFont>
+        <a:latin typeface="Arial"/>
+        <a:ea typeface=""/>
+        <a:cs typeface=""/>
+        <a:font script="Jpan" typeface="ＭＳ Ｐゴシック"/>
+        <a:font script="Hang" typeface="맑은 고딕"/>
+        <a:font script="Hans" typeface="宋体"/>
+        <a:font script="Hant" typeface="新細明體"/>
+        <a:font script="Arab" typeface="Arial"/>
+        <a:font script="Hebr" typeface="Arial"/>
+        <a:font script="Thai" typeface="Cordia New"/>
+        <a:font script="Ethi" typeface="Nyala"/>
+        <a:font script="Beng" typeface="Vrinda"/>
+        <a:font script="Gujr" typeface="Shruti"/>
+        <a:font script="Khmr" typeface="DaunPenh"/>
+        <a:font script="Knda" typeface="Tunga"/>
+        <a:font script="Guru" typeface="Raavi"/>
+        <a:font script="Cans" typeface="Euphemia"/>
+        <a:font script="Cher" typeface="Plantagenet Cherokee"/>
+        <a:font script="Yiii" typeface="Microsoft Yi Baiti"/>
+        <a:font script="Tibt" typeface="Microsoft Himalaya"/>
+        <a:font script="Thaa" typeface="MV Boli"/>
+        <a:font script="Deva" typeface="Mangal"/>
+        <a:font script="Telu" typeface="Gautami"/>
+        <a:font script="Taml" typeface="Latha"/>
+        <a:font script="Syrc" typeface="Estrangelo Edessa"/>
+        <a:font script="Orya" typeface="Kalinga"/>
+        <a:font script="Mlym" typeface="Kartika"/>
+        <a:font script="Laoo" typeface="DokChampa"/>
+        <a:font script="Sinh" typeface="Iskoola Pota"/>
+        <a:font script="Mong" typeface="Mongolian Baiti"/>
+        <a:font script="Viet" typeface="Arial"/>
+        <a:font script="Uigh" typeface="Microsoft Uighur"/>
+        <a:font script="Geor" typeface="Sylfaen"/>
+      </a:minorFont>
+    </a:fontScheme>
+    <a:fmtScheme name="Office">
+      <a:fillStyleLst>
+        <a:solidFill>
+          <a:schemeClr val="phClr"/>
+        </a:solidFill>
+        <a:gradFill rotWithShape="1">
+          <a:gsLst>
+            <a:gs pos="0">
+              <a:schemeClr val="phClr">
+                <a:tint val="50000"/>
+                <a:satMod val="300000"/>
+              </a:schemeClr>
+            </a:gs>
+            <a:gs pos="35000">
+              <a:schemeClr val="phClr">
+                <a:tint val="37000"/>
+                <a:satMod val="300000"/>
+              </a:schemeClr>
+            </a:gs>
+            <a:gs pos="100000">
+              <a:schemeClr val="phClr">
+                <a:tint val="15000"/>
+                <a:satMod val="350000"/>
+              </a:schemeClr>
+            </a:gs>
+          </a:gsLst>
+          <a:lin ang="16200000" scaled="1"/>
+        </a:gradFill>
+        <a:gradFill rotWithShape="1">
+          <a:gsLst>
+            <a:gs pos="0">
+              <a:schemeClr val="phClr">
+                <a:tint val="100000"/>
+                <a:shade val="100000"/>
+                <a:satMod val="130000"/>
+              </a:schemeClr>
+            </a:gs>
+            <a:gs pos="100000">
+              <a:schemeClr val="phClr">
+                <a:tint val="50000"/>
+                <a:shade val="100000"/>
+                <a:satMod val="350000"/>
+              </a:schemeClr>
+            </a:gs>
+          </a:gsLst>
+          <a:lin ang="16200000" scaled="0"/>
+        </a:gradFill>
+      </a:fillStyleLst>
+      <a:lnStyleLst>
+        <a:ln w="9525" cap="flat" cmpd="sng" algn="ctr">
+          <a:solidFill>
+            <a:schemeClr val="phClr">
+              <a:shade val="95000"/>
+              <a:satMod val="105000"/>
+            </a:schemeClr>
+          </a:solidFill>
+          <a:prstDash val="solid"/>
+        </a:ln>
+        <a:ln w="25400" cap="flat" cmpd="sng" algn="ctr">
+          <a:solidFill>
+            <a:schemeClr val="phClr"/>
+          </a:solidFill>
+          <a:prstDash val="solid"/>
+        </a:ln>
+        <a:ln w="38100" cap="flat" cmpd="sng" algn="ctr">
+          <a:solidFill>
+            <a:schemeClr val="phClr"/>
+          </a:solidFill>
+          <a:prstDash val="solid"/>
+        </a:ln>
+      </a:lnStyleLst>
+      <a:effectStyleLst>
+        <a:effectStyle>
+          <a:effectLst>
+            <a:outerShdw blurRad="40000" dist="20000" dir="5400000" rotWithShape="0">
+              <a:srgbClr val="000000">
+                <a:alpha val="38000"/>
+              </a:srgbClr>
+            </a:outerShdw>
+          </a:effectLst>
+        </a:effectStyle>
+        <a:effectStyle>
+          <a:effectLst>
+            <a:outerShdw blurRad="40000" dist="23000" dir="5400000" rotWithShape="0">
+              <a:srgbClr val="000000">
+                <a:alpha val="35000"/>
+              </a:srgbClr>
+            </a:outerShdw>
+          </a:effectLst>
+        </a:effectStyle>
+        <a:effectStyle>
+          <a:effectLst>
+            <a:outerShdw blurRad="40000" dist="23000" dir="5400000" rotWithShape="0">
+              <a:srgbClr val="000000">
+                <a:alpha val="35000"/>
+              </a:srgbClr>
+            </a:outerShdw>
+          </a:effectLst>
+          <a:scene3d>
+            <a:camera prst="orthographicFront">
+              <a:rot lat="0" lon="0" rev="0"/>
+            </a:camera>
+            <a:lightRig rig="threePt" dir="t">
+              <a:rot lat="0" lon="0" rev="1200000"/>
+            </a:lightRig>
+          </a:scene3d>
+          <a:sp3d>
+            <a:bevelT w="63500" h="25400"/>
+          </a:sp3d>
+        </a:effectStyle>
+      </a:effectStyleLst>
+      <a:bgFillStyleLst>
+        <a:solidFill>
+          <a:schemeClr val="phClr"/>
+        </a:solidFill>
+        <a:gradFill rotWithShape="1">
+          <a:gsLst>
+            <a:gs pos="0">
+              <a:schemeClr val="phClr">
+                <a:tint val="40000"/>
+                <a:satMod val="350000"/>
+              </a:schemeClr>
+            </a:gs>
+            <a:gs pos="40000">
+              <a:schemeClr val="phClr">
+                <a:tint val="45000"/>
+                <a:shade val="99000"/>
+                <a:satMod val="350000"/>
+              </a:schemeClr>
+            </a:gs>
+            <a:gs pos="100000">
+              <a:schemeClr val="phClr">
+                <a:shade val="20000"/>
+                <a:satMod val="255000"/>
+              </a:schemeClr>
+            </a:gs>
+          </a:gsLst>
+          <a:path path="circle">
+            <a:fillToRect l="50000" t="-80000" r="50000" b="180000"/>
+          </a:path>
+        </a:gradFill>
+        <a:gradFill rotWithShape="1">
+          <a:gsLst>
+            <a:gs pos="0">
+              <a:schemeClr val="phClr">
+                <a:tint val="80000"/>
+                <a:satMod val="300000"/>
+              </a:schemeClr>
+            </a:gs>
+            <a:gs pos="100000">
+              <a:schemeClr val="phClr">
+                <a:shade val="30000"/>
+                <a:satMod val="200000"/>
+              </a:schemeClr>
+            </a:gs>
+          </a:gsLst>
+          <a:path path="circle">
+            <a:fillToRect l="50000" t="50000" r="50000" b="50000"/>
+          </a:path>
+        </a:gradFill>
+      </a:bgFillStyleLst>
+    </a:fmtScheme>
+  </a:themeElements>
+</a:theme>
+</file>
+
+<file path=ppt/theme/theme2.xml><?xml version="1.0" encoding="utf-8"?>
 <a:theme xmlns:a="http://schemas.openxmlformats.org/drawingml/2006/main" xmlns:r="http://schemas.openxmlformats.org/officeDocument/2006/relationships" name="TUBraunschweig_PPT2007_Folienpool_pptx">
   <a:themeElements>
     <a:clrScheme name="TU Braunschweig">
@@ -14678,283 +14957,4 @@
     </a:fmtScheme>
   </a:themeElements>
 </a:theme>
-</file>
-
-<file path=ppt/theme/theme2.xml><?xml version="1.0" encoding="utf-8"?>
-<a:theme xmlns:a="http://schemas.openxmlformats.org/drawingml/2006/main" xmlns:r="http://schemas.openxmlformats.org/officeDocument/2006/relationships">
-  <a:themeElements>
-    <a:clrScheme name="Default">
-      <a:dk1>
-        <a:srgbClr val="000000"/>
-      </a:dk1>
-      <a:lt1>
-        <a:srgbClr val="FFFFFF"/>
-      </a:lt1>
-      <a:dk2>
-        <a:srgbClr val="158158"/>
-      </a:dk2>
-      <a:lt2>
-        <a:srgbClr val="F3F3F3"/>
-      </a:lt2>
-      <a:accent1>
-        <a:srgbClr val="058DC7"/>
-      </a:accent1>
-      <a:accent2>
-        <a:srgbClr val="50B432"/>
-      </a:accent2>
-      <a:accent3>
-        <a:srgbClr val="ED561B"/>
-      </a:accent3>
-      <a:accent4>
-        <a:srgbClr val="EDEF00"/>
-      </a:accent4>
-      <a:accent5>
-        <a:srgbClr val="24CBE5"/>
-      </a:accent5>
-      <a:accent6>
-        <a:srgbClr val="64E572"/>
-      </a:accent6>
-      <a:hlink>
-        <a:srgbClr val="2200CC"/>
-      </a:hlink>
-      <a:folHlink>
-        <a:srgbClr val="551A8B"/>
-      </a:folHlink>
-    </a:clrScheme>
-    <a:fontScheme name="Office">
-      <a:majorFont>
-        <a:latin typeface="Arial"/>
-        <a:ea typeface=""/>
-        <a:cs typeface=""/>
-        <a:font script="Jpan" typeface="ＭＳ Ｐゴシック"/>
-        <a:font script="Hang" typeface="맑은 고딕"/>
-        <a:font script="Hans" typeface="宋体"/>
-        <a:font script="Hant" typeface="新細明體"/>
-        <a:font script="Arab" typeface="Times New Roman"/>
-        <a:font script="Hebr" typeface="Times New Roman"/>
-        <a:font script="Thai" typeface="Angsana New"/>
-        <a:font script="Ethi" typeface="Nyala"/>
-        <a:font script="Beng" typeface="Vrinda"/>
-        <a:font script="Gujr" typeface="Shruti"/>
-        <a:font script="Khmr" typeface="MoolBoran"/>
-        <a:font script="Knda" typeface="Tunga"/>
-        <a:font script="Guru" typeface="Raavi"/>
-        <a:font script="Cans" typeface="Euphemia"/>
-        <a:font script="Cher" typeface="Plantagenet Cherokee"/>
-        <a:font script="Yiii" typeface="Microsoft Yi Baiti"/>
-        <a:font script="Tibt" typeface="Microsoft Himalaya"/>
-        <a:font script="Thaa" typeface="MV Boli"/>
-        <a:font script="Deva" typeface="Mangal"/>
-        <a:font script="Telu" typeface="Gautami"/>
-        <a:font script="Taml" typeface="Latha"/>
-        <a:font script="Syrc" typeface="Estrangelo Edessa"/>
-        <a:font script="Orya" typeface="Kalinga"/>
-        <a:font script="Mlym" typeface="Kartika"/>
-        <a:font script="Laoo" typeface="DokChampa"/>
-        <a:font script="Sinh" typeface="Iskoola Pota"/>
-        <a:font script="Mong" typeface="Mongolian Baiti"/>
-        <a:font script="Viet" typeface="Times New Roman"/>
-        <a:font script="Uigh" typeface="Microsoft Uighur"/>
-        <a:font script="Geor" typeface="Sylfaen"/>
-      </a:majorFont>
-      <a:minorFont>
-        <a:latin typeface="Arial"/>
-        <a:ea typeface=""/>
-        <a:cs typeface=""/>
-        <a:font script="Jpan" typeface="ＭＳ Ｐゴシック"/>
-        <a:font script="Hang" typeface="맑은 고딕"/>
-        <a:font script="Hans" typeface="宋体"/>
-        <a:font script="Hant" typeface="新細明體"/>
-        <a:font script="Arab" typeface="Arial"/>
-        <a:font script="Hebr" typeface="Arial"/>
-        <a:font script="Thai" typeface="Cordia New"/>
-        <a:font script="Ethi" typeface="Nyala"/>
-        <a:font script="Beng" typeface="Vrinda"/>
-        <a:font script="Gujr" typeface="Shruti"/>
-        <a:font script="Khmr" typeface="DaunPenh"/>
-        <a:font script="Knda" typeface="Tunga"/>
-        <a:font script="Guru" typeface="Raavi"/>
-        <a:font script="Cans" typeface="Euphemia"/>
-        <a:font script="Cher" typeface="Plantagenet Cherokee"/>
-        <a:font script="Yiii" typeface="Microsoft Yi Baiti"/>
-        <a:font script="Tibt" typeface="Microsoft Himalaya"/>
-        <a:font script="Thaa" typeface="MV Boli"/>
-        <a:font script="Deva" typeface="Mangal"/>
-        <a:font script="Telu" typeface="Gautami"/>
-        <a:font script="Taml" typeface="Latha"/>
-        <a:font script="Syrc" typeface="Estrangelo Edessa"/>
-        <a:font script="Orya" typeface="Kalinga"/>
-        <a:font script="Mlym" typeface="Kartika"/>
-        <a:font script="Laoo" typeface="DokChampa"/>
-        <a:font script="Sinh" typeface="Iskoola Pota"/>
-        <a:font script="Mong" typeface="Mongolian Baiti"/>
-        <a:font script="Viet" typeface="Arial"/>
-        <a:font script="Uigh" typeface="Microsoft Uighur"/>
-        <a:font script="Geor" typeface="Sylfaen"/>
-      </a:minorFont>
-    </a:fontScheme>
-    <a:fmtScheme name="Office">
-      <a:fillStyleLst>
-        <a:solidFill>
-          <a:schemeClr val="phClr"/>
-        </a:solidFill>
-        <a:gradFill rotWithShape="1">
-          <a:gsLst>
-            <a:gs pos="0">
-              <a:schemeClr val="phClr">
-                <a:tint val="50000"/>
-                <a:satMod val="300000"/>
-              </a:schemeClr>
-            </a:gs>
-            <a:gs pos="35000">
-              <a:schemeClr val="phClr">
-                <a:tint val="37000"/>
-                <a:satMod val="300000"/>
-              </a:schemeClr>
-            </a:gs>
-            <a:gs pos="100000">
-              <a:schemeClr val="phClr">
-                <a:tint val="15000"/>
-                <a:satMod val="350000"/>
-              </a:schemeClr>
-            </a:gs>
-          </a:gsLst>
-          <a:lin ang="16200000" scaled="1"/>
-        </a:gradFill>
-        <a:gradFill rotWithShape="1">
-          <a:gsLst>
-            <a:gs pos="0">
-              <a:schemeClr val="phClr">
-                <a:tint val="100000"/>
-                <a:shade val="100000"/>
-                <a:satMod val="130000"/>
-              </a:schemeClr>
-            </a:gs>
-            <a:gs pos="100000">
-              <a:schemeClr val="phClr">
-                <a:tint val="50000"/>
-                <a:shade val="100000"/>
-                <a:satMod val="350000"/>
-              </a:schemeClr>
-            </a:gs>
-          </a:gsLst>
-          <a:lin ang="16200000" scaled="0"/>
-        </a:gradFill>
-      </a:fillStyleLst>
-      <a:lnStyleLst>
-        <a:ln w="9525" cap="flat" cmpd="sng" algn="ctr">
-          <a:solidFill>
-            <a:schemeClr val="phClr">
-              <a:shade val="95000"/>
-              <a:satMod val="105000"/>
-            </a:schemeClr>
-          </a:solidFill>
-          <a:prstDash val="solid"/>
-        </a:ln>
-        <a:ln w="25400" cap="flat" cmpd="sng" algn="ctr">
-          <a:solidFill>
-            <a:schemeClr val="phClr"/>
-          </a:solidFill>
-          <a:prstDash val="solid"/>
-        </a:ln>
-        <a:ln w="38100" cap="flat" cmpd="sng" algn="ctr">
-          <a:solidFill>
-            <a:schemeClr val="phClr"/>
-          </a:solidFill>
-          <a:prstDash val="solid"/>
-        </a:ln>
-      </a:lnStyleLst>
-      <a:effectStyleLst>
-        <a:effectStyle>
-          <a:effectLst>
-            <a:outerShdw blurRad="40000" dist="20000" dir="5400000" rotWithShape="0">
-              <a:srgbClr val="000000">
-                <a:alpha val="38000"/>
-              </a:srgbClr>
-            </a:outerShdw>
-          </a:effectLst>
-        </a:effectStyle>
-        <a:effectStyle>
-          <a:effectLst>
-            <a:outerShdw blurRad="40000" dist="23000" dir="5400000" rotWithShape="0">
-              <a:srgbClr val="000000">
-                <a:alpha val="35000"/>
-              </a:srgbClr>
-            </a:outerShdw>
-          </a:effectLst>
-        </a:effectStyle>
-        <a:effectStyle>
-          <a:effectLst>
-            <a:outerShdw blurRad="40000" dist="23000" dir="5400000" rotWithShape="0">
-              <a:srgbClr val="000000">
-                <a:alpha val="35000"/>
-              </a:srgbClr>
-            </a:outerShdw>
-          </a:effectLst>
-          <a:scene3d>
-            <a:camera prst="orthographicFront">
-              <a:rot lat="0" lon="0" rev="0"/>
-            </a:camera>
-            <a:lightRig rig="threePt" dir="t">
-              <a:rot lat="0" lon="0" rev="1200000"/>
-            </a:lightRig>
-          </a:scene3d>
-          <a:sp3d>
-            <a:bevelT w="63500" h="25400"/>
-          </a:sp3d>
-        </a:effectStyle>
-      </a:effectStyleLst>
-      <a:bgFillStyleLst>
-        <a:solidFill>
-          <a:schemeClr val="phClr"/>
-        </a:solidFill>
-        <a:gradFill rotWithShape="1">
-          <a:gsLst>
-            <a:gs pos="0">
-              <a:schemeClr val="phClr">
-                <a:tint val="40000"/>
-                <a:satMod val="350000"/>
-              </a:schemeClr>
-            </a:gs>
-            <a:gs pos="40000">
-              <a:schemeClr val="phClr">
-                <a:tint val="45000"/>
-                <a:shade val="99000"/>
-                <a:satMod val="350000"/>
-              </a:schemeClr>
-            </a:gs>
-            <a:gs pos="100000">
-              <a:schemeClr val="phClr">
-                <a:shade val="20000"/>
-                <a:satMod val="255000"/>
-              </a:schemeClr>
-            </a:gs>
-          </a:gsLst>
-          <a:path path="circle">
-            <a:fillToRect l="50000" t="-80000" r="50000" b="180000"/>
-          </a:path>
-        </a:gradFill>
-        <a:gradFill rotWithShape="1">
-          <a:gsLst>
-            <a:gs pos="0">
-              <a:schemeClr val="phClr">
-                <a:tint val="80000"/>
-                <a:satMod val="300000"/>
-              </a:schemeClr>
-            </a:gs>
-            <a:gs pos="100000">
-              <a:schemeClr val="phClr">
-                <a:shade val="30000"/>
-                <a:satMod val="200000"/>
-              </a:schemeClr>
-            </a:gs>
-          </a:gsLst>
-          <a:path path="circle">
-            <a:fillToRect l="50000" t="50000" r="50000" b="50000"/>
-          </a:path>
-        </a:gradFill>
-      </a:bgFillStyleLst>
-    </a:fmtScheme>
-  </a:themeElements>
-</a:theme>
 </file>
--- a/slides/06_inheritance.pptx
+++ b/slides/06_inheritance.pptx
@@ -11683,177 +11683,81 @@
                 <a:cs typeface="Arial"/>
                 <a:sym typeface="Arial"/>
               </a:rPr>
-              <a:t>Vererbung</a:t>
+              <a:t>Vererbun</a:t>
             </a:r>
-            <a:endParaRPr b="0" i="0" sz="1600" u="none" cap="none" strike="noStrike">
-              <a:solidFill>
-                <a:schemeClr val="dk1"/>
-              </a:solidFill>
-              <a:latin typeface="Arial"/>
-              <a:ea typeface="Arial"/>
-              <a:cs typeface="Arial"/>
-              <a:sym typeface="Arial"/>
-            </a:endParaRPr>
+            <a:r>
+              <a:rPr lang="de"/>
+              <a:t>g</a:t>
+            </a:r>
+            <a:endParaRPr/>
           </a:p>
           <a:p>
-            <a:pPr indent="-330200" lvl="1" marL="914400" marR="0" rtl="0" algn="l">
-              <a:lnSpc>
-                <a:spcPct val="100000"/>
-              </a:lnSpc>
-              <a:spcBef>
-                <a:spcPts val="0"/>
-              </a:spcBef>
-              <a:spcAft>
-                <a:spcPts val="0"/>
-              </a:spcAft>
-              <a:buClr>
-                <a:schemeClr val="dk1"/>
-              </a:buClr>
+            <a:pPr indent="-330200" lvl="1" marL="914400" rtl="0" algn="l">
+              <a:spcBef>
+                <a:spcPts val="0"/>
+              </a:spcBef>
+              <a:spcAft>
+                <a:spcPts val="0"/>
+              </a:spcAft>
               <a:buSzPts val="1600"/>
-              <a:buFont typeface="Noto Sans Symbols"/>
               <a:buAutoNum type="arabicPeriod"/>
             </a:pPr>
             <a:r>
-              <a:rPr b="0" i="0" lang="de" sz="1600" u="none" cap="none" strike="noStrike">
-                <a:solidFill>
-                  <a:schemeClr val="dk1"/>
-                </a:solidFill>
-                <a:latin typeface="Arial"/>
-                <a:ea typeface="Arial"/>
-                <a:cs typeface="Arial"/>
-                <a:sym typeface="Arial"/>
-              </a:rPr>
+              <a:rPr lang="de"/>
               <a:t>Grundlagen von Vererbung</a:t>
             </a:r>
-            <a:endParaRPr b="0" i="0" sz="1600" u="none" cap="none" strike="noStrike">
-              <a:solidFill>
-                <a:schemeClr val="dk1"/>
-              </a:solidFill>
-              <a:latin typeface="Arial"/>
-              <a:ea typeface="Arial"/>
-              <a:cs typeface="Arial"/>
-              <a:sym typeface="Arial"/>
-            </a:endParaRPr>
+            <a:endParaRPr/>
           </a:p>
           <a:p>
-            <a:pPr indent="-330200" lvl="1" marL="914400" marR="0" rtl="0" algn="l">
-              <a:lnSpc>
-                <a:spcPct val="100000"/>
-              </a:lnSpc>
-              <a:spcBef>
-                <a:spcPts val="0"/>
-              </a:spcBef>
-              <a:spcAft>
-                <a:spcPts val="0"/>
-              </a:spcAft>
-              <a:buClr>
-                <a:schemeClr val="dk1"/>
-              </a:buClr>
+            <a:pPr indent="-330200" lvl="1" marL="914400" rtl="0" algn="l">
+              <a:spcBef>
+                <a:spcPts val="0"/>
+              </a:spcBef>
+              <a:spcAft>
+                <a:spcPts val="0"/>
+              </a:spcAft>
               <a:buSzPts val="1600"/>
-              <a:buFont typeface="Noto Sans Symbols"/>
               <a:buAutoNum type="arabicPeriod"/>
             </a:pPr>
             <a:r>
-              <a:rPr b="0" i="0" lang="de" sz="1600" u="none" cap="none" strike="noStrike">
-                <a:solidFill>
-                  <a:schemeClr val="dk1"/>
-                </a:solidFill>
-                <a:latin typeface="Arial"/>
-                <a:ea typeface="Arial"/>
-                <a:cs typeface="Arial"/>
-                <a:sym typeface="Arial"/>
-              </a:rPr>
+              <a:rPr lang="de"/>
               <a:t>Exkurs: Java-API</a:t>
             </a:r>
-            <a:endParaRPr b="0" i="0" sz="1600" u="none" cap="none" strike="noStrike">
-              <a:solidFill>
-                <a:schemeClr val="dk1"/>
-              </a:solidFill>
-              <a:latin typeface="Arial"/>
-              <a:ea typeface="Arial"/>
-              <a:cs typeface="Arial"/>
-              <a:sym typeface="Arial"/>
-            </a:endParaRPr>
+            <a:endParaRPr/>
           </a:p>
           <a:p>
-            <a:pPr indent="-330200" lvl="1" marL="914400" marR="0" rtl="0" algn="l">
-              <a:lnSpc>
-                <a:spcPct val="100000"/>
-              </a:lnSpc>
-              <a:spcBef>
-                <a:spcPts val="0"/>
-              </a:spcBef>
-              <a:spcAft>
-                <a:spcPts val="0"/>
-              </a:spcAft>
-              <a:buClr>
-                <a:schemeClr val="dk1"/>
-              </a:buClr>
+            <a:pPr indent="-330200" lvl="1" marL="914400" rtl="0" algn="l">
+              <a:spcBef>
+                <a:spcPts val="0"/>
+              </a:spcBef>
+              <a:spcAft>
+                <a:spcPts val="0"/>
+              </a:spcAft>
               <a:buSzPts val="1600"/>
-              <a:buFont typeface="Noto Sans Symbols"/>
               <a:buAutoNum type="arabicPeriod"/>
             </a:pPr>
             <a:r>
-              <a:rPr b="0" i="0" lang="de" sz="1600" u="none" cap="none" strike="noStrike">
-                <a:solidFill>
-                  <a:schemeClr val="dk1"/>
-                </a:solidFill>
-                <a:latin typeface="Arial"/>
-                <a:ea typeface="Arial"/>
-                <a:cs typeface="Arial"/>
-                <a:sym typeface="Arial"/>
-              </a:rPr>
+              <a:rPr lang="de"/>
               <a:t>Umsetzung von Vererbung</a:t>
             </a:r>
-            <a:endParaRPr b="0" i="0" sz="1600" u="none" cap="none" strike="noStrike">
-              <a:solidFill>
-                <a:schemeClr val="dk1"/>
-              </a:solidFill>
-              <a:latin typeface="Arial"/>
-              <a:ea typeface="Arial"/>
-              <a:cs typeface="Arial"/>
-              <a:sym typeface="Arial"/>
-            </a:endParaRPr>
+            <a:endParaRPr/>
           </a:p>
           <a:p>
-            <a:pPr indent="-330200" lvl="1" marL="914400" marR="0" rtl="0" algn="l">
-              <a:lnSpc>
-                <a:spcPct val="100000"/>
-              </a:lnSpc>
-              <a:spcBef>
-                <a:spcPts val="0"/>
-              </a:spcBef>
-              <a:spcAft>
-                <a:spcPts val="0"/>
-              </a:spcAft>
-              <a:buClr>
-                <a:schemeClr val="dk1"/>
-              </a:buClr>
+            <a:pPr indent="-330200" lvl="1" marL="914400" rtl="0" algn="l">
+              <a:spcBef>
+                <a:spcPts val="0"/>
+              </a:spcBef>
+              <a:spcAft>
+                <a:spcPts val="0"/>
+              </a:spcAft>
               <a:buSzPts val="1600"/>
-              <a:buFont typeface="Noto Sans Symbols"/>
               <a:buAutoNum type="arabicPeriod"/>
             </a:pPr>
             <a:r>
-              <a:rPr b="0" i="0" lang="de" sz="1600" u="none" cap="none" strike="noStrike">
-                <a:solidFill>
-                  <a:schemeClr val="dk1"/>
-                </a:solidFill>
-                <a:latin typeface="Arial"/>
-                <a:ea typeface="Arial"/>
-                <a:cs typeface="Arial"/>
-                <a:sym typeface="Arial"/>
-              </a:rPr>
+              <a:rPr lang="de"/>
               <a:t>Das Schlüsselwort “super”</a:t>
             </a:r>
-            <a:endParaRPr b="0" i="0" sz="1600" u="none" cap="none" strike="noStrike">
-              <a:solidFill>
-                <a:schemeClr val="dk1"/>
-              </a:solidFill>
-              <a:latin typeface="Arial"/>
-              <a:ea typeface="Arial"/>
-              <a:cs typeface="Arial"/>
-              <a:sym typeface="Arial"/>
-            </a:endParaRPr>
+            <a:endParaRPr/>
           </a:p>
         </p:txBody>
       </p:sp>

--- a/slides/06_inheritance.pptx
+++ b/slides/06_inheritance.pptx
@@ -10508,17 +10508,18 @@
           <p:cNvPicPr preferRelativeResize="0"/>
           <p:nvPr/>
         </p:nvPicPr>
-        <p:blipFill rotWithShape="1">
+        <p:blipFill>
           <a:blip r:embed="rId4">
             <a:alphaModFix/>
           </a:blip>
-          <a:srcRect b="0" l="0" r="0" t="0"/>
-          <a:stretch/>
+          <a:stretch>
+            <a:fillRect/>
+          </a:stretch>
         </p:blipFill>
         <p:spPr>
           <a:xfrm>
-            <a:off x="1753463" y="3406320"/>
-            <a:ext cx="5732373" cy="676775"/>
+            <a:off x="2105825" y="3357450"/>
+            <a:ext cx="4932351" cy="735200"/>
           </a:xfrm>
           <a:prstGeom prst="rect">
             <a:avLst/>
@@ -10974,7 +10975,7 @@
               <a:buNone/>
             </a:pPr>
             <a:r>
-              <a:rPr b="0" i="0" lang="de" sz="900" u="none" cap="none" strike="noStrike">
+              <a:rPr b="0" i="0" lang="de" sz="1000" u="none" cap="none" strike="noStrike">
                 <a:solidFill>
                   <a:schemeClr val="dk1"/>
                 </a:solidFill>
@@ -10985,7 +10986,7 @@
               </a:rPr>
               <a:t>In dieser Aufgabe soll ein kleiner Zoo programmiert werden. Dazu werden folgende Klassen benötigt:</a:t>
             </a:r>
-            <a:endParaRPr b="0" i="0" sz="900" u="none" cap="none" strike="noStrike">
+            <a:endParaRPr b="0" i="0" sz="1000" u="none" cap="none" strike="noStrike">
               <a:solidFill>
                 <a:schemeClr val="dk1"/>
               </a:solidFill>
@@ -10996,7 +10997,7 @@
             </a:endParaRPr>
           </a:p>
           <a:p>
-            <a:pPr indent="-285750" lvl="0" marL="457200" marR="0" rtl="0" algn="l">
+            <a:pPr indent="-292100" lvl="0" marL="457200" marR="0" rtl="0" algn="l">
               <a:lnSpc>
                 <a:spcPct val="115000"/>
               </a:lnSpc>
@@ -11007,14 +11008,14 @@
                 <a:spcPts val="0"/>
               </a:spcAft>
               <a:buClr>
-                <a:srgbClr val="000000"/>
-              </a:buClr>
-              <a:buSzPts val="900"/>
+                <a:schemeClr val="dk1"/>
+              </a:buClr>
+              <a:buSzPts val="1000"/>
               <a:buFont typeface="Arial"/>
               <a:buChar char="●"/>
             </a:pPr>
             <a:r>
-              <a:rPr b="1" i="0" lang="de" sz="900" u="none" cap="none" strike="noStrike">
+              <a:rPr b="1" i="0" lang="de" sz="1000" u="none" cap="none" strike="noStrike">
                 <a:solidFill>
                   <a:schemeClr val="dk1"/>
                 </a:solidFill>
@@ -11026,7 +11027,7 @@
               <a:t>Animal</a:t>
             </a:r>
             <a:r>
-              <a:rPr b="0" i="0" lang="de" sz="900" u="none" cap="none" strike="noStrike">
+              <a:rPr b="0" i="0" lang="de" sz="1000" u="none" cap="none" strike="noStrike">
                 <a:solidFill>
                   <a:schemeClr val="dk1"/>
                 </a:solidFill>
@@ -11037,18 +11038,10 @@
               </a:rPr>
               <a:t>. Diese Klasse ist die Elternklasse aller Tiere (alle Tiere erben von dieser Klasse). </a:t>
             </a:r>
-            <a:endParaRPr b="0" i="0" sz="900" u="none" cap="none" strike="noStrike">
-              <a:solidFill>
-                <a:schemeClr val="dk1"/>
-              </a:solidFill>
-              <a:latin typeface="Arial"/>
-              <a:ea typeface="Arial"/>
-              <a:cs typeface="Arial"/>
-              <a:sym typeface="Arial"/>
-            </a:endParaRPr>
+            <a:endParaRPr sz="1000"/>
           </a:p>
           <a:p>
-            <a:pPr indent="-285750" lvl="1" marL="914400" marR="0" rtl="0" algn="l">
+            <a:pPr indent="-292100" lvl="1" marL="914400" marR="0" rtl="0" algn="l">
               <a:lnSpc>
                 <a:spcPct val="115000"/>
               </a:lnSpc>
@@ -11061,12 +11054,12 @@
               <a:buClr>
                 <a:schemeClr val="dk1"/>
               </a:buClr>
-              <a:buSzPts val="900"/>
+              <a:buSzPts val="1000"/>
               <a:buFont typeface="Noto Sans Symbols"/>
               <a:buChar char="○"/>
             </a:pPr>
             <a:r>
-              <a:rPr b="0" i="0" lang="de" sz="900" u="none" cap="none" strike="noStrike">
+              <a:rPr b="0" i="0" lang="de" sz="1000" u="none" cap="none" strike="noStrike">
                 <a:solidFill>
                   <a:schemeClr val="dk1"/>
                 </a:solidFill>
@@ -11077,7 +11070,7 @@
               </a:rPr>
               <a:t>Sie soll die folgenden Attribute haben haben:</a:t>
             </a:r>
-            <a:endParaRPr b="0" i="0" sz="900" u="none" cap="none" strike="noStrike">
+            <a:endParaRPr b="0" i="0" sz="1000" u="none" cap="none" strike="noStrike">
               <a:solidFill>
                 <a:schemeClr val="dk1"/>
               </a:solidFill>
@@ -11088,7 +11081,7 @@
             </a:endParaRPr>
           </a:p>
           <a:p>
-            <a:pPr indent="-285750" lvl="2" marL="1371600" marR="0" rtl="0" algn="l">
+            <a:pPr indent="-292100" lvl="2" marL="1371600" marR="0" rtl="0" algn="l">
               <a:lnSpc>
                 <a:spcPct val="115000"/>
               </a:lnSpc>
@@ -11101,12 +11094,12 @@
               <a:buClr>
                 <a:schemeClr val="dk1"/>
               </a:buClr>
-              <a:buSzPts val="900"/>
+              <a:buSzPts val="1000"/>
               <a:buFont typeface="Noto Sans Symbols"/>
               <a:buChar char="■"/>
             </a:pPr>
             <a:r>
-              <a:rPr b="0" i="0" lang="de" sz="900" u="none" cap="none" strike="noStrike">
+              <a:rPr b="0" i="0" lang="de" sz="1000" u="none" cap="none" strike="noStrike">
                 <a:solidFill>
                   <a:schemeClr val="dk1"/>
                 </a:solidFill>
@@ -11117,7 +11110,7 @@
               </a:rPr>
               <a:t>einen Namen</a:t>
             </a:r>
-            <a:endParaRPr b="0" i="0" sz="900" u="none" cap="none" strike="noStrike">
+            <a:endParaRPr b="0" i="0" sz="1000" u="none" cap="none" strike="noStrike">
               <a:solidFill>
                 <a:schemeClr val="dk1"/>
               </a:solidFill>
@@ -11128,7 +11121,7 @@
             </a:endParaRPr>
           </a:p>
           <a:p>
-            <a:pPr indent="-285750" lvl="2" marL="1371600" marR="0" rtl="0" algn="l">
+            <a:pPr indent="-292100" lvl="2" marL="1371600" marR="0" rtl="0" algn="l">
               <a:lnSpc>
                 <a:spcPct val="115000"/>
               </a:lnSpc>
@@ -11141,12 +11134,12 @@
               <a:buClr>
                 <a:schemeClr val="dk1"/>
               </a:buClr>
-              <a:buSzPts val="900"/>
+              <a:buSzPts val="1000"/>
               <a:buFont typeface="Noto Sans Symbols"/>
               <a:buChar char="■"/>
             </a:pPr>
             <a:r>
-              <a:rPr b="0" i="0" lang="de" sz="900" u="none" cap="none" strike="noStrike">
+              <a:rPr b="0" i="0" lang="de" sz="1000" u="none" cap="none" strike="noStrike">
                 <a:solidFill>
                   <a:schemeClr val="dk1"/>
                 </a:solidFill>
@@ -11157,7 +11150,7 @@
               </a:rPr>
               <a:t>ein Alter</a:t>
             </a:r>
-            <a:endParaRPr b="0" i="0" sz="900" u="none" cap="none" strike="noStrike">
+            <a:endParaRPr b="0" i="0" sz="1000" u="none" cap="none" strike="noStrike">
               <a:solidFill>
                 <a:schemeClr val="dk1"/>
               </a:solidFill>
@@ -11168,7 +11161,7 @@
             </a:endParaRPr>
           </a:p>
           <a:p>
-            <a:pPr indent="-285750" lvl="2" marL="1371600" marR="0" rtl="0" algn="l">
+            <a:pPr indent="-292100" lvl="2" marL="1371600" marR="0" rtl="0" algn="l">
               <a:lnSpc>
                 <a:spcPct val="115000"/>
               </a:lnSpc>
@@ -11181,12 +11174,12 @@
               <a:buClr>
                 <a:schemeClr val="dk1"/>
               </a:buClr>
-              <a:buSzPts val="900"/>
+              <a:buSzPts val="1000"/>
               <a:buFont typeface="Noto Sans Symbols"/>
               <a:buChar char="■"/>
             </a:pPr>
             <a:r>
-              <a:rPr b="0" i="0" lang="de" sz="900" u="none" cap="none" strike="noStrike">
+              <a:rPr b="0" i="0" lang="de" sz="1000" u="none" cap="none" strike="noStrike">
                 <a:solidFill>
                   <a:schemeClr val="dk1"/>
                 </a:solidFill>
@@ -11197,7 +11190,7 @@
               </a:rPr>
               <a:t>eine statische Variable, die die Anzahl der erstellten Tiere speichert (hier muss auch der Konstruktor angepasst werden)</a:t>
             </a:r>
-            <a:endParaRPr b="0" i="0" sz="900" u="none" cap="none" strike="noStrike">
+            <a:endParaRPr b="0" i="0" sz="1000" u="none" cap="none" strike="noStrike">
               <a:solidFill>
                 <a:schemeClr val="dk1"/>
               </a:solidFill>
@@ -11208,7 +11201,7 @@
             </a:endParaRPr>
           </a:p>
           <a:p>
-            <a:pPr indent="-285750" lvl="1" marL="914400" marR="0" rtl="0" algn="l">
+            <a:pPr indent="-292100" lvl="1" marL="914400" marR="0" rtl="0" algn="l">
               <a:lnSpc>
                 <a:spcPct val="115000"/>
               </a:lnSpc>
@@ -11221,12 +11214,12 @@
               <a:buClr>
                 <a:schemeClr val="dk1"/>
               </a:buClr>
-              <a:buSzPts val="900"/>
+              <a:buSzPts val="1000"/>
               <a:buFont typeface="Noto Sans Symbols"/>
               <a:buChar char="○"/>
             </a:pPr>
             <a:r>
-              <a:rPr b="0" i="0" lang="de" sz="900" u="none" cap="none" strike="noStrike">
+              <a:rPr b="0" i="0" lang="de" sz="1000" u="none" cap="none" strike="noStrike">
                 <a:solidFill>
                   <a:schemeClr val="dk1"/>
                 </a:solidFill>
@@ -11237,7 +11230,7 @@
               </a:rPr>
               <a:t>Außerdem sollten folgende Funktionen / Methoden vorhanden sein:</a:t>
             </a:r>
-            <a:endParaRPr b="0" i="0" sz="900" u="none" cap="none" strike="noStrike">
+            <a:endParaRPr b="0" i="0" sz="1000" u="none" cap="none" strike="noStrike">
               <a:solidFill>
                 <a:schemeClr val="dk1"/>
               </a:solidFill>
@@ -11248,7 +11241,7 @@
             </a:endParaRPr>
           </a:p>
           <a:p>
-            <a:pPr indent="-285750" lvl="2" marL="1371600" marR="0" rtl="0" algn="l">
+            <a:pPr indent="-292100" lvl="2" marL="1371600" marR="0" rtl="0" algn="l">
               <a:lnSpc>
                 <a:spcPct val="115000"/>
               </a:lnSpc>
@@ -11261,12 +11254,12 @@
               <a:buClr>
                 <a:schemeClr val="dk1"/>
               </a:buClr>
-              <a:buSzPts val="900"/>
+              <a:buSzPts val="1000"/>
               <a:buFont typeface="Noto Sans Symbols"/>
               <a:buChar char="■"/>
             </a:pPr>
             <a:r>
-              <a:rPr b="0" i="0" lang="de" sz="900" u="none" cap="none" strike="noStrike">
+              <a:rPr b="0" i="0" lang="de" sz="1000" u="none" cap="none" strike="noStrike">
                 <a:solidFill>
                   <a:schemeClr val="dk1"/>
                 </a:solidFill>
@@ -11277,7 +11270,7 @@
               </a:rPr>
               <a:t>eine Methode, die den Namen und das Alter des Tieres in der Konsole ausgibt</a:t>
             </a:r>
-            <a:endParaRPr b="0" i="0" sz="900" u="none" cap="none" strike="noStrike">
+            <a:endParaRPr b="0" i="0" sz="1000" u="none" cap="none" strike="noStrike">
               <a:solidFill>
                 <a:schemeClr val="dk1"/>
               </a:solidFill>
@@ -11288,7 +11281,7 @@
             </a:endParaRPr>
           </a:p>
           <a:p>
-            <a:pPr indent="-285750" lvl="2" marL="1371600" marR="0" rtl="0" algn="l">
+            <a:pPr indent="-292100" lvl="2" marL="1371600" marR="0" rtl="0" algn="l">
               <a:lnSpc>
                 <a:spcPct val="115000"/>
               </a:lnSpc>
@@ -11301,12 +11294,12 @@
               <a:buClr>
                 <a:schemeClr val="dk1"/>
               </a:buClr>
-              <a:buSzPts val="900"/>
+              <a:buSzPts val="1000"/>
               <a:buFont typeface="Noto Sans Symbols"/>
               <a:buChar char="■"/>
             </a:pPr>
             <a:r>
-              <a:rPr b="0" i="0" lang="de" sz="900" u="none" cap="none" strike="noStrike">
+              <a:rPr b="0" i="0" lang="de" sz="1000" u="none" cap="none" strike="noStrike">
                 <a:solidFill>
                   <a:schemeClr val="dk1"/>
                 </a:solidFill>
@@ -11317,7 +11310,7 @@
               </a:rPr>
               <a:t>eine Methode, die den String “Generic Animal Noise” in der Konsole ausgibt (soll später überschrieben werden)</a:t>
             </a:r>
-            <a:endParaRPr b="0" i="0" sz="900" u="none" cap="none" strike="noStrike">
+            <a:endParaRPr b="0" i="0" sz="1000" u="none" cap="none" strike="noStrike">
               <a:solidFill>
                 <a:schemeClr val="dk1"/>
               </a:solidFill>
@@ -11328,7 +11321,7 @@
             </a:endParaRPr>
           </a:p>
           <a:p>
-            <a:pPr indent="-285750" lvl="2" marL="1371600" marR="0" rtl="0" algn="l">
+            <a:pPr indent="-292100" lvl="2" marL="1371600" marR="0" rtl="0" algn="l">
               <a:lnSpc>
                 <a:spcPct val="115000"/>
               </a:lnSpc>
@@ -11341,12 +11334,12 @@
               <a:buClr>
                 <a:schemeClr val="dk1"/>
               </a:buClr>
-              <a:buSzPts val="900"/>
+              <a:buSzPts val="1000"/>
               <a:buFont typeface="Noto Sans Symbols"/>
               <a:buChar char="■"/>
             </a:pPr>
             <a:r>
-              <a:rPr b="0" i="0" lang="de" sz="900" u="none" cap="none" strike="noStrike">
+              <a:rPr b="0" i="0" lang="de" sz="1000" u="none" cap="none" strike="noStrike">
                 <a:solidFill>
                   <a:schemeClr val="dk1"/>
                 </a:solidFill>
@@ -11357,7 +11350,7 @@
               </a:rPr>
               <a:t>eine Funktion, die die Anzahl der erstellten Tiere als Rückgabewert hat</a:t>
             </a:r>
-            <a:endParaRPr b="0" i="0" sz="900" u="none" cap="none" strike="noStrike">
+            <a:endParaRPr b="0" i="0" sz="1000" u="none" cap="none" strike="noStrike">
               <a:solidFill>
                 <a:schemeClr val="dk1"/>
               </a:solidFill>
@@ -11368,7 +11361,7 @@
             </a:endParaRPr>
           </a:p>
           <a:p>
-            <a:pPr indent="-285750" lvl="0" marL="457200" marR="0" rtl="0" algn="l">
+            <a:pPr indent="-292100" lvl="0" marL="457200" marR="0" rtl="0" algn="l">
               <a:lnSpc>
                 <a:spcPct val="115000"/>
               </a:lnSpc>
@@ -11381,12 +11374,12 @@
               <a:buClr>
                 <a:srgbClr val="000000"/>
               </a:buClr>
-              <a:buSzPts val="900"/>
+              <a:buSzPts val="1000"/>
               <a:buFont typeface="Arial"/>
               <a:buChar char="●"/>
             </a:pPr>
             <a:r>
-              <a:rPr b="1" i="0" lang="de" sz="900" u="none" cap="none" strike="noStrike">
+              <a:rPr b="1" i="0" lang="de" sz="1000" u="none" cap="none" strike="noStrike">
                 <a:solidFill>
                   <a:schemeClr val="dk1"/>
                 </a:solidFill>
@@ -11398,7 +11391,7 @@
               <a:t>Tiger</a:t>
             </a:r>
             <a:r>
-              <a:rPr b="0" i="0" lang="de" sz="900" u="none" cap="none" strike="noStrike">
+              <a:rPr b="0" i="0" lang="de" sz="1000" u="none" cap="none" strike="noStrike">
                 <a:solidFill>
                   <a:schemeClr val="dk1"/>
                 </a:solidFill>
@@ -11409,7 +11402,7 @@
               </a:rPr>
               <a:t>. Diese Klasse erbt von Animal und hat keine eigenen Attribute. Neben dem Konstruktor hat es also lediglich eine Methode, die die gleichnamige Geräusch-Methode der Elternklasse überschreibt und ein Tiger-Geräusch ausgibt.</a:t>
             </a:r>
-            <a:endParaRPr b="0" i="0" sz="900" u="none" cap="none" strike="noStrike">
+            <a:endParaRPr b="0" i="0" sz="1000" u="none" cap="none" strike="noStrike">
               <a:solidFill>
                 <a:schemeClr val="dk1"/>
               </a:solidFill>
@@ -11420,7 +11413,7 @@
             </a:endParaRPr>
           </a:p>
           <a:p>
-            <a:pPr indent="-285750" lvl="0" marL="457200" marR="0" rtl="0" algn="l">
+            <a:pPr indent="-292100" lvl="0" marL="457200" marR="0" rtl="0" algn="l">
               <a:lnSpc>
                 <a:spcPct val="115000"/>
               </a:lnSpc>
@@ -11433,12 +11426,12 @@
               <a:buClr>
                 <a:srgbClr val="000000"/>
               </a:buClr>
-              <a:buSzPts val="900"/>
+              <a:buSzPts val="1000"/>
               <a:buFont typeface="Arial"/>
               <a:buChar char="●"/>
             </a:pPr>
             <a:r>
-              <a:rPr b="1" i="0" lang="de" sz="900" u="none" cap="none" strike="noStrike">
+              <a:rPr b="1" i="0" lang="de" sz="1000" u="none" cap="none" strike="noStrike">
                 <a:solidFill>
                   <a:schemeClr val="dk1"/>
                 </a:solidFill>
@@ -11450,7 +11443,7 @@
               <a:t>Elephant</a:t>
             </a:r>
             <a:r>
-              <a:rPr b="0" i="0" lang="de" sz="900" u="none" cap="none" strike="noStrike">
+              <a:rPr b="0" i="0" lang="de" sz="1000" u="none" cap="none" strike="noStrike">
                 <a:solidFill>
                   <a:schemeClr val="dk1"/>
                 </a:solidFill>
@@ -11461,7 +11454,7 @@
               </a:rPr>
               <a:t>. Diese Klasse erbt von Animal und hat ein Attribut, das den Kontinenten des Elefanten speichert (wird im Konstruktor übergeben und gesetzt). Elephant überschreibt, genau wie Tiger, die Methode zum Ausgeben des Tiergeräusches, zusätzlich aber noch die Methode zum Ausgeben von Namen und Alter. Hier soll zusätzlich der Kontinent des Elefanten ausgegeben werden. Verwendet hierbei zur Ausgabe von Namen und Alter die Methode der Animal-Klasse.</a:t>
             </a:r>
-            <a:endParaRPr b="0" i="0" sz="900" u="none" cap="none" strike="noStrike">
+            <a:endParaRPr b="0" i="0" sz="1000" u="none" cap="none" strike="noStrike">
               <a:solidFill>
                 <a:schemeClr val="dk1"/>
               </a:solidFill>
@@ -11472,7 +11465,7 @@
             </a:endParaRPr>
           </a:p>
           <a:p>
-            <a:pPr indent="-285750" lvl="0" marL="457200" marR="0" rtl="0" algn="l">
+            <a:pPr indent="-292100" lvl="0" marL="457200" marR="0" rtl="0" algn="l">
               <a:lnSpc>
                 <a:spcPct val="115000"/>
               </a:lnSpc>
@@ -11485,12 +11478,12 @@
               <a:buClr>
                 <a:srgbClr val="000000"/>
               </a:buClr>
-              <a:buSzPts val="900"/>
+              <a:buSzPts val="1000"/>
               <a:buFont typeface="Arial"/>
               <a:buChar char="●"/>
             </a:pPr>
             <a:r>
-              <a:rPr b="1" i="0" lang="de" sz="900" u="none" cap="none" strike="noStrike">
+              <a:rPr b="1" i="0" lang="de" sz="1000" u="none" cap="none" strike="noStrike">
                 <a:solidFill>
                   <a:schemeClr val="dk1"/>
                 </a:solidFill>
@@ -11502,7 +11495,7 @@
               <a:t>Main</a:t>
             </a:r>
             <a:r>
-              <a:rPr b="0" i="0" lang="de" sz="900" u="none" cap="none" strike="noStrike">
+              <a:rPr b="0" i="0" lang="de" sz="1000" u="none" cap="none" strike="noStrike">
                 <a:solidFill>
                   <a:schemeClr val="dk1"/>
                 </a:solidFill>
@@ -11513,7 +11506,7 @@
               </a:rPr>
               <a:t>. Hier soll ein Objekt jeder Klasse (Animal, Tiger, Elephant) erstellt werden und sowohl die Methode zur Ausgabe von Namen und Alter als auch die Methode zur Ausgabe der Geräusche auf jedem dieser Objekte aufgerufen werden. Am Ende soll einmal die Funktion zum ermitteln der Anzahl der Tiere aufgerufen werden und das Ergebnis auf der Kommandozeile ausgegeben werden.</a:t>
             </a:r>
-            <a:endParaRPr b="0" i="0" sz="900" u="none" cap="none" strike="noStrike">
+            <a:endParaRPr b="0" i="0" sz="1000" u="none" cap="none" strike="noStrike">
               <a:solidFill>
                 <a:schemeClr val="dk1"/>
               </a:solidFill>
@@ -12921,7 +12914,23 @@
                 <a:cs typeface="Arial"/>
                 <a:sym typeface="Arial"/>
               </a:rPr>
-              <a:t>Du interessierst dich für andere Klassen oder Interfaces? Such in der Suchmaschine deiner Wahl nach “Java ArrayList” oder “Java Math” (Oder eben der Klasse deiner Wahl) und schau einfach mal, was es alles schon gibt.</a:t>
+              <a:t>Du interessierst dich für andere Klassen oder Interfaces? Such in der Suchmaschine deiner Wahl nach “Java ArrayList” oder “Java Math” (</a:t>
+            </a:r>
+            <a:r>
+              <a:rPr lang="de"/>
+              <a:t>o</a:t>
+            </a:r>
+            <a:r>
+              <a:rPr b="0" i="0" lang="de" sz="1600" u="none" cap="none" strike="noStrike">
+                <a:solidFill>
+                  <a:schemeClr val="dk1"/>
+                </a:solidFill>
+                <a:latin typeface="Arial"/>
+                <a:ea typeface="Arial"/>
+                <a:cs typeface="Arial"/>
+                <a:sym typeface="Arial"/>
+              </a:rPr>
+              <a:t>der eben der Klasse deiner Wahl) und schau einfach mal, was es alles schon gibt.</a:t>
             </a:r>
             <a:endParaRPr b="0" i="0" sz="1600" u="none" cap="none" strike="noStrike">
               <a:solidFill>
@@ -13102,7 +13111,7 @@
                 <a:cs typeface="Arial"/>
                 <a:sym typeface="Arial"/>
               </a:rPr>
-              <a:t>Wir beschränken uns außerdem auf eine Auto und Flugzeug, die beide direkt von einer Fahrzeug-Klasse erben. </a:t>
+              <a:t>Wir beschränken uns außerdem auf ein Auto und ein Flugzeug, die beide direkt von einer Fahrzeug-Klasse erben. </a:t>
             </a:r>
             <a:endParaRPr b="0" i="0" sz="1600" u="none" cap="none" strike="noStrike">
               <a:solidFill>
@@ -14306,6 +14315,285 @@
 </file>
 
 <file path=ppt/theme/theme1.xml><?xml version="1.0" encoding="utf-8"?>
+<a:theme xmlns:a="http://schemas.openxmlformats.org/drawingml/2006/main" xmlns:r="http://schemas.openxmlformats.org/officeDocument/2006/relationships" name="TUBraunschweig_PPT2007_Folienpool_pptx">
+  <a:themeElements>
+    <a:clrScheme name="TU Braunschweig">
+      <a:dk1>
+        <a:srgbClr val="000000"/>
+      </a:dk1>
+      <a:lt1>
+        <a:srgbClr val="FFFFFF"/>
+      </a:lt1>
+      <a:dk2>
+        <a:srgbClr val="000000"/>
+      </a:dk2>
+      <a:lt2>
+        <a:srgbClr val="DDDDDD"/>
+      </a:lt2>
+      <a:accent1>
+        <a:srgbClr val="BE1E3C"/>
+      </a:accent1>
+      <a:accent2>
+        <a:srgbClr val="4DA6CB"/>
+      </a:accent2>
+      <a:accent3>
+        <a:srgbClr val="ADBF4D"/>
+      </a:accent3>
+      <a:accent4>
+        <a:srgbClr val="FA6E00"/>
+      </a:accent4>
+      <a:accent5>
+        <a:srgbClr val="407E97"/>
+      </a:accent5>
+      <a:accent6>
+        <a:srgbClr val="984098"/>
+      </a:accent6>
+      <a:hlink>
+        <a:srgbClr val="BE1E3C"/>
+      </a:hlink>
+      <a:folHlink>
+        <a:srgbClr val="760054"/>
+      </a:folHlink>
+    </a:clrScheme>
+    <a:fontScheme name="Office">
+      <a:majorFont>
+        <a:latin typeface="Arial"/>
+        <a:ea typeface=""/>
+        <a:cs typeface=""/>
+        <a:font script="Jpan" typeface="ＭＳ Ｐゴシック"/>
+        <a:font script="Hang" typeface="맑은 고딕"/>
+        <a:font script="Hans" typeface="宋体"/>
+        <a:font script="Hant" typeface="新細明體"/>
+        <a:font script="Arab" typeface="Times New Roman"/>
+        <a:font script="Hebr" typeface="Times New Roman"/>
+        <a:font script="Thai" typeface="Angsana New"/>
+        <a:font script="Ethi" typeface="Nyala"/>
+        <a:font script="Beng" typeface="Vrinda"/>
+        <a:font script="Gujr" typeface="Shruti"/>
+        <a:font script="Khmr" typeface="MoolBoran"/>
+        <a:font script="Knda" typeface="Tunga"/>
+        <a:font script="Guru" typeface="Raavi"/>
+        <a:font script="Cans" typeface="Euphemia"/>
+        <a:font script="Cher" typeface="Plantagenet Cherokee"/>
+        <a:font script="Yiii" typeface="Microsoft Yi Baiti"/>
+        <a:font script="Tibt" typeface="Microsoft Himalaya"/>
+        <a:font script="Thaa" typeface="MV Boli"/>
+        <a:font script="Deva" typeface="Mangal"/>
+        <a:font script="Telu" typeface="Gautami"/>
+        <a:font script="Taml" typeface="Latha"/>
+        <a:font script="Syrc" typeface="Estrangelo Edessa"/>
+        <a:font script="Orya" typeface="Kalinga"/>
+        <a:font script="Mlym" typeface="Kartika"/>
+        <a:font script="Laoo" typeface="DokChampa"/>
+        <a:font script="Sinh" typeface="Iskoola Pota"/>
+        <a:font script="Mong" typeface="Mongolian Baiti"/>
+        <a:font script="Viet" typeface="Times New Roman"/>
+        <a:font script="Uigh" typeface="Microsoft Uighur"/>
+        <a:font script="Geor" typeface="Sylfaen"/>
+      </a:majorFont>
+      <a:minorFont>
+        <a:latin typeface="Arial"/>
+        <a:ea typeface=""/>
+        <a:cs typeface=""/>
+        <a:font script="Jpan" typeface="ＭＳ Ｐゴシック"/>
+        <a:font script="Hang" typeface="맑은 고딕"/>
+        <a:font script="Hans" typeface="宋体"/>
+        <a:font script="Hant" typeface="新細明體"/>
+        <a:font script="Arab" typeface="Arial"/>
+        <a:font script="Hebr" typeface="Arial"/>
+        <a:font script="Thai" typeface="Cordia New"/>
+        <a:font script="Ethi" typeface="Nyala"/>
+        <a:font script="Beng" typeface="Vrinda"/>
+        <a:font script="Gujr" typeface="Shruti"/>
+        <a:font script="Khmr" typeface="DaunPenh"/>
+        <a:font script="Knda" typeface="Tunga"/>
+        <a:font script="Guru" typeface="Raavi"/>
+        <a:font script="Cans" typeface="Euphemia"/>
+        <a:font script="Cher" typeface="Plantagenet Cherokee"/>
+        <a:font script="Yiii" typeface="Microsoft Yi Baiti"/>
+        <a:font script="Tibt" typeface="Microsoft Himalaya"/>
+        <a:font script="Thaa" typeface="MV Boli"/>
+        <a:font script="Deva" typeface="Mangal"/>
+        <a:font script="Telu" typeface="Gautami"/>
+        <a:font script="Taml" typeface="Latha"/>
+        <a:font script="Syrc" typeface="Estrangelo Edessa"/>
+        <a:font script="Orya" typeface="Kalinga"/>
+        <a:font script="Mlym" typeface="Kartika"/>
+        <a:font script="Laoo" typeface="DokChampa"/>
+        <a:font script="Sinh" typeface="Iskoola Pota"/>
+        <a:font script="Mong" typeface="Mongolian Baiti"/>
+        <a:font script="Viet" typeface="Arial"/>
+        <a:font script="Uigh" typeface="Microsoft Uighur"/>
+        <a:font script="Geor" typeface="Sylfaen"/>
+      </a:minorFont>
+    </a:fontScheme>
+    <a:fmtScheme name="Office">
+      <a:fillStyleLst>
+        <a:solidFill>
+          <a:schemeClr val="phClr"/>
+        </a:solidFill>
+        <a:gradFill rotWithShape="1">
+          <a:gsLst>
+            <a:gs pos="0">
+              <a:schemeClr val="phClr">
+                <a:tint val="50000"/>
+                <a:satMod val="300000"/>
+              </a:schemeClr>
+            </a:gs>
+            <a:gs pos="35000">
+              <a:schemeClr val="phClr">
+                <a:tint val="37000"/>
+                <a:satMod val="300000"/>
+              </a:schemeClr>
+            </a:gs>
+            <a:gs pos="100000">
+              <a:schemeClr val="phClr">
+                <a:tint val="15000"/>
+                <a:satMod val="350000"/>
+              </a:schemeClr>
+            </a:gs>
+          </a:gsLst>
+          <a:lin ang="16200000" scaled="1"/>
+        </a:gradFill>
+        <a:gradFill rotWithShape="1">
+          <a:gsLst>
+            <a:gs pos="0">
+              <a:schemeClr val="phClr">
+                <a:tint val="100000"/>
+                <a:shade val="100000"/>
+                <a:satMod val="130000"/>
+              </a:schemeClr>
+            </a:gs>
+            <a:gs pos="100000">
+              <a:schemeClr val="phClr">
+                <a:tint val="50000"/>
+                <a:shade val="100000"/>
+                <a:satMod val="350000"/>
+              </a:schemeClr>
+            </a:gs>
+          </a:gsLst>
+          <a:lin ang="16200000" scaled="0"/>
+        </a:gradFill>
+      </a:fillStyleLst>
+      <a:lnStyleLst>
+        <a:ln w="9525" cap="flat" cmpd="sng" algn="ctr">
+          <a:solidFill>
+            <a:schemeClr val="phClr">
+              <a:shade val="95000"/>
+              <a:satMod val="105000"/>
+            </a:schemeClr>
+          </a:solidFill>
+          <a:prstDash val="solid"/>
+        </a:ln>
+        <a:ln w="25400" cap="flat" cmpd="sng" algn="ctr">
+          <a:solidFill>
+            <a:schemeClr val="phClr"/>
+          </a:solidFill>
+          <a:prstDash val="solid"/>
+        </a:ln>
+        <a:ln w="38100" cap="flat" cmpd="sng" algn="ctr">
+          <a:solidFill>
+            <a:schemeClr val="phClr"/>
+          </a:solidFill>
+          <a:prstDash val="solid"/>
+        </a:ln>
+      </a:lnStyleLst>
+      <a:effectStyleLst>
+        <a:effectStyle>
+          <a:effectLst>
+            <a:outerShdw blurRad="40000" dist="20000" dir="5400000" rotWithShape="0">
+              <a:srgbClr val="000000">
+                <a:alpha val="38000"/>
+              </a:srgbClr>
+            </a:outerShdw>
+          </a:effectLst>
+        </a:effectStyle>
+        <a:effectStyle>
+          <a:effectLst>
+            <a:outerShdw blurRad="40000" dist="23000" dir="5400000" rotWithShape="0">
+              <a:srgbClr val="000000">
+                <a:alpha val="35000"/>
+              </a:srgbClr>
+            </a:outerShdw>
+          </a:effectLst>
+        </a:effectStyle>
+        <a:effectStyle>
+          <a:effectLst>
+            <a:outerShdw blurRad="40000" dist="23000" dir="5400000" rotWithShape="0">
+              <a:srgbClr val="000000">
+                <a:alpha val="35000"/>
+              </a:srgbClr>
+            </a:outerShdw>
+          </a:effectLst>
+          <a:scene3d>
+            <a:camera prst="orthographicFront">
+              <a:rot lat="0" lon="0" rev="0"/>
+            </a:camera>
+            <a:lightRig rig="threePt" dir="t">
+              <a:rot lat="0" lon="0" rev="1200000"/>
+            </a:lightRig>
+          </a:scene3d>
+          <a:sp3d>
+            <a:bevelT w="63500" h="25400"/>
+          </a:sp3d>
+        </a:effectStyle>
+      </a:effectStyleLst>
+      <a:bgFillStyleLst>
+        <a:solidFill>
+          <a:schemeClr val="phClr"/>
+        </a:solidFill>
+        <a:gradFill rotWithShape="1">
+          <a:gsLst>
+            <a:gs pos="0">
+              <a:schemeClr val="phClr">
+                <a:tint val="40000"/>
+                <a:satMod val="350000"/>
+              </a:schemeClr>
+            </a:gs>
+            <a:gs pos="40000">
+              <a:schemeClr val="phClr">
+                <a:tint val="45000"/>
+                <a:shade val="99000"/>
+                <a:satMod val="350000"/>
+              </a:schemeClr>
+            </a:gs>
+            <a:gs pos="100000">
+              <a:schemeClr val="phClr">
+                <a:shade val="20000"/>
+                <a:satMod val="255000"/>
+              </a:schemeClr>
+            </a:gs>
+          </a:gsLst>
+          <a:path path="circle">
+            <a:fillToRect l="50000" t="-80000" r="50000" b="180000"/>
+          </a:path>
+        </a:gradFill>
+        <a:gradFill rotWithShape="1">
+          <a:gsLst>
+            <a:gs pos="0">
+              <a:schemeClr val="phClr">
+                <a:tint val="80000"/>
+                <a:satMod val="300000"/>
+              </a:schemeClr>
+            </a:gs>
+            <a:gs pos="100000">
+              <a:schemeClr val="phClr">
+                <a:shade val="30000"/>
+                <a:satMod val="200000"/>
+              </a:schemeClr>
+            </a:gs>
+          </a:gsLst>
+          <a:path path="circle">
+            <a:fillToRect l="50000" t="50000" r="50000" b="50000"/>
+          </a:path>
+        </a:gradFill>
+      </a:bgFillStyleLst>
+    </a:fmtScheme>
+  </a:themeElements>
+</a:theme>
+</file>
+
+<file path=ppt/theme/theme2.xml><?xml version="1.0" encoding="utf-8"?>
 <a:theme xmlns:a="http://schemas.openxmlformats.org/drawingml/2006/main" xmlns:r="http://schemas.openxmlformats.org/officeDocument/2006/relationships">
   <a:themeElements>
     <a:clrScheme name="Default">
@@ -14582,283 +14870,4 @@
     </a:fmtScheme>
   </a:themeElements>
 </a:theme>
-</file>
-
-<file path=ppt/theme/theme2.xml><?xml version="1.0" encoding="utf-8"?>
-<a:theme xmlns:a="http://schemas.openxmlformats.org/drawingml/2006/main" xmlns:r="http://schemas.openxmlformats.org/officeDocument/2006/relationships" name="TUBraunschweig_PPT2007_Folienpool_pptx">
-  <a:themeElements>
-    <a:clrScheme name="TU Braunschweig">
-      <a:dk1>
-        <a:srgbClr val="000000"/>
-      </a:dk1>
-      <a:lt1>
-        <a:srgbClr val="FFFFFF"/>
-      </a:lt1>
-      <a:dk2>
-        <a:srgbClr val="000000"/>
-      </a:dk2>
-      <a:lt2>
-        <a:srgbClr val="DDDDDD"/>
-      </a:lt2>
-      <a:accent1>
-        <a:srgbClr val="BE1E3C"/>
-      </a:accent1>
-      <a:accent2>
-        <a:srgbClr val="4DA6CB"/>
-      </a:accent2>
-      <a:accent3>
-        <a:srgbClr val="ADBF4D"/>
-      </a:accent3>
-      <a:accent4>
-        <a:srgbClr val="FA6E00"/>
-      </a:accent4>
-      <a:accent5>
-        <a:srgbClr val="407E97"/>
-      </a:accent5>
-      <a:accent6>
-        <a:srgbClr val="984098"/>
-      </a:accent6>
-      <a:hlink>
-        <a:srgbClr val="BE1E3C"/>
-      </a:hlink>
-      <a:folHlink>
-        <a:srgbClr val="760054"/>
-      </a:folHlink>
-    </a:clrScheme>
-    <a:fontScheme name="Office">
-      <a:majorFont>
-        <a:latin typeface="Arial"/>
-        <a:ea typeface=""/>
-        <a:cs typeface=""/>
-        <a:font script="Jpan" typeface="ＭＳ Ｐゴシック"/>
-        <a:font script="Hang" typeface="맑은 고딕"/>
-        <a:font script="Hans" typeface="宋体"/>
-        <a:font script="Hant" typeface="新細明體"/>
-        <a:font script="Arab" typeface="Times New Roman"/>
-        <a:font script="Hebr" typeface="Times New Roman"/>
-        <a:font script="Thai" typeface="Angsana New"/>
-        <a:font script="Ethi" typeface="Nyala"/>
-        <a:font script="Beng" typeface="Vrinda"/>
-        <a:font script="Gujr" typeface="Shruti"/>
-        <a:font script="Khmr" typeface="MoolBoran"/>
-        <a:font script="Knda" typeface="Tunga"/>
-        <a:font script="Guru" typeface="Raavi"/>
-        <a:font script="Cans" typeface="Euphemia"/>
-        <a:font script="Cher" typeface="Plantagenet Cherokee"/>
-        <a:font script="Yiii" typeface="Microsoft Yi Baiti"/>
-        <a:font script="Tibt" typeface="Microsoft Himalaya"/>
-        <a:font script="Thaa" typeface="MV Boli"/>
-        <a:font script="Deva" typeface="Mangal"/>
-        <a:font script="Telu" typeface="Gautami"/>
-        <a:font script="Taml" typeface="Latha"/>
-        <a:font script="Syrc" typeface="Estrangelo Edessa"/>
-        <a:font script="Orya" typeface="Kalinga"/>
-        <a:font script="Mlym" typeface="Kartika"/>
-        <a:font script="Laoo" typeface="DokChampa"/>
-        <a:font script="Sinh" typeface="Iskoola Pota"/>
-        <a:font script="Mong" typeface="Mongolian Baiti"/>
-        <a:font script="Viet" typeface="Times New Roman"/>
-        <a:font script="Uigh" typeface="Microsoft Uighur"/>
-        <a:font script="Geor" typeface="Sylfaen"/>
-      </a:majorFont>
-      <a:minorFont>
-        <a:latin typeface="Arial"/>
-        <a:ea typeface=""/>
-        <a:cs typeface=""/>
-        <a:font script="Jpan" typeface="ＭＳ Ｐゴシック"/>
-        <a:font script="Hang" typeface="맑은 고딕"/>
-        <a:font script="Hans" typeface="宋体"/>
-        <a:font script="Hant" typeface="新細明體"/>
-        <a:font script="Arab" typeface="Arial"/>
-        <a:font script="Hebr" typeface="Arial"/>
-        <a:font script="Thai" typeface="Cordia New"/>
-        <a:font script="Ethi" typeface="Nyala"/>
-        <a:font script="Beng" typeface="Vrinda"/>
-        <a:font script="Gujr" typeface="Shruti"/>
-        <a:font script="Khmr" typeface="DaunPenh"/>
-        <a:font script="Knda" typeface="Tunga"/>
-        <a:font script="Guru" typeface="Raavi"/>
-        <a:font script="Cans" typeface="Euphemia"/>
-        <a:font script="Cher" typeface="Plantagenet Cherokee"/>
-        <a:font script="Yiii" typeface="Microsoft Yi Baiti"/>
-        <a:font script="Tibt" typeface="Microsoft Himalaya"/>
-        <a:font script="Thaa" typeface="MV Boli"/>
-        <a:font script="Deva" typeface="Mangal"/>
-        <a:font script="Telu" typeface="Gautami"/>
-        <a:font script="Taml" typeface="Latha"/>
-        <a:font script="Syrc" typeface="Estrangelo Edessa"/>
-        <a:font script="Orya" typeface="Kalinga"/>
-        <a:font script="Mlym" typeface="Kartika"/>
-        <a:font script="Laoo" typeface="DokChampa"/>
-        <a:font script="Sinh" typeface="Iskoola Pota"/>
-        <a:font script="Mong" typeface="Mongolian Baiti"/>
-        <a:font script="Viet" typeface="Arial"/>
-        <a:font script="Uigh" typeface="Microsoft Uighur"/>
-        <a:font script="Geor" typeface="Sylfaen"/>
-      </a:minorFont>
-    </a:fontScheme>
-    <a:fmtScheme name="Office">
-      <a:fillStyleLst>
-        <a:solidFill>
-          <a:schemeClr val="phClr"/>
-        </a:solidFill>
-        <a:gradFill rotWithShape="1">
-          <a:gsLst>
-            <a:gs pos="0">
-              <a:schemeClr val="phClr">
-                <a:tint val="50000"/>
-                <a:satMod val="300000"/>
-              </a:schemeClr>
-            </a:gs>
-            <a:gs pos="35000">
-              <a:schemeClr val="phClr">
-                <a:tint val="37000"/>
-                <a:satMod val="300000"/>
-              </a:schemeClr>
-            </a:gs>
-            <a:gs pos="100000">
-              <a:schemeClr val="phClr">
-                <a:tint val="15000"/>
-                <a:satMod val="350000"/>
-              </a:schemeClr>
-            </a:gs>
-          </a:gsLst>
-          <a:lin ang="16200000" scaled="1"/>
-        </a:gradFill>
-        <a:gradFill rotWithShape="1">
-          <a:gsLst>
-            <a:gs pos="0">
-              <a:schemeClr val="phClr">
-                <a:tint val="100000"/>
-                <a:shade val="100000"/>
-                <a:satMod val="130000"/>
-              </a:schemeClr>
-            </a:gs>
-            <a:gs pos="100000">
-              <a:schemeClr val="phClr">
-                <a:tint val="50000"/>
-                <a:shade val="100000"/>
-                <a:satMod val="350000"/>
-              </a:schemeClr>
-            </a:gs>
-          </a:gsLst>
-          <a:lin ang="16200000" scaled="0"/>
-        </a:gradFill>
-      </a:fillStyleLst>
-      <a:lnStyleLst>
-        <a:ln w="9525" cap="flat" cmpd="sng" algn="ctr">
-          <a:solidFill>
-            <a:schemeClr val="phClr">
-              <a:shade val="95000"/>
-              <a:satMod val="105000"/>
-            </a:schemeClr>
-          </a:solidFill>
-          <a:prstDash val="solid"/>
-        </a:ln>
-        <a:ln w="25400" cap="flat" cmpd="sng" algn="ctr">
-          <a:solidFill>
-            <a:schemeClr val="phClr"/>
-          </a:solidFill>
-          <a:prstDash val="solid"/>
-        </a:ln>
-        <a:ln w="38100" cap="flat" cmpd="sng" algn="ctr">
-          <a:solidFill>
-            <a:schemeClr val="phClr"/>
-          </a:solidFill>
-          <a:prstDash val="solid"/>
-        </a:ln>
-      </a:lnStyleLst>
-      <a:effectStyleLst>
-        <a:effectStyle>
-          <a:effectLst>
-            <a:outerShdw blurRad="40000" dist="20000" dir="5400000" rotWithShape="0">
-              <a:srgbClr val="000000">
-                <a:alpha val="38000"/>
-              </a:srgbClr>
-            </a:outerShdw>
-          </a:effectLst>
-        </a:effectStyle>
-        <a:effectStyle>
-          <a:effectLst>
-            <a:outerShdw blurRad="40000" dist="23000" dir="5400000" rotWithShape="0">
-              <a:srgbClr val="000000">
-                <a:alpha val="35000"/>
-              </a:srgbClr>
-            </a:outerShdw>
-          </a:effectLst>
-        </a:effectStyle>
-        <a:effectStyle>
-          <a:effectLst>
-            <a:outerShdw blurRad="40000" dist="23000" dir="5400000" rotWithShape="0">
-              <a:srgbClr val="000000">
-                <a:alpha val="35000"/>
-              </a:srgbClr>
-            </a:outerShdw>
-          </a:effectLst>
-          <a:scene3d>
-            <a:camera prst="orthographicFront">
-              <a:rot lat="0" lon="0" rev="0"/>
-            </a:camera>
-            <a:lightRig rig="threePt" dir="t">
-              <a:rot lat="0" lon="0" rev="1200000"/>
-            </a:lightRig>
-          </a:scene3d>
-          <a:sp3d>
-            <a:bevelT w="63500" h="25400"/>
-          </a:sp3d>
-        </a:effectStyle>
-      </a:effectStyleLst>
-      <a:bgFillStyleLst>
-        <a:solidFill>
-          <a:schemeClr val="phClr"/>
-        </a:solidFill>
-        <a:gradFill rotWithShape="1">
-          <a:gsLst>
-            <a:gs pos="0">
-              <a:schemeClr val="phClr">
-                <a:tint val="40000"/>
-                <a:satMod val="350000"/>
-              </a:schemeClr>
-            </a:gs>
-            <a:gs pos="40000">
-              <a:schemeClr val="phClr">
-                <a:tint val="45000"/>
-                <a:shade val="99000"/>
-                <a:satMod val="350000"/>
-              </a:schemeClr>
-            </a:gs>
-            <a:gs pos="100000">
-              <a:schemeClr val="phClr">
-                <a:shade val="20000"/>
-                <a:satMod val="255000"/>
-              </a:schemeClr>
-            </a:gs>
-          </a:gsLst>
-          <a:path path="circle">
-            <a:fillToRect l="50000" t="-80000" r="50000" b="180000"/>
-          </a:path>
-        </a:gradFill>
-        <a:gradFill rotWithShape="1">
-          <a:gsLst>
-            <a:gs pos="0">
-              <a:schemeClr val="phClr">
-                <a:tint val="80000"/>
-                <a:satMod val="300000"/>
-              </a:schemeClr>
-            </a:gs>
-            <a:gs pos="100000">
-              <a:schemeClr val="phClr">
-                <a:shade val="30000"/>
-                <a:satMod val="200000"/>
-              </a:schemeClr>
-            </a:gs>
-          </a:gsLst>
-          <a:path path="circle">
-            <a:fillToRect l="50000" t="50000" r="50000" b="50000"/>
-          </a:path>
-        </a:gradFill>
-      </a:bgFillStyleLst>
-    </a:fmtScheme>
-  </a:themeElements>
-</a:theme>
 </file>
--- a/slides/06_inheritance.pptx
+++ b/slides/06_inheritance.pptx
@@ -9177,7 +9177,7 @@
                 <a:cs typeface="Arial"/>
                 <a:sym typeface="Arial"/>
               </a:rPr>
-              <a:t>David Gemen und Andriyan Lapychak | Seite </a:t>
+              <a:t>David Gemen | Seite </a:t>
             </a:r>
             <a:fld id="{00000000-1234-1234-1234-123412341234}" type="slidenum">
               <a:rPr b="0" i="0" lang="de" sz="800" u="none" cap="none" strike="noStrike">
@@ -14315,6 +14315,285 @@
 </file>
 
 <file path=ppt/theme/theme1.xml><?xml version="1.0" encoding="utf-8"?>
+<a:theme xmlns:a="http://schemas.openxmlformats.org/drawingml/2006/main" xmlns:r="http://schemas.openxmlformats.org/officeDocument/2006/relationships">
+  <a:themeElements>
+    <a:clrScheme name="Default">
+      <a:dk1>
+        <a:srgbClr val="000000"/>
+      </a:dk1>
+      <a:lt1>
+        <a:srgbClr val="FFFFFF"/>
+      </a:lt1>
+      <a:dk2>
+        <a:srgbClr val="158158"/>
+      </a:dk2>
+      <a:lt2>
+        <a:srgbClr val="F3F3F3"/>
+      </a:lt2>
+      <a:accent1>
+        <a:srgbClr val="058DC7"/>
+      </a:accent1>
+      <a:accent2>
+        <a:srgbClr val="50B432"/>
+      </a:accent2>
+      <a:accent3>
+        <a:srgbClr val="ED561B"/>
+      </a:accent3>
+      <a:accent4>
+        <a:srgbClr val="EDEF00"/>
+      </a:accent4>
+      <a:accent5>
+        <a:srgbClr val="24CBE5"/>
+      </a:accent5>
+      <a:accent6>
+        <a:srgbClr val="64E572"/>
+      </a:accent6>
+      <a:hlink>
+        <a:srgbClr val="2200CC"/>
+      </a:hlink>
+      <a:folHlink>
+        <a:srgbClr val="551A8B"/>
+      </a:folHlink>
+    </a:clrScheme>
+    <a:fontScheme name="Office">
+      <a:majorFont>
+        <a:latin typeface="Arial"/>
+        <a:ea typeface=""/>
+        <a:cs typeface=""/>
+        <a:font script="Jpan" typeface="ＭＳ Ｐゴシック"/>
+        <a:font script="Hang" typeface="맑은 고딕"/>
+        <a:font script="Hans" typeface="宋体"/>
+        <a:font script="Hant" typeface="新細明體"/>
+        <a:font script="Arab" typeface="Times New Roman"/>
+        <a:font script="Hebr" typeface="Times New Roman"/>
+        <a:font script="Thai" typeface="Angsana New"/>
+        <a:font script="Ethi" typeface="Nyala"/>
+        <a:font script="Beng" typeface="Vrinda"/>
+        <a:font script="Gujr" typeface="Shruti"/>
+        <a:font script="Khmr" typeface="MoolBoran"/>
+        <a:font script="Knda" typeface="Tunga"/>
+        <a:font script="Guru" typeface="Raavi"/>
+        <a:font script="Cans" typeface="Euphemia"/>
+        <a:font script="Cher" typeface="Plantagenet Cherokee"/>
+        <a:font script="Yiii" typeface="Microsoft Yi Baiti"/>
+        <a:font script="Tibt" typeface="Microsoft Himalaya"/>
+        <a:font script="Thaa" typeface="MV Boli"/>
+        <a:font script="Deva" typeface="Mangal"/>
+        <a:font script="Telu" typeface="Gautami"/>
+        <a:font script="Taml" typeface="Latha"/>
+        <a:font script="Syrc" typeface="Estrangelo Edessa"/>
+        <a:font script="Orya" typeface="Kalinga"/>
+        <a:font script="Mlym" typeface="Kartika"/>
+        <a:font script="Laoo" typeface="DokChampa"/>
+        <a:font script="Sinh" typeface="Iskoola Pota"/>
+        <a:font script="Mong" typeface="Mongolian Baiti"/>
+        <a:font script="Viet" typeface="Times New Roman"/>
+        <a:font script="Uigh" typeface="Microsoft Uighur"/>
+        <a:font script="Geor" typeface="Sylfaen"/>
+      </a:majorFont>
+      <a:minorFont>
+        <a:latin typeface="Arial"/>
+        <a:ea typeface=""/>
+        <a:cs typeface=""/>
+        <a:font script="Jpan" typeface="ＭＳ Ｐゴシック"/>
+        <a:font script="Hang" typeface="맑은 고딕"/>
+        <a:font script="Hans" typeface="宋体"/>
+        <a:font script="Hant" typeface="新細明體"/>
+        <a:font script="Arab" typeface="Arial"/>
+        <a:font script="Hebr" typeface="Arial"/>
+        <a:font script="Thai" typeface="Cordia New"/>
+        <a:font script="Ethi" typeface="Nyala"/>
+        <a:font script="Beng" typeface="Vrinda"/>
+        <a:font script="Gujr" typeface="Shruti"/>
+        <a:font script="Khmr" typeface="DaunPenh"/>
+        <a:font script="Knda" typeface="Tunga"/>
+        <a:font script="Guru" typeface="Raavi"/>
+        <a:font script="Cans" typeface="Euphemia"/>
+        <a:font script="Cher" typeface="Plantagenet Cherokee"/>
+        <a:font script="Yiii" typeface="Microsoft Yi Baiti"/>
+        <a:font script="Tibt" typeface="Microsoft Himalaya"/>
+        <a:font script="Thaa" typeface="MV Boli"/>
+        <a:font script="Deva" typeface="Mangal"/>
+        <a:font script="Telu" typeface="Gautami"/>
+        <a:font script="Taml" typeface="Latha"/>
+        <a:font script="Syrc" typeface="Estrangelo Edessa"/>
+        <a:font script="Orya" typeface="Kalinga"/>
+        <a:font script="Mlym" typeface="Kartika"/>
+        <a:font script="Laoo" typeface="DokChampa"/>
+        <a:font script="Sinh" typeface="Iskoola Pota"/>
+        <a:font script="Mong" typeface="Mongolian Baiti"/>
+        <a:font script="Viet" typeface="Arial"/>
+        <a:font script="Uigh" typeface="Microsoft Uighur"/>
+        <a:font script="Geor" typeface="Sylfaen"/>
+      </a:minorFont>
+    </a:fontScheme>
+    <a:fmtScheme name="Office">
+      <a:fillStyleLst>
+        <a:solidFill>
+          <a:schemeClr val="phClr"/>
+        </a:solidFill>
+        <a:gradFill rotWithShape="1">
+          <a:gsLst>
+            <a:gs pos="0">
+              <a:schemeClr val="phClr">
+                <a:tint val="50000"/>
+                <a:satMod val="300000"/>
+              </a:schemeClr>
+            </a:gs>
+            <a:gs pos="35000">
+              <a:schemeClr val="phClr">
+                <a:tint val="37000"/>
+                <a:satMod val="300000"/>
+              </a:schemeClr>
+            </a:gs>
+            <a:gs pos="100000">
+              <a:schemeClr val="phClr">
+                <a:tint val="15000"/>
+                <a:satMod val="350000"/>
+              </a:schemeClr>
+            </a:gs>
+          </a:gsLst>
+          <a:lin ang="16200000" scaled="1"/>
+        </a:gradFill>
+        <a:gradFill rotWithShape="1">
+          <a:gsLst>
+            <a:gs pos="0">
+              <a:schemeClr val="phClr">
+                <a:tint val="100000"/>
+                <a:shade val="100000"/>
+                <a:satMod val="130000"/>
+              </a:schemeClr>
+            </a:gs>
+            <a:gs pos="100000">
+              <a:schemeClr val="phClr">
+                <a:tint val="50000"/>
+                <a:shade val="100000"/>
+                <a:satMod val="350000"/>
+              </a:schemeClr>
+            </a:gs>
+          </a:gsLst>
+          <a:lin ang="16200000" scaled="0"/>
+        </a:gradFill>
+      </a:fillStyleLst>
+      <a:lnStyleLst>
+        <a:ln w="9525" cap="flat" cmpd="sng" algn="ctr">
+          <a:solidFill>
+            <a:schemeClr val="phClr">
+              <a:shade val="95000"/>
+              <a:satMod val="105000"/>
+            </a:schemeClr>
+          </a:solidFill>
+          <a:prstDash val="solid"/>
+        </a:ln>
+        <a:ln w="25400" cap="flat" cmpd="sng" algn="ctr">
+          <a:solidFill>
+            <a:schemeClr val="phClr"/>
+          </a:solidFill>
+          <a:prstDash val="solid"/>
+        </a:ln>
+        <a:ln w="38100" cap="flat" cmpd="sng" algn="ctr">
+          <a:solidFill>
+            <a:schemeClr val="phClr"/>
+          </a:solidFill>
+          <a:prstDash val="solid"/>
+        </a:ln>
+      </a:lnStyleLst>
+      <a:effectStyleLst>
+        <a:effectStyle>
+          <a:effectLst>
+            <a:outerShdw blurRad="40000" dist="20000" dir="5400000" rotWithShape="0">
+              <a:srgbClr val="000000">
+                <a:alpha val="38000"/>
+              </a:srgbClr>
+            </a:outerShdw>
+          </a:effectLst>
+        </a:effectStyle>
+        <a:effectStyle>
+          <a:effectLst>
+            <a:outerShdw blurRad="40000" dist="23000" dir="5400000" rotWithShape="0">
+              <a:srgbClr val="000000">
+                <a:alpha val="35000"/>
+              </a:srgbClr>
+            </a:outerShdw>
+          </a:effectLst>
+        </a:effectStyle>
+        <a:effectStyle>
+          <a:effectLst>
+            <a:outerShdw blurRad="40000" dist="23000" dir="5400000" rotWithShape="0">
+              <a:srgbClr val="000000">
+                <a:alpha val="35000"/>
+              </a:srgbClr>
+            </a:outerShdw>
+          </a:effectLst>
+          <a:scene3d>
+            <a:camera prst="orthographicFront">
+              <a:rot lat="0" lon="0" rev="0"/>
+            </a:camera>
+            <a:lightRig rig="threePt" dir="t">
+              <a:rot lat="0" lon="0" rev="1200000"/>
+            </a:lightRig>
+          </a:scene3d>
+          <a:sp3d>
+            <a:bevelT w="63500" h="25400"/>
+          </a:sp3d>
+        </a:effectStyle>
+      </a:effectStyleLst>
+      <a:bgFillStyleLst>
+        <a:solidFill>
+          <a:schemeClr val="phClr"/>
+        </a:solidFill>
+        <a:gradFill rotWithShape="1">
+          <a:gsLst>
+            <a:gs pos="0">
+              <a:schemeClr val="phClr">
+                <a:tint val="40000"/>
+                <a:satMod val="350000"/>
+              </a:schemeClr>
+            </a:gs>
+            <a:gs pos="40000">
+              <a:schemeClr val="phClr">
+                <a:tint val="45000"/>
+                <a:shade val="99000"/>
+                <a:satMod val="350000"/>
+              </a:schemeClr>
+            </a:gs>
+            <a:gs pos="100000">
+              <a:schemeClr val="phClr">
+                <a:shade val="20000"/>
+                <a:satMod val="255000"/>
+              </a:schemeClr>
+            </a:gs>
+          </a:gsLst>
+          <a:path path="circle">
+            <a:fillToRect l="50000" t="-80000" r="50000" b="180000"/>
+          </a:path>
+        </a:gradFill>
+        <a:gradFill rotWithShape="1">
+          <a:gsLst>
+            <a:gs pos="0">
+              <a:schemeClr val="phClr">
+                <a:tint val="80000"/>
+                <a:satMod val="300000"/>
+              </a:schemeClr>
+            </a:gs>
+            <a:gs pos="100000">
+              <a:schemeClr val="phClr">
+                <a:shade val="30000"/>
+                <a:satMod val="200000"/>
+              </a:schemeClr>
+            </a:gs>
+          </a:gsLst>
+          <a:path path="circle">
+            <a:fillToRect l="50000" t="50000" r="50000" b="50000"/>
+          </a:path>
+        </a:gradFill>
+      </a:bgFillStyleLst>
+    </a:fmtScheme>
+  </a:themeElements>
+</a:theme>
+</file>
+
+<file path=ppt/theme/theme2.xml><?xml version="1.0" encoding="utf-8"?>
 <a:theme xmlns:a="http://schemas.openxmlformats.org/drawingml/2006/main" xmlns:r="http://schemas.openxmlformats.org/officeDocument/2006/relationships" name="TUBraunschweig_PPT2007_Folienpool_pptx">
   <a:themeElements>
     <a:clrScheme name="TU Braunschweig">
@@ -14591,283 +14870,4 @@
     </a:fmtScheme>
   </a:themeElements>
 </a:theme>
-</file>
-
-<file path=ppt/theme/theme2.xml><?xml version="1.0" encoding="utf-8"?>
-<a:theme xmlns:a="http://schemas.openxmlformats.org/drawingml/2006/main" xmlns:r="http://schemas.openxmlformats.org/officeDocument/2006/relationships">
-  <a:themeElements>
-    <a:clrScheme name="Default">
-      <a:dk1>
-        <a:srgbClr val="000000"/>
-      </a:dk1>
-      <a:lt1>
-        <a:srgbClr val="FFFFFF"/>
-      </a:lt1>
-      <a:dk2>
-        <a:srgbClr val="158158"/>
-      </a:dk2>
-      <a:lt2>
-        <a:srgbClr val="F3F3F3"/>
-      </a:lt2>
-      <a:accent1>
-        <a:srgbClr val="058DC7"/>
-      </a:accent1>
-      <a:accent2>
-        <a:srgbClr val="50B432"/>
-      </a:accent2>
-      <a:accent3>
-        <a:srgbClr val="ED561B"/>
-      </a:accent3>
-      <a:accent4>
-        <a:srgbClr val="EDEF00"/>
-      </a:accent4>
-      <a:accent5>
-        <a:srgbClr val="24CBE5"/>
-      </a:accent5>
-      <a:accent6>
-        <a:srgbClr val="64E572"/>
-      </a:accent6>
-      <a:hlink>
-        <a:srgbClr val="2200CC"/>
-      </a:hlink>
-      <a:folHlink>
-        <a:srgbClr val="551A8B"/>
-      </a:folHlink>
-    </a:clrScheme>
-    <a:fontScheme name="Office">
-      <a:majorFont>
-        <a:latin typeface="Arial"/>
-        <a:ea typeface=""/>
-        <a:cs typeface=""/>
-        <a:font script="Jpan" typeface="ＭＳ Ｐゴシック"/>
-        <a:font script="Hang" typeface="맑은 고딕"/>
-        <a:font script="Hans" typeface="宋体"/>
-        <a:font script="Hant" typeface="新細明體"/>
-        <a:font script="Arab" typeface="Times New Roman"/>
-        <a:font script="Hebr" typeface="Times New Roman"/>
-        <a:font script="Thai" typeface="Angsana New"/>
-        <a:font script="Ethi" typeface="Nyala"/>
-        <a:font script="Beng" typeface="Vrinda"/>
-        <a:font script="Gujr" typeface="Shruti"/>
-        <a:font script="Khmr" typeface="MoolBoran"/>
-        <a:font script="Knda" typeface="Tunga"/>
-        <a:font script="Guru" typeface="Raavi"/>
-        <a:font script="Cans" typeface="Euphemia"/>
-        <a:font script="Cher" typeface="Plantagenet Cherokee"/>
-        <a:font script="Yiii" typeface="Microsoft Yi Baiti"/>
-        <a:font script="Tibt" typeface="Microsoft Himalaya"/>
-        <a:font script="Thaa" typeface="MV Boli"/>
-        <a:font script="Deva" typeface="Mangal"/>
-        <a:font script="Telu" typeface="Gautami"/>
-        <a:font script="Taml" typeface="Latha"/>
-        <a:font script="Syrc" typeface="Estrangelo Edessa"/>
-        <a:font script="Orya" typeface="Kalinga"/>
-        <a:font script="Mlym" typeface="Kartika"/>
-        <a:font script="Laoo" typeface="DokChampa"/>
-        <a:font script="Sinh" typeface="Iskoola Pota"/>
-        <a:font script="Mong" typeface="Mongolian Baiti"/>
-        <a:font script="Viet" typeface="Times New Roman"/>
-        <a:font script="Uigh" typeface="Microsoft Uighur"/>
-        <a:font script="Geor" typeface="Sylfaen"/>
-      </a:majorFont>
-      <a:minorFont>
-        <a:latin typeface="Arial"/>
-        <a:ea typeface=""/>
-        <a:cs typeface=""/>
-        <a:font script="Jpan" typeface="ＭＳ Ｐゴシック"/>
-        <a:font script="Hang" typeface="맑은 고딕"/>
-        <a:font script="Hans" typeface="宋体"/>
-        <a:font script="Hant" typeface="新細明體"/>
-        <a:font script="Arab" typeface="Arial"/>
-        <a:font script="Hebr" typeface="Arial"/>
-        <a:font script="Thai" typeface="Cordia New"/>
-        <a:font script="Ethi" typeface="Nyala"/>
-        <a:font script="Beng" typeface="Vrinda"/>
-        <a:font script="Gujr" typeface="Shruti"/>
-        <a:font script="Khmr" typeface="DaunPenh"/>
-        <a:font script="Knda" typeface="Tunga"/>
-        <a:font script="Guru" typeface="Raavi"/>
-        <a:font script="Cans" typeface="Euphemia"/>
-        <a:font script="Cher" typeface="Plantagenet Cherokee"/>
-        <a:font script="Yiii" typeface="Microsoft Yi Baiti"/>
-        <a:font script="Tibt" typeface="Microsoft Himalaya"/>
-        <a:font script="Thaa" typeface="MV Boli"/>
-        <a:font script="Deva" typeface="Mangal"/>
-        <a:font script="Telu" typeface="Gautami"/>
-        <a:font script="Taml" typeface="Latha"/>
-        <a:font script="Syrc" typeface="Estrangelo Edessa"/>
-        <a:font script="Orya" typeface="Kalinga"/>
-        <a:font script="Mlym" typeface="Kartika"/>
-        <a:font script="Laoo" typeface="DokChampa"/>
-        <a:font script="Sinh" typeface="Iskoola Pota"/>
-        <a:font script="Mong" typeface="Mongolian Baiti"/>
-        <a:font script="Viet" typeface="Arial"/>
-        <a:font script="Uigh" typeface="Microsoft Uighur"/>
-        <a:font script="Geor" typeface="Sylfaen"/>
-      </a:minorFont>
-    </a:fontScheme>
-    <a:fmtScheme name="Office">
-      <a:fillStyleLst>
-        <a:solidFill>
-          <a:schemeClr val="phClr"/>
-        </a:solidFill>
-        <a:gradFill rotWithShape="1">
-          <a:gsLst>
-            <a:gs pos="0">
-              <a:schemeClr val="phClr">
-                <a:tint val="50000"/>
-                <a:satMod val="300000"/>
-              </a:schemeClr>
-            </a:gs>
-            <a:gs pos="35000">
-              <a:schemeClr val="phClr">
-                <a:tint val="37000"/>
-                <a:satMod val="300000"/>
-              </a:schemeClr>
-            </a:gs>
-            <a:gs pos="100000">
-              <a:schemeClr val="phClr">
-                <a:tint val="15000"/>
-                <a:satMod val="350000"/>
-              </a:schemeClr>
-            </a:gs>
-          </a:gsLst>
-          <a:lin ang="16200000" scaled="1"/>
-        </a:gradFill>
-        <a:gradFill rotWithShape="1">
-          <a:gsLst>
-            <a:gs pos="0">
-              <a:schemeClr val="phClr">
-                <a:tint val="100000"/>
-                <a:shade val="100000"/>
-                <a:satMod val="130000"/>
-              </a:schemeClr>
-            </a:gs>
-            <a:gs pos="100000">
-              <a:schemeClr val="phClr">
-                <a:tint val="50000"/>
-                <a:shade val="100000"/>
-                <a:satMod val="350000"/>
-              </a:schemeClr>
-            </a:gs>
-          </a:gsLst>
-          <a:lin ang="16200000" scaled="0"/>
-        </a:gradFill>
-      </a:fillStyleLst>
-      <a:lnStyleLst>
-        <a:ln w="9525" cap="flat" cmpd="sng" algn="ctr">
-          <a:solidFill>
-            <a:schemeClr val="phClr">
-              <a:shade val="95000"/>
-              <a:satMod val="105000"/>
-            </a:schemeClr>
-          </a:solidFill>
-          <a:prstDash val="solid"/>
-        </a:ln>
-        <a:ln w="25400" cap="flat" cmpd="sng" algn="ctr">
-          <a:solidFill>
-            <a:schemeClr val="phClr"/>
-          </a:solidFill>
-          <a:prstDash val="solid"/>
-        </a:ln>
-        <a:ln w="38100" cap="flat" cmpd="sng" algn="ctr">
-          <a:solidFill>
-            <a:schemeClr val="phClr"/>
-          </a:solidFill>
-          <a:prstDash val="solid"/>
-        </a:ln>
-      </a:lnStyleLst>
-      <a:effectStyleLst>
-        <a:effectStyle>
-          <a:effectLst>
-            <a:outerShdw blurRad="40000" dist="20000" dir="5400000" rotWithShape="0">
-              <a:srgbClr val="000000">
-                <a:alpha val="38000"/>
-              </a:srgbClr>
-            </a:outerShdw>
-          </a:effectLst>
-        </a:effectStyle>
-        <a:effectStyle>
-          <a:effectLst>
-            <a:outerShdw blurRad="40000" dist="23000" dir="5400000" rotWithShape="0">
-              <a:srgbClr val="000000">
-                <a:alpha val="35000"/>
-              </a:srgbClr>
-            </a:outerShdw>
-          </a:effectLst>
-        </a:effectStyle>
-        <a:effectStyle>
-          <a:effectLst>
-            <a:outerShdw blurRad="40000" dist="23000" dir="5400000" rotWithShape="0">
-              <a:srgbClr val="000000">
-                <a:alpha val="35000"/>
-              </a:srgbClr>
-            </a:outerShdw>
-          </a:effectLst>
-          <a:scene3d>
-            <a:camera prst="orthographicFront">
-              <a:rot lat="0" lon="0" rev="0"/>
-            </a:camera>
-            <a:lightRig rig="threePt" dir="t">
-              <a:rot lat="0" lon="0" rev="1200000"/>
-            </a:lightRig>
-          </a:scene3d>
-          <a:sp3d>
-            <a:bevelT w="63500" h="25400"/>
-          </a:sp3d>
-        </a:effectStyle>
-      </a:effectStyleLst>
-      <a:bgFillStyleLst>
-        <a:solidFill>
-          <a:schemeClr val="phClr"/>
-        </a:solidFill>
-        <a:gradFill rotWithShape="1">
-          <a:gsLst>
-            <a:gs pos="0">
-              <a:schemeClr val="phClr">
-                <a:tint val="40000"/>
-                <a:satMod val="350000"/>
-              </a:schemeClr>
-            </a:gs>
-            <a:gs pos="40000">
-              <a:schemeClr val="phClr">
-                <a:tint val="45000"/>
-                <a:shade val="99000"/>
-                <a:satMod val="350000"/>
-              </a:schemeClr>
-            </a:gs>
-            <a:gs pos="100000">
-              <a:schemeClr val="phClr">
-                <a:shade val="20000"/>
-                <a:satMod val="255000"/>
-              </a:schemeClr>
-            </a:gs>
-          </a:gsLst>
-          <a:path path="circle">
-            <a:fillToRect l="50000" t="-80000" r="50000" b="180000"/>
-          </a:path>
-        </a:gradFill>
-        <a:gradFill rotWithShape="1">
-          <a:gsLst>
-            <a:gs pos="0">
-              <a:schemeClr val="phClr">
-                <a:tint val="80000"/>
-                <a:satMod val="300000"/>
-              </a:schemeClr>
-            </a:gs>
-            <a:gs pos="100000">
-              <a:schemeClr val="phClr">
-                <a:shade val="30000"/>
-                <a:satMod val="200000"/>
-              </a:schemeClr>
-            </a:gs>
-          </a:gsLst>
-          <a:path path="circle">
-            <a:fillToRect l="50000" t="50000" r="50000" b="50000"/>
-          </a:path>
-        </a:gradFill>
-      </a:bgFillStyleLst>
-    </a:fmtScheme>
-  </a:themeElements>
-</a:theme>
 </file>